--- a/DOCUMENTACION PROYECTO/presentacion YSTC.pptx
+++ b/DOCUMENTACION PROYECTO/presentacion YSTC.pptx
@@ -4,19 +4,41 @@
   <p:sldMasterIdLst>
     <p:sldMasterId id="2147483648" r:id="rId1"/>
   </p:sldMasterIdLst>
+  <p:notesMasterIdLst>
+    <p:notesMasterId r:id="rId33"/>
+  </p:notesMasterIdLst>
   <p:sldIdLst>
     <p:sldId id="259" r:id="rId2"/>
     <p:sldId id="260" r:id="rId3"/>
     <p:sldId id="257" r:id="rId4"/>
     <p:sldId id="270" r:id="rId5"/>
-    <p:sldId id="261" r:id="rId6"/>
-    <p:sldId id="262" r:id="rId7"/>
-    <p:sldId id="263" r:id="rId8"/>
-    <p:sldId id="264" r:id="rId9"/>
-    <p:sldId id="265" r:id="rId10"/>
-    <p:sldId id="266" r:id="rId11"/>
-    <p:sldId id="267" r:id="rId12"/>
-    <p:sldId id="268" r:id="rId13"/>
+    <p:sldId id="287" r:id="rId6"/>
+    <p:sldId id="285" r:id="rId7"/>
+    <p:sldId id="288" r:id="rId8"/>
+    <p:sldId id="286" r:id="rId9"/>
+    <p:sldId id="289" r:id="rId10"/>
+    <p:sldId id="271" r:id="rId11"/>
+    <p:sldId id="291" r:id="rId12"/>
+    <p:sldId id="261" r:id="rId13"/>
+    <p:sldId id="273" r:id="rId14"/>
+    <p:sldId id="262" r:id="rId15"/>
+    <p:sldId id="272" r:id="rId16"/>
+    <p:sldId id="263" r:id="rId17"/>
+    <p:sldId id="264" r:id="rId18"/>
+    <p:sldId id="277" r:id="rId19"/>
+    <p:sldId id="265" r:id="rId20"/>
+    <p:sldId id="276" r:id="rId21"/>
+    <p:sldId id="266" r:id="rId22"/>
+    <p:sldId id="275" r:id="rId23"/>
+    <p:sldId id="267" r:id="rId24"/>
+    <p:sldId id="282" r:id="rId25"/>
+    <p:sldId id="280" r:id="rId26"/>
+    <p:sldId id="268" r:id="rId27"/>
+    <p:sldId id="279" r:id="rId28"/>
+    <p:sldId id="292" r:id="rId29"/>
+    <p:sldId id="278" r:id="rId30"/>
+    <p:sldId id="274" r:id="rId31"/>
+    <p:sldId id="284" r:id="rId32"/>
   </p:sldIdLst>
   <p:sldSz cx="12192000" cy="6858000"/>
   <p:notesSz cx="6858000" cy="9144000"/>
@@ -115,7 +137,5991 @@
       </a:defRPr>
     </a:lvl9pPr>
   </p:defaultTextStyle>
+  <p:extLst>
+    <p:ext uri="{EFAFB233-063F-42B5-8137-9DF3F51BA10A}">
+      <p15:sldGuideLst xmlns:p15="http://schemas.microsoft.com/office/powerpoint/2012/main"/>
+    </p:ext>
+  </p:extLst>
 </p:presentation>
+</file>
+
+<file path=ppt/notesMasters/notesMaster1.xml><?xml version="1.0" encoding="utf-8"?>
+<p:notesMaster xmlns:a="http://schemas.openxmlformats.org/drawingml/2006/main" xmlns:r="http://schemas.openxmlformats.org/officeDocument/2006/relationships" xmlns:p="http://schemas.openxmlformats.org/presentationml/2006/main">
+  <p:cSld>
+    <p:bg>
+      <p:bgRef idx="1001">
+        <a:schemeClr val="bg1"/>
+      </p:bgRef>
+    </p:bg>
+    <p:spTree>
+      <p:nvGrpSpPr>
+        <p:cNvPr id="1" name=""/>
+        <p:cNvGrpSpPr/>
+        <p:nvPr/>
+      </p:nvGrpSpPr>
+      <p:grpSpPr>
+        <a:xfrm>
+          <a:off x="0" y="0"/>
+          <a:ext cx="0" cy="0"/>
+          <a:chOff x="0" y="0"/>
+          <a:chExt cx="0" cy="0"/>
+        </a:xfrm>
+      </p:grpSpPr>
+      <p:sp>
+        <p:nvSpPr>
+          <p:cNvPr id="2" name="Marcador de encabezado 1"/>
+          <p:cNvSpPr>
+            <a:spLocks noGrp="1"/>
+          </p:cNvSpPr>
+          <p:nvPr>
+            <p:ph type="hdr" sz="quarter"/>
+          </p:nvPr>
+        </p:nvSpPr>
+        <p:spPr>
+          <a:xfrm>
+            <a:off x="0" y="0"/>
+            <a:ext cx="2971800" cy="458788"/>
+          </a:xfrm>
+          <a:prstGeom prst="rect">
+            <a:avLst/>
+          </a:prstGeom>
+        </p:spPr>
+        <p:txBody>
+          <a:bodyPr vert="horz" lIns="91440" tIns="45720" rIns="91440" bIns="45720" rtlCol="0"/>
+          <a:lstStyle>
+            <a:lvl1pPr algn="l">
+              <a:defRPr sz="1200"/>
+            </a:lvl1pPr>
+          </a:lstStyle>
+          <a:p>
+            <a:endParaRPr lang="es-ES"/>
+          </a:p>
+        </p:txBody>
+      </p:sp>
+      <p:sp>
+        <p:nvSpPr>
+          <p:cNvPr id="3" name="Marcador de fecha 2"/>
+          <p:cNvSpPr>
+            <a:spLocks noGrp="1"/>
+          </p:cNvSpPr>
+          <p:nvPr>
+            <p:ph type="dt" idx="1"/>
+          </p:nvPr>
+        </p:nvSpPr>
+        <p:spPr>
+          <a:xfrm>
+            <a:off x="3884613" y="0"/>
+            <a:ext cx="2971800" cy="458788"/>
+          </a:xfrm>
+          <a:prstGeom prst="rect">
+            <a:avLst/>
+          </a:prstGeom>
+        </p:spPr>
+        <p:txBody>
+          <a:bodyPr vert="horz" lIns="91440" tIns="45720" rIns="91440" bIns="45720" rtlCol="0"/>
+          <a:lstStyle>
+            <a:lvl1pPr algn="r">
+              <a:defRPr sz="1200"/>
+            </a:lvl1pPr>
+          </a:lstStyle>
+          <a:p>
+            <a:fld id="{1D98E58F-FA58-450E-86A0-9AB5F540E9A0}" type="datetimeFigureOut">
+              <a:rPr lang="es-ES" smtClean="0"/>
+              <a:t>26/05/2018</a:t>
+            </a:fld>
+            <a:endParaRPr lang="es-ES"/>
+          </a:p>
+        </p:txBody>
+      </p:sp>
+      <p:sp>
+        <p:nvSpPr>
+          <p:cNvPr id="4" name="Marcador de imagen de diapositiva 3"/>
+          <p:cNvSpPr>
+            <a:spLocks noGrp="1" noRot="1" noChangeAspect="1"/>
+          </p:cNvSpPr>
+          <p:nvPr>
+            <p:ph type="sldImg" idx="2"/>
+          </p:nvPr>
+        </p:nvSpPr>
+        <p:spPr>
+          <a:xfrm>
+            <a:off x="685800" y="1143000"/>
+            <a:ext cx="5486400" cy="3086100"/>
+          </a:xfrm>
+          <a:prstGeom prst="rect">
+            <a:avLst/>
+          </a:prstGeom>
+          <a:noFill/>
+          <a:ln w="12700">
+            <a:solidFill>
+              <a:prstClr val="black"/>
+            </a:solidFill>
+          </a:ln>
+        </p:spPr>
+        <p:txBody>
+          <a:bodyPr vert="horz" lIns="91440" tIns="45720" rIns="91440" bIns="45720" rtlCol="0" anchor="ctr"/>
+          <a:lstStyle/>
+          <a:p>
+            <a:endParaRPr lang="es-ES"/>
+          </a:p>
+        </p:txBody>
+      </p:sp>
+      <p:sp>
+        <p:nvSpPr>
+          <p:cNvPr id="5" name="Marcador de notas 4"/>
+          <p:cNvSpPr>
+            <a:spLocks noGrp="1"/>
+          </p:cNvSpPr>
+          <p:nvPr>
+            <p:ph type="body" sz="quarter" idx="3"/>
+          </p:nvPr>
+        </p:nvSpPr>
+        <p:spPr>
+          <a:xfrm>
+            <a:off x="685800" y="4400550"/>
+            <a:ext cx="5486400" cy="3600450"/>
+          </a:xfrm>
+          <a:prstGeom prst="rect">
+            <a:avLst/>
+          </a:prstGeom>
+        </p:spPr>
+        <p:txBody>
+          <a:bodyPr vert="horz" lIns="91440" tIns="45720" rIns="91440" bIns="45720" rtlCol="0"/>
+          <a:lstStyle/>
+          <a:p>
+            <a:pPr lvl="0"/>
+            <a:r>
+              <a:rPr lang="es-ES" smtClean="0"/>
+              <a:t>Haga clic para modificar el estilo de texto del patrón</a:t>
+            </a:r>
+          </a:p>
+          <a:p>
+            <a:pPr lvl="1"/>
+            <a:r>
+              <a:rPr lang="es-ES" smtClean="0"/>
+              <a:t>Segundo nivel</a:t>
+            </a:r>
+          </a:p>
+          <a:p>
+            <a:pPr lvl="2"/>
+            <a:r>
+              <a:rPr lang="es-ES" smtClean="0"/>
+              <a:t>Tercer nivel</a:t>
+            </a:r>
+          </a:p>
+          <a:p>
+            <a:pPr lvl="3"/>
+            <a:r>
+              <a:rPr lang="es-ES" smtClean="0"/>
+              <a:t>Cuarto nivel</a:t>
+            </a:r>
+          </a:p>
+          <a:p>
+            <a:pPr lvl="4"/>
+            <a:r>
+              <a:rPr lang="es-ES" smtClean="0"/>
+              <a:t>Quinto nivel</a:t>
+            </a:r>
+            <a:endParaRPr lang="es-ES"/>
+          </a:p>
+        </p:txBody>
+      </p:sp>
+      <p:sp>
+        <p:nvSpPr>
+          <p:cNvPr id="6" name="Marcador de pie de página 5"/>
+          <p:cNvSpPr>
+            <a:spLocks noGrp="1"/>
+          </p:cNvSpPr>
+          <p:nvPr>
+            <p:ph type="ftr" sz="quarter" idx="4"/>
+          </p:nvPr>
+        </p:nvSpPr>
+        <p:spPr>
+          <a:xfrm>
+            <a:off x="0" y="8685213"/>
+            <a:ext cx="2971800" cy="458787"/>
+          </a:xfrm>
+          <a:prstGeom prst="rect">
+            <a:avLst/>
+          </a:prstGeom>
+        </p:spPr>
+        <p:txBody>
+          <a:bodyPr vert="horz" lIns="91440" tIns="45720" rIns="91440" bIns="45720" rtlCol="0" anchor="b"/>
+          <a:lstStyle>
+            <a:lvl1pPr algn="l">
+              <a:defRPr sz="1200"/>
+            </a:lvl1pPr>
+          </a:lstStyle>
+          <a:p>
+            <a:endParaRPr lang="es-ES"/>
+          </a:p>
+        </p:txBody>
+      </p:sp>
+      <p:sp>
+        <p:nvSpPr>
+          <p:cNvPr id="7" name="Marcador de número de diapositiva 6"/>
+          <p:cNvSpPr>
+            <a:spLocks noGrp="1"/>
+          </p:cNvSpPr>
+          <p:nvPr>
+            <p:ph type="sldNum" sz="quarter" idx="5"/>
+          </p:nvPr>
+        </p:nvSpPr>
+        <p:spPr>
+          <a:xfrm>
+            <a:off x="3884613" y="8685213"/>
+            <a:ext cx="2971800" cy="458787"/>
+          </a:xfrm>
+          <a:prstGeom prst="rect">
+            <a:avLst/>
+          </a:prstGeom>
+        </p:spPr>
+        <p:txBody>
+          <a:bodyPr vert="horz" lIns="91440" tIns="45720" rIns="91440" bIns="45720" rtlCol="0" anchor="b"/>
+          <a:lstStyle>
+            <a:lvl1pPr algn="r">
+              <a:defRPr sz="1200"/>
+            </a:lvl1pPr>
+          </a:lstStyle>
+          <a:p>
+            <a:fld id="{DB7D0A05-FF74-4049-BC13-A9ACD9D2AB82}" type="slidenum">
+              <a:rPr lang="es-ES" smtClean="0"/>
+              <a:t>‹Nº›</a:t>
+            </a:fld>
+            <a:endParaRPr lang="es-ES"/>
+          </a:p>
+        </p:txBody>
+      </p:sp>
+    </p:spTree>
+    <p:extLst>
+      <p:ext uri="{BB962C8B-B14F-4D97-AF65-F5344CB8AC3E}">
+        <p14:creationId xmlns:p14="http://schemas.microsoft.com/office/powerpoint/2010/main" val="2862024899"/>
+      </p:ext>
+    </p:extLst>
+  </p:cSld>
+  <p:clrMap bg1="lt1" tx1="dk1" bg2="lt2" tx2="dk2" accent1="accent1" accent2="accent2" accent3="accent3" accent4="accent4" accent5="accent5" accent6="accent6" hlink="hlink" folHlink="folHlink"/>
+  <p:notesStyle>
+    <a:lvl1pPr marL="0" algn="l" defTabSz="914400" rtl="0" eaLnBrk="1" latinLnBrk="0" hangingPunct="1">
+      <a:defRPr sz="1200" kern="1200">
+        <a:solidFill>
+          <a:schemeClr val="tx1"/>
+        </a:solidFill>
+        <a:latin typeface="+mn-lt"/>
+        <a:ea typeface="+mn-ea"/>
+        <a:cs typeface="+mn-cs"/>
+      </a:defRPr>
+    </a:lvl1pPr>
+    <a:lvl2pPr marL="457200" algn="l" defTabSz="914400" rtl="0" eaLnBrk="1" latinLnBrk="0" hangingPunct="1">
+      <a:defRPr sz="1200" kern="1200">
+        <a:solidFill>
+          <a:schemeClr val="tx1"/>
+        </a:solidFill>
+        <a:latin typeface="+mn-lt"/>
+        <a:ea typeface="+mn-ea"/>
+        <a:cs typeface="+mn-cs"/>
+      </a:defRPr>
+    </a:lvl2pPr>
+    <a:lvl3pPr marL="914400" algn="l" defTabSz="914400" rtl="0" eaLnBrk="1" latinLnBrk="0" hangingPunct="1">
+      <a:defRPr sz="1200" kern="1200">
+        <a:solidFill>
+          <a:schemeClr val="tx1"/>
+        </a:solidFill>
+        <a:latin typeface="+mn-lt"/>
+        <a:ea typeface="+mn-ea"/>
+        <a:cs typeface="+mn-cs"/>
+      </a:defRPr>
+    </a:lvl3pPr>
+    <a:lvl4pPr marL="1371600" algn="l" defTabSz="914400" rtl="0" eaLnBrk="1" latinLnBrk="0" hangingPunct="1">
+      <a:defRPr sz="1200" kern="1200">
+        <a:solidFill>
+          <a:schemeClr val="tx1"/>
+        </a:solidFill>
+        <a:latin typeface="+mn-lt"/>
+        <a:ea typeface="+mn-ea"/>
+        <a:cs typeface="+mn-cs"/>
+      </a:defRPr>
+    </a:lvl4pPr>
+    <a:lvl5pPr marL="1828800" algn="l" defTabSz="914400" rtl="0" eaLnBrk="1" latinLnBrk="0" hangingPunct="1">
+      <a:defRPr sz="1200" kern="1200">
+        <a:solidFill>
+          <a:schemeClr val="tx1"/>
+        </a:solidFill>
+        <a:latin typeface="+mn-lt"/>
+        <a:ea typeface="+mn-ea"/>
+        <a:cs typeface="+mn-cs"/>
+      </a:defRPr>
+    </a:lvl5pPr>
+    <a:lvl6pPr marL="2286000" algn="l" defTabSz="914400" rtl="0" eaLnBrk="1" latinLnBrk="0" hangingPunct="1">
+      <a:defRPr sz="1200" kern="1200">
+        <a:solidFill>
+          <a:schemeClr val="tx1"/>
+        </a:solidFill>
+        <a:latin typeface="+mn-lt"/>
+        <a:ea typeface="+mn-ea"/>
+        <a:cs typeface="+mn-cs"/>
+      </a:defRPr>
+    </a:lvl6pPr>
+    <a:lvl7pPr marL="2743200" algn="l" defTabSz="914400" rtl="0" eaLnBrk="1" latinLnBrk="0" hangingPunct="1">
+      <a:defRPr sz="1200" kern="1200">
+        <a:solidFill>
+          <a:schemeClr val="tx1"/>
+        </a:solidFill>
+        <a:latin typeface="+mn-lt"/>
+        <a:ea typeface="+mn-ea"/>
+        <a:cs typeface="+mn-cs"/>
+      </a:defRPr>
+    </a:lvl7pPr>
+    <a:lvl8pPr marL="3200400" algn="l" defTabSz="914400" rtl="0" eaLnBrk="1" latinLnBrk="0" hangingPunct="1">
+      <a:defRPr sz="1200" kern="1200">
+        <a:solidFill>
+          <a:schemeClr val="tx1"/>
+        </a:solidFill>
+        <a:latin typeface="+mn-lt"/>
+        <a:ea typeface="+mn-ea"/>
+        <a:cs typeface="+mn-cs"/>
+      </a:defRPr>
+    </a:lvl8pPr>
+    <a:lvl9pPr marL="3657600" algn="l" defTabSz="914400" rtl="0" eaLnBrk="1" latinLnBrk="0" hangingPunct="1">
+      <a:defRPr sz="1200" kern="1200">
+        <a:solidFill>
+          <a:schemeClr val="tx1"/>
+        </a:solidFill>
+        <a:latin typeface="+mn-lt"/>
+        <a:ea typeface="+mn-ea"/>
+        <a:cs typeface="+mn-cs"/>
+      </a:defRPr>
+    </a:lvl9pPr>
+  </p:notesStyle>
+</p:notesMaster>
+</file>
+
+<file path=ppt/notesSlides/notesSlide1.xml><?xml version="1.0" encoding="utf-8"?>
+<p:notes xmlns:a="http://schemas.openxmlformats.org/drawingml/2006/main" xmlns:r="http://schemas.openxmlformats.org/officeDocument/2006/relationships" xmlns:p="http://schemas.openxmlformats.org/presentationml/2006/main">
+  <p:cSld>
+    <p:spTree>
+      <p:nvGrpSpPr>
+        <p:cNvPr id="1" name=""/>
+        <p:cNvGrpSpPr/>
+        <p:nvPr/>
+      </p:nvGrpSpPr>
+      <p:grpSpPr>
+        <a:xfrm>
+          <a:off x="0" y="0"/>
+          <a:ext cx="0" cy="0"/>
+          <a:chOff x="0" y="0"/>
+          <a:chExt cx="0" cy="0"/>
+        </a:xfrm>
+      </p:grpSpPr>
+      <p:sp>
+        <p:nvSpPr>
+          <p:cNvPr id="2" name="Marcador de imagen de diapositiva 1"/>
+          <p:cNvSpPr>
+            <a:spLocks noGrp="1" noRot="1" noChangeAspect="1"/>
+          </p:cNvSpPr>
+          <p:nvPr>
+            <p:ph type="sldImg"/>
+          </p:nvPr>
+        </p:nvSpPr>
+        <p:spPr/>
+      </p:sp>
+      <p:sp>
+        <p:nvSpPr>
+          <p:cNvPr id="3" name="Marcador de notas 2"/>
+          <p:cNvSpPr>
+            <a:spLocks noGrp="1"/>
+          </p:cNvSpPr>
+          <p:nvPr>
+            <p:ph type="body" idx="1"/>
+          </p:nvPr>
+        </p:nvSpPr>
+        <p:spPr/>
+        <p:txBody>
+          <a:bodyPr/>
+          <a:lstStyle/>
+          <a:p>
+            <a:r>
+              <a:rPr lang="es-ES" dirty="0" smtClean="0"/>
+              <a:t>Buenas</a:t>
+            </a:r>
+            <a:r>
+              <a:rPr lang="es-ES" baseline="0" dirty="0" smtClean="0"/>
+              <a:t> tardes a todos, queremos presentar nuestro proyecto de fin de ciclo, nuestro proyecto es una aplicación web llamada </a:t>
+            </a:r>
+            <a:r>
+              <a:rPr lang="es-ES" baseline="0" dirty="0" err="1" smtClean="0"/>
+              <a:t>YoSoyTuCine</a:t>
+            </a:r>
+            <a:r>
+              <a:rPr lang="es-ES" baseline="0" dirty="0" smtClean="0"/>
+              <a:t>.</a:t>
+            </a:r>
+            <a:endParaRPr lang="es-ES" dirty="0"/>
+          </a:p>
+        </p:txBody>
+      </p:sp>
+      <p:sp>
+        <p:nvSpPr>
+          <p:cNvPr id="4" name="Marcador de número de diapositiva 3"/>
+          <p:cNvSpPr>
+            <a:spLocks noGrp="1"/>
+          </p:cNvSpPr>
+          <p:nvPr>
+            <p:ph type="sldNum" sz="quarter" idx="10"/>
+          </p:nvPr>
+        </p:nvSpPr>
+        <p:spPr/>
+        <p:txBody>
+          <a:bodyPr/>
+          <a:lstStyle/>
+          <a:p>
+            <a:fld id="{DB7D0A05-FF74-4049-BC13-A9ACD9D2AB82}" type="slidenum">
+              <a:rPr lang="es-ES" smtClean="0"/>
+              <a:t>1</a:t>
+            </a:fld>
+            <a:endParaRPr lang="es-ES"/>
+          </a:p>
+        </p:txBody>
+      </p:sp>
+    </p:spTree>
+    <p:extLst>
+      <p:ext uri="{BB962C8B-B14F-4D97-AF65-F5344CB8AC3E}">
+        <p14:creationId xmlns:p14="http://schemas.microsoft.com/office/powerpoint/2010/main" val="1989558044"/>
+      </p:ext>
+    </p:extLst>
+  </p:cSld>
+  <p:clrMapOvr>
+    <a:masterClrMapping/>
+  </p:clrMapOvr>
+</p:notes>
+</file>
+
+<file path=ppt/notesSlides/notesSlide10.xml><?xml version="1.0" encoding="utf-8"?>
+<p:notes xmlns:a="http://schemas.openxmlformats.org/drawingml/2006/main" xmlns:r="http://schemas.openxmlformats.org/officeDocument/2006/relationships" xmlns:p="http://schemas.openxmlformats.org/presentationml/2006/main">
+  <p:cSld>
+    <p:spTree>
+      <p:nvGrpSpPr>
+        <p:cNvPr id="1" name=""/>
+        <p:cNvGrpSpPr/>
+        <p:nvPr/>
+      </p:nvGrpSpPr>
+      <p:grpSpPr>
+        <a:xfrm>
+          <a:off x="0" y="0"/>
+          <a:ext cx="0" cy="0"/>
+          <a:chOff x="0" y="0"/>
+          <a:chExt cx="0" cy="0"/>
+        </a:xfrm>
+      </p:grpSpPr>
+      <p:sp>
+        <p:nvSpPr>
+          <p:cNvPr id="2" name="Marcador de imagen de diapositiva 1"/>
+          <p:cNvSpPr>
+            <a:spLocks noGrp="1" noRot="1" noChangeAspect="1"/>
+          </p:cNvSpPr>
+          <p:nvPr>
+            <p:ph type="sldImg"/>
+          </p:nvPr>
+        </p:nvSpPr>
+        <p:spPr/>
+      </p:sp>
+      <p:sp>
+        <p:nvSpPr>
+          <p:cNvPr id="3" name="Marcador de notas 2"/>
+          <p:cNvSpPr>
+            <a:spLocks noGrp="1"/>
+          </p:cNvSpPr>
+          <p:nvPr>
+            <p:ph type="body" idx="1"/>
+          </p:nvPr>
+        </p:nvSpPr>
+        <p:spPr/>
+        <p:txBody>
+          <a:bodyPr/>
+          <a:lstStyle/>
+          <a:p>
+            <a:r>
+              <a:rPr lang="es-ES_tradnl" sz="1200" kern="1200" dirty="0" smtClean="0">
+                <a:solidFill>
+                  <a:schemeClr val="tx1"/>
+                </a:solidFill>
+                <a:effectLst/>
+                <a:latin typeface="+mn-lt"/>
+                <a:ea typeface="+mn-ea"/>
+                <a:cs typeface="+mn-cs"/>
+              </a:rPr>
+              <a:t>Una vez teníamos la idea clara de la web que queríamos hacer tuvimos que realizar fue un análisis de requerimientos para saber cuántas paginas tendría nuestra web, que pasaría al pinchar en cada enlace, cuál iba a ser nuestra estructura, tecnologías que usaremos(AJAX o recargar la página, </a:t>
+            </a:r>
+            <a:r>
+              <a:rPr lang="es-ES_tradnl" sz="1200" kern="1200" dirty="0" err="1" smtClean="0">
+                <a:solidFill>
+                  <a:schemeClr val="tx1"/>
+                </a:solidFill>
+                <a:effectLst/>
+                <a:latin typeface="+mn-lt"/>
+                <a:ea typeface="+mn-ea"/>
+                <a:cs typeface="+mn-cs"/>
+              </a:rPr>
+              <a:t>bootstrap</a:t>
+            </a:r>
+            <a:r>
+              <a:rPr lang="es-ES_tradnl" sz="1200" kern="1200" dirty="0" smtClean="0">
+                <a:solidFill>
+                  <a:schemeClr val="tx1"/>
+                </a:solidFill>
+                <a:effectLst/>
+                <a:latin typeface="+mn-lt"/>
+                <a:ea typeface="+mn-ea"/>
+                <a:cs typeface="+mn-cs"/>
+              </a:rPr>
+              <a:t> u otro </a:t>
+            </a:r>
+            <a:r>
+              <a:rPr lang="es-ES_tradnl" sz="1200" kern="1200" dirty="0" err="1" smtClean="0">
+                <a:solidFill>
+                  <a:schemeClr val="tx1"/>
+                </a:solidFill>
+                <a:effectLst/>
+                <a:latin typeface="+mn-lt"/>
+                <a:ea typeface="+mn-ea"/>
+                <a:cs typeface="+mn-cs"/>
+              </a:rPr>
+              <a:t>framework</a:t>
+            </a:r>
+            <a:r>
+              <a:rPr lang="es-ES_tradnl" sz="1200" kern="1200" dirty="0" smtClean="0">
+                <a:solidFill>
+                  <a:schemeClr val="tx1"/>
+                </a:solidFill>
+                <a:effectLst/>
+                <a:latin typeface="+mn-lt"/>
+                <a:ea typeface="+mn-ea"/>
+                <a:cs typeface="+mn-cs"/>
+              </a:rPr>
+              <a:t> </a:t>
+            </a:r>
+            <a:r>
+              <a:rPr lang="es-ES_tradnl" sz="1200" kern="1200" dirty="0" err="1" smtClean="0">
+                <a:solidFill>
+                  <a:schemeClr val="tx1"/>
+                </a:solidFill>
+                <a:effectLst/>
+                <a:latin typeface="+mn-lt"/>
+                <a:ea typeface="+mn-ea"/>
+                <a:cs typeface="+mn-cs"/>
+              </a:rPr>
+              <a:t>css</a:t>
+            </a:r>
+            <a:r>
+              <a:rPr lang="es-ES_tradnl" sz="1200" kern="1200" dirty="0" smtClean="0">
+                <a:solidFill>
+                  <a:schemeClr val="tx1"/>
+                </a:solidFill>
+                <a:effectLst/>
+                <a:latin typeface="+mn-lt"/>
+                <a:ea typeface="+mn-ea"/>
+                <a:cs typeface="+mn-cs"/>
+              </a:rPr>
+              <a:t>..)etc…</a:t>
+            </a:r>
+            <a:endParaRPr lang="es-ES" sz="1200" kern="1200" dirty="0" smtClean="0">
+              <a:solidFill>
+                <a:schemeClr val="tx1"/>
+              </a:solidFill>
+              <a:effectLst/>
+              <a:latin typeface="+mn-lt"/>
+              <a:ea typeface="+mn-ea"/>
+              <a:cs typeface="+mn-cs"/>
+            </a:endParaRPr>
+          </a:p>
+          <a:p>
+            <a:r>
+              <a:rPr lang="es-ES_tradnl" sz="1200" kern="1200" dirty="0" smtClean="0">
+                <a:solidFill>
+                  <a:schemeClr val="tx1"/>
+                </a:solidFill>
+                <a:effectLst/>
+                <a:latin typeface="+mn-lt"/>
+                <a:ea typeface="+mn-ea"/>
+                <a:cs typeface="+mn-cs"/>
+              </a:rPr>
+              <a:t> </a:t>
+            </a:r>
+            <a:endParaRPr lang="es-ES" sz="1200" kern="1200" dirty="0" smtClean="0">
+              <a:solidFill>
+                <a:schemeClr val="tx1"/>
+              </a:solidFill>
+              <a:effectLst/>
+              <a:latin typeface="+mn-lt"/>
+              <a:ea typeface="+mn-ea"/>
+              <a:cs typeface="+mn-cs"/>
+            </a:endParaRPr>
+          </a:p>
+          <a:p>
+            <a:r>
+              <a:rPr lang="es-ES_tradnl" sz="1200" kern="1200" dirty="0" smtClean="0">
+                <a:solidFill>
+                  <a:schemeClr val="tx1"/>
+                </a:solidFill>
+                <a:effectLst/>
+                <a:latin typeface="+mn-lt"/>
+                <a:ea typeface="+mn-ea"/>
+                <a:cs typeface="+mn-cs"/>
+              </a:rPr>
+              <a:t>Una vez con toda esa información aclarada y acordada entre el equipo diseñamos los primeros bocetos con herramientas de </a:t>
+            </a:r>
+            <a:r>
+              <a:rPr lang="es-ES_tradnl" sz="1200" kern="1200" dirty="0" err="1" smtClean="0">
+                <a:solidFill>
+                  <a:schemeClr val="tx1"/>
+                </a:solidFill>
+                <a:effectLst/>
+                <a:latin typeface="+mn-lt"/>
+                <a:ea typeface="+mn-ea"/>
+                <a:cs typeface="+mn-cs"/>
+              </a:rPr>
+              <a:t>prototipado</a:t>
+            </a:r>
+            <a:r>
+              <a:rPr lang="es-ES_tradnl" sz="1200" kern="1200" dirty="0" smtClean="0">
+                <a:solidFill>
+                  <a:schemeClr val="tx1"/>
+                </a:solidFill>
+                <a:effectLst/>
+                <a:latin typeface="+mn-lt"/>
+                <a:ea typeface="+mn-ea"/>
+                <a:cs typeface="+mn-cs"/>
+              </a:rPr>
+              <a:t> tales como </a:t>
+            </a:r>
+            <a:r>
+              <a:rPr lang="es-ES_tradnl" sz="1200" kern="1200" dirty="0" err="1" smtClean="0">
+                <a:solidFill>
+                  <a:schemeClr val="tx1"/>
+                </a:solidFill>
+                <a:effectLst/>
+                <a:latin typeface="+mn-lt"/>
+                <a:ea typeface="+mn-ea"/>
+                <a:cs typeface="+mn-cs"/>
+              </a:rPr>
+              <a:t>mockups</a:t>
+            </a:r>
+            <a:r>
+              <a:rPr lang="es-ES_tradnl" sz="1200" kern="1200" dirty="0" smtClean="0">
+                <a:solidFill>
+                  <a:schemeClr val="tx1"/>
+                </a:solidFill>
+                <a:effectLst/>
+                <a:latin typeface="+mn-lt"/>
+                <a:ea typeface="+mn-ea"/>
+                <a:cs typeface="+mn-cs"/>
+              </a:rPr>
+              <a:t> generando los siguientes bocetos para las páginas que previamente habíamos acordado que tendría la página:</a:t>
+            </a:r>
+            <a:endParaRPr lang="es-ES" sz="1200" kern="1200" dirty="0" smtClean="0">
+              <a:solidFill>
+                <a:schemeClr val="tx1"/>
+              </a:solidFill>
+              <a:effectLst/>
+              <a:latin typeface="+mn-lt"/>
+              <a:ea typeface="+mn-ea"/>
+              <a:cs typeface="+mn-cs"/>
+            </a:endParaRPr>
+          </a:p>
+          <a:p>
+            <a:endParaRPr lang="es-ES" dirty="0"/>
+          </a:p>
+        </p:txBody>
+      </p:sp>
+      <p:sp>
+        <p:nvSpPr>
+          <p:cNvPr id="4" name="Marcador de número de diapositiva 3"/>
+          <p:cNvSpPr>
+            <a:spLocks noGrp="1"/>
+          </p:cNvSpPr>
+          <p:nvPr>
+            <p:ph type="sldNum" sz="quarter" idx="10"/>
+          </p:nvPr>
+        </p:nvSpPr>
+        <p:spPr/>
+        <p:txBody>
+          <a:bodyPr/>
+          <a:lstStyle/>
+          <a:p>
+            <a:fld id="{DB7D0A05-FF74-4049-BC13-A9ACD9D2AB82}" type="slidenum">
+              <a:rPr lang="es-ES" smtClean="0"/>
+              <a:t>10</a:t>
+            </a:fld>
+            <a:endParaRPr lang="es-ES"/>
+          </a:p>
+        </p:txBody>
+      </p:sp>
+    </p:spTree>
+    <p:extLst>
+      <p:ext uri="{BB962C8B-B14F-4D97-AF65-F5344CB8AC3E}">
+        <p14:creationId xmlns:p14="http://schemas.microsoft.com/office/powerpoint/2010/main" val="2571825243"/>
+      </p:ext>
+    </p:extLst>
+  </p:cSld>
+  <p:clrMapOvr>
+    <a:masterClrMapping/>
+  </p:clrMapOvr>
+</p:notes>
+</file>
+
+<file path=ppt/notesSlides/notesSlide11.xml><?xml version="1.0" encoding="utf-8"?>
+<p:notes xmlns:a="http://schemas.openxmlformats.org/drawingml/2006/main" xmlns:r="http://schemas.openxmlformats.org/officeDocument/2006/relationships" xmlns:p="http://schemas.openxmlformats.org/presentationml/2006/main">
+  <p:cSld>
+    <p:spTree>
+      <p:nvGrpSpPr>
+        <p:cNvPr id="1" name=""/>
+        <p:cNvGrpSpPr/>
+        <p:nvPr/>
+      </p:nvGrpSpPr>
+      <p:grpSpPr>
+        <a:xfrm>
+          <a:off x="0" y="0"/>
+          <a:ext cx="0" cy="0"/>
+          <a:chOff x="0" y="0"/>
+          <a:chExt cx="0" cy="0"/>
+        </a:xfrm>
+      </p:grpSpPr>
+      <p:sp>
+        <p:nvSpPr>
+          <p:cNvPr id="2" name="Marcador de imagen de diapositiva 1"/>
+          <p:cNvSpPr>
+            <a:spLocks noGrp="1" noRot="1" noChangeAspect="1"/>
+          </p:cNvSpPr>
+          <p:nvPr>
+            <p:ph type="sldImg"/>
+          </p:nvPr>
+        </p:nvSpPr>
+        <p:spPr/>
+      </p:sp>
+      <p:sp>
+        <p:nvSpPr>
+          <p:cNvPr id="3" name="Marcador de notas 2"/>
+          <p:cNvSpPr>
+            <a:spLocks noGrp="1"/>
+          </p:cNvSpPr>
+          <p:nvPr>
+            <p:ph type="body" idx="1"/>
+          </p:nvPr>
+        </p:nvSpPr>
+        <p:spPr/>
+        <p:txBody>
+          <a:bodyPr/>
+          <a:lstStyle/>
+          <a:p>
+            <a:r>
+              <a:rPr lang="es-ES" sz="1200" kern="1200" dirty="0" smtClean="0">
+                <a:solidFill>
+                  <a:schemeClr val="tx1"/>
+                </a:solidFill>
+                <a:effectLst/>
+                <a:latin typeface="+mn-lt"/>
+                <a:ea typeface="+mn-ea"/>
+                <a:cs typeface="+mn-cs"/>
+              </a:rPr>
+              <a:t>Ahora vamos a describir brevemente,</a:t>
+            </a:r>
+            <a:r>
+              <a:rPr lang="es-ES" sz="1200" kern="1200" baseline="0" dirty="0" smtClean="0">
+                <a:solidFill>
+                  <a:schemeClr val="tx1"/>
+                </a:solidFill>
+                <a:effectLst/>
+                <a:latin typeface="+mn-lt"/>
+                <a:ea typeface="+mn-ea"/>
+                <a:cs typeface="+mn-cs"/>
+              </a:rPr>
+              <a:t> cuales son las tecnologías elegidas para crear YSTC.</a:t>
+            </a:r>
+            <a:endParaRPr lang="es-ES" sz="1200" kern="1200" dirty="0" smtClean="0">
+              <a:solidFill>
+                <a:schemeClr val="tx1"/>
+              </a:solidFill>
+              <a:effectLst/>
+              <a:latin typeface="+mn-lt"/>
+              <a:ea typeface="+mn-ea"/>
+              <a:cs typeface="+mn-cs"/>
+            </a:endParaRPr>
+          </a:p>
+          <a:p>
+            <a:endParaRPr lang="es-ES" dirty="0"/>
+          </a:p>
+        </p:txBody>
+      </p:sp>
+      <p:sp>
+        <p:nvSpPr>
+          <p:cNvPr id="4" name="Marcador de número de diapositiva 3"/>
+          <p:cNvSpPr>
+            <a:spLocks noGrp="1"/>
+          </p:cNvSpPr>
+          <p:nvPr>
+            <p:ph type="sldNum" sz="quarter" idx="10"/>
+          </p:nvPr>
+        </p:nvSpPr>
+        <p:spPr/>
+        <p:txBody>
+          <a:bodyPr/>
+          <a:lstStyle/>
+          <a:p>
+            <a:fld id="{DB7D0A05-FF74-4049-BC13-A9ACD9D2AB82}" type="slidenum">
+              <a:rPr lang="es-ES" smtClean="0"/>
+              <a:t>11</a:t>
+            </a:fld>
+            <a:endParaRPr lang="es-ES"/>
+          </a:p>
+        </p:txBody>
+      </p:sp>
+    </p:spTree>
+    <p:extLst>
+      <p:ext uri="{BB962C8B-B14F-4D97-AF65-F5344CB8AC3E}">
+        <p14:creationId xmlns:p14="http://schemas.microsoft.com/office/powerpoint/2010/main" val="1781061486"/>
+      </p:ext>
+    </p:extLst>
+  </p:cSld>
+  <p:clrMapOvr>
+    <a:masterClrMapping/>
+  </p:clrMapOvr>
+</p:notes>
+</file>
+
+<file path=ppt/notesSlides/notesSlide12.xml><?xml version="1.0" encoding="utf-8"?>
+<p:notes xmlns:a="http://schemas.openxmlformats.org/drawingml/2006/main" xmlns:r="http://schemas.openxmlformats.org/officeDocument/2006/relationships" xmlns:p="http://schemas.openxmlformats.org/presentationml/2006/main">
+  <p:cSld>
+    <p:spTree>
+      <p:nvGrpSpPr>
+        <p:cNvPr id="1" name=""/>
+        <p:cNvGrpSpPr/>
+        <p:nvPr/>
+      </p:nvGrpSpPr>
+      <p:grpSpPr>
+        <a:xfrm>
+          <a:off x="0" y="0"/>
+          <a:ext cx="0" cy="0"/>
+          <a:chOff x="0" y="0"/>
+          <a:chExt cx="0" cy="0"/>
+        </a:xfrm>
+      </p:grpSpPr>
+      <p:sp>
+        <p:nvSpPr>
+          <p:cNvPr id="2" name="Marcador de imagen de diapositiva 1"/>
+          <p:cNvSpPr>
+            <a:spLocks noGrp="1" noRot="1" noChangeAspect="1"/>
+          </p:cNvSpPr>
+          <p:nvPr>
+            <p:ph type="sldImg"/>
+          </p:nvPr>
+        </p:nvSpPr>
+        <p:spPr/>
+      </p:sp>
+      <p:sp>
+        <p:nvSpPr>
+          <p:cNvPr id="3" name="Marcador de notas 2"/>
+          <p:cNvSpPr>
+            <a:spLocks noGrp="1"/>
+          </p:cNvSpPr>
+          <p:nvPr>
+            <p:ph type="body" idx="1"/>
+          </p:nvPr>
+        </p:nvSpPr>
+        <p:spPr/>
+        <p:txBody>
+          <a:bodyPr/>
+          <a:lstStyle/>
+          <a:p>
+            <a:pPr marL="0" marR="0" lvl="0" indent="0" algn="l" defTabSz="914400" rtl="0" eaLnBrk="1" fontAlgn="auto" latinLnBrk="0" hangingPunct="1">
+              <a:lnSpc>
+                <a:spcPct val="100000"/>
+              </a:lnSpc>
+              <a:spcBef>
+                <a:spcPts val="0"/>
+              </a:spcBef>
+              <a:spcAft>
+                <a:spcPts val="0"/>
+              </a:spcAft>
+              <a:buClrTx/>
+              <a:buSzTx/>
+              <a:buFontTx/>
+              <a:buNone/>
+              <a:tabLst/>
+              <a:defRPr/>
+            </a:pPr>
+            <a:r>
+              <a:rPr lang="es-ES_tradnl" sz="1200" kern="1200" dirty="0" smtClean="0">
+                <a:solidFill>
+                  <a:schemeClr val="tx1"/>
+                </a:solidFill>
+                <a:effectLst/>
+                <a:latin typeface="+mn-lt"/>
+                <a:ea typeface="+mn-ea"/>
+                <a:cs typeface="+mn-cs"/>
+              </a:rPr>
+              <a:t>Utilizado bajo el patrón MVC encargado de dirigir la aplicación web, recibir peticiones, ir a base de datos y devolver vistas.</a:t>
+            </a:r>
+            <a:endParaRPr lang="es-ES" sz="1200" kern="1200" dirty="0" smtClean="0">
+              <a:solidFill>
+                <a:schemeClr val="tx1"/>
+              </a:solidFill>
+              <a:effectLst/>
+              <a:latin typeface="+mn-lt"/>
+              <a:ea typeface="+mn-ea"/>
+              <a:cs typeface="+mn-cs"/>
+            </a:endParaRPr>
+          </a:p>
+          <a:p>
+            <a:endParaRPr lang="es-ES" dirty="0"/>
+          </a:p>
+        </p:txBody>
+      </p:sp>
+      <p:sp>
+        <p:nvSpPr>
+          <p:cNvPr id="4" name="Marcador de número de diapositiva 3"/>
+          <p:cNvSpPr>
+            <a:spLocks noGrp="1"/>
+          </p:cNvSpPr>
+          <p:nvPr>
+            <p:ph type="sldNum" sz="quarter" idx="10"/>
+          </p:nvPr>
+        </p:nvSpPr>
+        <p:spPr/>
+        <p:txBody>
+          <a:bodyPr/>
+          <a:lstStyle/>
+          <a:p>
+            <a:fld id="{DB7D0A05-FF74-4049-BC13-A9ACD9D2AB82}" type="slidenum">
+              <a:rPr lang="es-ES" smtClean="0"/>
+              <a:t>12</a:t>
+            </a:fld>
+            <a:endParaRPr lang="es-ES"/>
+          </a:p>
+        </p:txBody>
+      </p:sp>
+    </p:spTree>
+    <p:extLst>
+      <p:ext uri="{BB962C8B-B14F-4D97-AF65-F5344CB8AC3E}">
+        <p14:creationId xmlns:p14="http://schemas.microsoft.com/office/powerpoint/2010/main" val="544493660"/>
+      </p:ext>
+    </p:extLst>
+  </p:cSld>
+  <p:clrMapOvr>
+    <a:masterClrMapping/>
+  </p:clrMapOvr>
+</p:notes>
+</file>
+
+<file path=ppt/notesSlides/notesSlide13.xml><?xml version="1.0" encoding="utf-8"?>
+<p:notes xmlns:a="http://schemas.openxmlformats.org/drawingml/2006/main" xmlns:r="http://schemas.openxmlformats.org/officeDocument/2006/relationships" xmlns:p="http://schemas.openxmlformats.org/presentationml/2006/main">
+  <p:cSld>
+    <p:spTree>
+      <p:nvGrpSpPr>
+        <p:cNvPr id="1" name=""/>
+        <p:cNvGrpSpPr/>
+        <p:nvPr/>
+      </p:nvGrpSpPr>
+      <p:grpSpPr>
+        <a:xfrm>
+          <a:off x="0" y="0"/>
+          <a:ext cx="0" cy="0"/>
+          <a:chOff x="0" y="0"/>
+          <a:chExt cx="0" cy="0"/>
+        </a:xfrm>
+      </p:grpSpPr>
+      <p:sp>
+        <p:nvSpPr>
+          <p:cNvPr id="2" name="Marcador de imagen de diapositiva 1"/>
+          <p:cNvSpPr>
+            <a:spLocks noGrp="1" noRot="1" noChangeAspect="1"/>
+          </p:cNvSpPr>
+          <p:nvPr>
+            <p:ph type="sldImg"/>
+          </p:nvPr>
+        </p:nvSpPr>
+        <p:spPr/>
+      </p:sp>
+      <p:sp>
+        <p:nvSpPr>
+          <p:cNvPr id="3" name="Marcador de notas 2"/>
+          <p:cNvSpPr>
+            <a:spLocks noGrp="1"/>
+          </p:cNvSpPr>
+          <p:nvPr>
+            <p:ph type="body" idx="1"/>
+          </p:nvPr>
+        </p:nvSpPr>
+        <p:spPr/>
+        <p:txBody>
+          <a:bodyPr/>
+          <a:lstStyle/>
+          <a:p>
+            <a:r>
+              <a:rPr lang="es-ES" sz="1200" kern="1200" dirty="0" smtClean="0">
+                <a:solidFill>
+                  <a:schemeClr val="tx1"/>
+                </a:solidFill>
+                <a:effectLst/>
+                <a:latin typeface="+mn-lt"/>
+                <a:ea typeface="+mn-ea"/>
+                <a:cs typeface="+mn-cs"/>
+              </a:rPr>
+              <a:t>Aquí vemos la estructura de nuestro proyecto en eclipse</a:t>
+            </a:r>
+            <a:r>
+              <a:rPr lang="es-ES_tradnl" sz="1200" kern="1200" dirty="0" smtClean="0">
+                <a:solidFill>
+                  <a:schemeClr val="tx1"/>
+                </a:solidFill>
+                <a:effectLst/>
+                <a:latin typeface="+mn-lt"/>
+                <a:ea typeface="+mn-ea"/>
+                <a:cs typeface="+mn-cs"/>
+              </a:rPr>
+              <a:t>, que ha sido el IDE elegido ya que se integra perfectamente con GIT y también con TOMCAT nuestro servidor de aplicaciones TOMCAT necesario para desplegar la aplicación.</a:t>
+            </a:r>
+            <a:endParaRPr lang="es-ES" sz="1200" kern="1200" dirty="0" smtClean="0">
+              <a:solidFill>
+                <a:schemeClr val="tx1"/>
+              </a:solidFill>
+              <a:effectLst/>
+              <a:latin typeface="+mn-lt"/>
+              <a:ea typeface="+mn-ea"/>
+              <a:cs typeface="+mn-cs"/>
+            </a:endParaRPr>
+          </a:p>
+          <a:p>
+            <a:endParaRPr lang="es-ES" dirty="0"/>
+          </a:p>
+        </p:txBody>
+      </p:sp>
+      <p:sp>
+        <p:nvSpPr>
+          <p:cNvPr id="4" name="Marcador de número de diapositiva 3"/>
+          <p:cNvSpPr>
+            <a:spLocks noGrp="1"/>
+          </p:cNvSpPr>
+          <p:nvPr>
+            <p:ph type="sldNum" sz="quarter" idx="10"/>
+          </p:nvPr>
+        </p:nvSpPr>
+        <p:spPr/>
+        <p:txBody>
+          <a:bodyPr/>
+          <a:lstStyle/>
+          <a:p>
+            <a:fld id="{DB7D0A05-FF74-4049-BC13-A9ACD9D2AB82}" type="slidenum">
+              <a:rPr lang="es-ES" smtClean="0"/>
+              <a:t>13</a:t>
+            </a:fld>
+            <a:endParaRPr lang="es-ES"/>
+          </a:p>
+        </p:txBody>
+      </p:sp>
+    </p:spTree>
+    <p:extLst>
+      <p:ext uri="{BB962C8B-B14F-4D97-AF65-F5344CB8AC3E}">
+        <p14:creationId xmlns:p14="http://schemas.microsoft.com/office/powerpoint/2010/main" val="1973952242"/>
+      </p:ext>
+    </p:extLst>
+  </p:cSld>
+  <p:clrMapOvr>
+    <a:masterClrMapping/>
+  </p:clrMapOvr>
+</p:notes>
+</file>
+
+<file path=ppt/notesSlides/notesSlide14.xml><?xml version="1.0" encoding="utf-8"?>
+<p:notes xmlns:a="http://schemas.openxmlformats.org/drawingml/2006/main" xmlns:r="http://schemas.openxmlformats.org/officeDocument/2006/relationships" xmlns:p="http://schemas.openxmlformats.org/presentationml/2006/main">
+  <p:cSld>
+    <p:spTree>
+      <p:nvGrpSpPr>
+        <p:cNvPr id="1" name=""/>
+        <p:cNvGrpSpPr/>
+        <p:nvPr/>
+      </p:nvGrpSpPr>
+      <p:grpSpPr>
+        <a:xfrm>
+          <a:off x="0" y="0"/>
+          <a:ext cx="0" cy="0"/>
+          <a:chOff x="0" y="0"/>
+          <a:chExt cx="0" cy="0"/>
+        </a:xfrm>
+      </p:grpSpPr>
+      <p:sp>
+        <p:nvSpPr>
+          <p:cNvPr id="2" name="Marcador de imagen de diapositiva 1"/>
+          <p:cNvSpPr>
+            <a:spLocks noGrp="1" noRot="1" noChangeAspect="1"/>
+          </p:cNvSpPr>
+          <p:nvPr>
+            <p:ph type="sldImg"/>
+          </p:nvPr>
+        </p:nvSpPr>
+        <p:spPr/>
+      </p:sp>
+      <p:sp>
+        <p:nvSpPr>
+          <p:cNvPr id="3" name="Marcador de notas 2"/>
+          <p:cNvSpPr>
+            <a:spLocks noGrp="1"/>
+          </p:cNvSpPr>
+          <p:nvPr>
+            <p:ph type="body" idx="1"/>
+          </p:nvPr>
+        </p:nvSpPr>
+        <p:spPr/>
+        <p:txBody>
+          <a:bodyPr/>
+          <a:lstStyle/>
+          <a:p>
+            <a:pPr marL="0" marR="0" lvl="0" indent="0" algn="l" defTabSz="914400" rtl="0" eaLnBrk="1" fontAlgn="auto" latinLnBrk="0" hangingPunct="1">
+              <a:lnSpc>
+                <a:spcPct val="100000"/>
+              </a:lnSpc>
+              <a:spcBef>
+                <a:spcPts val="0"/>
+              </a:spcBef>
+              <a:spcAft>
+                <a:spcPts val="0"/>
+              </a:spcAft>
+              <a:buClrTx/>
+              <a:buSzTx/>
+              <a:buFontTx/>
+              <a:buNone/>
+              <a:tabLst/>
+              <a:defRPr/>
+            </a:pPr>
+            <a:r>
+              <a:rPr lang="es-ES_tradnl" sz="1200" kern="1200" dirty="0" err="1" smtClean="0">
+                <a:solidFill>
+                  <a:schemeClr val="tx1"/>
+                </a:solidFill>
+                <a:effectLst/>
+                <a:latin typeface="+mn-lt"/>
+                <a:ea typeface="+mn-ea"/>
+                <a:cs typeface="+mn-cs"/>
+              </a:rPr>
+              <a:t>MySQL</a:t>
+            </a:r>
+            <a:r>
+              <a:rPr lang="es-ES_tradnl" sz="1200" kern="1200" dirty="0" smtClean="0">
+                <a:solidFill>
+                  <a:schemeClr val="tx1"/>
+                </a:solidFill>
+                <a:effectLst/>
+                <a:latin typeface="+mn-lt"/>
+                <a:ea typeface="+mn-ea"/>
+                <a:cs typeface="+mn-cs"/>
+              </a:rPr>
+              <a:t> ha sido el gestor de base de datos elegido debido a su facilidad de uso y a su ligereza que hacen de él la opción más utilizada para este tipo de proyectos Web.</a:t>
+            </a:r>
+            <a:endParaRPr lang="es-ES" sz="1200" kern="1200" dirty="0" smtClean="0">
+              <a:solidFill>
+                <a:schemeClr val="tx1"/>
+              </a:solidFill>
+              <a:effectLst/>
+              <a:latin typeface="+mn-lt"/>
+              <a:ea typeface="+mn-ea"/>
+              <a:cs typeface="+mn-cs"/>
+            </a:endParaRPr>
+          </a:p>
+          <a:p>
+            <a:endParaRPr lang="es-ES" dirty="0"/>
+          </a:p>
+        </p:txBody>
+      </p:sp>
+      <p:sp>
+        <p:nvSpPr>
+          <p:cNvPr id="4" name="Marcador de número de diapositiva 3"/>
+          <p:cNvSpPr>
+            <a:spLocks noGrp="1"/>
+          </p:cNvSpPr>
+          <p:nvPr>
+            <p:ph type="sldNum" sz="quarter" idx="10"/>
+          </p:nvPr>
+        </p:nvSpPr>
+        <p:spPr/>
+        <p:txBody>
+          <a:bodyPr/>
+          <a:lstStyle/>
+          <a:p>
+            <a:fld id="{DB7D0A05-FF74-4049-BC13-A9ACD9D2AB82}" type="slidenum">
+              <a:rPr lang="es-ES" smtClean="0"/>
+              <a:t>14</a:t>
+            </a:fld>
+            <a:endParaRPr lang="es-ES"/>
+          </a:p>
+        </p:txBody>
+      </p:sp>
+    </p:spTree>
+    <p:extLst>
+      <p:ext uri="{BB962C8B-B14F-4D97-AF65-F5344CB8AC3E}">
+        <p14:creationId xmlns:p14="http://schemas.microsoft.com/office/powerpoint/2010/main" val="3497186008"/>
+      </p:ext>
+    </p:extLst>
+  </p:cSld>
+  <p:clrMapOvr>
+    <a:masterClrMapping/>
+  </p:clrMapOvr>
+</p:notes>
+</file>
+
+<file path=ppt/notesSlides/notesSlide15.xml><?xml version="1.0" encoding="utf-8"?>
+<p:notes xmlns:a="http://schemas.openxmlformats.org/drawingml/2006/main" xmlns:r="http://schemas.openxmlformats.org/officeDocument/2006/relationships" xmlns:p="http://schemas.openxmlformats.org/presentationml/2006/main">
+  <p:cSld>
+    <p:spTree>
+      <p:nvGrpSpPr>
+        <p:cNvPr id="1" name=""/>
+        <p:cNvGrpSpPr/>
+        <p:nvPr/>
+      </p:nvGrpSpPr>
+      <p:grpSpPr>
+        <a:xfrm>
+          <a:off x="0" y="0"/>
+          <a:ext cx="0" cy="0"/>
+          <a:chOff x="0" y="0"/>
+          <a:chExt cx="0" cy="0"/>
+        </a:xfrm>
+      </p:grpSpPr>
+      <p:sp>
+        <p:nvSpPr>
+          <p:cNvPr id="2" name="Marcador de imagen de diapositiva 1"/>
+          <p:cNvSpPr>
+            <a:spLocks noGrp="1" noRot="1" noChangeAspect="1"/>
+          </p:cNvSpPr>
+          <p:nvPr>
+            <p:ph type="sldImg"/>
+          </p:nvPr>
+        </p:nvSpPr>
+        <p:spPr/>
+      </p:sp>
+      <p:sp>
+        <p:nvSpPr>
+          <p:cNvPr id="3" name="Marcador de notas 2"/>
+          <p:cNvSpPr>
+            <a:spLocks noGrp="1"/>
+          </p:cNvSpPr>
+          <p:nvPr>
+            <p:ph type="body" idx="1"/>
+          </p:nvPr>
+        </p:nvSpPr>
+        <p:spPr/>
+        <p:txBody>
+          <a:bodyPr/>
+          <a:lstStyle/>
+          <a:p>
+            <a:r>
+              <a:rPr lang="es-ES_tradnl" sz="1200" kern="1200" dirty="0" smtClean="0">
+                <a:solidFill>
+                  <a:schemeClr val="tx1"/>
+                </a:solidFill>
+                <a:effectLst/>
+                <a:latin typeface="+mn-lt"/>
+                <a:ea typeface="+mn-ea"/>
+                <a:cs typeface="+mn-cs"/>
+              </a:rPr>
+              <a:t>Una vez teníamos</a:t>
+            </a:r>
+            <a:r>
+              <a:rPr lang="es-ES_tradnl" sz="1200" kern="1200" baseline="0" dirty="0" smtClean="0">
+                <a:solidFill>
+                  <a:schemeClr val="tx1"/>
+                </a:solidFill>
+                <a:effectLst/>
+                <a:latin typeface="+mn-lt"/>
+                <a:ea typeface="+mn-ea"/>
+                <a:cs typeface="+mn-cs"/>
+              </a:rPr>
+              <a:t> claro que entidades serian necesarias para nuestro propósito, </a:t>
+            </a:r>
+            <a:r>
+              <a:rPr lang="es-ES_tradnl" sz="1200" kern="1200" dirty="0" smtClean="0">
+                <a:solidFill>
+                  <a:schemeClr val="tx1"/>
+                </a:solidFill>
+                <a:effectLst/>
+                <a:latin typeface="+mn-lt"/>
+                <a:ea typeface="+mn-ea"/>
+                <a:cs typeface="+mn-cs"/>
+              </a:rPr>
+              <a:t>realizamos un primer modelo entidad relación que posteriormente una vez acordado pasamos a modelo relacional y que finalmente se crea físicamente con el resultado que podemos ver en este esquema.</a:t>
+            </a:r>
+            <a:endParaRPr lang="es-ES" dirty="0"/>
+          </a:p>
+        </p:txBody>
+      </p:sp>
+      <p:sp>
+        <p:nvSpPr>
+          <p:cNvPr id="4" name="Marcador de número de diapositiva 3"/>
+          <p:cNvSpPr>
+            <a:spLocks noGrp="1"/>
+          </p:cNvSpPr>
+          <p:nvPr>
+            <p:ph type="sldNum" sz="quarter" idx="10"/>
+          </p:nvPr>
+        </p:nvSpPr>
+        <p:spPr/>
+        <p:txBody>
+          <a:bodyPr/>
+          <a:lstStyle/>
+          <a:p>
+            <a:fld id="{DB7D0A05-FF74-4049-BC13-A9ACD9D2AB82}" type="slidenum">
+              <a:rPr lang="es-ES" smtClean="0"/>
+              <a:t>15</a:t>
+            </a:fld>
+            <a:endParaRPr lang="es-ES"/>
+          </a:p>
+        </p:txBody>
+      </p:sp>
+    </p:spTree>
+    <p:extLst>
+      <p:ext uri="{BB962C8B-B14F-4D97-AF65-F5344CB8AC3E}">
+        <p14:creationId xmlns:p14="http://schemas.microsoft.com/office/powerpoint/2010/main" val="957838385"/>
+      </p:ext>
+    </p:extLst>
+  </p:cSld>
+  <p:clrMapOvr>
+    <a:masterClrMapping/>
+  </p:clrMapOvr>
+</p:notes>
+</file>
+
+<file path=ppt/notesSlides/notesSlide16.xml><?xml version="1.0" encoding="utf-8"?>
+<p:notes xmlns:a="http://schemas.openxmlformats.org/drawingml/2006/main" xmlns:r="http://schemas.openxmlformats.org/officeDocument/2006/relationships" xmlns:p="http://schemas.openxmlformats.org/presentationml/2006/main">
+  <p:cSld>
+    <p:spTree>
+      <p:nvGrpSpPr>
+        <p:cNvPr id="1" name=""/>
+        <p:cNvGrpSpPr/>
+        <p:nvPr/>
+      </p:nvGrpSpPr>
+      <p:grpSpPr>
+        <a:xfrm>
+          <a:off x="0" y="0"/>
+          <a:ext cx="0" cy="0"/>
+          <a:chOff x="0" y="0"/>
+          <a:chExt cx="0" cy="0"/>
+        </a:xfrm>
+      </p:grpSpPr>
+      <p:sp>
+        <p:nvSpPr>
+          <p:cNvPr id="2" name="Marcador de imagen de diapositiva 1"/>
+          <p:cNvSpPr>
+            <a:spLocks noGrp="1" noRot="1" noChangeAspect="1"/>
+          </p:cNvSpPr>
+          <p:nvPr>
+            <p:ph type="sldImg"/>
+          </p:nvPr>
+        </p:nvSpPr>
+        <p:spPr/>
+      </p:sp>
+      <p:sp>
+        <p:nvSpPr>
+          <p:cNvPr id="3" name="Marcador de notas 2"/>
+          <p:cNvSpPr>
+            <a:spLocks noGrp="1"/>
+          </p:cNvSpPr>
+          <p:nvPr>
+            <p:ph type="body" idx="1"/>
+          </p:nvPr>
+        </p:nvSpPr>
+        <p:spPr/>
+        <p:txBody>
+          <a:bodyPr/>
+          <a:lstStyle/>
+          <a:p>
+            <a:pPr marL="0" marR="0" lvl="0" indent="0" algn="l" defTabSz="914400" rtl="0" eaLnBrk="1" fontAlgn="auto" latinLnBrk="0" hangingPunct="1">
+              <a:lnSpc>
+                <a:spcPct val="100000"/>
+              </a:lnSpc>
+              <a:spcBef>
+                <a:spcPts val="0"/>
+              </a:spcBef>
+              <a:spcAft>
+                <a:spcPts val="0"/>
+              </a:spcAft>
+              <a:buClrTx/>
+              <a:buSzTx/>
+              <a:buFontTx/>
+              <a:buNone/>
+              <a:tabLst/>
+              <a:defRPr/>
+            </a:pPr>
+            <a:r>
+              <a:rPr lang="es-ES_tradnl" sz="1200" kern="1200" dirty="0" smtClean="0">
+                <a:solidFill>
+                  <a:schemeClr val="tx1"/>
+                </a:solidFill>
+                <a:effectLst/>
+                <a:latin typeface="+mn-lt"/>
+                <a:ea typeface="+mn-ea"/>
+                <a:cs typeface="+mn-cs"/>
+              </a:rPr>
+              <a:t>HTML5 Estándar, es el esqueleto de la aplicación web.</a:t>
+            </a:r>
+          </a:p>
+          <a:p>
+            <a:pPr marL="0" marR="0" lvl="0" indent="0" algn="l" defTabSz="914400" rtl="0" eaLnBrk="1" fontAlgn="auto" latinLnBrk="0" hangingPunct="1">
+              <a:lnSpc>
+                <a:spcPct val="100000"/>
+              </a:lnSpc>
+              <a:spcBef>
+                <a:spcPts val="0"/>
+              </a:spcBef>
+              <a:spcAft>
+                <a:spcPts val="0"/>
+              </a:spcAft>
+              <a:buClrTx/>
+              <a:buSzTx/>
+              <a:buFontTx/>
+              <a:buNone/>
+              <a:tabLst/>
+              <a:defRPr/>
+            </a:pPr>
+            <a:r>
+              <a:rPr lang="es-ES_tradnl" sz="1200" kern="1200" dirty="0" smtClean="0">
+                <a:solidFill>
+                  <a:schemeClr val="tx1"/>
+                </a:solidFill>
+                <a:effectLst/>
+                <a:latin typeface="+mn-lt"/>
+                <a:ea typeface="+mn-ea"/>
+                <a:cs typeface="+mn-cs"/>
+              </a:rPr>
+              <a:t>CSS3 Estándar en cuanto a estilos de una web.</a:t>
+            </a:r>
+          </a:p>
+          <a:p>
+            <a:pPr marL="0" marR="0" lvl="0" indent="0" algn="l" defTabSz="914400" rtl="0" eaLnBrk="1" fontAlgn="auto" latinLnBrk="0" hangingPunct="1">
+              <a:lnSpc>
+                <a:spcPct val="100000"/>
+              </a:lnSpc>
+              <a:spcBef>
+                <a:spcPts val="0"/>
+              </a:spcBef>
+              <a:spcAft>
+                <a:spcPts val="0"/>
+              </a:spcAft>
+              <a:buClrTx/>
+              <a:buSzTx/>
+              <a:buFontTx/>
+              <a:buNone/>
+              <a:tabLst/>
+              <a:defRPr/>
+            </a:pPr>
+            <a:r>
+              <a:rPr lang="es-ES_tradnl" sz="1200" kern="1200" dirty="0" smtClean="0">
+                <a:solidFill>
+                  <a:schemeClr val="tx1"/>
+                </a:solidFill>
+                <a:effectLst/>
+                <a:latin typeface="+mn-lt"/>
+                <a:ea typeface="+mn-ea"/>
+                <a:cs typeface="+mn-cs"/>
+              </a:rPr>
+              <a:t>JS Utilizado para generar el dinamismo de la web en conjunción con </a:t>
+            </a:r>
+            <a:r>
+              <a:rPr lang="es-ES_tradnl" sz="1200" kern="1200" dirty="0" err="1" smtClean="0">
+                <a:solidFill>
+                  <a:schemeClr val="tx1"/>
+                </a:solidFill>
+                <a:effectLst/>
+                <a:latin typeface="+mn-lt"/>
+                <a:ea typeface="+mn-ea"/>
+                <a:cs typeface="+mn-cs"/>
+              </a:rPr>
+              <a:t>JQuery</a:t>
+            </a:r>
+            <a:r>
+              <a:rPr lang="es-ES_tradnl" sz="1200" kern="1200" dirty="0" smtClean="0">
+                <a:solidFill>
+                  <a:schemeClr val="tx1"/>
+                </a:solidFill>
+                <a:effectLst/>
+                <a:latin typeface="+mn-lt"/>
+                <a:ea typeface="+mn-ea"/>
+                <a:cs typeface="+mn-cs"/>
+              </a:rPr>
+              <a:t>.</a:t>
+            </a:r>
+            <a:endParaRPr lang="es-ES" sz="1200" kern="1200" dirty="0" smtClean="0">
+              <a:solidFill>
+                <a:schemeClr val="tx1"/>
+              </a:solidFill>
+              <a:effectLst/>
+              <a:latin typeface="+mn-lt"/>
+              <a:ea typeface="+mn-ea"/>
+              <a:cs typeface="+mn-cs"/>
+            </a:endParaRPr>
+          </a:p>
+          <a:p>
+            <a:pPr marL="0" marR="0" lvl="0" indent="0" algn="l" defTabSz="914400" rtl="0" eaLnBrk="1" fontAlgn="auto" latinLnBrk="0" hangingPunct="1">
+              <a:lnSpc>
+                <a:spcPct val="100000"/>
+              </a:lnSpc>
+              <a:spcBef>
+                <a:spcPts val="0"/>
+              </a:spcBef>
+              <a:spcAft>
+                <a:spcPts val="0"/>
+              </a:spcAft>
+              <a:buClrTx/>
+              <a:buSzTx/>
+              <a:buFontTx/>
+              <a:buNone/>
+              <a:tabLst/>
+              <a:defRPr/>
+            </a:pPr>
+            <a:endParaRPr lang="es-ES" sz="1200" kern="1200" dirty="0" smtClean="0">
+              <a:solidFill>
+                <a:schemeClr val="tx1"/>
+              </a:solidFill>
+              <a:effectLst/>
+              <a:latin typeface="+mn-lt"/>
+              <a:ea typeface="+mn-ea"/>
+              <a:cs typeface="+mn-cs"/>
+            </a:endParaRPr>
+          </a:p>
+          <a:p>
+            <a:pPr marL="0" marR="0" lvl="0" indent="0" algn="l" defTabSz="914400" rtl="0" eaLnBrk="1" fontAlgn="auto" latinLnBrk="0" hangingPunct="1">
+              <a:lnSpc>
+                <a:spcPct val="100000"/>
+              </a:lnSpc>
+              <a:spcBef>
+                <a:spcPts val="0"/>
+              </a:spcBef>
+              <a:spcAft>
+                <a:spcPts val="0"/>
+              </a:spcAft>
+              <a:buClrTx/>
+              <a:buSzTx/>
+              <a:buFontTx/>
+              <a:buNone/>
+              <a:tabLst/>
+              <a:defRPr/>
+            </a:pPr>
+            <a:endParaRPr lang="es-ES" sz="1200" kern="1200" dirty="0" smtClean="0">
+              <a:solidFill>
+                <a:schemeClr val="tx1"/>
+              </a:solidFill>
+              <a:effectLst/>
+              <a:latin typeface="+mn-lt"/>
+              <a:ea typeface="+mn-ea"/>
+              <a:cs typeface="+mn-cs"/>
+            </a:endParaRPr>
+          </a:p>
+          <a:p>
+            <a:endParaRPr lang="es-ES" dirty="0"/>
+          </a:p>
+        </p:txBody>
+      </p:sp>
+      <p:sp>
+        <p:nvSpPr>
+          <p:cNvPr id="4" name="Marcador de número de diapositiva 3"/>
+          <p:cNvSpPr>
+            <a:spLocks noGrp="1"/>
+          </p:cNvSpPr>
+          <p:nvPr>
+            <p:ph type="sldNum" sz="quarter" idx="10"/>
+          </p:nvPr>
+        </p:nvSpPr>
+        <p:spPr/>
+        <p:txBody>
+          <a:bodyPr/>
+          <a:lstStyle/>
+          <a:p>
+            <a:fld id="{DB7D0A05-FF74-4049-BC13-A9ACD9D2AB82}" type="slidenum">
+              <a:rPr lang="es-ES" smtClean="0"/>
+              <a:t>16</a:t>
+            </a:fld>
+            <a:endParaRPr lang="es-ES"/>
+          </a:p>
+        </p:txBody>
+      </p:sp>
+    </p:spTree>
+    <p:extLst>
+      <p:ext uri="{BB962C8B-B14F-4D97-AF65-F5344CB8AC3E}">
+        <p14:creationId xmlns:p14="http://schemas.microsoft.com/office/powerpoint/2010/main" val="2828250095"/>
+      </p:ext>
+    </p:extLst>
+  </p:cSld>
+  <p:clrMapOvr>
+    <a:masterClrMapping/>
+  </p:clrMapOvr>
+</p:notes>
+</file>
+
+<file path=ppt/notesSlides/notesSlide17.xml><?xml version="1.0" encoding="utf-8"?>
+<p:notes xmlns:a="http://schemas.openxmlformats.org/drawingml/2006/main" xmlns:r="http://schemas.openxmlformats.org/officeDocument/2006/relationships" xmlns:p="http://schemas.openxmlformats.org/presentationml/2006/main">
+  <p:cSld>
+    <p:spTree>
+      <p:nvGrpSpPr>
+        <p:cNvPr id="1" name=""/>
+        <p:cNvGrpSpPr/>
+        <p:nvPr/>
+      </p:nvGrpSpPr>
+      <p:grpSpPr>
+        <a:xfrm>
+          <a:off x="0" y="0"/>
+          <a:ext cx="0" cy="0"/>
+          <a:chOff x="0" y="0"/>
+          <a:chExt cx="0" cy="0"/>
+        </a:xfrm>
+      </p:grpSpPr>
+      <p:sp>
+        <p:nvSpPr>
+          <p:cNvPr id="2" name="Marcador de imagen de diapositiva 1"/>
+          <p:cNvSpPr>
+            <a:spLocks noGrp="1" noRot="1" noChangeAspect="1"/>
+          </p:cNvSpPr>
+          <p:nvPr>
+            <p:ph type="sldImg"/>
+          </p:nvPr>
+        </p:nvSpPr>
+        <p:spPr/>
+      </p:sp>
+      <p:sp>
+        <p:nvSpPr>
+          <p:cNvPr id="3" name="Marcador de notas 2"/>
+          <p:cNvSpPr>
+            <a:spLocks noGrp="1"/>
+          </p:cNvSpPr>
+          <p:nvPr>
+            <p:ph type="body" idx="1"/>
+          </p:nvPr>
+        </p:nvSpPr>
+        <p:spPr/>
+        <p:txBody>
+          <a:bodyPr/>
+          <a:lstStyle/>
+          <a:p>
+            <a:pPr marL="0" marR="0" lvl="0" indent="0" algn="l" defTabSz="914400" rtl="0" eaLnBrk="1" fontAlgn="auto" latinLnBrk="0" hangingPunct="1">
+              <a:lnSpc>
+                <a:spcPct val="100000"/>
+              </a:lnSpc>
+              <a:spcBef>
+                <a:spcPts val="0"/>
+              </a:spcBef>
+              <a:spcAft>
+                <a:spcPts val="0"/>
+              </a:spcAft>
+              <a:buClrTx/>
+              <a:buSzTx/>
+              <a:buFontTx/>
+              <a:buNone/>
+              <a:tabLst/>
+              <a:defRPr/>
+            </a:pPr>
+            <a:r>
+              <a:rPr lang="es-ES_tradnl" sz="1200" kern="1200" dirty="0" smtClean="0">
+                <a:solidFill>
+                  <a:schemeClr val="tx1"/>
+                </a:solidFill>
+                <a:effectLst/>
+                <a:latin typeface="+mn-lt"/>
+                <a:ea typeface="+mn-ea"/>
+                <a:cs typeface="+mn-cs"/>
+              </a:rPr>
+              <a:t>Librería de estilos creada y liberada por Twitter con una gran popularidad y aceptación en el mundo del diseño web gracias a las facilidades que aporta y que usamos en el proyecto como es su sistema de rejilla.</a:t>
+            </a:r>
+            <a:endParaRPr lang="es-ES" sz="1200" kern="1200" dirty="0" smtClean="0">
+              <a:solidFill>
+                <a:schemeClr val="tx1"/>
+              </a:solidFill>
+              <a:effectLst/>
+              <a:latin typeface="+mn-lt"/>
+              <a:ea typeface="+mn-ea"/>
+              <a:cs typeface="+mn-cs"/>
+            </a:endParaRPr>
+          </a:p>
+          <a:p>
+            <a:endParaRPr lang="es-ES" dirty="0"/>
+          </a:p>
+        </p:txBody>
+      </p:sp>
+      <p:sp>
+        <p:nvSpPr>
+          <p:cNvPr id="4" name="Marcador de número de diapositiva 3"/>
+          <p:cNvSpPr>
+            <a:spLocks noGrp="1"/>
+          </p:cNvSpPr>
+          <p:nvPr>
+            <p:ph type="sldNum" sz="quarter" idx="10"/>
+          </p:nvPr>
+        </p:nvSpPr>
+        <p:spPr/>
+        <p:txBody>
+          <a:bodyPr/>
+          <a:lstStyle/>
+          <a:p>
+            <a:fld id="{DB7D0A05-FF74-4049-BC13-A9ACD9D2AB82}" type="slidenum">
+              <a:rPr lang="es-ES" smtClean="0"/>
+              <a:t>17</a:t>
+            </a:fld>
+            <a:endParaRPr lang="es-ES"/>
+          </a:p>
+        </p:txBody>
+      </p:sp>
+    </p:spTree>
+    <p:extLst>
+      <p:ext uri="{BB962C8B-B14F-4D97-AF65-F5344CB8AC3E}">
+        <p14:creationId xmlns:p14="http://schemas.microsoft.com/office/powerpoint/2010/main" val="429507329"/>
+      </p:ext>
+    </p:extLst>
+  </p:cSld>
+  <p:clrMapOvr>
+    <a:masterClrMapping/>
+  </p:clrMapOvr>
+</p:notes>
+</file>
+
+<file path=ppt/notesSlides/notesSlide18.xml><?xml version="1.0" encoding="utf-8"?>
+<p:notes xmlns:a="http://schemas.openxmlformats.org/drawingml/2006/main" xmlns:r="http://schemas.openxmlformats.org/officeDocument/2006/relationships" xmlns:p="http://schemas.openxmlformats.org/presentationml/2006/main">
+  <p:cSld>
+    <p:spTree>
+      <p:nvGrpSpPr>
+        <p:cNvPr id="1" name=""/>
+        <p:cNvGrpSpPr/>
+        <p:nvPr/>
+      </p:nvGrpSpPr>
+      <p:grpSpPr>
+        <a:xfrm>
+          <a:off x="0" y="0"/>
+          <a:ext cx="0" cy="0"/>
+          <a:chOff x="0" y="0"/>
+          <a:chExt cx="0" cy="0"/>
+        </a:xfrm>
+      </p:grpSpPr>
+      <p:sp>
+        <p:nvSpPr>
+          <p:cNvPr id="2" name="Marcador de imagen de diapositiva 1"/>
+          <p:cNvSpPr>
+            <a:spLocks noGrp="1" noRot="1" noChangeAspect="1"/>
+          </p:cNvSpPr>
+          <p:nvPr>
+            <p:ph type="sldImg"/>
+          </p:nvPr>
+        </p:nvSpPr>
+        <p:spPr/>
+      </p:sp>
+      <p:sp>
+        <p:nvSpPr>
+          <p:cNvPr id="3" name="Marcador de notas 2"/>
+          <p:cNvSpPr>
+            <a:spLocks noGrp="1"/>
+          </p:cNvSpPr>
+          <p:nvPr>
+            <p:ph type="body" idx="1"/>
+          </p:nvPr>
+        </p:nvSpPr>
+        <p:spPr/>
+        <p:txBody>
+          <a:bodyPr/>
+          <a:lstStyle/>
+          <a:p>
+            <a:r>
+              <a:rPr lang="es-ES" dirty="0" smtClean="0"/>
+              <a:t>Aquí vemos como hemos hecho uso del sistema de rejilla de </a:t>
+            </a:r>
+            <a:r>
+              <a:rPr lang="es-ES" dirty="0" err="1" smtClean="0"/>
+              <a:t>bootstrap</a:t>
+            </a:r>
+            <a:r>
+              <a:rPr lang="es-ES" dirty="0" smtClean="0"/>
+              <a:t>.</a:t>
+            </a:r>
+            <a:endParaRPr lang="es-ES" dirty="0"/>
+          </a:p>
+        </p:txBody>
+      </p:sp>
+      <p:sp>
+        <p:nvSpPr>
+          <p:cNvPr id="4" name="Marcador de número de diapositiva 3"/>
+          <p:cNvSpPr>
+            <a:spLocks noGrp="1"/>
+          </p:cNvSpPr>
+          <p:nvPr>
+            <p:ph type="sldNum" sz="quarter" idx="10"/>
+          </p:nvPr>
+        </p:nvSpPr>
+        <p:spPr/>
+        <p:txBody>
+          <a:bodyPr/>
+          <a:lstStyle/>
+          <a:p>
+            <a:fld id="{DB7D0A05-FF74-4049-BC13-A9ACD9D2AB82}" type="slidenum">
+              <a:rPr lang="es-ES" smtClean="0"/>
+              <a:t>18</a:t>
+            </a:fld>
+            <a:endParaRPr lang="es-ES"/>
+          </a:p>
+        </p:txBody>
+      </p:sp>
+    </p:spTree>
+    <p:extLst>
+      <p:ext uri="{BB962C8B-B14F-4D97-AF65-F5344CB8AC3E}">
+        <p14:creationId xmlns:p14="http://schemas.microsoft.com/office/powerpoint/2010/main" val="1732749248"/>
+      </p:ext>
+    </p:extLst>
+  </p:cSld>
+  <p:clrMapOvr>
+    <a:masterClrMapping/>
+  </p:clrMapOvr>
+</p:notes>
+</file>
+
+<file path=ppt/notesSlides/notesSlide19.xml><?xml version="1.0" encoding="utf-8"?>
+<p:notes xmlns:a="http://schemas.openxmlformats.org/drawingml/2006/main" xmlns:r="http://schemas.openxmlformats.org/officeDocument/2006/relationships" xmlns:p="http://schemas.openxmlformats.org/presentationml/2006/main">
+  <p:cSld>
+    <p:spTree>
+      <p:nvGrpSpPr>
+        <p:cNvPr id="1" name=""/>
+        <p:cNvGrpSpPr/>
+        <p:nvPr/>
+      </p:nvGrpSpPr>
+      <p:grpSpPr>
+        <a:xfrm>
+          <a:off x="0" y="0"/>
+          <a:ext cx="0" cy="0"/>
+          <a:chOff x="0" y="0"/>
+          <a:chExt cx="0" cy="0"/>
+        </a:xfrm>
+      </p:grpSpPr>
+      <p:sp>
+        <p:nvSpPr>
+          <p:cNvPr id="2" name="Marcador de imagen de diapositiva 1"/>
+          <p:cNvSpPr>
+            <a:spLocks noGrp="1" noRot="1" noChangeAspect="1"/>
+          </p:cNvSpPr>
+          <p:nvPr>
+            <p:ph type="sldImg"/>
+          </p:nvPr>
+        </p:nvSpPr>
+        <p:spPr/>
+      </p:sp>
+      <p:sp>
+        <p:nvSpPr>
+          <p:cNvPr id="3" name="Marcador de notas 2"/>
+          <p:cNvSpPr>
+            <a:spLocks noGrp="1"/>
+          </p:cNvSpPr>
+          <p:nvPr>
+            <p:ph type="body" idx="1"/>
+          </p:nvPr>
+        </p:nvSpPr>
+        <p:spPr/>
+        <p:txBody>
+          <a:bodyPr/>
+          <a:lstStyle/>
+          <a:p>
+            <a:pPr marL="0" marR="0" lvl="0" indent="0" algn="l" defTabSz="914400" rtl="0" eaLnBrk="1" fontAlgn="auto" latinLnBrk="0" hangingPunct="1">
+              <a:lnSpc>
+                <a:spcPct val="100000"/>
+              </a:lnSpc>
+              <a:spcBef>
+                <a:spcPts val="0"/>
+              </a:spcBef>
+              <a:spcAft>
+                <a:spcPts val="0"/>
+              </a:spcAft>
+              <a:buClrTx/>
+              <a:buSzTx/>
+              <a:buFontTx/>
+              <a:buNone/>
+              <a:tabLst/>
+              <a:defRPr/>
+            </a:pPr>
+            <a:r>
+              <a:rPr lang="es-ES_tradnl" sz="1200" kern="1200" dirty="0" smtClean="0">
+                <a:solidFill>
+                  <a:schemeClr val="tx1"/>
+                </a:solidFill>
+                <a:effectLst/>
+                <a:latin typeface="+mn-lt"/>
+                <a:ea typeface="+mn-ea"/>
+                <a:cs typeface="+mn-cs"/>
+              </a:rPr>
+              <a:t>Encargado de generar HTML dinámicamente y elegido por su rapidez y sencillez en cuanto a código para realizar dicha tarea.</a:t>
+            </a:r>
+            <a:endParaRPr lang="es-ES" sz="1200" kern="1200" dirty="0" smtClean="0">
+              <a:solidFill>
+                <a:schemeClr val="tx1"/>
+              </a:solidFill>
+              <a:effectLst/>
+              <a:latin typeface="+mn-lt"/>
+              <a:ea typeface="+mn-ea"/>
+              <a:cs typeface="+mn-cs"/>
+            </a:endParaRPr>
+          </a:p>
+          <a:p>
+            <a:endParaRPr lang="es-ES" dirty="0"/>
+          </a:p>
+        </p:txBody>
+      </p:sp>
+      <p:sp>
+        <p:nvSpPr>
+          <p:cNvPr id="4" name="Marcador de número de diapositiva 3"/>
+          <p:cNvSpPr>
+            <a:spLocks noGrp="1"/>
+          </p:cNvSpPr>
+          <p:nvPr>
+            <p:ph type="sldNum" sz="quarter" idx="10"/>
+          </p:nvPr>
+        </p:nvSpPr>
+        <p:spPr/>
+        <p:txBody>
+          <a:bodyPr/>
+          <a:lstStyle/>
+          <a:p>
+            <a:fld id="{DB7D0A05-FF74-4049-BC13-A9ACD9D2AB82}" type="slidenum">
+              <a:rPr lang="es-ES" smtClean="0"/>
+              <a:t>19</a:t>
+            </a:fld>
+            <a:endParaRPr lang="es-ES"/>
+          </a:p>
+        </p:txBody>
+      </p:sp>
+    </p:spTree>
+    <p:extLst>
+      <p:ext uri="{BB962C8B-B14F-4D97-AF65-F5344CB8AC3E}">
+        <p14:creationId xmlns:p14="http://schemas.microsoft.com/office/powerpoint/2010/main" val="1775177090"/>
+      </p:ext>
+    </p:extLst>
+  </p:cSld>
+  <p:clrMapOvr>
+    <a:masterClrMapping/>
+  </p:clrMapOvr>
+</p:notes>
+</file>
+
+<file path=ppt/notesSlides/notesSlide2.xml><?xml version="1.0" encoding="utf-8"?>
+<p:notes xmlns:a="http://schemas.openxmlformats.org/drawingml/2006/main" xmlns:r="http://schemas.openxmlformats.org/officeDocument/2006/relationships" xmlns:p="http://schemas.openxmlformats.org/presentationml/2006/main">
+  <p:cSld>
+    <p:spTree>
+      <p:nvGrpSpPr>
+        <p:cNvPr id="1" name=""/>
+        <p:cNvGrpSpPr/>
+        <p:nvPr/>
+      </p:nvGrpSpPr>
+      <p:grpSpPr>
+        <a:xfrm>
+          <a:off x="0" y="0"/>
+          <a:ext cx="0" cy="0"/>
+          <a:chOff x="0" y="0"/>
+          <a:chExt cx="0" cy="0"/>
+        </a:xfrm>
+      </p:grpSpPr>
+      <p:sp>
+        <p:nvSpPr>
+          <p:cNvPr id="2" name="Marcador de imagen de diapositiva 1"/>
+          <p:cNvSpPr>
+            <a:spLocks noGrp="1" noRot="1" noChangeAspect="1"/>
+          </p:cNvSpPr>
+          <p:nvPr>
+            <p:ph type="sldImg"/>
+          </p:nvPr>
+        </p:nvSpPr>
+        <p:spPr/>
+      </p:sp>
+      <p:sp>
+        <p:nvSpPr>
+          <p:cNvPr id="3" name="Marcador de notas 2"/>
+          <p:cNvSpPr>
+            <a:spLocks noGrp="1"/>
+          </p:cNvSpPr>
+          <p:nvPr>
+            <p:ph type="body" idx="1"/>
+          </p:nvPr>
+        </p:nvSpPr>
+        <p:spPr/>
+        <p:txBody>
+          <a:bodyPr/>
+          <a:lstStyle/>
+          <a:p>
+            <a:r>
+              <a:rPr lang="es-ES_tradnl" sz="1200" kern="1200" dirty="0" err="1" smtClean="0">
+                <a:solidFill>
+                  <a:schemeClr val="tx1"/>
+                </a:solidFill>
+                <a:effectLst/>
+                <a:latin typeface="+mn-lt"/>
+                <a:ea typeface="+mn-ea"/>
+                <a:cs typeface="+mn-cs"/>
+              </a:rPr>
+              <a:t>YoSoyTuCine</a:t>
+            </a:r>
+            <a:r>
+              <a:rPr lang="es-ES_tradnl" sz="1200" kern="1200" dirty="0" smtClean="0">
+                <a:solidFill>
+                  <a:schemeClr val="tx1"/>
+                </a:solidFill>
+                <a:effectLst/>
+                <a:latin typeface="+mn-lt"/>
+                <a:ea typeface="+mn-ea"/>
+                <a:cs typeface="+mn-cs"/>
+              </a:rPr>
+              <a:t> es un buscador</a:t>
+            </a:r>
+            <a:r>
+              <a:rPr lang="es-ES_tradnl" sz="1200" kern="1200" baseline="0" dirty="0" smtClean="0">
+                <a:solidFill>
+                  <a:schemeClr val="tx1"/>
+                </a:solidFill>
+                <a:effectLst/>
+                <a:latin typeface="+mn-lt"/>
+                <a:ea typeface="+mn-ea"/>
+                <a:cs typeface="+mn-cs"/>
+              </a:rPr>
+              <a:t> y </a:t>
+            </a:r>
+            <a:r>
+              <a:rPr lang="es-ES_tradnl" sz="1200" kern="1200" dirty="0" smtClean="0">
+                <a:solidFill>
+                  <a:schemeClr val="tx1"/>
+                </a:solidFill>
+                <a:effectLst/>
+                <a:latin typeface="+mn-lt"/>
+                <a:ea typeface="+mn-ea"/>
+                <a:cs typeface="+mn-cs"/>
+              </a:rPr>
+              <a:t>comparador de cines, no de películas.</a:t>
+            </a:r>
+          </a:p>
+          <a:p>
+            <a:endParaRPr lang="es-ES" sz="1200" kern="1200" dirty="0" smtClean="0">
+              <a:solidFill>
+                <a:schemeClr val="tx1"/>
+              </a:solidFill>
+              <a:effectLst/>
+              <a:latin typeface="+mn-lt"/>
+              <a:ea typeface="+mn-ea"/>
+              <a:cs typeface="+mn-cs"/>
+            </a:endParaRPr>
+          </a:p>
+          <a:p>
+            <a:r>
+              <a:rPr lang="es-ES_tradnl" sz="1200" kern="1200" dirty="0" smtClean="0">
+                <a:solidFill>
+                  <a:schemeClr val="tx1"/>
+                </a:solidFill>
+                <a:effectLst/>
+                <a:latin typeface="+mn-lt"/>
+                <a:ea typeface="+mn-ea"/>
+                <a:cs typeface="+mn-cs"/>
+              </a:rPr>
+              <a:t>Entender esta idea es básica para comprender el proyecto que abordamos ya que comparadores y buscadores de películas hay muchos y</a:t>
+            </a:r>
+            <a:r>
+              <a:rPr lang="es-ES_tradnl" sz="1200" kern="1200" baseline="0" dirty="0" smtClean="0">
+                <a:solidFill>
+                  <a:schemeClr val="tx1"/>
+                </a:solidFill>
+                <a:effectLst/>
+                <a:latin typeface="+mn-lt"/>
+                <a:ea typeface="+mn-ea"/>
+                <a:cs typeface="+mn-cs"/>
+              </a:rPr>
+              <a:t> es</a:t>
+            </a:r>
+            <a:r>
+              <a:rPr lang="es-ES_tradnl" sz="1200" kern="1200" dirty="0" smtClean="0">
+                <a:solidFill>
+                  <a:schemeClr val="tx1"/>
+                </a:solidFill>
+                <a:effectLst/>
+                <a:latin typeface="+mn-lt"/>
+                <a:ea typeface="+mn-ea"/>
+                <a:cs typeface="+mn-cs"/>
+              </a:rPr>
+              <a:t> imposible competir con ellos debido a su gran comunidad de usuarios, como puede ser </a:t>
+            </a:r>
+            <a:r>
+              <a:rPr lang="es-ES_tradnl" sz="1200" kern="1200" dirty="0" err="1" smtClean="0">
+                <a:solidFill>
+                  <a:schemeClr val="tx1"/>
+                </a:solidFill>
+                <a:effectLst/>
+                <a:latin typeface="+mn-lt"/>
+                <a:ea typeface="+mn-ea"/>
+                <a:cs typeface="+mn-cs"/>
+              </a:rPr>
+              <a:t>FilmAffinity</a:t>
+            </a:r>
+            <a:r>
+              <a:rPr lang="es-ES_tradnl" sz="1200" kern="1200" dirty="0" smtClean="0">
+                <a:solidFill>
+                  <a:schemeClr val="tx1"/>
+                </a:solidFill>
+                <a:effectLst/>
+                <a:latin typeface="+mn-lt"/>
+                <a:ea typeface="+mn-ea"/>
+                <a:cs typeface="+mn-cs"/>
+              </a:rPr>
+              <a:t>.</a:t>
+            </a:r>
+          </a:p>
+          <a:p>
+            <a:endParaRPr lang="es-ES" sz="1200" kern="1200" dirty="0" smtClean="0">
+              <a:solidFill>
+                <a:schemeClr val="tx1"/>
+              </a:solidFill>
+              <a:effectLst/>
+              <a:latin typeface="+mn-lt"/>
+              <a:ea typeface="+mn-ea"/>
+              <a:cs typeface="+mn-cs"/>
+            </a:endParaRPr>
+          </a:p>
+          <a:p>
+            <a:r>
+              <a:rPr lang="es-ES_tradnl" sz="1200" kern="1200" dirty="0" smtClean="0">
+                <a:solidFill>
+                  <a:schemeClr val="tx1"/>
+                </a:solidFill>
+                <a:effectLst/>
+                <a:latin typeface="+mn-lt"/>
+                <a:ea typeface="+mn-ea"/>
+                <a:cs typeface="+mn-cs"/>
+              </a:rPr>
+              <a:t>Google, por ejemplo, a fecha de entrega de este proyecto, si buscas una película, la información que te proporciona son las sesiones y cines disponibles para la película buscada, pero </a:t>
+            </a:r>
+            <a:r>
+              <a:rPr lang="es-ES" sz="1200" kern="1200" dirty="0" smtClean="0">
+                <a:solidFill>
+                  <a:schemeClr val="tx1"/>
+                </a:solidFill>
+                <a:effectLst/>
+                <a:latin typeface="+mn-lt"/>
+                <a:ea typeface="+mn-ea"/>
+                <a:cs typeface="+mn-cs"/>
+              </a:rPr>
+              <a:t>NO EN BASE A TU LOCALIZACION.</a:t>
+            </a:r>
+          </a:p>
+          <a:p>
+            <a:endParaRPr lang="es-ES" dirty="0"/>
+          </a:p>
+        </p:txBody>
+      </p:sp>
+      <p:sp>
+        <p:nvSpPr>
+          <p:cNvPr id="4" name="Marcador de número de diapositiva 3"/>
+          <p:cNvSpPr>
+            <a:spLocks noGrp="1"/>
+          </p:cNvSpPr>
+          <p:nvPr>
+            <p:ph type="sldNum" sz="quarter" idx="10"/>
+          </p:nvPr>
+        </p:nvSpPr>
+        <p:spPr/>
+        <p:txBody>
+          <a:bodyPr/>
+          <a:lstStyle/>
+          <a:p>
+            <a:fld id="{DB7D0A05-FF74-4049-BC13-A9ACD9D2AB82}" type="slidenum">
+              <a:rPr lang="es-ES" smtClean="0"/>
+              <a:t>2</a:t>
+            </a:fld>
+            <a:endParaRPr lang="es-ES"/>
+          </a:p>
+        </p:txBody>
+      </p:sp>
+    </p:spTree>
+    <p:extLst>
+      <p:ext uri="{BB962C8B-B14F-4D97-AF65-F5344CB8AC3E}">
+        <p14:creationId xmlns:p14="http://schemas.microsoft.com/office/powerpoint/2010/main" val="2803705741"/>
+      </p:ext>
+    </p:extLst>
+  </p:cSld>
+  <p:clrMapOvr>
+    <a:masterClrMapping/>
+  </p:clrMapOvr>
+</p:notes>
+</file>
+
+<file path=ppt/notesSlides/notesSlide20.xml><?xml version="1.0" encoding="utf-8"?>
+<p:notes xmlns:a="http://schemas.openxmlformats.org/drawingml/2006/main" xmlns:r="http://schemas.openxmlformats.org/officeDocument/2006/relationships" xmlns:p="http://schemas.openxmlformats.org/presentationml/2006/main">
+  <p:cSld>
+    <p:spTree>
+      <p:nvGrpSpPr>
+        <p:cNvPr id="1" name=""/>
+        <p:cNvGrpSpPr/>
+        <p:nvPr/>
+      </p:nvGrpSpPr>
+      <p:grpSpPr>
+        <a:xfrm>
+          <a:off x="0" y="0"/>
+          <a:ext cx="0" cy="0"/>
+          <a:chOff x="0" y="0"/>
+          <a:chExt cx="0" cy="0"/>
+        </a:xfrm>
+      </p:grpSpPr>
+      <p:sp>
+        <p:nvSpPr>
+          <p:cNvPr id="2" name="Marcador de imagen de diapositiva 1"/>
+          <p:cNvSpPr>
+            <a:spLocks noGrp="1" noRot="1" noChangeAspect="1"/>
+          </p:cNvSpPr>
+          <p:nvPr>
+            <p:ph type="sldImg"/>
+          </p:nvPr>
+        </p:nvSpPr>
+        <p:spPr/>
+      </p:sp>
+      <p:sp>
+        <p:nvSpPr>
+          <p:cNvPr id="3" name="Marcador de notas 2"/>
+          <p:cNvSpPr>
+            <a:spLocks noGrp="1"/>
+          </p:cNvSpPr>
+          <p:nvPr>
+            <p:ph type="body" idx="1"/>
+          </p:nvPr>
+        </p:nvSpPr>
+        <p:spPr/>
+        <p:txBody>
+          <a:bodyPr/>
+          <a:lstStyle/>
+          <a:p>
+            <a:r>
+              <a:rPr lang="es-ES" dirty="0" smtClean="0"/>
+              <a:t>Aquí</a:t>
+            </a:r>
+            <a:r>
+              <a:rPr lang="es-ES" baseline="0" dirty="0" smtClean="0"/>
+              <a:t> tenemos un ejemplo de como generamos HTML dinámicamente mediante JQUERY</a:t>
+            </a:r>
+            <a:endParaRPr lang="es-ES" dirty="0"/>
+          </a:p>
+        </p:txBody>
+      </p:sp>
+      <p:sp>
+        <p:nvSpPr>
+          <p:cNvPr id="4" name="Marcador de número de diapositiva 3"/>
+          <p:cNvSpPr>
+            <a:spLocks noGrp="1"/>
+          </p:cNvSpPr>
+          <p:nvPr>
+            <p:ph type="sldNum" sz="quarter" idx="10"/>
+          </p:nvPr>
+        </p:nvSpPr>
+        <p:spPr/>
+        <p:txBody>
+          <a:bodyPr/>
+          <a:lstStyle/>
+          <a:p>
+            <a:fld id="{DB7D0A05-FF74-4049-BC13-A9ACD9D2AB82}" type="slidenum">
+              <a:rPr lang="es-ES" smtClean="0"/>
+              <a:t>20</a:t>
+            </a:fld>
+            <a:endParaRPr lang="es-ES"/>
+          </a:p>
+        </p:txBody>
+      </p:sp>
+    </p:spTree>
+    <p:extLst>
+      <p:ext uri="{BB962C8B-B14F-4D97-AF65-F5344CB8AC3E}">
+        <p14:creationId xmlns:p14="http://schemas.microsoft.com/office/powerpoint/2010/main" val="1512199226"/>
+      </p:ext>
+    </p:extLst>
+  </p:cSld>
+  <p:clrMapOvr>
+    <a:masterClrMapping/>
+  </p:clrMapOvr>
+</p:notes>
+</file>
+
+<file path=ppt/notesSlides/notesSlide21.xml><?xml version="1.0" encoding="utf-8"?>
+<p:notes xmlns:a="http://schemas.openxmlformats.org/drawingml/2006/main" xmlns:r="http://schemas.openxmlformats.org/officeDocument/2006/relationships" xmlns:p="http://schemas.openxmlformats.org/presentationml/2006/main">
+  <p:cSld>
+    <p:spTree>
+      <p:nvGrpSpPr>
+        <p:cNvPr id="1" name=""/>
+        <p:cNvGrpSpPr/>
+        <p:nvPr/>
+      </p:nvGrpSpPr>
+      <p:grpSpPr>
+        <a:xfrm>
+          <a:off x="0" y="0"/>
+          <a:ext cx="0" cy="0"/>
+          <a:chOff x="0" y="0"/>
+          <a:chExt cx="0" cy="0"/>
+        </a:xfrm>
+      </p:grpSpPr>
+      <p:sp>
+        <p:nvSpPr>
+          <p:cNvPr id="2" name="Marcador de imagen de diapositiva 1"/>
+          <p:cNvSpPr>
+            <a:spLocks noGrp="1" noRot="1" noChangeAspect="1"/>
+          </p:cNvSpPr>
+          <p:nvPr>
+            <p:ph type="sldImg"/>
+          </p:nvPr>
+        </p:nvSpPr>
+        <p:spPr/>
+      </p:sp>
+      <p:sp>
+        <p:nvSpPr>
+          <p:cNvPr id="3" name="Marcador de notas 2"/>
+          <p:cNvSpPr>
+            <a:spLocks noGrp="1"/>
+          </p:cNvSpPr>
+          <p:nvPr>
+            <p:ph type="body" idx="1"/>
+          </p:nvPr>
+        </p:nvSpPr>
+        <p:spPr/>
+        <p:txBody>
+          <a:bodyPr/>
+          <a:lstStyle/>
+          <a:p>
+            <a:pPr marL="0" marR="0" lvl="0" indent="0" algn="l" defTabSz="914400" rtl="0" eaLnBrk="1" fontAlgn="auto" latinLnBrk="0" hangingPunct="1">
+              <a:lnSpc>
+                <a:spcPct val="100000"/>
+              </a:lnSpc>
+              <a:spcBef>
+                <a:spcPts val="0"/>
+              </a:spcBef>
+              <a:spcAft>
+                <a:spcPts val="0"/>
+              </a:spcAft>
+              <a:buClrTx/>
+              <a:buSzTx/>
+              <a:buFontTx/>
+              <a:buNone/>
+              <a:tabLst/>
+              <a:defRPr/>
+            </a:pPr>
+            <a:r>
+              <a:rPr lang="es-ES_tradnl" sz="1200" kern="1200" dirty="0" smtClean="0">
+                <a:solidFill>
+                  <a:schemeClr val="tx1"/>
+                </a:solidFill>
+                <a:effectLst/>
+                <a:latin typeface="+mn-lt"/>
+                <a:ea typeface="+mn-ea"/>
+                <a:cs typeface="+mn-cs"/>
+              </a:rPr>
+              <a:t>Utilizado para evitar las recargas de la web a la hora de filtrar en las búsquedas.</a:t>
+            </a:r>
+            <a:endParaRPr lang="es-ES" sz="1200" kern="1200" dirty="0" smtClean="0">
+              <a:solidFill>
+                <a:schemeClr val="tx1"/>
+              </a:solidFill>
+              <a:effectLst/>
+              <a:latin typeface="+mn-lt"/>
+              <a:ea typeface="+mn-ea"/>
+              <a:cs typeface="+mn-cs"/>
+            </a:endParaRPr>
+          </a:p>
+          <a:p>
+            <a:endParaRPr lang="es-ES" dirty="0"/>
+          </a:p>
+        </p:txBody>
+      </p:sp>
+      <p:sp>
+        <p:nvSpPr>
+          <p:cNvPr id="4" name="Marcador de número de diapositiva 3"/>
+          <p:cNvSpPr>
+            <a:spLocks noGrp="1"/>
+          </p:cNvSpPr>
+          <p:nvPr>
+            <p:ph type="sldNum" sz="quarter" idx="10"/>
+          </p:nvPr>
+        </p:nvSpPr>
+        <p:spPr/>
+        <p:txBody>
+          <a:bodyPr/>
+          <a:lstStyle/>
+          <a:p>
+            <a:fld id="{DB7D0A05-FF74-4049-BC13-A9ACD9D2AB82}" type="slidenum">
+              <a:rPr lang="es-ES" smtClean="0"/>
+              <a:t>21</a:t>
+            </a:fld>
+            <a:endParaRPr lang="es-ES"/>
+          </a:p>
+        </p:txBody>
+      </p:sp>
+    </p:spTree>
+    <p:extLst>
+      <p:ext uri="{BB962C8B-B14F-4D97-AF65-F5344CB8AC3E}">
+        <p14:creationId xmlns:p14="http://schemas.microsoft.com/office/powerpoint/2010/main" val="1234860430"/>
+      </p:ext>
+    </p:extLst>
+  </p:cSld>
+  <p:clrMapOvr>
+    <a:masterClrMapping/>
+  </p:clrMapOvr>
+</p:notes>
+</file>
+
+<file path=ppt/notesSlides/notesSlide22.xml><?xml version="1.0" encoding="utf-8"?>
+<p:notes xmlns:a="http://schemas.openxmlformats.org/drawingml/2006/main" xmlns:r="http://schemas.openxmlformats.org/officeDocument/2006/relationships" xmlns:p="http://schemas.openxmlformats.org/presentationml/2006/main">
+  <p:cSld>
+    <p:spTree>
+      <p:nvGrpSpPr>
+        <p:cNvPr id="1" name=""/>
+        <p:cNvGrpSpPr/>
+        <p:nvPr/>
+      </p:nvGrpSpPr>
+      <p:grpSpPr>
+        <a:xfrm>
+          <a:off x="0" y="0"/>
+          <a:ext cx="0" cy="0"/>
+          <a:chOff x="0" y="0"/>
+          <a:chExt cx="0" cy="0"/>
+        </a:xfrm>
+      </p:grpSpPr>
+      <p:sp>
+        <p:nvSpPr>
+          <p:cNvPr id="2" name="Marcador de imagen de diapositiva 1"/>
+          <p:cNvSpPr>
+            <a:spLocks noGrp="1" noRot="1" noChangeAspect="1"/>
+          </p:cNvSpPr>
+          <p:nvPr>
+            <p:ph type="sldImg"/>
+          </p:nvPr>
+        </p:nvSpPr>
+        <p:spPr/>
+      </p:sp>
+      <p:sp>
+        <p:nvSpPr>
+          <p:cNvPr id="3" name="Marcador de notas 2"/>
+          <p:cNvSpPr>
+            <a:spLocks noGrp="1"/>
+          </p:cNvSpPr>
+          <p:nvPr>
+            <p:ph type="body" idx="1"/>
+          </p:nvPr>
+        </p:nvSpPr>
+        <p:spPr/>
+        <p:txBody>
+          <a:bodyPr/>
+          <a:lstStyle/>
+          <a:p>
+            <a:r>
+              <a:rPr lang="es-ES" dirty="0" smtClean="0"/>
+              <a:t>Este es un ejemplo de llamadas AJAX durante la selección</a:t>
+            </a:r>
+            <a:r>
+              <a:rPr lang="es-ES" baseline="0" dirty="0" smtClean="0"/>
+              <a:t> de los distintos filtros de las paginas web de los cines.</a:t>
+            </a:r>
+            <a:endParaRPr lang="es-ES" dirty="0"/>
+          </a:p>
+        </p:txBody>
+      </p:sp>
+      <p:sp>
+        <p:nvSpPr>
+          <p:cNvPr id="4" name="Marcador de número de diapositiva 3"/>
+          <p:cNvSpPr>
+            <a:spLocks noGrp="1"/>
+          </p:cNvSpPr>
+          <p:nvPr>
+            <p:ph type="sldNum" sz="quarter" idx="10"/>
+          </p:nvPr>
+        </p:nvSpPr>
+        <p:spPr/>
+        <p:txBody>
+          <a:bodyPr/>
+          <a:lstStyle/>
+          <a:p>
+            <a:fld id="{DB7D0A05-FF74-4049-BC13-A9ACD9D2AB82}" type="slidenum">
+              <a:rPr lang="es-ES" smtClean="0"/>
+              <a:t>22</a:t>
+            </a:fld>
+            <a:endParaRPr lang="es-ES"/>
+          </a:p>
+        </p:txBody>
+      </p:sp>
+    </p:spTree>
+    <p:extLst>
+      <p:ext uri="{BB962C8B-B14F-4D97-AF65-F5344CB8AC3E}">
+        <p14:creationId xmlns:p14="http://schemas.microsoft.com/office/powerpoint/2010/main" val="708013584"/>
+      </p:ext>
+    </p:extLst>
+  </p:cSld>
+  <p:clrMapOvr>
+    <a:masterClrMapping/>
+  </p:clrMapOvr>
+</p:notes>
+</file>
+
+<file path=ppt/notesSlides/notesSlide23.xml><?xml version="1.0" encoding="utf-8"?>
+<p:notes xmlns:a="http://schemas.openxmlformats.org/drawingml/2006/main" xmlns:r="http://schemas.openxmlformats.org/officeDocument/2006/relationships" xmlns:p="http://schemas.openxmlformats.org/presentationml/2006/main">
+  <p:cSld>
+    <p:spTree>
+      <p:nvGrpSpPr>
+        <p:cNvPr id="1" name=""/>
+        <p:cNvGrpSpPr/>
+        <p:nvPr/>
+      </p:nvGrpSpPr>
+      <p:grpSpPr>
+        <a:xfrm>
+          <a:off x="0" y="0"/>
+          <a:ext cx="0" cy="0"/>
+          <a:chOff x="0" y="0"/>
+          <a:chExt cx="0" cy="0"/>
+        </a:xfrm>
+      </p:grpSpPr>
+      <p:sp>
+        <p:nvSpPr>
+          <p:cNvPr id="2" name="Marcador de imagen de diapositiva 1"/>
+          <p:cNvSpPr>
+            <a:spLocks noGrp="1" noRot="1" noChangeAspect="1"/>
+          </p:cNvSpPr>
+          <p:nvPr>
+            <p:ph type="sldImg"/>
+          </p:nvPr>
+        </p:nvSpPr>
+        <p:spPr/>
+      </p:sp>
+      <p:sp>
+        <p:nvSpPr>
+          <p:cNvPr id="3" name="Marcador de notas 2"/>
+          <p:cNvSpPr>
+            <a:spLocks noGrp="1"/>
+          </p:cNvSpPr>
+          <p:nvPr>
+            <p:ph type="body" idx="1"/>
+          </p:nvPr>
+        </p:nvSpPr>
+        <p:spPr/>
+        <p:txBody>
+          <a:bodyPr/>
+          <a:lstStyle/>
+          <a:p>
+            <a:pPr marL="0" marR="0" lvl="0" indent="0" algn="l" defTabSz="914400" rtl="0" eaLnBrk="1" fontAlgn="auto" latinLnBrk="0" hangingPunct="1">
+              <a:lnSpc>
+                <a:spcPct val="100000"/>
+              </a:lnSpc>
+              <a:spcBef>
+                <a:spcPts val="0"/>
+              </a:spcBef>
+              <a:spcAft>
+                <a:spcPts val="0"/>
+              </a:spcAft>
+              <a:buClrTx/>
+              <a:buSzTx/>
+              <a:buFontTx/>
+              <a:buNone/>
+              <a:tabLst/>
+              <a:defRPr/>
+            </a:pPr>
+            <a:r>
+              <a:rPr lang="es-ES_tradnl" sz="1200" kern="1200" dirty="0" err="1" smtClean="0">
+                <a:solidFill>
+                  <a:schemeClr val="tx1"/>
+                </a:solidFill>
+                <a:effectLst/>
+                <a:latin typeface="+mn-lt"/>
+                <a:ea typeface="+mn-ea"/>
+                <a:cs typeface="+mn-cs"/>
+              </a:rPr>
+              <a:t>Trello</a:t>
+            </a:r>
+            <a:r>
+              <a:rPr lang="es-ES_tradnl" sz="1200" kern="1200" dirty="0" smtClean="0">
+                <a:solidFill>
+                  <a:schemeClr val="tx1"/>
+                </a:solidFill>
+                <a:effectLst/>
+                <a:latin typeface="+mn-lt"/>
+                <a:ea typeface="+mn-ea"/>
+                <a:cs typeface="+mn-cs"/>
+              </a:rPr>
+              <a:t> es una aplicación Web la cual te proporciona un sistema de trabajo basado en metodologías agiles.</a:t>
+            </a:r>
+            <a:endParaRPr lang="es-ES" sz="1200" kern="1200" dirty="0" smtClean="0">
+              <a:solidFill>
+                <a:schemeClr val="tx1"/>
+              </a:solidFill>
+              <a:effectLst/>
+              <a:latin typeface="+mn-lt"/>
+              <a:ea typeface="+mn-ea"/>
+              <a:cs typeface="+mn-cs"/>
+            </a:endParaRPr>
+          </a:p>
+          <a:p>
+            <a:endParaRPr lang="es-ES" dirty="0"/>
+          </a:p>
+        </p:txBody>
+      </p:sp>
+      <p:sp>
+        <p:nvSpPr>
+          <p:cNvPr id="4" name="Marcador de número de diapositiva 3"/>
+          <p:cNvSpPr>
+            <a:spLocks noGrp="1"/>
+          </p:cNvSpPr>
+          <p:nvPr>
+            <p:ph type="sldNum" sz="quarter" idx="10"/>
+          </p:nvPr>
+        </p:nvSpPr>
+        <p:spPr/>
+        <p:txBody>
+          <a:bodyPr/>
+          <a:lstStyle/>
+          <a:p>
+            <a:fld id="{DB7D0A05-FF74-4049-BC13-A9ACD9D2AB82}" type="slidenum">
+              <a:rPr lang="es-ES" smtClean="0"/>
+              <a:t>23</a:t>
+            </a:fld>
+            <a:endParaRPr lang="es-ES"/>
+          </a:p>
+        </p:txBody>
+      </p:sp>
+    </p:spTree>
+    <p:extLst>
+      <p:ext uri="{BB962C8B-B14F-4D97-AF65-F5344CB8AC3E}">
+        <p14:creationId xmlns:p14="http://schemas.microsoft.com/office/powerpoint/2010/main" val="1050634970"/>
+      </p:ext>
+    </p:extLst>
+  </p:cSld>
+  <p:clrMapOvr>
+    <a:masterClrMapping/>
+  </p:clrMapOvr>
+</p:notes>
+</file>
+
+<file path=ppt/notesSlides/notesSlide24.xml><?xml version="1.0" encoding="utf-8"?>
+<p:notes xmlns:a="http://schemas.openxmlformats.org/drawingml/2006/main" xmlns:r="http://schemas.openxmlformats.org/officeDocument/2006/relationships" xmlns:p="http://schemas.openxmlformats.org/presentationml/2006/main">
+  <p:cSld>
+    <p:spTree>
+      <p:nvGrpSpPr>
+        <p:cNvPr id="1" name=""/>
+        <p:cNvGrpSpPr/>
+        <p:nvPr/>
+      </p:nvGrpSpPr>
+      <p:grpSpPr>
+        <a:xfrm>
+          <a:off x="0" y="0"/>
+          <a:ext cx="0" cy="0"/>
+          <a:chOff x="0" y="0"/>
+          <a:chExt cx="0" cy="0"/>
+        </a:xfrm>
+      </p:grpSpPr>
+      <p:sp>
+        <p:nvSpPr>
+          <p:cNvPr id="2" name="Marcador de imagen de diapositiva 1"/>
+          <p:cNvSpPr>
+            <a:spLocks noGrp="1" noRot="1" noChangeAspect="1"/>
+          </p:cNvSpPr>
+          <p:nvPr>
+            <p:ph type="sldImg"/>
+          </p:nvPr>
+        </p:nvSpPr>
+        <p:spPr/>
+      </p:sp>
+      <p:sp>
+        <p:nvSpPr>
+          <p:cNvPr id="3" name="Marcador de notas 2"/>
+          <p:cNvSpPr>
+            <a:spLocks noGrp="1"/>
+          </p:cNvSpPr>
+          <p:nvPr>
+            <p:ph type="body" idx="1"/>
+          </p:nvPr>
+        </p:nvSpPr>
+        <p:spPr/>
+        <p:txBody>
+          <a:bodyPr/>
+          <a:lstStyle/>
+          <a:p>
+            <a:pPr marL="0" marR="0" lvl="0" indent="0" algn="l" defTabSz="914400" rtl="0" eaLnBrk="1" fontAlgn="auto" latinLnBrk="0" hangingPunct="1">
+              <a:lnSpc>
+                <a:spcPct val="100000"/>
+              </a:lnSpc>
+              <a:spcBef>
+                <a:spcPts val="0"/>
+              </a:spcBef>
+              <a:spcAft>
+                <a:spcPts val="0"/>
+              </a:spcAft>
+              <a:buClrTx/>
+              <a:buSzTx/>
+              <a:buFontTx/>
+              <a:buNone/>
+              <a:tabLst/>
+              <a:defRPr/>
+            </a:pPr>
+            <a:r>
+              <a:rPr lang="es-ES_tradnl" sz="1200" kern="1200" dirty="0" smtClean="0">
+                <a:solidFill>
+                  <a:schemeClr val="tx1"/>
+                </a:solidFill>
+                <a:effectLst/>
+                <a:latin typeface="+mn-lt"/>
+                <a:ea typeface="+mn-ea"/>
+                <a:cs typeface="+mn-cs"/>
+              </a:rPr>
+              <a:t>aquí vemos un tablero </a:t>
+            </a:r>
+            <a:r>
+              <a:rPr lang="es-ES_tradnl" sz="1200" kern="1200" dirty="0" err="1" smtClean="0">
+                <a:solidFill>
+                  <a:schemeClr val="tx1"/>
+                </a:solidFill>
+                <a:effectLst/>
+                <a:latin typeface="+mn-lt"/>
+                <a:ea typeface="+mn-ea"/>
+                <a:cs typeface="+mn-cs"/>
+              </a:rPr>
+              <a:t>Kanban</a:t>
+            </a:r>
+            <a:r>
+              <a:rPr lang="es-ES_tradnl" sz="1200" kern="1200" dirty="0" smtClean="0">
+                <a:solidFill>
+                  <a:schemeClr val="tx1"/>
+                </a:solidFill>
+                <a:effectLst/>
+                <a:latin typeface="+mn-lt"/>
+                <a:ea typeface="+mn-ea"/>
+                <a:cs typeface="+mn-cs"/>
+              </a:rPr>
+              <a:t> que nos proporciona </a:t>
+            </a:r>
+            <a:r>
+              <a:rPr lang="es-ES_tradnl" sz="1200" kern="1200" dirty="0" err="1" smtClean="0">
+                <a:solidFill>
+                  <a:schemeClr val="tx1"/>
+                </a:solidFill>
+                <a:effectLst/>
+                <a:latin typeface="+mn-lt"/>
+                <a:ea typeface="+mn-ea"/>
+                <a:cs typeface="+mn-cs"/>
+              </a:rPr>
+              <a:t>trello</a:t>
+            </a:r>
+            <a:r>
+              <a:rPr lang="es-ES_tradnl" sz="1200" kern="1200" dirty="0" smtClean="0">
+                <a:solidFill>
+                  <a:schemeClr val="tx1"/>
+                </a:solidFill>
+                <a:effectLst/>
+                <a:latin typeface="+mn-lt"/>
+                <a:ea typeface="+mn-ea"/>
+                <a:cs typeface="+mn-cs"/>
+              </a:rPr>
+              <a:t> en el cual se distribuyen las tareas entre los distintos miembros del equipo y durante las distintas fases del desarrollo de una tarea.</a:t>
+            </a:r>
+          </a:p>
+          <a:p>
+            <a:pPr marL="0" marR="0" lvl="0" indent="0" algn="l" defTabSz="914400" rtl="0" eaLnBrk="1" fontAlgn="auto" latinLnBrk="0" hangingPunct="1">
+              <a:lnSpc>
+                <a:spcPct val="100000"/>
+              </a:lnSpc>
+              <a:spcBef>
+                <a:spcPts val="0"/>
+              </a:spcBef>
+              <a:spcAft>
+                <a:spcPts val="0"/>
+              </a:spcAft>
+              <a:buClrTx/>
+              <a:buSzTx/>
+              <a:buFontTx/>
+              <a:buNone/>
+              <a:tabLst/>
+              <a:defRPr/>
+            </a:pPr>
+            <a:endParaRPr lang="es-ES" sz="1200" kern="1200" dirty="0" smtClean="0">
+              <a:solidFill>
+                <a:schemeClr val="tx1"/>
+              </a:solidFill>
+              <a:effectLst/>
+              <a:latin typeface="+mn-lt"/>
+              <a:ea typeface="+mn-ea"/>
+              <a:cs typeface="+mn-cs"/>
+            </a:endParaRPr>
+          </a:p>
+          <a:p>
+            <a:r>
+              <a:rPr lang="es-ES_tradnl" sz="1200" kern="1200" dirty="0" smtClean="0">
+                <a:solidFill>
+                  <a:schemeClr val="tx1"/>
+                </a:solidFill>
+                <a:effectLst/>
+                <a:latin typeface="+mn-lt"/>
+                <a:ea typeface="+mn-ea"/>
+                <a:cs typeface="+mn-cs"/>
+              </a:rPr>
+              <a:t>En nuestro caso hemos creado distintos tableros para diferenciar tecnologías, por ejemplo aquí vemos el tablero para las tareas que tienen que ver con JAVA.</a:t>
+            </a:r>
+          </a:p>
+          <a:p>
+            <a:endParaRPr lang="es-ES" sz="1200" kern="1200" dirty="0" smtClean="0">
+              <a:solidFill>
+                <a:schemeClr val="tx1"/>
+              </a:solidFill>
+              <a:effectLst/>
+              <a:latin typeface="+mn-lt"/>
+              <a:ea typeface="+mn-ea"/>
+              <a:cs typeface="+mn-cs"/>
+            </a:endParaRPr>
+          </a:p>
+          <a:p>
+            <a:r>
+              <a:rPr lang="es-ES_tradnl" sz="1200" kern="1200" dirty="0" smtClean="0">
+                <a:solidFill>
+                  <a:schemeClr val="tx1"/>
+                </a:solidFill>
+                <a:effectLst/>
+                <a:latin typeface="+mn-lt"/>
+                <a:ea typeface="+mn-ea"/>
+                <a:cs typeface="+mn-cs"/>
+              </a:rPr>
+              <a:t>A su vez disponemos de otros tableros creados para las tareas de Base de Datos, de HTML, CSS y JS… etc.</a:t>
+            </a:r>
+          </a:p>
+          <a:p>
+            <a:endParaRPr lang="es-ES_tradnl" sz="1200" kern="1200" dirty="0" smtClean="0">
+              <a:solidFill>
+                <a:schemeClr val="tx1"/>
+              </a:solidFill>
+              <a:effectLst/>
+              <a:latin typeface="+mn-lt"/>
+              <a:ea typeface="+mn-ea"/>
+              <a:cs typeface="+mn-cs"/>
+            </a:endParaRPr>
+          </a:p>
+          <a:p>
+            <a:r>
+              <a:rPr lang="es-ES_tradnl" sz="1200" kern="1200" dirty="0" smtClean="0">
+                <a:solidFill>
+                  <a:schemeClr val="tx1"/>
+                </a:solidFill>
+                <a:effectLst/>
+                <a:latin typeface="+mn-lt"/>
+                <a:ea typeface="+mn-ea"/>
+                <a:cs typeface="+mn-cs"/>
+              </a:rPr>
+              <a:t>Los estados por los cuales pasa una tarea son los vistos en las capturas adjuntas:</a:t>
+            </a:r>
+          </a:p>
+          <a:p>
+            <a:endParaRPr lang="es-ES" sz="1200" kern="1200" dirty="0" smtClean="0">
+              <a:solidFill>
+                <a:schemeClr val="tx1"/>
+              </a:solidFill>
+              <a:effectLst/>
+              <a:latin typeface="+mn-lt"/>
+              <a:ea typeface="+mn-ea"/>
+              <a:cs typeface="+mn-cs"/>
+            </a:endParaRPr>
+          </a:p>
+          <a:p>
+            <a:r>
+              <a:rPr lang="es-ES_tradnl" sz="1200" kern="1200" dirty="0" smtClean="0">
+                <a:solidFill>
+                  <a:schemeClr val="tx1"/>
+                </a:solidFill>
+                <a:effectLst/>
+                <a:latin typeface="+mn-lt"/>
+                <a:ea typeface="+mn-ea"/>
+                <a:cs typeface="+mn-cs"/>
+              </a:rPr>
+              <a:t>Pendiente: es una pila de las tareas que englobaran el proyecto.</a:t>
+            </a:r>
+          </a:p>
+          <a:p>
+            <a:endParaRPr lang="es-ES" sz="1200" kern="1200" dirty="0" smtClean="0">
+              <a:solidFill>
+                <a:schemeClr val="tx1"/>
+              </a:solidFill>
+              <a:effectLst/>
+              <a:latin typeface="+mn-lt"/>
+              <a:ea typeface="+mn-ea"/>
+              <a:cs typeface="+mn-cs"/>
+            </a:endParaRPr>
+          </a:p>
+          <a:p>
+            <a:r>
+              <a:rPr lang="es-ES_tradnl" sz="1200" kern="1200" dirty="0" smtClean="0">
+                <a:solidFill>
+                  <a:schemeClr val="tx1"/>
+                </a:solidFill>
+                <a:effectLst/>
+                <a:latin typeface="+mn-lt"/>
+                <a:ea typeface="+mn-ea"/>
+                <a:cs typeface="+mn-cs"/>
+              </a:rPr>
+              <a:t>Listo para empezar: significa que dicha tarea ya tiene las dependencias necesarias completadas y está lista para ser desarrollada.</a:t>
+            </a:r>
+          </a:p>
+          <a:p>
+            <a:endParaRPr lang="es-ES" sz="1200" kern="1200" dirty="0" smtClean="0">
+              <a:solidFill>
+                <a:schemeClr val="tx1"/>
+              </a:solidFill>
+              <a:effectLst/>
+              <a:latin typeface="+mn-lt"/>
+              <a:ea typeface="+mn-ea"/>
+              <a:cs typeface="+mn-cs"/>
+            </a:endParaRPr>
+          </a:p>
+          <a:p>
+            <a:r>
+              <a:rPr lang="es-ES_tradnl" sz="1200" kern="1200" dirty="0" smtClean="0">
+                <a:solidFill>
+                  <a:schemeClr val="tx1"/>
+                </a:solidFill>
+                <a:effectLst/>
+                <a:latin typeface="+mn-lt"/>
+                <a:ea typeface="+mn-ea"/>
+                <a:cs typeface="+mn-cs"/>
+              </a:rPr>
+              <a:t>Haciendo: Tarea en desarrollo.</a:t>
+            </a:r>
+          </a:p>
+          <a:p>
+            <a:endParaRPr lang="es-ES" sz="1200" kern="1200" dirty="0" smtClean="0">
+              <a:solidFill>
+                <a:schemeClr val="tx1"/>
+              </a:solidFill>
+              <a:effectLst/>
+              <a:latin typeface="+mn-lt"/>
+              <a:ea typeface="+mn-ea"/>
+              <a:cs typeface="+mn-cs"/>
+            </a:endParaRPr>
+          </a:p>
+          <a:p>
+            <a:r>
+              <a:rPr lang="es-ES_tradnl" sz="1200" kern="1200" dirty="0" smtClean="0">
+                <a:solidFill>
+                  <a:schemeClr val="tx1"/>
+                </a:solidFill>
+                <a:effectLst/>
+                <a:latin typeface="+mn-lt"/>
+                <a:ea typeface="+mn-ea"/>
+                <a:cs typeface="+mn-cs"/>
+              </a:rPr>
+              <a:t>Listo: Es donde se colocan las tareas terminadas listas para que el encargado del equipo de la validación coja la tarea y se la lleve a su campo y pueda revisarla y decida si tiene que volver a desarrollo o está terminada</a:t>
+            </a:r>
+          </a:p>
+          <a:p>
+            <a:endParaRPr lang="es-ES" sz="1200" kern="1200" dirty="0" smtClean="0">
+              <a:solidFill>
+                <a:schemeClr val="tx1"/>
+              </a:solidFill>
+              <a:effectLst/>
+              <a:latin typeface="+mn-lt"/>
+              <a:ea typeface="+mn-ea"/>
+              <a:cs typeface="+mn-cs"/>
+            </a:endParaRPr>
+          </a:p>
+          <a:p>
+            <a:r>
+              <a:rPr lang="es-ES_tradnl" sz="1200" kern="1200" dirty="0" smtClean="0">
+                <a:solidFill>
+                  <a:schemeClr val="tx1"/>
+                </a:solidFill>
+                <a:effectLst/>
+                <a:latin typeface="+mn-lt"/>
+                <a:ea typeface="+mn-ea"/>
+                <a:cs typeface="+mn-cs"/>
+              </a:rPr>
+              <a:t>Validar: Tarea en validación.</a:t>
+            </a:r>
+          </a:p>
+          <a:p>
+            <a:endParaRPr lang="es-ES" sz="1200" kern="1200" dirty="0" smtClean="0">
+              <a:solidFill>
+                <a:schemeClr val="tx1"/>
+              </a:solidFill>
+              <a:effectLst/>
+              <a:latin typeface="+mn-lt"/>
+              <a:ea typeface="+mn-ea"/>
+              <a:cs typeface="+mn-cs"/>
+            </a:endParaRPr>
+          </a:p>
+          <a:p>
+            <a:r>
+              <a:rPr lang="es-ES_tradnl" sz="1200" kern="1200" dirty="0" smtClean="0">
+                <a:solidFill>
+                  <a:schemeClr val="tx1"/>
+                </a:solidFill>
+                <a:effectLst/>
+                <a:latin typeface="+mn-lt"/>
+                <a:ea typeface="+mn-ea"/>
+                <a:cs typeface="+mn-cs"/>
+              </a:rPr>
+              <a:t>Terminado: donde vemos el trabajo realizado hasta ahora</a:t>
+            </a:r>
+            <a:endParaRPr lang="es-ES" sz="1200" kern="1200" dirty="0" smtClean="0">
+              <a:solidFill>
+                <a:schemeClr val="tx1"/>
+              </a:solidFill>
+              <a:effectLst/>
+              <a:latin typeface="+mn-lt"/>
+              <a:ea typeface="+mn-ea"/>
+              <a:cs typeface="+mn-cs"/>
+            </a:endParaRPr>
+          </a:p>
+          <a:p>
+            <a:endParaRPr lang="es-ES" sz="1200" kern="1200" dirty="0" smtClean="0">
+              <a:solidFill>
+                <a:schemeClr val="tx1"/>
+              </a:solidFill>
+              <a:effectLst/>
+              <a:latin typeface="+mn-lt"/>
+              <a:ea typeface="+mn-ea"/>
+              <a:cs typeface="+mn-cs"/>
+            </a:endParaRPr>
+          </a:p>
+          <a:p>
+            <a:endParaRPr lang="es-ES" dirty="0"/>
+          </a:p>
+        </p:txBody>
+      </p:sp>
+      <p:sp>
+        <p:nvSpPr>
+          <p:cNvPr id="4" name="Marcador de número de diapositiva 3"/>
+          <p:cNvSpPr>
+            <a:spLocks noGrp="1"/>
+          </p:cNvSpPr>
+          <p:nvPr>
+            <p:ph type="sldNum" sz="quarter" idx="10"/>
+          </p:nvPr>
+        </p:nvSpPr>
+        <p:spPr/>
+        <p:txBody>
+          <a:bodyPr/>
+          <a:lstStyle/>
+          <a:p>
+            <a:fld id="{DB7D0A05-FF74-4049-BC13-A9ACD9D2AB82}" type="slidenum">
+              <a:rPr lang="es-ES" smtClean="0"/>
+              <a:t>24</a:t>
+            </a:fld>
+            <a:endParaRPr lang="es-ES"/>
+          </a:p>
+        </p:txBody>
+      </p:sp>
+    </p:spTree>
+    <p:extLst>
+      <p:ext uri="{BB962C8B-B14F-4D97-AF65-F5344CB8AC3E}">
+        <p14:creationId xmlns:p14="http://schemas.microsoft.com/office/powerpoint/2010/main" val="1655707612"/>
+      </p:ext>
+    </p:extLst>
+  </p:cSld>
+  <p:clrMapOvr>
+    <a:masterClrMapping/>
+  </p:clrMapOvr>
+</p:notes>
+</file>
+
+<file path=ppt/notesSlides/notesSlide25.xml><?xml version="1.0" encoding="utf-8"?>
+<p:notes xmlns:a="http://schemas.openxmlformats.org/drawingml/2006/main" xmlns:r="http://schemas.openxmlformats.org/officeDocument/2006/relationships" xmlns:p="http://schemas.openxmlformats.org/presentationml/2006/main">
+  <p:cSld>
+    <p:spTree>
+      <p:nvGrpSpPr>
+        <p:cNvPr id="1" name=""/>
+        <p:cNvGrpSpPr/>
+        <p:nvPr/>
+      </p:nvGrpSpPr>
+      <p:grpSpPr>
+        <a:xfrm>
+          <a:off x="0" y="0"/>
+          <a:ext cx="0" cy="0"/>
+          <a:chOff x="0" y="0"/>
+          <a:chExt cx="0" cy="0"/>
+        </a:xfrm>
+      </p:grpSpPr>
+      <p:sp>
+        <p:nvSpPr>
+          <p:cNvPr id="2" name="Marcador de imagen de diapositiva 1"/>
+          <p:cNvSpPr>
+            <a:spLocks noGrp="1" noRot="1" noChangeAspect="1"/>
+          </p:cNvSpPr>
+          <p:nvPr>
+            <p:ph type="sldImg"/>
+          </p:nvPr>
+        </p:nvSpPr>
+        <p:spPr/>
+      </p:sp>
+      <p:sp>
+        <p:nvSpPr>
+          <p:cNvPr id="3" name="Marcador de notas 2"/>
+          <p:cNvSpPr>
+            <a:spLocks noGrp="1"/>
+          </p:cNvSpPr>
+          <p:nvPr>
+            <p:ph type="body" idx="1"/>
+          </p:nvPr>
+        </p:nvSpPr>
+        <p:spPr/>
+        <p:txBody>
+          <a:bodyPr/>
+          <a:lstStyle/>
+          <a:p>
+            <a:pPr marL="0" marR="0" lvl="0" indent="0" algn="l" defTabSz="914400" rtl="0" eaLnBrk="1" fontAlgn="auto" latinLnBrk="0" hangingPunct="1">
+              <a:lnSpc>
+                <a:spcPct val="100000"/>
+              </a:lnSpc>
+              <a:spcBef>
+                <a:spcPts val="0"/>
+              </a:spcBef>
+              <a:spcAft>
+                <a:spcPts val="0"/>
+              </a:spcAft>
+              <a:buClrTx/>
+              <a:buSzTx/>
+              <a:buFontTx/>
+              <a:buNone/>
+              <a:tabLst/>
+              <a:defRPr/>
+            </a:pPr>
+            <a:r>
+              <a:rPr lang="es-ES_tradnl" sz="1200" kern="1200" dirty="0" smtClean="0">
+                <a:solidFill>
+                  <a:schemeClr val="tx1"/>
+                </a:solidFill>
+                <a:effectLst/>
+                <a:latin typeface="+mn-lt"/>
+                <a:ea typeface="+mn-ea"/>
+                <a:cs typeface="+mn-cs"/>
+              </a:rPr>
+              <a:t>Cada tarea puede tener </a:t>
+            </a:r>
+            <a:r>
+              <a:rPr lang="es-ES_tradnl" sz="1200" kern="1200" dirty="0" err="1" smtClean="0">
+                <a:solidFill>
+                  <a:schemeClr val="tx1"/>
+                </a:solidFill>
+                <a:effectLst/>
+                <a:latin typeface="+mn-lt"/>
+                <a:ea typeface="+mn-ea"/>
+                <a:cs typeface="+mn-cs"/>
+              </a:rPr>
+              <a:t>subtareas</a:t>
+            </a:r>
+            <a:r>
+              <a:rPr lang="es-ES_tradnl" sz="1200" kern="1200" dirty="0" smtClean="0">
+                <a:solidFill>
+                  <a:schemeClr val="tx1"/>
+                </a:solidFill>
+                <a:effectLst/>
+                <a:latin typeface="+mn-lt"/>
+                <a:ea typeface="+mn-ea"/>
+                <a:cs typeface="+mn-cs"/>
+              </a:rPr>
+              <a:t>, adjuntos, </a:t>
+            </a:r>
+            <a:r>
+              <a:rPr lang="es-ES_tradnl" sz="1200" kern="1200" dirty="0" err="1" smtClean="0">
+                <a:solidFill>
+                  <a:schemeClr val="tx1"/>
+                </a:solidFill>
+                <a:effectLst/>
+                <a:latin typeface="+mn-lt"/>
+                <a:ea typeface="+mn-ea"/>
+                <a:cs typeface="+mn-cs"/>
+              </a:rPr>
+              <a:t>tags</a:t>
+            </a:r>
+            <a:r>
+              <a:rPr lang="es-ES_tradnl" sz="1200" kern="1200" dirty="0" smtClean="0">
+                <a:solidFill>
+                  <a:schemeClr val="tx1"/>
+                </a:solidFill>
+                <a:effectLst/>
+                <a:latin typeface="+mn-lt"/>
+                <a:ea typeface="+mn-ea"/>
+                <a:cs typeface="+mn-cs"/>
+              </a:rPr>
+              <a:t>, fechas de entrega…</a:t>
+            </a:r>
+          </a:p>
+          <a:p>
+            <a:pPr marL="0" marR="0" lvl="0" indent="0" algn="l" defTabSz="914400" rtl="0" eaLnBrk="1" fontAlgn="auto" latinLnBrk="0" hangingPunct="1">
+              <a:lnSpc>
+                <a:spcPct val="100000"/>
+              </a:lnSpc>
+              <a:spcBef>
+                <a:spcPts val="0"/>
+              </a:spcBef>
+              <a:spcAft>
+                <a:spcPts val="0"/>
+              </a:spcAft>
+              <a:buClrTx/>
+              <a:buSzTx/>
+              <a:buFontTx/>
+              <a:buNone/>
+              <a:tabLst/>
+              <a:defRPr/>
+            </a:pPr>
+            <a:endParaRPr lang="es-ES" sz="1200" kern="1200" dirty="0" smtClean="0">
+              <a:solidFill>
+                <a:schemeClr val="tx1"/>
+              </a:solidFill>
+              <a:effectLst/>
+              <a:latin typeface="+mn-lt"/>
+              <a:ea typeface="+mn-ea"/>
+              <a:cs typeface="+mn-cs"/>
+            </a:endParaRPr>
+          </a:p>
+          <a:p>
+            <a:pPr marL="0" marR="0" lvl="0" indent="0" algn="l" defTabSz="914400" rtl="0" eaLnBrk="1" fontAlgn="auto" latinLnBrk="0" hangingPunct="1">
+              <a:lnSpc>
+                <a:spcPct val="100000"/>
+              </a:lnSpc>
+              <a:spcBef>
+                <a:spcPts val="0"/>
+              </a:spcBef>
+              <a:spcAft>
+                <a:spcPts val="0"/>
+              </a:spcAft>
+              <a:buClrTx/>
+              <a:buSzTx/>
+              <a:buFontTx/>
+              <a:buNone/>
+              <a:tabLst/>
+              <a:defRPr/>
+            </a:pPr>
+            <a:r>
+              <a:rPr lang="es-ES_tradnl" sz="1200" kern="1200" dirty="0" smtClean="0">
+                <a:solidFill>
+                  <a:schemeClr val="tx1"/>
+                </a:solidFill>
+                <a:effectLst/>
+                <a:latin typeface="+mn-lt"/>
+                <a:ea typeface="+mn-ea"/>
+                <a:cs typeface="+mn-cs"/>
+              </a:rPr>
+              <a:t>Como vemos </a:t>
+            </a:r>
+            <a:r>
+              <a:rPr lang="es-ES_tradnl" sz="1200" kern="1200" dirty="0" err="1" smtClean="0">
+                <a:solidFill>
+                  <a:schemeClr val="tx1"/>
+                </a:solidFill>
+                <a:effectLst/>
+                <a:latin typeface="+mn-lt"/>
+                <a:ea typeface="+mn-ea"/>
+                <a:cs typeface="+mn-cs"/>
+              </a:rPr>
+              <a:t>Trello</a:t>
+            </a:r>
+            <a:r>
+              <a:rPr lang="es-ES_tradnl" sz="1200" kern="1200" dirty="0" smtClean="0">
+                <a:solidFill>
+                  <a:schemeClr val="tx1"/>
+                </a:solidFill>
+                <a:effectLst/>
+                <a:latin typeface="+mn-lt"/>
+                <a:ea typeface="+mn-ea"/>
+                <a:cs typeface="+mn-cs"/>
+              </a:rPr>
+              <a:t> es una aplicación de gran utilidad para controlar y organizar el trabajo de un equipo de desarrollo, y es ampliamente usado en todo el mundo del desarrollo.</a:t>
+            </a:r>
+            <a:endParaRPr lang="es-ES" sz="1200" kern="1200" dirty="0" smtClean="0">
+              <a:solidFill>
+                <a:schemeClr val="tx1"/>
+              </a:solidFill>
+              <a:effectLst/>
+              <a:latin typeface="+mn-lt"/>
+              <a:ea typeface="+mn-ea"/>
+              <a:cs typeface="+mn-cs"/>
+            </a:endParaRPr>
+          </a:p>
+          <a:p>
+            <a:endParaRPr lang="es-ES" dirty="0"/>
+          </a:p>
+        </p:txBody>
+      </p:sp>
+      <p:sp>
+        <p:nvSpPr>
+          <p:cNvPr id="4" name="Marcador de número de diapositiva 3"/>
+          <p:cNvSpPr>
+            <a:spLocks noGrp="1"/>
+          </p:cNvSpPr>
+          <p:nvPr>
+            <p:ph type="sldNum" sz="quarter" idx="10"/>
+          </p:nvPr>
+        </p:nvSpPr>
+        <p:spPr/>
+        <p:txBody>
+          <a:bodyPr/>
+          <a:lstStyle/>
+          <a:p>
+            <a:fld id="{DB7D0A05-FF74-4049-BC13-A9ACD9D2AB82}" type="slidenum">
+              <a:rPr lang="es-ES" smtClean="0"/>
+              <a:t>25</a:t>
+            </a:fld>
+            <a:endParaRPr lang="es-ES"/>
+          </a:p>
+        </p:txBody>
+      </p:sp>
+    </p:spTree>
+    <p:extLst>
+      <p:ext uri="{BB962C8B-B14F-4D97-AF65-F5344CB8AC3E}">
+        <p14:creationId xmlns:p14="http://schemas.microsoft.com/office/powerpoint/2010/main" val="1844417592"/>
+      </p:ext>
+    </p:extLst>
+  </p:cSld>
+  <p:clrMapOvr>
+    <a:masterClrMapping/>
+  </p:clrMapOvr>
+</p:notes>
+</file>
+
+<file path=ppt/notesSlides/notesSlide26.xml><?xml version="1.0" encoding="utf-8"?>
+<p:notes xmlns:a="http://schemas.openxmlformats.org/drawingml/2006/main" xmlns:r="http://schemas.openxmlformats.org/officeDocument/2006/relationships" xmlns:p="http://schemas.openxmlformats.org/presentationml/2006/main">
+  <p:cSld>
+    <p:spTree>
+      <p:nvGrpSpPr>
+        <p:cNvPr id="1" name=""/>
+        <p:cNvGrpSpPr/>
+        <p:nvPr/>
+      </p:nvGrpSpPr>
+      <p:grpSpPr>
+        <a:xfrm>
+          <a:off x="0" y="0"/>
+          <a:ext cx="0" cy="0"/>
+          <a:chOff x="0" y="0"/>
+          <a:chExt cx="0" cy="0"/>
+        </a:xfrm>
+      </p:grpSpPr>
+      <p:sp>
+        <p:nvSpPr>
+          <p:cNvPr id="2" name="Marcador de imagen de diapositiva 1"/>
+          <p:cNvSpPr>
+            <a:spLocks noGrp="1" noRot="1" noChangeAspect="1"/>
+          </p:cNvSpPr>
+          <p:nvPr>
+            <p:ph type="sldImg"/>
+          </p:nvPr>
+        </p:nvSpPr>
+        <p:spPr/>
+      </p:sp>
+      <p:sp>
+        <p:nvSpPr>
+          <p:cNvPr id="3" name="Marcador de notas 2"/>
+          <p:cNvSpPr>
+            <a:spLocks noGrp="1"/>
+          </p:cNvSpPr>
+          <p:nvPr>
+            <p:ph type="body" idx="1"/>
+          </p:nvPr>
+        </p:nvSpPr>
+        <p:spPr/>
+        <p:txBody>
+          <a:bodyPr/>
+          <a:lstStyle/>
+          <a:p>
+            <a:r>
+              <a:rPr lang="es-ES_tradnl" sz="1200" kern="1200" dirty="0" err="1" smtClean="0">
+                <a:solidFill>
+                  <a:schemeClr val="tx1"/>
+                </a:solidFill>
+                <a:effectLst/>
+                <a:latin typeface="+mn-lt"/>
+                <a:ea typeface="+mn-ea"/>
+                <a:cs typeface="+mn-cs"/>
+              </a:rPr>
+              <a:t>Github</a:t>
+            </a:r>
+            <a:r>
+              <a:rPr lang="es-ES_tradnl" sz="1200" kern="1200" dirty="0" smtClean="0">
+                <a:solidFill>
+                  <a:schemeClr val="tx1"/>
+                </a:solidFill>
+                <a:effectLst/>
+                <a:latin typeface="+mn-lt"/>
+                <a:ea typeface="+mn-ea"/>
+                <a:cs typeface="+mn-cs"/>
+              </a:rPr>
+              <a:t> es la comunidad/red social de los programadores por excelencia y está basado en el software de control de versiones GIT, creado por </a:t>
+            </a:r>
+            <a:r>
+              <a:rPr lang="es-ES_tradnl" sz="1200" kern="1200" dirty="0" err="1" smtClean="0">
+                <a:solidFill>
+                  <a:schemeClr val="tx1"/>
+                </a:solidFill>
+                <a:effectLst/>
+                <a:latin typeface="+mn-lt"/>
+                <a:ea typeface="+mn-ea"/>
+                <a:cs typeface="+mn-cs"/>
+              </a:rPr>
+              <a:t>Linus</a:t>
+            </a:r>
+            <a:r>
+              <a:rPr lang="es-ES_tradnl" sz="1200" kern="1200" dirty="0" smtClean="0">
+                <a:solidFill>
+                  <a:schemeClr val="tx1"/>
+                </a:solidFill>
+                <a:effectLst/>
+                <a:latin typeface="+mn-lt"/>
+                <a:ea typeface="+mn-ea"/>
+                <a:cs typeface="+mn-cs"/>
+              </a:rPr>
+              <a:t> </a:t>
+            </a:r>
+            <a:r>
+              <a:rPr lang="es-ES_tradnl" sz="1200" kern="1200" dirty="0" err="1" smtClean="0">
+                <a:solidFill>
+                  <a:schemeClr val="tx1"/>
+                </a:solidFill>
+                <a:effectLst/>
+                <a:latin typeface="+mn-lt"/>
+                <a:ea typeface="+mn-ea"/>
+                <a:cs typeface="+mn-cs"/>
+              </a:rPr>
+              <a:t>Torvalds</a:t>
+            </a:r>
+            <a:r>
+              <a:rPr lang="es-ES_tradnl" sz="1200" kern="1200" dirty="0" smtClean="0">
+                <a:solidFill>
+                  <a:schemeClr val="tx1"/>
+                </a:solidFill>
+                <a:effectLst/>
+                <a:latin typeface="+mn-lt"/>
+                <a:ea typeface="+mn-ea"/>
+                <a:cs typeface="+mn-cs"/>
+              </a:rPr>
+              <a:t>.</a:t>
+            </a:r>
+          </a:p>
+          <a:p>
+            <a:endParaRPr lang="es-ES" sz="1200" kern="1200" dirty="0" smtClean="0">
+              <a:solidFill>
+                <a:schemeClr val="tx1"/>
+              </a:solidFill>
+              <a:effectLst/>
+              <a:latin typeface="+mn-lt"/>
+              <a:ea typeface="+mn-ea"/>
+              <a:cs typeface="+mn-cs"/>
+            </a:endParaRPr>
+          </a:p>
+          <a:p>
+            <a:r>
+              <a:rPr lang="es-ES_tradnl" sz="1200" kern="1200" dirty="0" smtClean="0">
+                <a:solidFill>
+                  <a:schemeClr val="tx1"/>
+                </a:solidFill>
+                <a:effectLst/>
+                <a:latin typeface="+mn-lt"/>
+                <a:ea typeface="+mn-ea"/>
+                <a:cs typeface="+mn-cs"/>
+              </a:rPr>
+              <a:t>Para nuestro proyecto hemos decido usar control de versiones para familiarizarnos con esta herramienta absolutamente imprescindible y fundamental en el mundo del desarrollo.</a:t>
+            </a:r>
+            <a:endParaRPr lang="es-ES" sz="1200" kern="1200" dirty="0" smtClean="0">
+              <a:solidFill>
+                <a:schemeClr val="tx1"/>
+              </a:solidFill>
+              <a:effectLst/>
+              <a:latin typeface="+mn-lt"/>
+              <a:ea typeface="+mn-ea"/>
+              <a:cs typeface="+mn-cs"/>
+            </a:endParaRPr>
+          </a:p>
+          <a:p>
+            <a:endParaRPr lang="es-ES" dirty="0"/>
+          </a:p>
+        </p:txBody>
+      </p:sp>
+      <p:sp>
+        <p:nvSpPr>
+          <p:cNvPr id="4" name="Marcador de número de diapositiva 3"/>
+          <p:cNvSpPr>
+            <a:spLocks noGrp="1"/>
+          </p:cNvSpPr>
+          <p:nvPr>
+            <p:ph type="sldNum" sz="quarter" idx="10"/>
+          </p:nvPr>
+        </p:nvSpPr>
+        <p:spPr/>
+        <p:txBody>
+          <a:bodyPr/>
+          <a:lstStyle/>
+          <a:p>
+            <a:fld id="{DB7D0A05-FF74-4049-BC13-A9ACD9D2AB82}" type="slidenum">
+              <a:rPr lang="es-ES" smtClean="0"/>
+              <a:t>26</a:t>
+            </a:fld>
+            <a:endParaRPr lang="es-ES"/>
+          </a:p>
+        </p:txBody>
+      </p:sp>
+    </p:spTree>
+    <p:extLst>
+      <p:ext uri="{BB962C8B-B14F-4D97-AF65-F5344CB8AC3E}">
+        <p14:creationId xmlns:p14="http://schemas.microsoft.com/office/powerpoint/2010/main" val="2480262944"/>
+      </p:ext>
+    </p:extLst>
+  </p:cSld>
+  <p:clrMapOvr>
+    <a:masterClrMapping/>
+  </p:clrMapOvr>
+</p:notes>
+</file>
+
+<file path=ppt/notesSlides/notesSlide27.xml><?xml version="1.0" encoding="utf-8"?>
+<p:notes xmlns:a="http://schemas.openxmlformats.org/drawingml/2006/main" xmlns:r="http://schemas.openxmlformats.org/officeDocument/2006/relationships" xmlns:p="http://schemas.openxmlformats.org/presentationml/2006/main">
+  <p:cSld>
+    <p:spTree>
+      <p:nvGrpSpPr>
+        <p:cNvPr id="1" name=""/>
+        <p:cNvGrpSpPr/>
+        <p:nvPr/>
+      </p:nvGrpSpPr>
+      <p:grpSpPr>
+        <a:xfrm>
+          <a:off x="0" y="0"/>
+          <a:ext cx="0" cy="0"/>
+          <a:chOff x="0" y="0"/>
+          <a:chExt cx="0" cy="0"/>
+        </a:xfrm>
+      </p:grpSpPr>
+      <p:sp>
+        <p:nvSpPr>
+          <p:cNvPr id="2" name="Marcador de imagen de diapositiva 1"/>
+          <p:cNvSpPr>
+            <a:spLocks noGrp="1" noRot="1" noChangeAspect="1"/>
+          </p:cNvSpPr>
+          <p:nvPr>
+            <p:ph type="sldImg"/>
+          </p:nvPr>
+        </p:nvSpPr>
+        <p:spPr/>
+      </p:sp>
+      <p:sp>
+        <p:nvSpPr>
+          <p:cNvPr id="3" name="Marcador de notas 2"/>
+          <p:cNvSpPr>
+            <a:spLocks noGrp="1"/>
+          </p:cNvSpPr>
+          <p:nvPr>
+            <p:ph type="body" idx="1"/>
+          </p:nvPr>
+        </p:nvSpPr>
+        <p:spPr/>
+        <p:txBody>
+          <a:bodyPr/>
+          <a:lstStyle/>
+          <a:p>
+            <a:pPr marL="0" marR="0" lvl="0" indent="0" algn="l" defTabSz="914400" rtl="0" eaLnBrk="1" fontAlgn="auto" latinLnBrk="0" hangingPunct="1">
+              <a:lnSpc>
+                <a:spcPct val="100000"/>
+              </a:lnSpc>
+              <a:spcBef>
+                <a:spcPts val="0"/>
+              </a:spcBef>
+              <a:spcAft>
+                <a:spcPts val="0"/>
+              </a:spcAft>
+              <a:buClrTx/>
+              <a:buSzTx/>
+              <a:buFontTx/>
+              <a:buNone/>
+              <a:tabLst/>
+              <a:defRPr/>
+            </a:pPr>
+            <a:r>
+              <a:rPr lang="es-ES_tradnl" sz="1200" kern="1200" dirty="0" smtClean="0">
+                <a:solidFill>
+                  <a:schemeClr val="tx1"/>
+                </a:solidFill>
+                <a:effectLst/>
+                <a:latin typeface="+mn-lt"/>
+                <a:ea typeface="+mn-ea"/>
+                <a:cs typeface="+mn-cs"/>
+              </a:rPr>
+              <a:t>Creamos un repositorio para el proyecto, en el cual los integrantes del equipo de desarrollo podemos programar simultáneamente al disponer siempre de las versiones actualizadas de los códigos.</a:t>
+            </a:r>
+          </a:p>
+          <a:p>
+            <a:pPr marL="0" marR="0" lvl="0" indent="0" algn="l" defTabSz="914400" rtl="0" eaLnBrk="1" fontAlgn="auto" latinLnBrk="0" hangingPunct="1">
+              <a:lnSpc>
+                <a:spcPct val="100000"/>
+              </a:lnSpc>
+              <a:spcBef>
+                <a:spcPts val="0"/>
+              </a:spcBef>
+              <a:spcAft>
+                <a:spcPts val="0"/>
+              </a:spcAft>
+              <a:buClrTx/>
+              <a:buSzTx/>
+              <a:buFontTx/>
+              <a:buNone/>
+              <a:tabLst/>
+              <a:defRPr/>
+            </a:pPr>
+            <a:endParaRPr lang="es-ES_tradnl" sz="1200" kern="1200" dirty="0" smtClean="0">
+              <a:solidFill>
+                <a:schemeClr val="tx1"/>
+              </a:solidFill>
+              <a:effectLst/>
+              <a:latin typeface="+mn-lt"/>
+              <a:ea typeface="+mn-ea"/>
+              <a:cs typeface="+mn-cs"/>
+            </a:endParaRPr>
+          </a:p>
+          <a:p>
+            <a:pPr marL="0" marR="0" lvl="0" indent="0" algn="l" defTabSz="914400" rtl="0" eaLnBrk="1" fontAlgn="auto" latinLnBrk="0" hangingPunct="1">
+              <a:lnSpc>
+                <a:spcPct val="100000"/>
+              </a:lnSpc>
+              <a:spcBef>
+                <a:spcPts val="0"/>
+              </a:spcBef>
+              <a:spcAft>
+                <a:spcPts val="0"/>
+              </a:spcAft>
+              <a:buClrTx/>
+              <a:buSzTx/>
+              <a:buFontTx/>
+              <a:buNone/>
+              <a:tabLst/>
+              <a:defRPr/>
+            </a:pPr>
+            <a:r>
+              <a:rPr lang="es-ES_tradnl" sz="1200" kern="1200" dirty="0" smtClean="0">
+                <a:solidFill>
+                  <a:schemeClr val="tx1"/>
+                </a:solidFill>
+                <a:effectLst/>
+                <a:latin typeface="+mn-lt"/>
+                <a:ea typeface="+mn-ea"/>
+                <a:cs typeface="+mn-cs"/>
+              </a:rPr>
+              <a:t>Esto es posible gracias a funcionalidades de los software de control de versiones como es la</a:t>
+            </a:r>
+            <a:r>
+              <a:rPr lang="es-ES_tradnl" sz="1200" kern="1200" baseline="0" dirty="0" smtClean="0">
+                <a:solidFill>
+                  <a:schemeClr val="tx1"/>
+                </a:solidFill>
+                <a:effectLst/>
+                <a:latin typeface="+mn-lt"/>
+                <a:ea typeface="+mn-ea"/>
+                <a:cs typeface="+mn-cs"/>
+              </a:rPr>
+              <a:t> </a:t>
+            </a:r>
+            <a:r>
+              <a:rPr lang="es-ES_tradnl" sz="1200" kern="1200" baseline="0" dirty="0" err="1" smtClean="0">
+                <a:solidFill>
+                  <a:schemeClr val="tx1"/>
+                </a:solidFill>
+                <a:effectLst/>
+                <a:latin typeface="+mn-lt"/>
+                <a:ea typeface="+mn-ea"/>
+                <a:cs typeface="+mn-cs"/>
+              </a:rPr>
+              <a:t>operacion</a:t>
+            </a:r>
+            <a:r>
+              <a:rPr lang="es-ES_tradnl" sz="1200" kern="1200" dirty="0" smtClean="0">
+                <a:solidFill>
+                  <a:schemeClr val="tx1"/>
+                </a:solidFill>
+                <a:effectLst/>
+                <a:latin typeface="+mn-lt"/>
+                <a:ea typeface="+mn-ea"/>
+                <a:cs typeface="+mn-cs"/>
+              </a:rPr>
+              <a:t> </a:t>
+            </a:r>
+            <a:r>
+              <a:rPr lang="es-ES_tradnl" sz="1200" kern="1200" dirty="0" err="1" smtClean="0">
+                <a:solidFill>
+                  <a:schemeClr val="tx1"/>
+                </a:solidFill>
+                <a:effectLst/>
+                <a:latin typeface="+mn-lt"/>
+                <a:ea typeface="+mn-ea"/>
+                <a:cs typeface="+mn-cs"/>
+              </a:rPr>
+              <a:t>Merge</a:t>
+            </a:r>
+            <a:r>
+              <a:rPr lang="es-ES_tradnl" sz="1200" kern="1200" dirty="0" smtClean="0">
+                <a:solidFill>
+                  <a:schemeClr val="tx1"/>
+                </a:solidFill>
+                <a:effectLst/>
+                <a:latin typeface="+mn-lt"/>
+                <a:ea typeface="+mn-ea"/>
+                <a:cs typeface="+mn-cs"/>
+              </a:rPr>
+              <a:t> que te permite que varias persones trabajen sobre un mismo código integrando al finalizar de programar las líneas de todo el equipo.</a:t>
+            </a:r>
+          </a:p>
+          <a:p>
+            <a:pPr marL="0" marR="0" lvl="0" indent="0" algn="l" defTabSz="914400" rtl="0" eaLnBrk="1" fontAlgn="auto" latinLnBrk="0" hangingPunct="1">
+              <a:lnSpc>
+                <a:spcPct val="100000"/>
+              </a:lnSpc>
+              <a:spcBef>
+                <a:spcPts val="0"/>
+              </a:spcBef>
+              <a:spcAft>
+                <a:spcPts val="0"/>
+              </a:spcAft>
+              <a:buClrTx/>
+              <a:buSzTx/>
+              <a:buFontTx/>
+              <a:buNone/>
+              <a:tabLst/>
+              <a:defRPr/>
+            </a:pPr>
+            <a:endParaRPr lang="es-ES_tradnl" sz="1200" kern="1200" dirty="0" smtClean="0">
+              <a:solidFill>
+                <a:schemeClr val="tx1"/>
+              </a:solidFill>
+              <a:effectLst/>
+              <a:latin typeface="+mn-lt"/>
+              <a:ea typeface="+mn-ea"/>
+              <a:cs typeface="+mn-cs"/>
+            </a:endParaRPr>
+          </a:p>
+          <a:p>
+            <a:pPr marL="0" marR="0" lvl="0" indent="0" algn="l" defTabSz="914400" rtl="0" eaLnBrk="1" fontAlgn="auto" latinLnBrk="0" hangingPunct="1">
+              <a:lnSpc>
+                <a:spcPct val="100000"/>
+              </a:lnSpc>
+              <a:spcBef>
+                <a:spcPts val="0"/>
+              </a:spcBef>
+              <a:spcAft>
+                <a:spcPts val="0"/>
+              </a:spcAft>
+              <a:buClrTx/>
+              <a:buSzTx/>
+              <a:buFontTx/>
+              <a:buNone/>
+              <a:tabLst/>
+              <a:defRPr/>
+            </a:pPr>
+            <a:r>
+              <a:rPr lang="es-ES_tradnl" sz="1200" kern="1200" dirty="0" smtClean="0">
+                <a:solidFill>
+                  <a:schemeClr val="tx1"/>
+                </a:solidFill>
+                <a:effectLst/>
+                <a:latin typeface="+mn-lt"/>
+                <a:ea typeface="+mn-ea"/>
+                <a:cs typeface="+mn-cs"/>
+              </a:rPr>
+              <a:t>La forma elegida para trabajar ha sido la de crear una rama master, una rama desarrollo y varias ramas individuales para trabajar cada uno sobre nuestra rama e ir integrándolas sobre la rama desarrolla y una vez esta testeado integrarlo en la master.</a:t>
+            </a:r>
+          </a:p>
+          <a:p>
+            <a:pPr marL="0" marR="0" lvl="0" indent="0" algn="l" defTabSz="914400" rtl="0" eaLnBrk="1" fontAlgn="auto" latinLnBrk="0" hangingPunct="1">
+              <a:lnSpc>
+                <a:spcPct val="100000"/>
+              </a:lnSpc>
+              <a:spcBef>
+                <a:spcPts val="0"/>
+              </a:spcBef>
+              <a:spcAft>
+                <a:spcPts val="0"/>
+              </a:spcAft>
+              <a:buClrTx/>
+              <a:buSzTx/>
+              <a:buFontTx/>
+              <a:buNone/>
+              <a:tabLst/>
+              <a:defRPr/>
+            </a:pPr>
+            <a:endParaRPr lang="es-ES_tradnl" sz="1200" kern="1200" dirty="0" smtClean="0">
+              <a:solidFill>
+                <a:schemeClr val="tx1"/>
+              </a:solidFill>
+              <a:effectLst/>
+              <a:latin typeface="+mn-lt"/>
+              <a:ea typeface="+mn-ea"/>
+              <a:cs typeface="+mn-cs"/>
+            </a:endParaRPr>
+          </a:p>
+          <a:p>
+            <a:pPr marL="0" marR="0" lvl="0" indent="0" algn="l" defTabSz="914400" rtl="0" eaLnBrk="1" fontAlgn="auto" latinLnBrk="0" hangingPunct="1">
+              <a:lnSpc>
+                <a:spcPct val="100000"/>
+              </a:lnSpc>
+              <a:spcBef>
+                <a:spcPts val="0"/>
+              </a:spcBef>
+              <a:spcAft>
+                <a:spcPts val="0"/>
+              </a:spcAft>
+              <a:buClrTx/>
+              <a:buSzTx/>
+              <a:buFontTx/>
+              <a:buNone/>
+              <a:tabLst/>
+              <a:defRPr/>
+            </a:pPr>
+            <a:r>
+              <a:rPr lang="es-ES_tradnl" sz="1200" kern="1200" dirty="0" smtClean="0">
+                <a:solidFill>
+                  <a:schemeClr val="tx1"/>
+                </a:solidFill>
+                <a:effectLst/>
+                <a:latin typeface="+mn-lt"/>
+                <a:ea typeface="+mn-ea"/>
+                <a:cs typeface="+mn-cs"/>
+              </a:rPr>
+              <a:t> El control de versiones te permite tener un absoluto control sobre las diferentes versiones del software y te permite volver atrás y deshacer errores con gran facilidad manteniendo </a:t>
+            </a:r>
+            <a:r>
+              <a:rPr lang="es-ES_tradnl" sz="1200" kern="1200" dirty="0" err="1" smtClean="0">
+                <a:solidFill>
+                  <a:schemeClr val="tx1"/>
+                </a:solidFill>
+                <a:effectLst/>
+                <a:latin typeface="+mn-lt"/>
+                <a:ea typeface="+mn-ea"/>
+                <a:cs typeface="+mn-cs"/>
+              </a:rPr>
+              <a:t>asi</a:t>
+            </a:r>
+            <a:r>
+              <a:rPr lang="es-ES_tradnl" sz="1200" kern="1200" baseline="0" dirty="0" smtClean="0">
+                <a:solidFill>
+                  <a:schemeClr val="tx1"/>
+                </a:solidFill>
+                <a:effectLst/>
+                <a:latin typeface="+mn-lt"/>
+                <a:ea typeface="+mn-ea"/>
+                <a:cs typeface="+mn-cs"/>
+              </a:rPr>
+              <a:t> </a:t>
+            </a:r>
+            <a:r>
+              <a:rPr lang="es-ES_tradnl" sz="1200" kern="1200" dirty="0" smtClean="0">
+                <a:solidFill>
+                  <a:schemeClr val="tx1"/>
+                </a:solidFill>
+                <a:effectLst/>
+                <a:latin typeface="+mn-lt"/>
+                <a:ea typeface="+mn-ea"/>
+                <a:cs typeface="+mn-cs"/>
+              </a:rPr>
+              <a:t>un orden sin volverte loco.</a:t>
+            </a:r>
+          </a:p>
+          <a:p>
+            <a:pPr marL="0" marR="0" lvl="0" indent="0" algn="l" defTabSz="914400" rtl="0" eaLnBrk="1" fontAlgn="auto" latinLnBrk="0" hangingPunct="1">
+              <a:lnSpc>
+                <a:spcPct val="100000"/>
+              </a:lnSpc>
+              <a:spcBef>
+                <a:spcPts val="0"/>
+              </a:spcBef>
+              <a:spcAft>
+                <a:spcPts val="0"/>
+              </a:spcAft>
+              <a:buClrTx/>
+              <a:buSzTx/>
+              <a:buFontTx/>
+              <a:buNone/>
+              <a:tabLst/>
+              <a:defRPr/>
+            </a:pPr>
+            <a:endParaRPr lang="es-ES_tradnl" sz="1200" kern="1200" dirty="0" smtClean="0">
+              <a:solidFill>
+                <a:schemeClr val="tx1"/>
+              </a:solidFill>
+              <a:effectLst/>
+              <a:latin typeface="+mn-lt"/>
+              <a:ea typeface="+mn-ea"/>
+              <a:cs typeface="+mn-cs"/>
+            </a:endParaRPr>
+          </a:p>
+          <a:p>
+            <a:pPr marL="0" marR="0" lvl="0" indent="0" algn="l" defTabSz="914400" rtl="0" eaLnBrk="1" fontAlgn="auto" latinLnBrk="0" hangingPunct="1">
+              <a:lnSpc>
+                <a:spcPct val="100000"/>
+              </a:lnSpc>
+              <a:spcBef>
+                <a:spcPts val="0"/>
+              </a:spcBef>
+              <a:spcAft>
+                <a:spcPts val="0"/>
+              </a:spcAft>
+              <a:buClrTx/>
+              <a:buSzTx/>
+              <a:buFontTx/>
+              <a:buNone/>
+              <a:tabLst/>
+              <a:defRPr/>
+            </a:pPr>
+            <a:endParaRPr lang="es-ES" sz="1200" kern="1200" dirty="0" smtClean="0">
+              <a:solidFill>
+                <a:schemeClr val="tx1"/>
+              </a:solidFill>
+              <a:effectLst/>
+              <a:latin typeface="+mn-lt"/>
+              <a:ea typeface="+mn-ea"/>
+              <a:cs typeface="+mn-cs"/>
+            </a:endParaRPr>
+          </a:p>
+          <a:p>
+            <a:endParaRPr lang="es-ES" dirty="0"/>
+          </a:p>
+        </p:txBody>
+      </p:sp>
+      <p:sp>
+        <p:nvSpPr>
+          <p:cNvPr id="4" name="Marcador de número de diapositiva 3"/>
+          <p:cNvSpPr>
+            <a:spLocks noGrp="1"/>
+          </p:cNvSpPr>
+          <p:nvPr>
+            <p:ph type="sldNum" sz="quarter" idx="10"/>
+          </p:nvPr>
+        </p:nvSpPr>
+        <p:spPr/>
+        <p:txBody>
+          <a:bodyPr/>
+          <a:lstStyle/>
+          <a:p>
+            <a:fld id="{DB7D0A05-FF74-4049-BC13-A9ACD9D2AB82}" type="slidenum">
+              <a:rPr lang="es-ES" smtClean="0"/>
+              <a:t>27</a:t>
+            </a:fld>
+            <a:endParaRPr lang="es-ES"/>
+          </a:p>
+        </p:txBody>
+      </p:sp>
+    </p:spTree>
+    <p:extLst>
+      <p:ext uri="{BB962C8B-B14F-4D97-AF65-F5344CB8AC3E}">
+        <p14:creationId xmlns:p14="http://schemas.microsoft.com/office/powerpoint/2010/main" val="4061869060"/>
+      </p:ext>
+    </p:extLst>
+  </p:cSld>
+  <p:clrMapOvr>
+    <a:masterClrMapping/>
+  </p:clrMapOvr>
+</p:notes>
+</file>
+
+<file path=ppt/notesSlides/notesSlide28.xml><?xml version="1.0" encoding="utf-8"?>
+<p:notes xmlns:a="http://schemas.openxmlformats.org/drawingml/2006/main" xmlns:r="http://schemas.openxmlformats.org/officeDocument/2006/relationships" xmlns:p="http://schemas.openxmlformats.org/presentationml/2006/main">
+  <p:cSld>
+    <p:spTree>
+      <p:nvGrpSpPr>
+        <p:cNvPr id="1" name=""/>
+        <p:cNvGrpSpPr/>
+        <p:nvPr/>
+      </p:nvGrpSpPr>
+      <p:grpSpPr>
+        <a:xfrm>
+          <a:off x="0" y="0"/>
+          <a:ext cx="0" cy="0"/>
+          <a:chOff x="0" y="0"/>
+          <a:chExt cx="0" cy="0"/>
+        </a:xfrm>
+      </p:grpSpPr>
+      <p:sp>
+        <p:nvSpPr>
+          <p:cNvPr id="2" name="Marcador de imagen de diapositiva 1"/>
+          <p:cNvSpPr>
+            <a:spLocks noGrp="1" noRot="1" noChangeAspect="1"/>
+          </p:cNvSpPr>
+          <p:nvPr>
+            <p:ph type="sldImg"/>
+          </p:nvPr>
+        </p:nvSpPr>
+        <p:spPr/>
+      </p:sp>
+      <p:sp>
+        <p:nvSpPr>
+          <p:cNvPr id="3" name="Marcador de notas 2"/>
+          <p:cNvSpPr>
+            <a:spLocks noGrp="1"/>
+          </p:cNvSpPr>
+          <p:nvPr>
+            <p:ph type="body" idx="1"/>
+          </p:nvPr>
+        </p:nvSpPr>
+        <p:spPr/>
+        <p:txBody>
+          <a:bodyPr/>
+          <a:lstStyle/>
+          <a:p>
+            <a:pPr marL="0" marR="0" lvl="0" indent="0" algn="l" defTabSz="914400" rtl="0" eaLnBrk="1" fontAlgn="auto" latinLnBrk="0" hangingPunct="1">
+              <a:lnSpc>
+                <a:spcPct val="100000"/>
+              </a:lnSpc>
+              <a:spcBef>
+                <a:spcPts val="0"/>
+              </a:spcBef>
+              <a:spcAft>
+                <a:spcPts val="0"/>
+              </a:spcAft>
+              <a:buClrTx/>
+              <a:buSzTx/>
+              <a:buFontTx/>
+              <a:buNone/>
+              <a:tabLst/>
+              <a:defRPr/>
+            </a:pPr>
+            <a:r>
+              <a:rPr lang="es-ES_tradnl" sz="1200" kern="1200" dirty="0" smtClean="0">
+                <a:solidFill>
+                  <a:schemeClr val="tx1"/>
+                </a:solidFill>
+                <a:effectLst/>
+                <a:latin typeface="+mn-lt"/>
+                <a:ea typeface="+mn-ea"/>
+                <a:cs typeface="+mn-cs"/>
+              </a:rPr>
+              <a:t>Puedes trabajar con GITHUB mediante la consola de GIT y tener acceso a todas los comandos o para familiarizarte y aprender las funciones más básicas (como es nuestro caso ya que no tenemos que hacer uso de comandos avanzados) usar el cliente de escritorio, que es tremendamente sencillo y fácil de usar.</a:t>
+            </a:r>
+          </a:p>
+          <a:p>
+            <a:pPr marL="0" marR="0" lvl="0" indent="0" algn="l" defTabSz="914400" rtl="0" eaLnBrk="1" fontAlgn="auto" latinLnBrk="0" hangingPunct="1">
+              <a:lnSpc>
+                <a:spcPct val="100000"/>
+              </a:lnSpc>
+              <a:spcBef>
+                <a:spcPts val="0"/>
+              </a:spcBef>
+              <a:spcAft>
+                <a:spcPts val="0"/>
+              </a:spcAft>
+              <a:buClrTx/>
+              <a:buSzTx/>
+              <a:buFontTx/>
+              <a:buNone/>
+              <a:tabLst/>
+              <a:defRPr/>
+            </a:pPr>
+            <a:endParaRPr lang="es-ES_tradnl" sz="1200" kern="1200" dirty="0" smtClean="0">
+              <a:solidFill>
+                <a:schemeClr val="tx1"/>
+              </a:solidFill>
+              <a:effectLst/>
+              <a:latin typeface="+mn-lt"/>
+              <a:ea typeface="+mn-ea"/>
+              <a:cs typeface="+mn-cs"/>
+            </a:endParaRPr>
+          </a:p>
+          <a:p>
+            <a:pPr marL="0" marR="0" lvl="0" indent="0" algn="l" defTabSz="914400" rtl="0" eaLnBrk="1" fontAlgn="auto" latinLnBrk="0" hangingPunct="1">
+              <a:lnSpc>
+                <a:spcPct val="100000"/>
+              </a:lnSpc>
+              <a:spcBef>
+                <a:spcPts val="0"/>
+              </a:spcBef>
+              <a:spcAft>
+                <a:spcPts val="0"/>
+              </a:spcAft>
+              <a:buClrTx/>
+              <a:buSzTx/>
+              <a:buFontTx/>
+              <a:buNone/>
+              <a:tabLst/>
+              <a:defRPr/>
+            </a:pPr>
+            <a:r>
+              <a:rPr lang="es-ES_tradnl" sz="1200" kern="1200" dirty="0" smtClean="0">
+                <a:solidFill>
+                  <a:schemeClr val="tx1"/>
+                </a:solidFill>
+                <a:effectLst/>
+                <a:latin typeface="+mn-lt"/>
+                <a:ea typeface="+mn-ea"/>
+                <a:cs typeface="+mn-cs"/>
+              </a:rPr>
+              <a:t>A simple vista podemos ver cómo podemos elegir las ramas, descargarnos la última versión del código, hacer </a:t>
+            </a:r>
+            <a:r>
+              <a:rPr lang="es-ES_tradnl" sz="1200" kern="1200" dirty="0" err="1" smtClean="0">
+                <a:solidFill>
+                  <a:schemeClr val="tx1"/>
+                </a:solidFill>
+                <a:effectLst/>
+                <a:latin typeface="+mn-lt"/>
+                <a:ea typeface="+mn-ea"/>
+                <a:cs typeface="+mn-cs"/>
+              </a:rPr>
+              <a:t>commit</a:t>
+            </a:r>
+            <a:r>
+              <a:rPr lang="es-ES_tradnl" sz="1200" kern="1200" dirty="0" smtClean="0">
+                <a:solidFill>
+                  <a:schemeClr val="tx1"/>
+                </a:solidFill>
+                <a:effectLst/>
+                <a:latin typeface="+mn-lt"/>
+                <a:ea typeface="+mn-ea"/>
+                <a:cs typeface="+mn-cs"/>
+              </a:rPr>
+              <a:t> de los cambios, hacer </a:t>
+            </a:r>
+            <a:r>
+              <a:rPr lang="es-ES_tradnl" sz="1200" kern="1200" dirty="0" err="1" smtClean="0">
+                <a:solidFill>
+                  <a:schemeClr val="tx1"/>
+                </a:solidFill>
+                <a:effectLst/>
+                <a:latin typeface="+mn-lt"/>
+                <a:ea typeface="+mn-ea"/>
+                <a:cs typeface="+mn-cs"/>
+              </a:rPr>
+              <a:t>merge</a:t>
+            </a:r>
+            <a:r>
+              <a:rPr lang="es-ES_tradnl" sz="1200" kern="1200" dirty="0" smtClean="0">
+                <a:solidFill>
+                  <a:schemeClr val="tx1"/>
+                </a:solidFill>
+                <a:effectLst/>
+                <a:latin typeface="+mn-lt"/>
+                <a:ea typeface="+mn-ea"/>
+                <a:cs typeface="+mn-cs"/>
+              </a:rPr>
+              <a:t> de ramas, subir los cambios al repositorio remoto…etc.</a:t>
+            </a:r>
+            <a:endParaRPr lang="es-ES" sz="1200" kern="1200" dirty="0" smtClean="0">
+              <a:solidFill>
+                <a:schemeClr val="tx1"/>
+              </a:solidFill>
+              <a:effectLst/>
+              <a:latin typeface="+mn-lt"/>
+              <a:ea typeface="+mn-ea"/>
+              <a:cs typeface="+mn-cs"/>
+            </a:endParaRPr>
+          </a:p>
+          <a:p>
+            <a:pPr marL="0" marR="0" lvl="0" indent="0" algn="l" defTabSz="914400" rtl="0" eaLnBrk="1" fontAlgn="auto" latinLnBrk="0" hangingPunct="1">
+              <a:lnSpc>
+                <a:spcPct val="100000"/>
+              </a:lnSpc>
+              <a:spcBef>
+                <a:spcPts val="0"/>
+              </a:spcBef>
+              <a:spcAft>
+                <a:spcPts val="0"/>
+              </a:spcAft>
+              <a:buClrTx/>
+              <a:buSzTx/>
+              <a:buFontTx/>
+              <a:buNone/>
+              <a:tabLst/>
+              <a:defRPr/>
+            </a:pPr>
+            <a:endParaRPr lang="es-ES" sz="1200" kern="1200" dirty="0" smtClean="0">
+              <a:solidFill>
+                <a:schemeClr val="tx1"/>
+              </a:solidFill>
+              <a:effectLst/>
+              <a:latin typeface="+mn-lt"/>
+              <a:ea typeface="+mn-ea"/>
+              <a:cs typeface="+mn-cs"/>
+            </a:endParaRPr>
+          </a:p>
+          <a:p>
+            <a:endParaRPr lang="es-ES" dirty="0"/>
+          </a:p>
+        </p:txBody>
+      </p:sp>
+      <p:sp>
+        <p:nvSpPr>
+          <p:cNvPr id="4" name="Marcador de número de diapositiva 3"/>
+          <p:cNvSpPr>
+            <a:spLocks noGrp="1"/>
+          </p:cNvSpPr>
+          <p:nvPr>
+            <p:ph type="sldNum" sz="quarter" idx="10"/>
+          </p:nvPr>
+        </p:nvSpPr>
+        <p:spPr/>
+        <p:txBody>
+          <a:bodyPr/>
+          <a:lstStyle/>
+          <a:p>
+            <a:fld id="{DB7D0A05-FF74-4049-BC13-A9ACD9D2AB82}" type="slidenum">
+              <a:rPr lang="es-ES" smtClean="0"/>
+              <a:t>28</a:t>
+            </a:fld>
+            <a:endParaRPr lang="es-ES"/>
+          </a:p>
+        </p:txBody>
+      </p:sp>
+    </p:spTree>
+    <p:extLst>
+      <p:ext uri="{BB962C8B-B14F-4D97-AF65-F5344CB8AC3E}">
+        <p14:creationId xmlns:p14="http://schemas.microsoft.com/office/powerpoint/2010/main" val="3972647194"/>
+      </p:ext>
+    </p:extLst>
+  </p:cSld>
+  <p:clrMapOvr>
+    <a:masterClrMapping/>
+  </p:clrMapOvr>
+</p:notes>
+</file>
+
+<file path=ppt/notesSlides/notesSlide29.xml><?xml version="1.0" encoding="utf-8"?>
+<p:notes xmlns:a="http://schemas.openxmlformats.org/drawingml/2006/main" xmlns:r="http://schemas.openxmlformats.org/officeDocument/2006/relationships" xmlns:p="http://schemas.openxmlformats.org/presentationml/2006/main">
+  <p:cSld>
+    <p:spTree>
+      <p:nvGrpSpPr>
+        <p:cNvPr id="1" name=""/>
+        <p:cNvGrpSpPr/>
+        <p:nvPr/>
+      </p:nvGrpSpPr>
+      <p:grpSpPr>
+        <a:xfrm>
+          <a:off x="0" y="0"/>
+          <a:ext cx="0" cy="0"/>
+          <a:chOff x="0" y="0"/>
+          <a:chExt cx="0" cy="0"/>
+        </a:xfrm>
+      </p:grpSpPr>
+      <p:sp>
+        <p:nvSpPr>
+          <p:cNvPr id="2" name="Marcador de imagen de diapositiva 1"/>
+          <p:cNvSpPr>
+            <a:spLocks noGrp="1" noRot="1" noChangeAspect="1"/>
+          </p:cNvSpPr>
+          <p:nvPr>
+            <p:ph type="sldImg"/>
+          </p:nvPr>
+        </p:nvSpPr>
+        <p:spPr/>
+      </p:sp>
+      <p:sp>
+        <p:nvSpPr>
+          <p:cNvPr id="3" name="Marcador de notas 2"/>
+          <p:cNvSpPr>
+            <a:spLocks noGrp="1"/>
+          </p:cNvSpPr>
+          <p:nvPr>
+            <p:ph type="body" idx="1"/>
+          </p:nvPr>
+        </p:nvSpPr>
+        <p:spPr/>
+        <p:txBody>
+          <a:bodyPr/>
+          <a:lstStyle/>
+          <a:p>
+            <a:r>
+              <a:rPr lang="es-ES" dirty="0" smtClean="0"/>
+              <a:t>Y bueno, ya para finalizar pues así es como nos imaginábamos nuestra aplicación</a:t>
+            </a:r>
+            <a:r>
+              <a:rPr lang="es-ES" baseline="0" dirty="0" smtClean="0"/>
+              <a:t> web.</a:t>
+            </a:r>
+            <a:endParaRPr lang="es-ES" dirty="0"/>
+          </a:p>
+        </p:txBody>
+      </p:sp>
+      <p:sp>
+        <p:nvSpPr>
+          <p:cNvPr id="4" name="Marcador de número de diapositiva 3"/>
+          <p:cNvSpPr>
+            <a:spLocks noGrp="1"/>
+          </p:cNvSpPr>
+          <p:nvPr>
+            <p:ph type="sldNum" sz="quarter" idx="10"/>
+          </p:nvPr>
+        </p:nvSpPr>
+        <p:spPr/>
+        <p:txBody>
+          <a:bodyPr/>
+          <a:lstStyle/>
+          <a:p>
+            <a:fld id="{DB7D0A05-FF74-4049-BC13-A9ACD9D2AB82}" type="slidenum">
+              <a:rPr lang="es-ES" smtClean="0"/>
+              <a:t>29</a:t>
+            </a:fld>
+            <a:endParaRPr lang="es-ES"/>
+          </a:p>
+        </p:txBody>
+      </p:sp>
+    </p:spTree>
+    <p:extLst>
+      <p:ext uri="{BB962C8B-B14F-4D97-AF65-F5344CB8AC3E}">
+        <p14:creationId xmlns:p14="http://schemas.microsoft.com/office/powerpoint/2010/main" val="3540851105"/>
+      </p:ext>
+    </p:extLst>
+  </p:cSld>
+  <p:clrMapOvr>
+    <a:masterClrMapping/>
+  </p:clrMapOvr>
+</p:notes>
+</file>
+
+<file path=ppt/notesSlides/notesSlide3.xml><?xml version="1.0" encoding="utf-8"?>
+<p:notes xmlns:a="http://schemas.openxmlformats.org/drawingml/2006/main" xmlns:r="http://schemas.openxmlformats.org/officeDocument/2006/relationships" xmlns:p="http://schemas.openxmlformats.org/presentationml/2006/main">
+  <p:cSld>
+    <p:spTree>
+      <p:nvGrpSpPr>
+        <p:cNvPr id="1" name=""/>
+        <p:cNvGrpSpPr/>
+        <p:nvPr/>
+      </p:nvGrpSpPr>
+      <p:grpSpPr>
+        <a:xfrm>
+          <a:off x="0" y="0"/>
+          <a:ext cx="0" cy="0"/>
+          <a:chOff x="0" y="0"/>
+          <a:chExt cx="0" cy="0"/>
+        </a:xfrm>
+      </p:grpSpPr>
+      <p:sp>
+        <p:nvSpPr>
+          <p:cNvPr id="2" name="Marcador de imagen de diapositiva 1"/>
+          <p:cNvSpPr>
+            <a:spLocks noGrp="1" noRot="1" noChangeAspect="1"/>
+          </p:cNvSpPr>
+          <p:nvPr>
+            <p:ph type="sldImg"/>
+          </p:nvPr>
+        </p:nvSpPr>
+        <p:spPr/>
+      </p:sp>
+      <p:sp>
+        <p:nvSpPr>
+          <p:cNvPr id="3" name="Marcador de notas 2"/>
+          <p:cNvSpPr>
+            <a:spLocks noGrp="1"/>
+          </p:cNvSpPr>
+          <p:nvPr>
+            <p:ph type="body" idx="1"/>
+          </p:nvPr>
+        </p:nvSpPr>
+        <p:spPr/>
+        <p:txBody>
+          <a:bodyPr/>
+          <a:lstStyle/>
+          <a:p>
+            <a:endParaRPr lang="es-ES" dirty="0" smtClean="0"/>
+          </a:p>
+          <a:p>
+            <a:r>
+              <a:rPr lang="es-ES_tradnl" dirty="0" smtClean="0"/>
+              <a:t>La idea del proyecto es poder tener en simple vistazo, gracias a la geolocalización, tu cine más cercano.</a:t>
+            </a:r>
+          </a:p>
+          <a:p>
+            <a:endParaRPr lang="es-ES_tradnl" dirty="0" smtClean="0"/>
+          </a:p>
+          <a:p>
+            <a:r>
+              <a:rPr lang="es-ES" dirty="0" smtClean="0"/>
+              <a:t>También con </a:t>
+            </a:r>
+            <a:r>
+              <a:rPr lang="es-ES_tradnl" dirty="0" err="1" smtClean="0"/>
+              <a:t>YoSoyTuCine</a:t>
+            </a:r>
+            <a:r>
+              <a:rPr lang="es-ES_tradnl" dirty="0" smtClean="0"/>
+              <a:t> podrás ordenar las películas que hay en cartelera</a:t>
+            </a:r>
+            <a:r>
+              <a:rPr lang="es-ES_tradnl" baseline="0" dirty="0" smtClean="0"/>
+              <a:t> </a:t>
+            </a:r>
+            <a:r>
+              <a:rPr lang="es-ES_tradnl" dirty="0" smtClean="0"/>
+              <a:t>en base a</a:t>
+            </a:r>
+            <a:r>
+              <a:rPr lang="es-ES_tradnl" baseline="0" dirty="0" smtClean="0"/>
+              <a:t> tu </a:t>
+            </a:r>
+            <a:r>
+              <a:rPr lang="es-ES_tradnl" dirty="0" smtClean="0"/>
+              <a:t>cercanía al</a:t>
+            </a:r>
+            <a:r>
+              <a:rPr lang="es-ES_tradnl" baseline="0" dirty="0" smtClean="0"/>
+              <a:t> cine.</a:t>
+            </a:r>
+          </a:p>
+          <a:p>
+            <a:endParaRPr lang="es-ES_tradnl" baseline="0" dirty="0" smtClean="0"/>
+          </a:p>
+          <a:p>
+            <a:r>
+              <a:rPr lang="es-ES_tradnl" dirty="0" smtClean="0"/>
+              <a:t> También tendrás</a:t>
+            </a:r>
+            <a:r>
+              <a:rPr lang="es-ES_tradnl" baseline="0" dirty="0" smtClean="0"/>
+              <a:t> </a:t>
+            </a:r>
+            <a:r>
+              <a:rPr lang="es-ES_tradnl" dirty="0" smtClean="0"/>
+              <a:t>la posibilidad</a:t>
+            </a:r>
+            <a:r>
+              <a:rPr lang="es-ES_tradnl" baseline="0" dirty="0" smtClean="0"/>
+              <a:t> de ver los cines ordenados</a:t>
+            </a:r>
+            <a:r>
+              <a:rPr lang="es-ES_tradnl" dirty="0" smtClean="0"/>
+              <a:t> en base a las valoraciones dadas a los cines por la comunidad de usuarios de </a:t>
+            </a:r>
+            <a:r>
+              <a:rPr lang="es-ES_tradnl" dirty="0" err="1" smtClean="0"/>
+              <a:t>YoSoyTuCine</a:t>
+            </a:r>
+            <a:r>
+              <a:rPr lang="es-ES_tradnl" dirty="0" smtClean="0"/>
+              <a:t>.</a:t>
+            </a:r>
+            <a:endParaRPr lang="es-ES" dirty="0" smtClean="0"/>
+          </a:p>
+          <a:p>
+            <a:endParaRPr lang="es-ES" dirty="0"/>
+          </a:p>
+        </p:txBody>
+      </p:sp>
+      <p:sp>
+        <p:nvSpPr>
+          <p:cNvPr id="4" name="Marcador de número de diapositiva 3"/>
+          <p:cNvSpPr>
+            <a:spLocks noGrp="1"/>
+          </p:cNvSpPr>
+          <p:nvPr>
+            <p:ph type="sldNum" sz="quarter" idx="10"/>
+          </p:nvPr>
+        </p:nvSpPr>
+        <p:spPr/>
+        <p:txBody>
+          <a:bodyPr/>
+          <a:lstStyle/>
+          <a:p>
+            <a:fld id="{DB7D0A05-FF74-4049-BC13-A9ACD9D2AB82}" type="slidenum">
+              <a:rPr lang="es-ES" smtClean="0"/>
+              <a:t>3</a:t>
+            </a:fld>
+            <a:endParaRPr lang="es-ES"/>
+          </a:p>
+        </p:txBody>
+      </p:sp>
+    </p:spTree>
+    <p:extLst>
+      <p:ext uri="{BB962C8B-B14F-4D97-AF65-F5344CB8AC3E}">
+        <p14:creationId xmlns:p14="http://schemas.microsoft.com/office/powerpoint/2010/main" val="2959799204"/>
+      </p:ext>
+    </p:extLst>
+  </p:cSld>
+  <p:clrMapOvr>
+    <a:masterClrMapping/>
+  </p:clrMapOvr>
+</p:notes>
+</file>
+
+<file path=ppt/notesSlides/notesSlide30.xml><?xml version="1.0" encoding="utf-8"?>
+<p:notes xmlns:a="http://schemas.openxmlformats.org/drawingml/2006/main" xmlns:r="http://schemas.openxmlformats.org/officeDocument/2006/relationships" xmlns:p="http://schemas.openxmlformats.org/presentationml/2006/main">
+  <p:cSld>
+    <p:spTree>
+      <p:nvGrpSpPr>
+        <p:cNvPr id="1" name=""/>
+        <p:cNvGrpSpPr/>
+        <p:nvPr/>
+      </p:nvGrpSpPr>
+      <p:grpSpPr>
+        <a:xfrm>
+          <a:off x="0" y="0"/>
+          <a:ext cx="0" cy="0"/>
+          <a:chOff x="0" y="0"/>
+          <a:chExt cx="0" cy="0"/>
+        </a:xfrm>
+      </p:grpSpPr>
+      <p:sp>
+        <p:nvSpPr>
+          <p:cNvPr id="2" name="Marcador de imagen de diapositiva 1"/>
+          <p:cNvSpPr>
+            <a:spLocks noGrp="1" noRot="1" noChangeAspect="1"/>
+          </p:cNvSpPr>
+          <p:nvPr>
+            <p:ph type="sldImg"/>
+          </p:nvPr>
+        </p:nvSpPr>
+        <p:spPr/>
+      </p:sp>
+      <p:sp>
+        <p:nvSpPr>
+          <p:cNvPr id="3" name="Marcador de notas 2"/>
+          <p:cNvSpPr>
+            <a:spLocks noGrp="1"/>
+          </p:cNvSpPr>
+          <p:nvPr>
+            <p:ph type="body" idx="1"/>
+          </p:nvPr>
+        </p:nvSpPr>
+        <p:spPr/>
+        <p:txBody>
+          <a:bodyPr/>
+          <a:lstStyle/>
+          <a:p>
+            <a:r>
+              <a:rPr lang="es-ES" dirty="0" smtClean="0"/>
+              <a:t>Y </a:t>
+            </a:r>
+            <a:r>
+              <a:rPr lang="es-ES" dirty="0" err="1" smtClean="0"/>
+              <a:t>asi</a:t>
+            </a:r>
+            <a:r>
+              <a:rPr lang="es-ES" dirty="0" smtClean="0"/>
+              <a:t> es como la hemos conseguido.</a:t>
+            </a:r>
+            <a:endParaRPr lang="es-ES" dirty="0"/>
+          </a:p>
+        </p:txBody>
+      </p:sp>
+      <p:sp>
+        <p:nvSpPr>
+          <p:cNvPr id="4" name="Marcador de número de diapositiva 3"/>
+          <p:cNvSpPr>
+            <a:spLocks noGrp="1"/>
+          </p:cNvSpPr>
+          <p:nvPr>
+            <p:ph type="sldNum" sz="quarter" idx="10"/>
+          </p:nvPr>
+        </p:nvSpPr>
+        <p:spPr/>
+        <p:txBody>
+          <a:bodyPr/>
+          <a:lstStyle/>
+          <a:p>
+            <a:fld id="{DB7D0A05-FF74-4049-BC13-A9ACD9D2AB82}" type="slidenum">
+              <a:rPr lang="es-ES" smtClean="0"/>
+              <a:t>30</a:t>
+            </a:fld>
+            <a:endParaRPr lang="es-ES"/>
+          </a:p>
+        </p:txBody>
+      </p:sp>
+    </p:spTree>
+    <p:extLst>
+      <p:ext uri="{BB962C8B-B14F-4D97-AF65-F5344CB8AC3E}">
+        <p14:creationId xmlns:p14="http://schemas.microsoft.com/office/powerpoint/2010/main" val="124897716"/>
+      </p:ext>
+    </p:extLst>
+  </p:cSld>
+  <p:clrMapOvr>
+    <a:masterClrMapping/>
+  </p:clrMapOvr>
+</p:notes>
+</file>
+
+<file path=ppt/notesSlides/notesSlide31.xml><?xml version="1.0" encoding="utf-8"?>
+<p:notes xmlns:a="http://schemas.openxmlformats.org/drawingml/2006/main" xmlns:r="http://schemas.openxmlformats.org/officeDocument/2006/relationships" xmlns:p="http://schemas.openxmlformats.org/presentationml/2006/main">
+  <p:cSld>
+    <p:spTree>
+      <p:nvGrpSpPr>
+        <p:cNvPr id="1" name=""/>
+        <p:cNvGrpSpPr/>
+        <p:nvPr/>
+      </p:nvGrpSpPr>
+      <p:grpSpPr>
+        <a:xfrm>
+          <a:off x="0" y="0"/>
+          <a:ext cx="0" cy="0"/>
+          <a:chOff x="0" y="0"/>
+          <a:chExt cx="0" cy="0"/>
+        </a:xfrm>
+      </p:grpSpPr>
+      <p:sp>
+        <p:nvSpPr>
+          <p:cNvPr id="2" name="Marcador de imagen de diapositiva 1"/>
+          <p:cNvSpPr>
+            <a:spLocks noGrp="1" noRot="1" noChangeAspect="1"/>
+          </p:cNvSpPr>
+          <p:nvPr>
+            <p:ph type="sldImg"/>
+          </p:nvPr>
+        </p:nvSpPr>
+        <p:spPr/>
+      </p:sp>
+      <p:sp>
+        <p:nvSpPr>
+          <p:cNvPr id="3" name="Marcador de notas 2"/>
+          <p:cNvSpPr>
+            <a:spLocks noGrp="1"/>
+          </p:cNvSpPr>
+          <p:nvPr>
+            <p:ph type="body" idx="1"/>
+          </p:nvPr>
+        </p:nvSpPr>
+        <p:spPr/>
+        <p:txBody>
+          <a:bodyPr/>
+          <a:lstStyle/>
+          <a:p>
+            <a:r>
+              <a:rPr lang="es-ES" dirty="0" smtClean="0"/>
+              <a:t>Muchas gracias a todos y a continuación</a:t>
+            </a:r>
+            <a:r>
+              <a:rPr lang="es-ES" baseline="0" dirty="0" smtClean="0"/>
+              <a:t> vamos a ver la web en funcionamiento con una pequeña demo.</a:t>
+            </a:r>
+            <a:endParaRPr lang="es-ES" dirty="0"/>
+          </a:p>
+        </p:txBody>
+      </p:sp>
+      <p:sp>
+        <p:nvSpPr>
+          <p:cNvPr id="4" name="Marcador de número de diapositiva 3"/>
+          <p:cNvSpPr>
+            <a:spLocks noGrp="1"/>
+          </p:cNvSpPr>
+          <p:nvPr>
+            <p:ph type="sldNum" sz="quarter" idx="10"/>
+          </p:nvPr>
+        </p:nvSpPr>
+        <p:spPr/>
+        <p:txBody>
+          <a:bodyPr/>
+          <a:lstStyle/>
+          <a:p>
+            <a:fld id="{DB7D0A05-FF74-4049-BC13-A9ACD9D2AB82}" type="slidenum">
+              <a:rPr lang="es-ES" smtClean="0"/>
+              <a:t>31</a:t>
+            </a:fld>
+            <a:endParaRPr lang="es-ES"/>
+          </a:p>
+        </p:txBody>
+      </p:sp>
+    </p:spTree>
+    <p:extLst>
+      <p:ext uri="{BB962C8B-B14F-4D97-AF65-F5344CB8AC3E}">
+        <p14:creationId xmlns:p14="http://schemas.microsoft.com/office/powerpoint/2010/main" val="4199157972"/>
+      </p:ext>
+    </p:extLst>
+  </p:cSld>
+  <p:clrMapOvr>
+    <a:masterClrMapping/>
+  </p:clrMapOvr>
+</p:notes>
+</file>
+
+<file path=ppt/notesSlides/notesSlide4.xml><?xml version="1.0" encoding="utf-8"?>
+<p:notes xmlns:a="http://schemas.openxmlformats.org/drawingml/2006/main" xmlns:r="http://schemas.openxmlformats.org/officeDocument/2006/relationships" xmlns:p="http://schemas.openxmlformats.org/presentationml/2006/main">
+  <p:cSld>
+    <p:spTree>
+      <p:nvGrpSpPr>
+        <p:cNvPr id="1" name=""/>
+        <p:cNvGrpSpPr/>
+        <p:nvPr/>
+      </p:nvGrpSpPr>
+      <p:grpSpPr>
+        <a:xfrm>
+          <a:off x="0" y="0"/>
+          <a:ext cx="0" cy="0"/>
+          <a:chOff x="0" y="0"/>
+          <a:chExt cx="0" cy="0"/>
+        </a:xfrm>
+      </p:grpSpPr>
+      <p:sp>
+        <p:nvSpPr>
+          <p:cNvPr id="2" name="Marcador de imagen de diapositiva 1"/>
+          <p:cNvSpPr>
+            <a:spLocks noGrp="1" noRot="1" noChangeAspect="1"/>
+          </p:cNvSpPr>
+          <p:nvPr>
+            <p:ph type="sldImg"/>
+          </p:nvPr>
+        </p:nvSpPr>
+        <p:spPr/>
+      </p:sp>
+      <p:sp>
+        <p:nvSpPr>
+          <p:cNvPr id="3" name="Marcador de notas 2"/>
+          <p:cNvSpPr>
+            <a:spLocks noGrp="1"/>
+          </p:cNvSpPr>
+          <p:nvPr>
+            <p:ph type="body" idx="1"/>
+          </p:nvPr>
+        </p:nvSpPr>
+        <p:spPr/>
+        <p:txBody>
+          <a:bodyPr/>
+          <a:lstStyle/>
+          <a:p>
+            <a:r>
+              <a:rPr lang="es-ES_tradnl" sz="1200" kern="1200" dirty="0" err="1" smtClean="0">
+                <a:solidFill>
+                  <a:schemeClr val="tx1"/>
+                </a:solidFill>
+                <a:effectLst/>
+                <a:latin typeface="+mn-lt"/>
+                <a:ea typeface="+mn-ea"/>
+                <a:cs typeface="+mn-cs"/>
+              </a:rPr>
+              <a:t>YoSoyTuCine</a:t>
+            </a:r>
+            <a:r>
+              <a:rPr lang="es-ES_tradnl" sz="1200" kern="1200" dirty="0" smtClean="0">
+                <a:solidFill>
+                  <a:schemeClr val="tx1"/>
+                </a:solidFill>
+                <a:effectLst/>
+                <a:latin typeface="+mn-lt"/>
+                <a:ea typeface="+mn-ea"/>
+                <a:cs typeface="+mn-cs"/>
+              </a:rPr>
+              <a:t> </a:t>
+            </a:r>
+            <a:r>
+              <a:rPr lang="es-ES" sz="1200" kern="1200" dirty="0" smtClean="0">
+                <a:solidFill>
+                  <a:schemeClr val="tx1"/>
+                </a:solidFill>
+                <a:effectLst/>
+                <a:latin typeface="+mn-lt"/>
+                <a:ea typeface="+mn-ea"/>
+                <a:cs typeface="+mn-cs"/>
+              </a:rPr>
+              <a:t>se sostiene sobre estos estos 3 pilares que son el </a:t>
+            </a:r>
+            <a:r>
+              <a:rPr lang="es-ES" sz="1200" kern="1200" dirty="0" err="1" smtClean="0">
+                <a:solidFill>
+                  <a:schemeClr val="tx1"/>
+                </a:solidFill>
+                <a:effectLst/>
+                <a:latin typeface="+mn-lt"/>
+                <a:ea typeface="+mn-ea"/>
+                <a:cs typeface="+mn-cs"/>
+              </a:rPr>
+              <a:t>scrapping</a:t>
+            </a:r>
+            <a:r>
+              <a:rPr lang="es-ES" sz="1200" kern="1200" dirty="0" smtClean="0">
+                <a:solidFill>
+                  <a:schemeClr val="tx1"/>
+                </a:solidFill>
+                <a:effectLst/>
+                <a:latin typeface="+mn-lt"/>
+                <a:ea typeface="+mn-ea"/>
+                <a:cs typeface="+mn-cs"/>
+              </a:rPr>
+              <a:t>, la geolocalización y la comunidad</a:t>
+            </a:r>
+            <a:r>
+              <a:rPr lang="es-ES" sz="1200" kern="1200" baseline="0" dirty="0" smtClean="0">
+                <a:solidFill>
+                  <a:schemeClr val="tx1"/>
+                </a:solidFill>
+                <a:effectLst/>
+                <a:latin typeface="+mn-lt"/>
+                <a:ea typeface="+mn-ea"/>
+                <a:cs typeface="+mn-cs"/>
+              </a:rPr>
+              <a:t> de usuarios.</a:t>
+            </a:r>
+            <a:endParaRPr lang="es-ES" sz="1200" kern="1200" dirty="0" smtClean="0">
+              <a:solidFill>
+                <a:schemeClr val="tx1"/>
+              </a:solidFill>
+              <a:effectLst/>
+              <a:latin typeface="+mn-lt"/>
+              <a:ea typeface="+mn-ea"/>
+              <a:cs typeface="+mn-cs"/>
+            </a:endParaRPr>
+          </a:p>
+          <a:p>
+            <a:r>
+              <a:rPr lang="es-ES_tradnl" sz="1200" kern="1200" dirty="0" smtClean="0">
+                <a:solidFill>
+                  <a:schemeClr val="tx1"/>
+                </a:solidFill>
+                <a:effectLst/>
+                <a:latin typeface="+mn-lt"/>
+                <a:ea typeface="+mn-ea"/>
+                <a:cs typeface="+mn-cs"/>
+              </a:rPr>
+              <a:t> </a:t>
+            </a:r>
+            <a:endParaRPr lang="es-ES" sz="1200" kern="1200" dirty="0" smtClean="0">
+              <a:solidFill>
+                <a:schemeClr val="tx1"/>
+              </a:solidFill>
+              <a:effectLst/>
+              <a:latin typeface="+mn-lt"/>
+              <a:ea typeface="+mn-ea"/>
+              <a:cs typeface="+mn-cs"/>
+            </a:endParaRPr>
+          </a:p>
+          <a:p>
+            <a:pPr marL="0" marR="0" lvl="0" indent="0" algn="l" defTabSz="914400" rtl="0" eaLnBrk="1" fontAlgn="auto" latinLnBrk="0" hangingPunct="1">
+              <a:lnSpc>
+                <a:spcPct val="100000"/>
+              </a:lnSpc>
+              <a:spcBef>
+                <a:spcPts val="0"/>
+              </a:spcBef>
+              <a:spcAft>
+                <a:spcPts val="0"/>
+              </a:spcAft>
+              <a:buClrTx/>
+              <a:buSzTx/>
+              <a:buFontTx/>
+              <a:buNone/>
+              <a:tabLst/>
+              <a:defRPr/>
+            </a:pPr>
+            <a:endParaRPr lang="es-ES" sz="1200" kern="1200" dirty="0" smtClean="0">
+              <a:solidFill>
+                <a:schemeClr val="tx1"/>
+              </a:solidFill>
+              <a:effectLst/>
+              <a:latin typeface="+mn-lt"/>
+              <a:ea typeface="+mn-ea"/>
+              <a:cs typeface="+mn-cs"/>
+            </a:endParaRPr>
+          </a:p>
+          <a:p>
+            <a:endParaRPr lang="es-ES" sz="1200" kern="1200" dirty="0" smtClean="0">
+              <a:solidFill>
+                <a:schemeClr val="tx1"/>
+              </a:solidFill>
+              <a:effectLst/>
+              <a:latin typeface="+mn-lt"/>
+              <a:ea typeface="+mn-ea"/>
+              <a:cs typeface="+mn-cs"/>
+            </a:endParaRPr>
+          </a:p>
+          <a:p>
+            <a:endParaRPr lang="es-ES" dirty="0"/>
+          </a:p>
+        </p:txBody>
+      </p:sp>
+      <p:sp>
+        <p:nvSpPr>
+          <p:cNvPr id="4" name="Marcador de número de diapositiva 3"/>
+          <p:cNvSpPr>
+            <a:spLocks noGrp="1"/>
+          </p:cNvSpPr>
+          <p:nvPr>
+            <p:ph type="sldNum" sz="quarter" idx="10"/>
+          </p:nvPr>
+        </p:nvSpPr>
+        <p:spPr/>
+        <p:txBody>
+          <a:bodyPr/>
+          <a:lstStyle/>
+          <a:p>
+            <a:fld id="{DB7D0A05-FF74-4049-BC13-A9ACD9D2AB82}" type="slidenum">
+              <a:rPr lang="es-ES" smtClean="0"/>
+              <a:t>4</a:t>
+            </a:fld>
+            <a:endParaRPr lang="es-ES"/>
+          </a:p>
+        </p:txBody>
+      </p:sp>
+    </p:spTree>
+    <p:extLst>
+      <p:ext uri="{BB962C8B-B14F-4D97-AF65-F5344CB8AC3E}">
+        <p14:creationId xmlns:p14="http://schemas.microsoft.com/office/powerpoint/2010/main" val="2750730925"/>
+      </p:ext>
+    </p:extLst>
+  </p:cSld>
+  <p:clrMapOvr>
+    <a:masterClrMapping/>
+  </p:clrMapOvr>
+</p:notes>
+</file>
+
+<file path=ppt/notesSlides/notesSlide5.xml><?xml version="1.0" encoding="utf-8"?>
+<p:notes xmlns:a="http://schemas.openxmlformats.org/drawingml/2006/main" xmlns:r="http://schemas.openxmlformats.org/officeDocument/2006/relationships" xmlns:p="http://schemas.openxmlformats.org/presentationml/2006/main">
+  <p:cSld>
+    <p:spTree>
+      <p:nvGrpSpPr>
+        <p:cNvPr id="1" name=""/>
+        <p:cNvGrpSpPr/>
+        <p:nvPr/>
+      </p:nvGrpSpPr>
+      <p:grpSpPr>
+        <a:xfrm>
+          <a:off x="0" y="0"/>
+          <a:ext cx="0" cy="0"/>
+          <a:chOff x="0" y="0"/>
+          <a:chExt cx="0" cy="0"/>
+        </a:xfrm>
+      </p:grpSpPr>
+      <p:sp>
+        <p:nvSpPr>
+          <p:cNvPr id="2" name="Marcador de imagen de diapositiva 1"/>
+          <p:cNvSpPr>
+            <a:spLocks noGrp="1" noRot="1" noChangeAspect="1"/>
+          </p:cNvSpPr>
+          <p:nvPr>
+            <p:ph type="sldImg"/>
+          </p:nvPr>
+        </p:nvSpPr>
+        <p:spPr/>
+      </p:sp>
+      <p:sp>
+        <p:nvSpPr>
+          <p:cNvPr id="3" name="Marcador de notas 2"/>
+          <p:cNvSpPr>
+            <a:spLocks noGrp="1"/>
+          </p:cNvSpPr>
+          <p:nvPr>
+            <p:ph type="body" idx="1"/>
+          </p:nvPr>
+        </p:nvSpPr>
+        <p:spPr/>
+        <p:txBody>
+          <a:bodyPr/>
+          <a:lstStyle/>
+          <a:p>
+            <a:r>
+              <a:rPr lang="es-ES_tradnl" sz="1200" kern="1200" dirty="0" smtClean="0">
+                <a:solidFill>
+                  <a:schemeClr val="tx1"/>
+                </a:solidFill>
+                <a:effectLst/>
+                <a:latin typeface="+mn-lt"/>
+                <a:ea typeface="+mn-ea"/>
+                <a:cs typeface="+mn-cs"/>
+              </a:rPr>
+              <a:t> </a:t>
+            </a:r>
+            <a:endParaRPr lang="es-ES" sz="1200" kern="1200" dirty="0" smtClean="0">
+              <a:solidFill>
+                <a:schemeClr val="tx1"/>
+              </a:solidFill>
+              <a:effectLst/>
+              <a:latin typeface="+mn-lt"/>
+              <a:ea typeface="+mn-ea"/>
+              <a:cs typeface="+mn-cs"/>
+            </a:endParaRPr>
+          </a:p>
+          <a:p>
+            <a:r>
+              <a:rPr lang="es-ES_tradnl" sz="1200" kern="1200" dirty="0" err="1" smtClean="0">
+                <a:solidFill>
+                  <a:schemeClr val="tx1"/>
+                </a:solidFill>
+                <a:effectLst/>
+                <a:latin typeface="+mn-lt"/>
+                <a:ea typeface="+mn-ea"/>
+                <a:cs typeface="+mn-cs"/>
+              </a:rPr>
+              <a:t>YoSoyTuCine</a:t>
+            </a:r>
+            <a:r>
+              <a:rPr lang="es-ES_tradnl" sz="1200" kern="1200" dirty="0" smtClean="0">
+                <a:solidFill>
+                  <a:schemeClr val="tx1"/>
+                </a:solidFill>
+                <a:effectLst/>
+                <a:latin typeface="+mn-lt"/>
+                <a:ea typeface="+mn-ea"/>
+                <a:cs typeface="+mn-cs"/>
+              </a:rPr>
+              <a:t> evidentemente al no poder competir con buscadores omnipotente como Google, intenta ofrecer la información buscada por el usuario en un menor número de clic, esa es la ventaja que proponemos, ya que simplemente al entrar en la web, serás preguntado por tu ubicación, tendrás ante tus ojos lo carteles de las películas en cartelera actualmente y simplemente pinchando en el cartel tendrás todos los cines a tu alrededor ordenados por distancia y la información de las sesiones, cines y película en la que acabas de hacer clic.</a:t>
+            </a:r>
+            <a:endParaRPr lang="es-ES" sz="1200" kern="1200" dirty="0" smtClean="0">
+              <a:solidFill>
+                <a:schemeClr val="tx1"/>
+              </a:solidFill>
+              <a:effectLst/>
+              <a:latin typeface="+mn-lt"/>
+              <a:ea typeface="+mn-ea"/>
+              <a:cs typeface="+mn-cs"/>
+            </a:endParaRPr>
+          </a:p>
+          <a:p>
+            <a:r>
+              <a:rPr lang="es-ES_tradnl" sz="1200" kern="1200" dirty="0" smtClean="0">
+                <a:solidFill>
+                  <a:schemeClr val="tx1"/>
+                </a:solidFill>
+                <a:effectLst/>
+                <a:latin typeface="+mn-lt"/>
+                <a:ea typeface="+mn-ea"/>
+                <a:cs typeface="+mn-cs"/>
+              </a:rPr>
+              <a:t> </a:t>
+            </a:r>
+            <a:endParaRPr lang="es-ES" sz="1200" kern="1200" dirty="0" smtClean="0">
+              <a:solidFill>
+                <a:schemeClr val="tx1"/>
+              </a:solidFill>
+              <a:effectLst/>
+              <a:latin typeface="+mn-lt"/>
+              <a:ea typeface="+mn-ea"/>
+              <a:cs typeface="+mn-cs"/>
+            </a:endParaRPr>
+          </a:p>
+          <a:p>
+            <a:r>
+              <a:rPr lang="es-ES_tradnl" sz="1200" kern="1200" dirty="0" smtClean="0">
+                <a:solidFill>
+                  <a:schemeClr val="tx1"/>
+                </a:solidFill>
+                <a:effectLst/>
+                <a:latin typeface="+mn-lt"/>
+                <a:ea typeface="+mn-ea"/>
+                <a:cs typeface="+mn-cs"/>
+              </a:rPr>
+              <a:t> </a:t>
+            </a:r>
+            <a:endParaRPr lang="es-ES" sz="1200" kern="1200" dirty="0" smtClean="0">
+              <a:solidFill>
+                <a:schemeClr val="tx1"/>
+              </a:solidFill>
+              <a:effectLst/>
+              <a:latin typeface="+mn-lt"/>
+              <a:ea typeface="+mn-ea"/>
+              <a:cs typeface="+mn-cs"/>
+            </a:endParaRPr>
+          </a:p>
+          <a:p>
+            <a:r>
+              <a:rPr lang="es-ES_tradnl" sz="1200" kern="1200" dirty="0" smtClean="0">
+                <a:solidFill>
+                  <a:schemeClr val="tx1"/>
+                </a:solidFill>
+                <a:effectLst/>
+                <a:latin typeface="+mn-lt"/>
+                <a:ea typeface="+mn-ea"/>
+                <a:cs typeface="+mn-cs"/>
+              </a:rPr>
+              <a:t>Para lograr los objetivos finales de </a:t>
+            </a:r>
+            <a:r>
+              <a:rPr lang="es-ES_tradnl" sz="1200" kern="1200" dirty="0" err="1" smtClean="0">
+                <a:solidFill>
+                  <a:schemeClr val="tx1"/>
+                </a:solidFill>
+                <a:effectLst/>
+                <a:latin typeface="+mn-lt"/>
+                <a:ea typeface="+mn-ea"/>
+                <a:cs typeface="+mn-cs"/>
+              </a:rPr>
+              <a:t>YoSoyTuCine</a:t>
+            </a:r>
+            <a:r>
+              <a:rPr lang="es-ES_tradnl" sz="1200" kern="1200" dirty="0" smtClean="0">
+                <a:solidFill>
+                  <a:schemeClr val="tx1"/>
+                </a:solidFill>
+                <a:effectLst/>
+                <a:latin typeface="+mn-lt"/>
+                <a:ea typeface="+mn-ea"/>
+                <a:cs typeface="+mn-cs"/>
+              </a:rPr>
+              <a:t> hemos de usar las funciones de geolocalización de Google para poder establecer nuestra ubicación, y poder hacer los cálculos de distancia por latitud y longitud entre nuestra ubicación actual y la del cine, la cual es almacenada en base de datos y que es rellenada automáticamente tanto en cines como en películas que están en cartelera mediante la técnica de </a:t>
+            </a:r>
+            <a:r>
+              <a:rPr lang="es-ES_tradnl" sz="1200" kern="1200" dirty="0" err="1" smtClean="0">
+                <a:solidFill>
+                  <a:schemeClr val="tx1"/>
+                </a:solidFill>
+                <a:effectLst/>
+                <a:latin typeface="+mn-lt"/>
+                <a:ea typeface="+mn-ea"/>
+                <a:cs typeface="+mn-cs"/>
+              </a:rPr>
+              <a:t>scrapping</a:t>
+            </a:r>
+            <a:r>
+              <a:rPr lang="es-ES_tradnl" sz="1200" kern="1200" dirty="0" smtClean="0">
+                <a:solidFill>
+                  <a:schemeClr val="tx1"/>
+                </a:solidFill>
+                <a:effectLst/>
+                <a:latin typeface="+mn-lt"/>
+                <a:ea typeface="+mn-ea"/>
+                <a:cs typeface="+mn-cs"/>
+              </a:rPr>
+              <a:t> que explicaremos</a:t>
+            </a:r>
+            <a:r>
+              <a:rPr lang="es-ES_tradnl" sz="1200" kern="1200" baseline="0" dirty="0" smtClean="0">
+                <a:solidFill>
+                  <a:schemeClr val="tx1"/>
+                </a:solidFill>
+                <a:effectLst/>
+                <a:latin typeface="+mn-lt"/>
+                <a:ea typeface="+mn-ea"/>
+                <a:cs typeface="+mn-cs"/>
+              </a:rPr>
+              <a:t> mas adelante</a:t>
+            </a:r>
+            <a:r>
+              <a:rPr lang="es-ES_tradnl" sz="1200" kern="1200" dirty="0" smtClean="0">
+                <a:solidFill>
+                  <a:schemeClr val="tx1"/>
+                </a:solidFill>
+                <a:effectLst/>
+                <a:latin typeface="+mn-lt"/>
+                <a:ea typeface="+mn-ea"/>
+                <a:cs typeface="+mn-cs"/>
+              </a:rPr>
+              <a:t>.</a:t>
+            </a:r>
+            <a:endParaRPr lang="es-ES" sz="1200" kern="1200" dirty="0" smtClean="0">
+              <a:solidFill>
+                <a:schemeClr val="tx1"/>
+              </a:solidFill>
+              <a:effectLst/>
+              <a:latin typeface="+mn-lt"/>
+              <a:ea typeface="+mn-ea"/>
+              <a:cs typeface="+mn-cs"/>
+            </a:endParaRPr>
+          </a:p>
+          <a:p>
+            <a:endParaRPr lang="es-ES" dirty="0"/>
+          </a:p>
+        </p:txBody>
+      </p:sp>
+      <p:sp>
+        <p:nvSpPr>
+          <p:cNvPr id="4" name="Marcador de número de diapositiva 3"/>
+          <p:cNvSpPr>
+            <a:spLocks noGrp="1"/>
+          </p:cNvSpPr>
+          <p:nvPr>
+            <p:ph type="sldNum" sz="quarter" idx="10"/>
+          </p:nvPr>
+        </p:nvSpPr>
+        <p:spPr/>
+        <p:txBody>
+          <a:bodyPr/>
+          <a:lstStyle/>
+          <a:p>
+            <a:fld id="{DB7D0A05-FF74-4049-BC13-A9ACD9D2AB82}" type="slidenum">
+              <a:rPr lang="es-ES" smtClean="0"/>
+              <a:t>5</a:t>
+            </a:fld>
+            <a:endParaRPr lang="es-ES"/>
+          </a:p>
+        </p:txBody>
+      </p:sp>
+    </p:spTree>
+    <p:extLst>
+      <p:ext uri="{BB962C8B-B14F-4D97-AF65-F5344CB8AC3E}">
+        <p14:creationId xmlns:p14="http://schemas.microsoft.com/office/powerpoint/2010/main" val="1488142623"/>
+      </p:ext>
+    </p:extLst>
+  </p:cSld>
+  <p:clrMapOvr>
+    <a:masterClrMapping/>
+  </p:clrMapOvr>
+</p:notes>
+</file>
+
+<file path=ppt/notesSlides/notesSlide6.xml><?xml version="1.0" encoding="utf-8"?>
+<p:notes xmlns:a="http://schemas.openxmlformats.org/drawingml/2006/main" xmlns:r="http://schemas.openxmlformats.org/officeDocument/2006/relationships" xmlns:p="http://schemas.openxmlformats.org/presentationml/2006/main">
+  <p:cSld>
+    <p:spTree>
+      <p:nvGrpSpPr>
+        <p:cNvPr id="1" name=""/>
+        <p:cNvGrpSpPr/>
+        <p:nvPr/>
+      </p:nvGrpSpPr>
+      <p:grpSpPr>
+        <a:xfrm>
+          <a:off x="0" y="0"/>
+          <a:ext cx="0" cy="0"/>
+          <a:chOff x="0" y="0"/>
+          <a:chExt cx="0" cy="0"/>
+        </a:xfrm>
+      </p:grpSpPr>
+      <p:sp>
+        <p:nvSpPr>
+          <p:cNvPr id="2" name="Marcador de imagen de diapositiva 1"/>
+          <p:cNvSpPr>
+            <a:spLocks noGrp="1" noRot="1" noChangeAspect="1"/>
+          </p:cNvSpPr>
+          <p:nvPr>
+            <p:ph type="sldImg"/>
+          </p:nvPr>
+        </p:nvSpPr>
+        <p:spPr/>
+      </p:sp>
+      <p:sp>
+        <p:nvSpPr>
+          <p:cNvPr id="3" name="Marcador de notas 2"/>
+          <p:cNvSpPr>
+            <a:spLocks noGrp="1"/>
+          </p:cNvSpPr>
+          <p:nvPr>
+            <p:ph type="body" idx="1"/>
+          </p:nvPr>
+        </p:nvSpPr>
+        <p:spPr/>
+        <p:txBody>
+          <a:bodyPr/>
+          <a:lstStyle/>
+          <a:p>
+            <a:endParaRPr lang="es-ES" dirty="0" smtClean="0"/>
+          </a:p>
+          <a:p>
+            <a:pPr marL="0" marR="0" lvl="0" indent="0" algn="l" defTabSz="914400" rtl="0" eaLnBrk="1" fontAlgn="auto" latinLnBrk="0" hangingPunct="1">
+              <a:lnSpc>
+                <a:spcPct val="100000"/>
+              </a:lnSpc>
+              <a:spcBef>
+                <a:spcPts val="0"/>
+              </a:spcBef>
+              <a:spcAft>
+                <a:spcPts val="0"/>
+              </a:spcAft>
+              <a:buClrTx/>
+              <a:buSzTx/>
+              <a:buFontTx/>
+              <a:buNone/>
+              <a:tabLst/>
+              <a:defRPr/>
+            </a:pPr>
+            <a:r>
+              <a:rPr lang="es-ES" dirty="0" smtClean="0"/>
+              <a:t>Aquí vemos el código de</a:t>
+            </a:r>
+            <a:r>
+              <a:rPr lang="es-ES" baseline="0" dirty="0" smtClean="0"/>
+              <a:t>l modulo de geolocalización que además es guardada en una cookie para no perderla cada vez que navegamos entre la pagina.</a:t>
+            </a:r>
+            <a:endParaRPr lang="es-ES" dirty="0" smtClean="0"/>
+          </a:p>
+          <a:p>
+            <a:endParaRPr lang="es-ES" dirty="0"/>
+          </a:p>
+        </p:txBody>
+      </p:sp>
+      <p:sp>
+        <p:nvSpPr>
+          <p:cNvPr id="4" name="Marcador de número de diapositiva 3"/>
+          <p:cNvSpPr>
+            <a:spLocks noGrp="1"/>
+          </p:cNvSpPr>
+          <p:nvPr>
+            <p:ph type="sldNum" sz="quarter" idx="10"/>
+          </p:nvPr>
+        </p:nvSpPr>
+        <p:spPr/>
+        <p:txBody>
+          <a:bodyPr/>
+          <a:lstStyle/>
+          <a:p>
+            <a:fld id="{DB7D0A05-FF74-4049-BC13-A9ACD9D2AB82}" type="slidenum">
+              <a:rPr lang="es-ES" smtClean="0"/>
+              <a:t>6</a:t>
+            </a:fld>
+            <a:endParaRPr lang="es-ES"/>
+          </a:p>
+        </p:txBody>
+      </p:sp>
+    </p:spTree>
+    <p:extLst>
+      <p:ext uri="{BB962C8B-B14F-4D97-AF65-F5344CB8AC3E}">
+        <p14:creationId xmlns:p14="http://schemas.microsoft.com/office/powerpoint/2010/main" val="2649237639"/>
+      </p:ext>
+    </p:extLst>
+  </p:cSld>
+  <p:clrMapOvr>
+    <a:masterClrMapping/>
+  </p:clrMapOvr>
+</p:notes>
+</file>
+
+<file path=ppt/notesSlides/notesSlide7.xml><?xml version="1.0" encoding="utf-8"?>
+<p:notes xmlns:a="http://schemas.openxmlformats.org/drawingml/2006/main" xmlns:r="http://schemas.openxmlformats.org/officeDocument/2006/relationships" xmlns:p="http://schemas.openxmlformats.org/presentationml/2006/main">
+  <p:cSld>
+    <p:spTree>
+      <p:nvGrpSpPr>
+        <p:cNvPr id="1" name=""/>
+        <p:cNvGrpSpPr/>
+        <p:nvPr/>
+      </p:nvGrpSpPr>
+      <p:grpSpPr>
+        <a:xfrm>
+          <a:off x="0" y="0"/>
+          <a:ext cx="0" cy="0"/>
+          <a:chOff x="0" y="0"/>
+          <a:chExt cx="0" cy="0"/>
+        </a:xfrm>
+      </p:grpSpPr>
+      <p:sp>
+        <p:nvSpPr>
+          <p:cNvPr id="2" name="Marcador de imagen de diapositiva 1"/>
+          <p:cNvSpPr>
+            <a:spLocks noGrp="1" noRot="1" noChangeAspect="1"/>
+          </p:cNvSpPr>
+          <p:nvPr>
+            <p:ph type="sldImg"/>
+          </p:nvPr>
+        </p:nvSpPr>
+        <p:spPr/>
+      </p:sp>
+      <p:sp>
+        <p:nvSpPr>
+          <p:cNvPr id="3" name="Marcador de notas 2"/>
+          <p:cNvSpPr>
+            <a:spLocks noGrp="1"/>
+          </p:cNvSpPr>
+          <p:nvPr>
+            <p:ph type="body" idx="1"/>
+          </p:nvPr>
+        </p:nvSpPr>
+        <p:spPr/>
+        <p:txBody>
+          <a:bodyPr/>
+          <a:lstStyle/>
+          <a:p>
+            <a:r>
+              <a:rPr lang="es-ES" dirty="0" smtClean="0"/>
+              <a:t>CLIK EN EL VIDEO</a:t>
+            </a:r>
+            <a:endParaRPr lang="es-ES" dirty="0"/>
+          </a:p>
+        </p:txBody>
+      </p:sp>
+      <p:sp>
+        <p:nvSpPr>
+          <p:cNvPr id="4" name="Marcador de número de diapositiva 3"/>
+          <p:cNvSpPr>
+            <a:spLocks noGrp="1"/>
+          </p:cNvSpPr>
+          <p:nvPr>
+            <p:ph type="sldNum" sz="quarter" idx="10"/>
+          </p:nvPr>
+        </p:nvSpPr>
+        <p:spPr/>
+        <p:txBody>
+          <a:bodyPr/>
+          <a:lstStyle/>
+          <a:p>
+            <a:fld id="{DB7D0A05-FF74-4049-BC13-A9ACD9D2AB82}" type="slidenum">
+              <a:rPr lang="es-ES" smtClean="0"/>
+              <a:t>7</a:t>
+            </a:fld>
+            <a:endParaRPr lang="es-ES"/>
+          </a:p>
+        </p:txBody>
+      </p:sp>
+    </p:spTree>
+    <p:extLst>
+      <p:ext uri="{BB962C8B-B14F-4D97-AF65-F5344CB8AC3E}">
+        <p14:creationId xmlns:p14="http://schemas.microsoft.com/office/powerpoint/2010/main" val="93805487"/>
+      </p:ext>
+    </p:extLst>
+  </p:cSld>
+  <p:clrMapOvr>
+    <a:masterClrMapping/>
+  </p:clrMapOvr>
+</p:notes>
+</file>
+
+<file path=ppt/notesSlides/notesSlide8.xml><?xml version="1.0" encoding="utf-8"?>
+<p:notes xmlns:a="http://schemas.openxmlformats.org/drawingml/2006/main" xmlns:r="http://schemas.openxmlformats.org/officeDocument/2006/relationships" xmlns:p="http://schemas.openxmlformats.org/presentationml/2006/main">
+  <p:cSld>
+    <p:spTree>
+      <p:nvGrpSpPr>
+        <p:cNvPr id="1" name=""/>
+        <p:cNvGrpSpPr/>
+        <p:nvPr/>
+      </p:nvGrpSpPr>
+      <p:grpSpPr>
+        <a:xfrm>
+          <a:off x="0" y="0"/>
+          <a:ext cx="0" cy="0"/>
+          <a:chOff x="0" y="0"/>
+          <a:chExt cx="0" cy="0"/>
+        </a:xfrm>
+      </p:grpSpPr>
+      <p:sp>
+        <p:nvSpPr>
+          <p:cNvPr id="2" name="Marcador de imagen de diapositiva 1"/>
+          <p:cNvSpPr>
+            <a:spLocks noGrp="1" noRot="1" noChangeAspect="1"/>
+          </p:cNvSpPr>
+          <p:nvPr>
+            <p:ph type="sldImg"/>
+          </p:nvPr>
+        </p:nvSpPr>
+        <p:spPr/>
+      </p:sp>
+      <p:sp>
+        <p:nvSpPr>
+          <p:cNvPr id="3" name="Marcador de notas 2"/>
+          <p:cNvSpPr>
+            <a:spLocks noGrp="1"/>
+          </p:cNvSpPr>
+          <p:nvPr>
+            <p:ph type="body" idx="1"/>
+          </p:nvPr>
+        </p:nvSpPr>
+        <p:spPr/>
+        <p:txBody>
+          <a:bodyPr/>
+          <a:lstStyle/>
+          <a:p>
+            <a:r>
+              <a:rPr lang="es-ES_tradnl" sz="1200" kern="1200" dirty="0" smtClean="0">
+                <a:solidFill>
+                  <a:schemeClr val="tx1"/>
+                </a:solidFill>
+                <a:effectLst/>
+                <a:latin typeface="+mn-lt"/>
+                <a:ea typeface="+mn-ea"/>
+                <a:cs typeface="+mn-cs"/>
+              </a:rPr>
+              <a:t>El </a:t>
+            </a:r>
+            <a:r>
+              <a:rPr lang="es-ES_tradnl" sz="1200" kern="1200" dirty="0" err="1" smtClean="0">
+                <a:solidFill>
+                  <a:schemeClr val="tx1"/>
+                </a:solidFill>
+                <a:effectLst/>
+                <a:latin typeface="+mn-lt"/>
+                <a:ea typeface="+mn-ea"/>
+                <a:cs typeface="+mn-cs"/>
+              </a:rPr>
+              <a:t>scrapping</a:t>
+            </a:r>
+            <a:r>
+              <a:rPr lang="es-ES_tradnl" sz="1200" kern="1200" dirty="0" smtClean="0">
+                <a:solidFill>
+                  <a:schemeClr val="tx1"/>
+                </a:solidFill>
+                <a:effectLst/>
+                <a:latin typeface="+mn-lt"/>
+                <a:ea typeface="+mn-ea"/>
+                <a:cs typeface="+mn-cs"/>
+              </a:rPr>
+              <a:t> es básicamente obtener información de una web. </a:t>
+            </a:r>
+            <a:endParaRPr lang="es-ES" sz="1200" kern="1200" dirty="0" smtClean="0">
+              <a:solidFill>
+                <a:schemeClr val="tx1"/>
+              </a:solidFill>
+              <a:effectLst/>
+              <a:latin typeface="+mn-lt"/>
+              <a:ea typeface="+mn-ea"/>
+              <a:cs typeface="+mn-cs"/>
+            </a:endParaRPr>
+          </a:p>
+          <a:p>
+            <a:r>
+              <a:rPr lang="es-ES_tradnl" sz="1200" kern="1200" dirty="0" smtClean="0">
+                <a:solidFill>
+                  <a:schemeClr val="tx1"/>
+                </a:solidFill>
+                <a:effectLst/>
+                <a:latin typeface="+mn-lt"/>
+                <a:ea typeface="+mn-ea"/>
+                <a:cs typeface="+mn-cs"/>
+              </a:rPr>
+              <a:t> </a:t>
+            </a:r>
+            <a:endParaRPr lang="es-ES" sz="1200" kern="1200" dirty="0" smtClean="0">
+              <a:solidFill>
+                <a:schemeClr val="tx1"/>
+              </a:solidFill>
+              <a:effectLst/>
+              <a:latin typeface="+mn-lt"/>
+              <a:ea typeface="+mn-ea"/>
+              <a:cs typeface="+mn-cs"/>
+            </a:endParaRPr>
+          </a:p>
+          <a:p>
+            <a:endParaRPr lang="es-ES" sz="1200" kern="1200" dirty="0" smtClean="0">
+              <a:solidFill>
+                <a:schemeClr val="tx1"/>
+              </a:solidFill>
+              <a:effectLst/>
+              <a:latin typeface="+mn-lt"/>
+              <a:ea typeface="+mn-ea"/>
+              <a:cs typeface="+mn-cs"/>
+            </a:endParaRPr>
+          </a:p>
+          <a:p>
+            <a:r>
+              <a:rPr lang="es-ES_tradnl" sz="1200" kern="1200" dirty="0" smtClean="0">
+                <a:solidFill>
+                  <a:schemeClr val="tx1"/>
+                </a:solidFill>
+                <a:effectLst/>
+                <a:latin typeface="+mn-lt"/>
+                <a:ea typeface="+mn-ea"/>
+                <a:cs typeface="+mn-cs"/>
+              </a:rPr>
+              <a:t>En nuestro caso usamos el </a:t>
+            </a:r>
+            <a:r>
+              <a:rPr lang="es-ES_tradnl" sz="1200" kern="1200" dirty="0" err="1" smtClean="0">
+                <a:solidFill>
+                  <a:schemeClr val="tx1"/>
+                </a:solidFill>
+                <a:effectLst/>
+                <a:latin typeface="+mn-lt"/>
+                <a:ea typeface="+mn-ea"/>
+                <a:cs typeface="+mn-cs"/>
+              </a:rPr>
+              <a:t>scrapping</a:t>
+            </a:r>
+            <a:r>
+              <a:rPr lang="es-ES_tradnl" sz="1200" kern="1200" dirty="0" smtClean="0">
+                <a:solidFill>
+                  <a:schemeClr val="tx1"/>
+                </a:solidFill>
+                <a:effectLst/>
+                <a:latin typeface="+mn-lt"/>
+                <a:ea typeface="+mn-ea"/>
+                <a:cs typeface="+mn-cs"/>
+              </a:rPr>
+              <a:t> para obtener</a:t>
+            </a:r>
+            <a:r>
+              <a:rPr lang="es-ES_tradnl" sz="1200" kern="1200" baseline="0" dirty="0" smtClean="0">
+                <a:solidFill>
+                  <a:schemeClr val="tx1"/>
+                </a:solidFill>
+                <a:effectLst/>
+                <a:latin typeface="+mn-lt"/>
+                <a:ea typeface="+mn-ea"/>
+                <a:cs typeface="+mn-cs"/>
+              </a:rPr>
+              <a:t> </a:t>
+            </a:r>
+            <a:r>
+              <a:rPr lang="es-ES_tradnl" sz="1200" kern="1200" dirty="0" smtClean="0">
+                <a:solidFill>
+                  <a:schemeClr val="tx1"/>
+                </a:solidFill>
+                <a:effectLst/>
+                <a:latin typeface="+mn-lt"/>
+                <a:ea typeface="+mn-ea"/>
+                <a:cs typeface="+mn-cs"/>
+              </a:rPr>
+              <a:t>la información de la cartelera</a:t>
+            </a:r>
+            <a:r>
+              <a:rPr lang="es-ES_tradnl" sz="1200" kern="1200" baseline="0" dirty="0" smtClean="0">
+                <a:solidFill>
+                  <a:schemeClr val="tx1"/>
+                </a:solidFill>
+                <a:effectLst/>
+                <a:latin typeface="+mn-lt"/>
+                <a:ea typeface="+mn-ea"/>
+                <a:cs typeface="+mn-cs"/>
+              </a:rPr>
+              <a:t> de los cines </a:t>
+            </a:r>
+            <a:r>
+              <a:rPr lang="es-ES_tradnl" sz="1200" kern="1200" dirty="0" smtClean="0">
+                <a:solidFill>
+                  <a:schemeClr val="tx1"/>
+                </a:solidFill>
+                <a:effectLst/>
+                <a:latin typeface="+mn-lt"/>
+                <a:ea typeface="+mn-ea"/>
+                <a:cs typeface="+mn-cs"/>
+              </a:rPr>
+              <a:t>y poder rellenar nuestra base de datos con la información obtenida.</a:t>
+            </a:r>
+          </a:p>
+          <a:p>
+            <a:endParaRPr lang="es-ES_tradnl" sz="1200" kern="1200" dirty="0" smtClean="0">
+              <a:solidFill>
+                <a:schemeClr val="tx1"/>
+              </a:solidFill>
+              <a:effectLst/>
+              <a:latin typeface="+mn-lt"/>
+              <a:ea typeface="+mn-ea"/>
+              <a:cs typeface="+mn-cs"/>
+            </a:endParaRPr>
+          </a:p>
+          <a:p>
+            <a:r>
+              <a:rPr lang="es-ES_tradnl" sz="1200" kern="1200" dirty="0" smtClean="0">
+                <a:solidFill>
+                  <a:schemeClr val="tx1"/>
+                </a:solidFill>
+                <a:effectLst/>
+                <a:latin typeface="+mn-lt"/>
+                <a:ea typeface="+mn-ea"/>
+                <a:cs typeface="+mn-cs"/>
+              </a:rPr>
+              <a:t> Por ejemplo lanzando el </a:t>
+            </a:r>
+            <a:r>
+              <a:rPr lang="es-ES_tradnl" sz="1200" kern="1200" dirty="0" err="1" smtClean="0">
+                <a:solidFill>
+                  <a:schemeClr val="tx1"/>
+                </a:solidFill>
+                <a:effectLst/>
+                <a:latin typeface="+mn-lt"/>
+                <a:ea typeface="+mn-ea"/>
+                <a:cs typeface="+mn-cs"/>
+              </a:rPr>
+              <a:t>scrapping</a:t>
+            </a:r>
+            <a:r>
+              <a:rPr lang="es-ES_tradnl" sz="1200" kern="1200" dirty="0" smtClean="0">
+                <a:solidFill>
+                  <a:schemeClr val="tx1"/>
+                </a:solidFill>
+                <a:effectLst/>
+                <a:latin typeface="+mn-lt"/>
+                <a:ea typeface="+mn-ea"/>
+                <a:cs typeface="+mn-cs"/>
+              </a:rPr>
+              <a:t> cada viernes podemos actualizar nuestra base de datos con las películas nuevas o borrar las películas que ya no tenemos en cartelera.</a:t>
+            </a:r>
+            <a:endParaRPr lang="es-ES" sz="1200" kern="1200" dirty="0" smtClean="0">
+              <a:solidFill>
+                <a:schemeClr val="tx1"/>
+              </a:solidFill>
+              <a:effectLst/>
+              <a:latin typeface="+mn-lt"/>
+              <a:ea typeface="+mn-ea"/>
+              <a:cs typeface="+mn-cs"/>
+            </a:endParaRPr>
+          </a:p>
+          <a:p>
+            <a:r>
+              <a:rPr lang="es-ES_tradnl" sz="1200" kern="1200" dirty="0" smtClean="0">
+                <a:solidFill>
+                  <a:schemeClr val="tx1"/>
+                </a:solidFill>
+                <a:effectLst/>
+                <a:latin typeface="+mn-lt"/>
+                <a:ea typeface="+mn-ea"/>
+                <a:cs typeface="+mn-cs"/>
+              </a:rPr>
+              <a:t> </a:t>
+            </a:r>
+            <a:endParaRPr lang="es-ES" sz="1200" kern="1200" dirty="0" smtClean="0">
+              <a:solidFill>
+                <a:schemeClr val="tx1"/>
+              </a:solidFill>
+              <a:effectLst/>
+              <a:latin typeface="+mn-lt"/>
+              <a:ea typeface="+mn-ea"/>
+              <a:cs typeface="+mn-cs"/>
+            </a:endParaRPr>
+          </a:p>
+          <a:p>
+            <a:r>
+              <a:rPr lang="es-ES_tradnl" sz="1200" kern="1200" dirty="0" smtClean="0">
+                <a:solidFill>
+                  <a:schemeClr val="tx1"/>
+                </a:solidFill>
+                <a:effectLst/>
+                <a:latin typeface="+mn-lt"/>
+                <a:ea typeface="+mn-ea"/>
+                <a:cs typeface="+mn-cs"/>
+              </a:rPr>
+              <a:t>Aquí podemos ver un ejemplo de código de </a:t>
+            </a:r>
+            <a:r>
+              <a:rPr lang="es-ES_tradnl" sz="1200" kern="1200" dirty="0" err="1" smtClean="0">
+                <a:solidFill>
+                  <a:schemeClr val="tx1"/>
+                </a:solidFill>
+                <a:effectLst/>
+                <a:latin typeface="+mn-lt"/>
+                <a:ea typeface="+mn-ea"/>
+                <a:cs typeface="+mn-cs"/>
+              </a:rPr>
+              <a:t>scrapping</a:t>
+            </a:r>
+            <a:r>
+              <a:rPr lang="es-ES_tradnl" sz="1200" kern="1200" dirty="0" smtClean="0">
+                <a:solidFill>
+                  <a:schemeClr val="tx1"/>
+                </a:solidFill>
+                <a:effectLst/>
+                <a:latin typeface="+mn-lt"/>
+                <a:ea typeface="+mn-ea"/>
+                <a:cs typeface="+mn-cs"/>
+              </a:rPr>
+              <a:t> donde recuperamos información de una película de la web de </a:t>
+            </a:r>
+            <a:r>
+              <a:rPr lang="es-ES_tradnl" sz="1200" kern="1200" dirty="0" err="1" smtClean="0">
+                <a:solidFill>
+                  <a:schemeClr val="tx1"/>
+                </a:solidFill>
+                <a:effectLst/>
+                <a:latin typeface="+mn-lt"/>
+                <a:ea typeface="+mn-ea"/>
+                <a:cs typeface="+mn-cs"/>
+              </a:rPr>
+              <a:t>Cinesa</a:t>
+            </a:r>
+            <a:r>
+              <a:rPr lang="es-ES_tradnl" sz="1200" kern="1200" dirty="0" smtClean="0">
+                <a:solidFill>
+                  <a:schemeClr val="tx1"/>
+                </a:solidFill>
+                <a:effectLst/>
+                <a:latin typeface="+mn-lt"/>
+                <a:ea typeface="+mn-ea"/>
+                <a:cs typeface="+mn-cs"/>
+              </a:rPr>
+              <a:t>:</a:t>
+            </a:r>
+            <a:endParaRPr lang="es-ES" sz="1200" kern="1200" dirty="0" smtClean="0">
+              <a:solidFill>
+                <a:schemeClr val="tx1"/>
+              </a:solidFill>
+              <a:effectLst/>
+              <a:latin typeface="+mn-lt"/>
+              <a:ea typeface="+mn-ea"/>
+              <a:cs typeface="+mn-cs"/>
+            </a:endParaRPr>
+          </a:p>
+          <a:p>
+            <a:r>
+              <a:rPr lang="es-ES_tradnl" sz="1200" kern="1200" dirty="0" smtClean="0">
+                <a:solidFill>
+                  <a:schemeClr val="tx1"/>
+                </a:solidFill>
+                <a:effectLst/>
+                <a:latin typeface="+mn-lt"/>
+                <a:ea typeface="+mn-ea"/>
+                <a:cs typeface="+mn-cs"/>
+              </a:rPr>
+              <a:t> </a:t>
+            </a:r>
+            <a:endParaRPr lang="es-ES" sz="1200" kern="1200" dirty="0" smtClean="0">
+              <a:solidFill>
+                <a:schemeClr val="tx1"/>
+              </a:solidFill>
+              <a:effectLst/>
+              <a:latin typeface="+mn-lt"/>
+              <a:ea typeface="+mn-ea"/>
+              <a:cs typeface="+mn-cs"/>
+            </a:endParaRPr>
+          </a:p>
+          <a:p>
+            <a:endParaRPr lang="es-ES" dirty="0"/>
+          </a:p>
+        </p:txBody>
+      </p:sp>
+      <p:sp>
+        <p:nvSpPr>
+          <p:cNvPr id="4" name="Marcador de número de diapositiva 3"/>
+          <p:cNvSpPr>
+            <a:spLocks noGrp="1"/>
+          </p:cNvSpPr>
+          <p:nvPr>
+            <p:ph type="sldNum" sz="quarter" idx="10"/>
+          </p:nvPr>
+        </p:nvSpPr>
+        <p:spPr/>
+        <p:txBody>
+          <a:bodyPr/>
+          <a:lstStyle/>
+          <a:p>
+            <a:fld id="{DB7D0A05-FF74-4049-BC13-A9ACD9D2AB82}" type="slidenum">
+              <a:rPr lang="es-ES" smtClean="0"/>
+              <a:t>8</a:t>
+            </a:fld>
+            <a:endParaRPr lang="es-ES"/>
+          </a:p>
+        </p:txBody>
+      </p:sp>
+    </p:spTree>
+    <p:extLst>
+      <p:ext uri="{BB962C8B-B14F-4D97-AF65-F5344CB8AC3E}">
+        <p14:creationId xmlns:p14="http://schemas.microsoft.com/office/powerpoint/2010/main" val="4164726157"/>
+      </p:ext>
+    </p:extLst>
+  </p:cSld>
+  <p:clrMapOvr>
+    <a:masterClrMapping/>
+  </p:clrMapOvr>
+</p:notes>
+</file>
+
+<file path=ppt/notesSlides/notesSlide9.xml><?xml version="1.0" encoding="utf-8"?>
+<p:notes xmlns:a="http://schemas.openxmlformats.org/drawingml/2006/main" xmlns:r="http://schemas.openxmlformats.org/officeDocument/2006/relationships" xmlns:p="http://schemas.openxmlformats.org/presentationml/2006/main">
+  <p:cSld>
+    <p:spTree>
+      <p:nvGrpSpPr>
+        <p:cNvPr id="1" name=""/>
+        <p:cNvGrpSpPr/>
+        <p:nvPr/>
+      </p:nvGrpSpPr>
+      <p:grpSpPr>
+        <a:xfrm>
+          <a:off x="0" y="0"/>
+          <a:ext cx="0" cy="0"/>
+          <a:chOff x="0" y="0"/>
+          <a:chExt cx="0" cy="0"/>
+        </a:xfrm>
+      </p:grpSpPr>
+      <p:sp>
+        <p:nvSpPr>
+          <p:cNvPr id="2" name="Marcador de imagen de diapositiva 1"/>
+          <p:cNvSpPr>
+            <a:spLocks noGrp="1" noRot="1" noChangeAspect="1"/>
+          </p:cNvSpPr>
+          <p:nvPr>
+            <p:ph type="sldImg"/>
+          </p:nvPr>
+        </p:nvSpPr>
+        <p:spPr/>
+      </p:sp>
+      <p:sp>
+        <p:nvSpPr>
+          <p:cNvPr id="3" name="Marcador de notas 2"/>
+          <p:cNvSpPr>
+            <a:spLocks noGrp="1"/>
+          </p:cNvSpPr>
+          <p:nvPr>
+            <p:ph type="body" idx="1"/>
+          </p:nvPr>
+        </p:nvSpPr>
+        <p:spPr/>
+        <p:txBody>
+          <a:bodyPr/>
+          <a:lstStyle/>
+          <a:p>
+            <a:r>
+              <a:rPr lang="es-ES_tradnl" sz="1200" kern="1200" dirty="0" smtClean="0">
+                <a:solidFill>
+                  <a:schemeClr val="tx1"/>
+                </a:solidFill>
+                <a:effectLst/>
+                <a:latin typeface="+mn-lt"/>
+                <a:ea typeface="+mn-ea"/>
+                <a:cs typeface="+mn-cs"/>
+              </a:rPr>
+              <a:t>Para poder tener el </a:t>
+            </a:r>
+            <a:r>
+              <a:rPr lang="es-ES_tradnl" sz="1200" kern="1200" dirty="0" err="1" smtClean="0">
+                <a:solidFill>
+                  <a:schemeClr val="tx1"/>
+                </a:solidFill>
+                <a:effectLst/>
+                <a:latin typeface="+mn-lt"/>
+                <a:ea typeface="+mn-ea"/>
+                <a:cs typeface="+mn-cs"/>
+              </a:rPr>
+              <a:t>feedback</a:t>
+            </a:r>
+            <a:r>
+              <a:rPr lang="es-ES_tradnl" sz="1200" kern="1200" dirty="0" smtClean="0">
+                <a:solidFill>
+                  <a:schemeClr val="tx1"/>
+                </a:solidFill>
+                <a:effectLst/>
+                <a:latin typeface="+mn-lt"/>
+                <a:ea typeface="+mn-ea"/>
+                <a:cs typeface="+mn-cs"/>
+              </a:rPr>
+              <a:t> de los usuarios lo que hemos decidido es usar la API de twitter para así evitar que los usuarios deban registrarse de cero en nuestra página, ya que es algo que cada vez menos le apetece realizar a la gente.</a:t>
+            </a:r>
+          </a:p>
+          <a:p>
+            <a:endParaRPr lang="es-ES" sz="1200" kern="1200" dirty="0" smtClean="0">
+              <a:solidFill>
+                <a:schemeClr val="tx1"/>
+              </a:solidFill>
+              <a:effectLst/>
+              <a:latin typeface="+mn-lt"/>
+              <a:ea typeface="+mn-ea"/>
+              <a:cs typeface="+mn-cs"/>
+            </a:endParaRPr>
+          </a:p>
+          <a:p>
+            <a:r>
+              <a:rPr lang="es-ES_tradnl" sz="1200" kern="1200" dirty="0" smtClean="0">
+                <a:solidFill>
+                  <a:schemeClr val="tx1"/>
+                </a:solidFill>
+                <a:effectLst/>
+                <a:latin typeface="+mn-lt"/>
+                <a:ea typeface="+mn-ea"/>
+                <a:cs typeface="+mn-cs"/>
+              </a:rPr>
+              <a:t>De esto modo con tu usuario de Twitter y mediante el uso de #Hashtags puedes interactuar con </a:t>
+            </a:r>
+            <a:r>
+              <a:rPr lang="es-ES_tradnl" sz="1200" kern="1200" dirty="0" err="1" smtClean="0">
+                <a:solidFill>
+                  <a:schemeClr val="tx1"/>
+                </a:solidFill>
+                <a:effectLst/>
+                <a:latin typeface="+mn-lt"/>
+                <a:ea typeface="+mn-ea"/>
+                <a:cs typeface="+mn-cs"/>
+              </a:rPr>
+              <a:t>YoSoyTuCine</a:t>
+            </a:r>
+            <a:r>
+              <a:rPr lang="es-ES_tradnl" sz="1200" kern="1200" dirty="0" smtClean="0">
+                <a:solidFill>
+                  <a:schemeClr val="tx1"/>
+                </a:solidFill>
+                <a:effectLst/>
+                <a:latin typeface="+mn-lt"/>
+                <a:ea typeface="+mn-ea"/>
+                <a:cs typeface="+mn-cs"/>
+              </a:rPr>
+              <a:t>.</a:t>
+            </a:r>
+            <a:endParaRPr lang="es-ES" sz="1200" kern="1200" dirty="0" smtClean="0">
+              <a:solidFill>
+                <a:schemeClr val="tx1"/>
+              </a:solidFill>
+              <a:effectLst/>
+              <a:latin typeface="+mn-lt"/>
+              <a:ea typeface="+mn-ea"/>
+              <a:cs typeface="+mn-cs"/>
+            </a:endParaRPr>
+          </a:p>
+          <a:p>
+            <a:endParaRPr lang="es-ES" dirty="0"/>
+          </a:p>
+        </p:txBody>
+      </p:sp>
+      <p:sp>
+        <p:nvSpPr>
+          <p:cNvPr id="4" name="Marcador de número de diapositiva 3"/>
+          <p:cNvSpPr>
+            <a:spLocks noGrp="1"/>
+          </p:cNvSpPr>
+          <p:nvPr>
+            <p:ph type="sldNum" sz="quarter" idx="10"/>
+          </p:nvPr>
+        </p:nvSpPr>
+        <p:spPr/>
+        <p:txBody>
+          <a:bodyPr/>
+          <a:lstStyle/>
+          <a:p>
+            <a:fld id="{DB7D0A05-FF74-4049-BC13-A9ACD9D2AB82}" type="slidenum">
+              <a:rPr lang="es-ES" smtClean="0"/>
+              <a:t>9</a:t>
+            </a:fld>
+            <a:endParaRPr lang="es-ES"/>
+          </a:p>
+        </p:txBody>
+      </p:sp>
+    </p:spTree>
+    <p:extLst>
+      <p:ext uri="{BB962C8B-B14F-4D97-AF65-F5344CB8AC3E}">
+        <p14:creationId xmlns:p14="http://schemas.microsoft.com/office/powerpoint/2010/main" val="3798221653"/>
+      </p:ext>
+    </p:extLst>
+  </p:cSld>
+  <p:clrMapOvr>
+    <a:masterClrMapping/>
+  </p:clrMapOvr>
+</p:notes>
 </file>
 
 <file path=ppt/slideLayouts/slideLayout1.xml><?xml version="1.0" encoding="utf-8"?>
@@ -249,7 +6255,7 @@
           <a:p>
             <a:fld id="{A3A6FC1A-A205-4A12-B450-C96D11F5D5F8}" type="datetimeFigureOut">
               <a:rPr lang="es-ES" smtClean="0"/>
-              <a:t>15/05/2018</a:t>
+              <a:t>26/05/2018</a:t>
             </a:fld>
             <a:endParaRPr lang="es-ES"/>
           </a:p>
@@ -419,7 +6425,7 @@
           <a:p>
             <a:fld id="{A3A6FC1A-A205-4A12-B450-C96D11F5D5F8}" type="datetimeFigureOut">
               <a:rPr lang="es-ES" smtClean="0"/>
-              <a:t>15/05/2018</a:t>
+              <a:t>26/05/2018</a:t>
             </a:fld>
             <a:endParaRPr lang="es-ES"/>
           </a:p>
@@ -599,7 +6605,7 @@
           <a:p>
             <a:fld id="{A3A6FC1A-A205-4A12-B450-C96D11F5D5F8}" type="datetimeFigureOut">
               <a:rPr lang="es-ES" smtClean="0"/>
-              <a:t>15/05/2018</a:t>
+              <a:t>26/05/2018</a:t>
             </a:fld>
             <a:endParaRPr lang="es-ES"/>
           </a:p>
@@ -769,7 +6775,7 @@
           <a:p>
             <a:fld id="{A3A6FC1A-A205-4A12-B450-C96D11F5D5F8}" type="datetimeFigureOut">
               <a:rPr lang="es-ES" smtClean="0"/>
-              <a:t>15/05/2018</a:t>
+              <a:t>26/05/2018</a:t>
             </a:fld>
             <a:endParaRPr lang="es-ES"/>
           </a:p>
@@ -1015,7 +7021,7 @@
           <a:p>
             <a:fld id="{A3A6FC1A-A205-4A12-B450-C96D11F5D5F8}" type="datetimeFigureOut">
               <a:rPr lang="es-ES" smtClean="0"/>
-              <a:t>15/05/2018</a:t>
+              <a:t>26/05/2018</a:t>
             </a:fld>
             <a:endParaRPr lang="es-ES"/>
           </a:p>
@@ -1247,7 +7253,7 @@
           <a:p>
             <a:fld id="{A3A6FC1A-A205-4A12-B450-C96D11F5D5F8}" type="datetimeFigureOut">
               <a:rPr lang="es-ES" smtClean="0"/>
-              <a:t>15/05/2018</a:t>
+              <a:t>26/05/2018</a:t>
             </a:fld>
             <a:endParaRPr lang="es-ES"/>
           </a:p>
@@ -1614,7 +7620,7 @@
           <a:p>
             <a:fld id="{A3A6FC1A-A205-4A12-B450-C96D11F5D5F8}" type="datetimeFigureOut">
               <a:rPr lang="es-ES" smtClean="0"/>
-              <a:t>15/05/2018</a:t>
+              <a:t>26/05/2018</a:t>
             </a:fld>
             <a:endParaRPr lang="es-ES"/>
           </a:p>
@@ -1732,7 +7738,7 @@
           <a:p>
             <a:fld id="{A3A6FC1A-A205-4A12-B450-C96D11F5D5F8}" type="datetimeFigureOut">
               <a:rPr lang="es-ES" smtClean="0"/>
-              <a:t>15/05/2018</a:t>
+              <a:t>26/05/2018</a:t>
             </a:fld>
             <a:endParaRPr lang="es-ES"/>
           </a:p>
@@ -1827,7 +7833,7 @@
           <a:p>
             <a:fld id="{A3A6FC1A-A205-4A12-B450-C96D11F5D5F8}" type="datetimeFigureOut">
               <a:rPr lang="es-ES" smtClean="0"/>
-              <a:t>15/05/2018</a:t>
+              <a:t>26/05/2018</a:t>
             </a:fld>
             <a:endParaRPr lang="es-ES"/>
           </a:p>
@@ -2104,7 +8110,7 @@
           <a:p>
             <a:fld id="{A3A6FC1A-A205-4A12-B450-C96D11F5D5F8}" type="datetimeFigureOut">
               <a:rPr lang="es-ES" smtClean="0"/>
-              <a:t>15/05/2018</a:t>
+              <a:t>26/05/2018</a:t>
             </a:fld>
             <a:endParaRPr lang="es-ES"/>
           </a:p>
@@ -2357,7 +8363,7 @@
           <a:p>
             <a:fld id="{A3A6FC1A-A205-4A12-B450-C96D11F5D5F8}" type="datetimeFigureOut">
               <a:rPr lang="es-ES" smtClean="0"/>
-              <a:t>15/05/2018</a:t>
+              <a:t>26/05/2018</a:t>
             </a:fld>
             <a:endParaRPr lang="es-ES"/>
           </a:p>
@@ -2570,7 +8576,7 @@
           <a:p>
             <a:fld id="{A3A6FC1A-A205-4A12-B450-C96D11F5D5F8}" type="datetimeFigureOut">
               <a:rPr lang="es-ES" smtClean="0"/>
-              <a:t>15/05/2018</a:t>
+              <a:t>26/05/2018</a:t>
             </a:fld>
             <a:endParaRPr lang="es-ES"/>
           </a:p>
@@ -2982,7 +8988,7 @@
           <p:nvPr/>
         </p:nvPicPr>
         <p:blipFill>
-          <a:blip r:embed="rId2" cstate="print">
+          <a:blip r:embed="rId3" cstate="print">
             <a:extLst>
               <a:ext uri="{28A0092B-C50C-407E-A947-70E740481C1C}">
                 <a14:useLocalDpi xmlns:a14="http://schemas.microsoft.com/office/drawing/2010/main" val="0"/>
@@ -3047,28 +9053,20 @@
       </p:grpSpPr>
       <p:pic>
         <p:nvPicPr>
-          <p:cNvPr id="3" name="Imagen 2"/>
-          <p:cNvPicPr>
-            <a:picLocks noChangeAspect="1"/>
-          </p:cNvPicPr>
+          <p:cNvPr id="2" name="Imagen 1"/>
+          <p:cNvPicPr/>
           <p:nvPr/>
         </p:nvPicPr>
         <p:blipFill>
-          <a:blip r:embed="rId2">
-            <a:extLst>
-              <a:ext uri="{28A0092B-C50C-407E-A947-70E740481C1C}">
-                <a14:useLocalDpi xmlns:a14="http://schemas.microsoft.com/office/drawing/2010/main" val="0"/>
-              </a:ext>
-            </a:extLst>
-          </a:blip>
+          <a:blip r:embed="rId3"/>
           <a:stretch>
             <a:fillRect/>
           </a:stretch>
         </p:blipFill>
         <p:spPr>
           <a:xfrm>
-            <a:off x="3128211" y="966375"/>
-            <a:ext cx="6031832" cy="4312760"/>
+            <a:off x="1103541" y="727803"/>
+            <a:ext cx="9869260" cy="5183599"/>
           </a:xfrm>
           <a:prstGeom prst="rect">
             <a:avLst/>
@@ -3078,7 +9076,7 @@
     </p:spTree>
     <p:extLst>
       <p:ext uri="{BB962C8B-B14F-4D97-AF65-F5344CB8AC3E}">
-        <p14:creationId xmlns:p14="http://schemas.microsoft.com/office/powerpoint/2010/main" val="2920891846"/>
+        <p14:creationId xmlns:p14="http://schemas.microsoft.com/office/powerpoint/2010/main" val="2934858950"/>
       </p:ext>
     </p:extLst>
   </p:cSld>
@@ -3112,16 +9110,41 @@
           <a:chExt cx="0" cy="0"/>
         </a:xfrm>
       </p:grpSpPr>
+      <p:sp>
+        <p:nvSpPr>
+          <p:cNvPr id="2" name="Título 1"/>
+          <p:cNvSpPr>
+            <a:spLocks noGrp="1"/>
+          </p:cNvSpPr>
+          <p:nvPr>
+            <p:ph type="title"/>
+          </p:nvPr>
+        </p:nvSpPr>
+        <p:spPr/>
+        <p:txBody>
+          <a:bodyPr/>
+          <a:lstStyle/>
+          <a:p>
+            <a:r>
+              <a:rPr lang="es-ES" dirty="0" smtClean="0"/>
+              <a:t>Tecnologías usadas</a:t>
+            </a:r>
+            <a:endParaRPr lang="es-ES" dirty="0"/>
+          </a:p>
+        </p:txBody>
+      </p:sp>
       <p:pic>
         <p:nvPicPr>
-          <p:cNvPr id="3" name="Imagen 2"/>
+          <p:cNvPr id="3" name="Marcador de contenido 2"/>
           <p:cNvPicPr>
-            <a:picLocks noChangeAspect="1"/>
+            <a:picLocks noGrp="1" noChangeAspect="1"/>
           </p:cNvPicPr>
-          <p:nvPr/>
+          <p:nvPr>
+            <p:ph idx="1"/>
+          </p:nvPr>
         </p:nvPicPr>
         <p:blipFill>
-          <a:blip r:embed="rId2">
+          <a:blip r:embed="rId3" cstate="print">
             <a:extLst>
               <a:ext uri="{28A0092B-C50C-407E-A947-70E740481C1C}">
                 <a14:useLocalDpi xmlns:a14="http://schemas.microsoft.com/office/drawing/2010/main" val="0"/>
@@ -3134,8 +9157,215 @@
         </p:blipFill>
         <p:spPr>
           <a:xfrm>
-            <a:off x="0" y="1751454"/>
-            <a:ext cx="12192000" cy="3483429"/>
+            <a:off x="7665720" y="5257505"/>
+            <a:ext cx="4297680" cy="1227909"/>
+          </a:xfrm>
+        </p:spPr>
+      </p:pic>
+      <p:pic>
+        <p:nvPicPr>
+          <p:cNvPr id="4" name="Imagen 3"/>
+          <p:cNvPicPr>
+            <a:picLocks noChangeAspect="1"/>
+          </p:cNvPicPr>
+          <p:nvPr/>
+        </p:nvPicPr>
+        <p:blipFill>
+          <a:blip r:embed="rId4">
+            <a:extLst>
+              <a:ext uri="{28A0092B-C50C-407E-A947-70E740481C1C}">
+                <a14:useLocalDpi xmlns:a14="http://schemas.microsoft.com/office/drawing/2010/main" val="0"/>
+              </a:ext>
+            </a:extLst>
+          </a:blip>
+          <a:stretch>
+            <a:fillRect/>
+          </a:stretch>
+        </p:blipFill>
+        <p:spPr>
+          <a:xfrm>
+            <a:off x="7205574" y="3184795"/>
+            <a:ext cx="3226750" cy="2016719"/>
+          </a:xfrm>
+          <a:prstGeom prst="rect">
+            <a:avLst/>
+          </a:prstGeom>
+        </p:spPr>
+      </p:pic>
+      <p:pic>
+        <p:nvPicPr>
+          <p:cNvPr id="6" name="Imagen 5"/>
+          <p:cNvPicPr>
+            <a:picLocks noChangeAspect="1"/>
+          </p:cNvPicPr>
+          <p:nvPr/>
+        </p:nvPicPr>
+        <p:blipFill>
+          <a:blip r:embed="rId5">
+            <a:extLst>
+              <a:ext uri="{28A0092B-C50C-407E-A947-70E740481C1C}">
+                <a14:useLocalDpi xmlns:a14="http://schemas.microsoft.com/office/drawing/2010/main" val="0"/>
+              </a:ext>
+            </a:extLst>
+          </a:blip>
+          <a:stretch>
+            <a:fillRect/>
+          </a:stretch>
+        </p:blipFill>
+        <p:spPr>
+          <a:xfrm>
+            <a:off x="4502239" y="3128804"/>
+            <a:ext cx="1813560" cy="1813560"/>
+          </a:xfrm>
+          <a:prstGeom prst="rect">
+            <a:avLst/>
+          </a:prstGeom>
+        </p:spPr>
+      </p:pic>
+      <p:pic>
+        <p:nvPicPr>
+          <p:cNvPr id="7" name="Imagen 6"/>
+          <p:cNvPicPr>
+            <a:picLocks noChangeAspect="1"/>
+          </p:cNvPicPr>
+          <p:nvPr/>
+        </p:nvPicPr>
+        <p:blipFill>
+          <a:blip r:embed="rId6">
+            <a:extLst>
+              <a:ext uri="{28A0092B-C50C-407E-A947-70E740481C1C}">
+                <a14:useLocalDpi xmlns:a14="http://schemas.microsoft.com/office/drawing/2010/main" val="0"/>
+              </a:ext>
+            </a:extLst>
+          </a:blip>
+          <a:stretch>
+            <a:fillRect/>
+          </a:stretch>
+        </p:blipFill>
+        <p:spPr>
+          <a:xfrm>
+            <a:off x="3927882" y="4942364"/>
+            <a:ext cx="2962275" cy="1543050"/>
+          </a:xfrm>
+          <a:prstGeom prst="rect">
+            <a:avLst/>
+          </a:prstGeom>
+        </p:spPr>
+      </p:pic>
+      <p:pic>
+        <p:nvPicPr>
+          <p:cNvPr id="8" name="Imagen 7"/>
+          <p:cNvPicPr>
+            <a:picLocks noChangeAspect="1"/>
+          </p:cNvPicPr>
+          <p:nvPr/>
+        </p:nvPicPr>
+        <p:blipFill>
+          <a:blip r:embed="rId7">
+            <a:extLst>
+              <a:ext uri="{28A0092B-C50C-407E-A947-70E740481C1C}">
+                <a14:useLocalDpi xmlns:a14="http://schemas.microsoft.com/office/drawing/2010/main" val="0"/>
+              </a:ext>
+            </a:extLst>
+          </a:blip>
+          <a:stretch>
+            <a:fillRect/>
+          </a:stretch>
+        </p:blipFill>
+        <p:spPr>
+          <a:xfrm>
+            <a:off x="380048" y="1416696"/>
+            <a:ext cx="2057400" cy="2057400"/>
+          </a:xfrm>
+          <a:prstGeom prst="rect">
+            <a:avLst/>
+          </a:prstGeom>
+        </p:spPr>
+      </p:pic>
+      <p:pic>
+        <p:nvPicPr>
+          <p:cNvPr id="9" name="Imagen 8"/>
+          <p:cNvPicPr>
+            <a:picLocks noChangeAspect="1"/>
+          </p:cNvPicPr>
+          <p:nvPr/>
+        </p:nvPicPr>
+        <p:blipFill>
+          <a:blip r:embed="rId8">
+            <a:extLst>
+              <a:ext uri="{28A0092B-C50C-407E-A947-70E740481C1C}">
+                <a14:useLocalDpi xmlns:a14="http://schemas.microsoft.com/office/drawing/2010/main" val="0"/>
+              </a:ext>
+            </a:extLst>
+          </a:blip>
+          <a:stretch>
+            <a:fillRect/>
+          </a:stretch>
+        </p:blipFill>
+        <p:spPr>
+          <a:xfrm>
+            <a:off x="7665720" y="1056331"/>
+            <a:ext cx="4108768" cy="2072473"/>
+          </a:xfrm>
+          <a:prstGeom prst="rect">
+            <a:avLst/>
+          </a:prstGeom>
+        </p:spPr>
+      </p:pic>
+      <p:pic>
+        <p:nvPicPr>
+          <p:cNvPr id="10" name="Imagen 9"/>
+          <p:cNvPicPr>
+            <a:picLocks noChangeAspect="1"/>
+          </p:cNvPicPr>
+          <p:nvPr/>
+        </p:nvPicPr>
+        <p:blipFill>
+          <a:blip r:embed="rId9" cstate="print">
+            <a:extLst>
+              <a:ext uri="{28A0092B-C50C-407E-A947-70E740481C1C}">
+                <a14:useLocalDpi xmlns:a14="http://schemas.microsoft.com/office/drawing/2010/main" val="0"/>
+              </a:ext>
+            </a:extLst>
+          </a:blip>
+          <a:stretch>
+            <a:fillRect/>
+          </a:stretch>
+        </p:blipFill>
+        <p:spPr>
+          <a:xfrm>
+            <a:off x="3638878" y="1657944"/>
+            <a:ext cx="2524661" cy="1306512"/>
+          </a:xfrm>
+          <a:prstGeom prst="rect">
+            <a:avLst/>
+          </a:prstGeom>
+        </p:spPr>
+      </p:pic>
+      <p:pic>
+        <p:nvPicPr>
+          <p:cNvPr id="11" name="Imagen 10"/>
+          <p:cNvPicPr>
+            <a:picLocks noChangeAspect="1"/>
+          </p:cNvPicPr>
+          <p:nvPr/>
+        </p:nvPicPr>
+        <p:blipFill>
+          <a:blip r:embed="rId10">
+            <a:extLst>
+              <a:ext uri="{28A0092B-C50C-407E-A947-70E740481C1C}">
+                <a14:useLocalDpi xmlns:a14="http://schemas.microsoft.com/office/drawing/2010/main" val="0"/>
+              </a:ext>
+            </a:extLst>
+          </a:blip>
+          <a:stretch>
+            <a:fillRect/>
+          </a:stretch>
+        </p:blipFill>
+        <p:spPr>
+          <a:xfrm>
+            <a:off x="838200" y="3716244"/>
+            <a:ext cx="2625585" cy="1877293"/>
           </a:xfrm>
           <a:prstGeom prst="rect">
             <a:avLst/>
@@ -3145,7 +9375,7 @@
     </p:spTree>
     <p:extLst>
       <p:ext uri="{BB962C8B-B14F-4D97-AF65-F5344CB8AC3E}">
-        <p14:creationId xmlns:p14="http://schemas.microsoft.com/office/powerpoint/2010/main" val="455066883"/>
+        <p14:creationId xmlns:p14="http://schemas.microsoft.com/office/powerpoint/2010/main" val="3442537458"/>
       </p:ext>
     </p:extLst>
   </p:cSld>
@@ -3188,7 +9418,1237 @@
           <p:nvPr/>
         </p:nvPicPr>
         <p:blipFill>
-          <a:blip r:embed="rId2">
+          <a:blip r:embed="rId3">
+            <a:extLst>
+              <a:ext uri="{28A0092B-C50C-407E-A947-70E740481C1C}">
+                <a14:useLocalDpi xmlns:a14="http://schemas.microsoft.com/office/drawing/2010/main" val="0"/>
+              </a:ext>
+            </a:extLst>
+          </a:blip>
+          <a:stretch>
+            <a:fillRect/>
+          </a:stretch>
+        </p:blipFill>
+        <p:spPr>
+          <a:xfrm>
+            <a:off x="3372851" y="497305"/>
+            <a:ext cx="5338011" cy="5338011"/>
+          </a:xfrm>
+          <a:prstGeom prst="rect">
+            <a:avLst/>
+          </a:prstGeom>
+        </p:spPr>
+      </p:pic>
+    </p:spTree>
+    <p:extLst>
+      <p:ext uri="{BB962C8B-B14F-4D97-AF65-F5344CB8AC3E}">
+        <p14:creationId xmlns:p14="http://schemas.microsoft.com/office/powerpoint/2010/main" val="923794949"/>
+      </p:ext>
+    </p:extLst>
+  </p:cSld>
+  <p:clrMapOvr>
+    <a:masterClrMapping/>
+  </p:clrMapOvr>
+  <p:timing>
+    <p:tnLst>
+      <p:par>
+        <p:cTn id="1" dur="indefinite" restart="never" nodeType="tmRoot"/>
+      </p:par>
+    </p:tnLst>
+  </p:timing>
+</p:sld>
+</file>
+
+<file path=ppt/slides/slide13.xml><?xml version="1.0" encoding="utf-8"?>
+<p:sld xmlns:a="http://schemas.openxmlformats.org/drawingml/2006/main" xmlns:r="http://schemas.openxmlformats.org/officeDocument/2006/relationships" xmlns:p="http://schemas.openxmlformats.org/presentationml/2006/main">
+  <p:cSld>
+    <p:spTree>
+      <p:nvGrpSpPr>
+        <p:cNvPr id="1" name=""/>
+        <p:cNvGrpSpPr/>
+        <p:nvPr/>
+      </p:nvGrpSpPr>
+      <p:grpSpPr>
+        <a:xfrm>
+          <a:off x="0" y="0"/>
+          <a:ext cx="0" cy="0"/>
+          <a:chOff x="0" y="0"/>
+          <a:chExt cx="0" cy="0"/>
+        </a:xfrm>
+      </p:grpSpPr>
+      <p:sp>
+        <p:nvSpPr>
+          <p:cNvPr id="2" name="Rectángulo 1"/>
+          <p:cNvSpPr/>
+          <p:nvPr/>
+        </p:nvSpPr>
+        <p:spPr>
+          <a:xfrm>
+            <a:off x="2812610" y="0"/>
+            <a:ext cx="6096000" cy="787652"/>
+          </a:xfrm>
+          <a:prstGeom prst="rect">
+            <a:avLst/>
+          </a:prstGeom>
+        </p:spPr>
+        <p:txBody>
+          <a:bodyPr>
+            <a:spAutoFit/>
+          </a:bodyPr>
+          <a:lstStyle/>
+          <a:p>
+            <a:pPr>
+              <a:lnSpc>
+                <a:spcPct val="107000"/>
+              </a:lnSpc>
+              <a:spcAft>
+                <a:spcPts val="800"/>
+              </a:spcAft>
+            </a:pPr>
+            <a:r>
+              <a:rPr lang="es-ES_tradnl" b="1" dirty="0">
+                <a:latin typeface="Calibri" panose="020F0502020204030204" pitchFamily="34" charset="0"/>
+                <a:ea typeface="Calibri" panose="020F0502020204030204" pitchFamily="34" charset="0"/>
+                <a:cs typeface="Times New Roman" panose="02020603050405020304" pitchFamily="18" charset="0"/>
+              </a:rPr>
+              <a:t> </a:t>
+            </a:r>
+            <a:endParaRPr lang="es-ES" sz="1400" dirty="0">
+              <a:latin typeface="Calibri" panose="020F0502020204030204" pitchFamily="34" charset="0"/>
+              <a:ea typeface="Calibri" panose="020F0502020204030204" pitchFamily="34" charset="0"/>
+              <a:cs typeface="Times New Roman" panose="02020603050405020304" pitchFamily="18" charset="0"/>
+            </a:endParaRPr>
+          </a:p>
+          <a:p>
+            <a:pPr algn="ctr">
+              <a:lnSpc>
+                <a:spcPct val="107000"/>
+              </a:lnSpc>
+              <a:spcAft>
+                <a:spcPts val="800"/>
+              </a:spcAft>
+            </a:pPr>
+            <a:r>
+              <a:rPr lang="es-ES_tradnl" b="1" dirty="0">
+                <a:latin typeface="Calibri" panose="020F0502020204030204" pitchFamily="34" charset="0"/>
+                <a:ea typeface="Calibri" panose="020F0502020204030204" pitchFamily="34" charset="0"/>
+                <a:cs typeface="Times New Roman" panose="02020603050405020304" pitchFamily="18" charset="0"/>
+              </a:rPr>
+              <a:t>Estructura del proyecto web JAVA con MVC</a:t>
+            </a:r>
+            <a:endParaRPr lang="es-ES" sz="1400" dirty="0">
+              <a:effectLst/>
+              <a:latin typeface="Calibri" panose="020F0502020204030204" pitchFamily="34" charset="0"/>
+              <a:ea typeface="Calibri" panose="020F0502020204030204" pitchFamily="34" charset="0"/>
+              <a:cs typeface="Times New Roman" panose="02020603050405020304" pitchFamily="18" charset="0"/>
+            </a:endParaRPr>
+          </a:p>
+        </p:txBody>
+      </p:sp>
+      <p:pic>
+        <p:nvPicPr>
+          <p:cNvPr id="3" name="Imagen 2"/>
+          <p:cNvPicPr/>
+          <p:nvPr/>
+        </p:nvPicPr>
+        <p:blipFill>
+          <a:blip r:embed="rId3"/>
+          <a:stretch>
+            <a:fillRect/>
+          </a:stretch>
+        </p:blipFill>
+        <p:spPr>
+          <a:xfrm>
+            <a:off x="3574610" y="1116971"/>
+            <a:ext cx="4572000" cy="5257800"/>
+          </a:xfrm>
+          <a:prstGeom prst="rect">
+            <a:avLst/>
+          </a:prstGeom>
+        </p:spPr>
+      </p:pic>
+    </p:spTree>
+    <p:extLst>
+      <p:ext uri="{BB962C8B-B14F-4D97-AF65-F5344CB8AC3E}">
+        <p14:creationId xmlns:p14="http://schemas.microsoft.com/office/powerpoint/2010/main" val="94852612"/>
+      </p:ext>
+    </p:extLst>
+  </p:cSld>
+  <p:clrMapOvr>
+    <a:masterClrMapping/>
+  </p:clrMapOvr>
+  <p:timing>
+    <p:tnLst>
+      <p:par>
+        <p:cTn id="1" dur="indefinite" restart="never" nodeType="tmRoot"/>
+      </p:par>
+    </p:tnLst>
+  </p:timing>
+</p:sld>
+</file>
+
+<file path=ppt/slides/slide14.xml><?xml version="1.0" encoding="utf-8"?>
+<p:sld xmlns:a="http://schemas.openxmlformats.org/drawingml/2006/main" xmlns:r="http://schemas.openxmlformats.org/officeDocument/2006/relationships" xmlns:p="http://schemas.openxmlformats.org/presentationml/2006/main">
+  <p:cSld>
+    <p:spTree>
+      <p:nvGrpSpPr>
+        <p:cNvPr id="1" name=""/>
+        <p:cNvGrpSpPr/>
+        <p:nvPr/>
+      </p:nvGrpSpPr>
+      <p:grpSpPr>
+        <a:xfrm>
+          <a:off x="0" y="0"/>
+          <a:ext cx="0" cy="0"/>
+          <a:chOff x="0" y="0"/>
+          <a:chExt cx="0" cy="0"/>
+        </a:xfrm>
+      </p:grpSpPr>
+      <p:pic>
+        <p:nvPicPr>
+          <p:cNvPr id="3" name="Imagen 2"/>
+          <p:cNvPicPr>
+            <a:picLocks noChangeAspect="1"/>
+          </p:cNvPicPr>
+          <p:nvPr/>
+        </p:nvPicPr>
+        <p:blipFill>
+          <a:blip r:embed="rId3">
+            <a:extLst>
+              <a:ext uri="{28A0092B-C50C-407E-A947-70E740481C1C}">
+                <a14:useLocalDpi xmlns:a14="http://schemas.microsoft.com/office/drawing/2010/main" val="0"/>
+              </a:ext>
+            </a:extLst>
+          </a:blip>
+          <a:stretch>
+            <a:fillRect/>
+          </a:stretch>
+        </p:blipFill>
+        <p:spPr>
+          <a:xfrm>
+            <a:off x="0" y="274320"/>
+            <a:ext cx="12192000" cy="6309360"/>
+          </a:xfrm>
+          <a:prstGeom prst="rect">
+            <a:avLst/>
+          </a:prstGeom>
+        </p:spPr>
+      </p:pic>
+    </p:spTree>
+    <p:extLst>
+      <p:ext uri="{BB962C8B-B14F-4D97-AF65-F5344CB8AC3E}">
+        <p14:creationId xmlns:p14="http://schemas.microsoft.com/office/powerpoint/2010/main" val="2141260180"/>
+      </p:ext>
+    </p:extLst>
+  </p:cSld>
+  <p:clrMapOvr>
+    <a:masterClrMapping/>
+  </p:clrMapOvr>
+  <p:timing>
+    <p:tnLst>
+      <p:par>
+        <p:cTn id="1" dur="indefinite" restart="never" nodeType="tmRoot"/>
+      </p:par>
+    </p:tnLst>
+  </p:timing>
+</p:sld>
+</file>
+
+<file path=ppt/slides/slide15.xml><?xml version="1.0" encoding="utf-8"?>
+<p:sld xmlns:a="http://schemas.openxmlformats.org/drawingml/2006/main" xmlns:r="http://schemas.openxmlformats.org/officeDocument/2006/relationships" xmlns:p="http://schemas.openxmlformats.org/presentationml/2006/main">
+  <p:cSld>
+    <p:spTree>
+      <p:nvGrpSpPr>
+        <p:cNvPr id="1" name=""/>
+        <p:cNvGrpSpPr/>
+        <p:nvPr/>
+      </p:nvGrpSpPr>
+      <p:grpSpPr>
+        <a:xfrm>
+          <a:off x="0" y="0"/>
+          <a:ext cx="0" cy="0"/>
+          <a:chOff x="0" y="0"/>
+          <a:chExt cx="0" cy="0"/>
+        </a:xfrm>
+      </p:grpSpPr>
+      <p:pic>
+        <p:nvPicPr>
+          <p:cNvPr id="2" name="Imagen 1"/>
+          <p:cNvPicPr/>
+          <p:nvPr/>
+        </p:nvPicPr>
+        <p:blipFill>
+          <a:blip r:embed="rId3">
+            <a:extLst>
+              <a:ext uri="{28A0092B-C50C-407E-A947-70E740481C1C}">
+                <a14:useLocalDpi xmlns:a14="http://schemas.microsoft.com/office/drawing/2010/main" val="0"/>
+              </a:ext>
+            </a:extLst>
+          </a:blip>
+          <a:stretch>
+            <a:fillRect/>
+          </a:stretch>
+        </p:blipFill>
+        <p:spPr>
+          <a:xfrm>
+            <a:off x="1095196" y="0"/>
+            <a:ext cx="10057907" cy="6709893"/>
+          </a:xfrm>
+          <a:prstGeom prst="rect">
+            <a:avLst/>
+          </a:prstGeom>
+        </p:spPr>
+      </p:pic>
+    </p:spTree>
+    <p:extLst>
+      <p:ext uri="{BB962C8B-B14F-4D97-AF65-F5344CB8AC3E}">
+        <p14:creationId xmlns:p14="http://schemas.microsoft.com/office/powerpoint/2010/main" val="1452905399"/>
+      </p:ext>
+    </p:extLst>
+  </p:cSld>
+  <p:clrMapOvr>
+    <a:masterClrMapping/>
+  </p:clrMapOvr>
+  <p:timing>
+    <p:tnLst>
+      <p:par>
+        <p:cTn id="1" dur="indefinite" restart="never" nodeType="tmRoot"/>
+      </p:par>
+    </p:tnLst>
+  </p:timing>
+</p:sld>
+</file>
+
+<file path=ppt/slides/slide16.xml><?xml version="1.0" encoding="utf-8"?>
+<p:sld xmlns:a="http://schemas.openxmlformats.org/drawingml/2006/main" xmlns:r="http://schemas.openxmlformats.org/officeDocument/2006/relationships" xmlns:p="http://schemas.openxmlformats.org/presentationml/2006/main">
+  <p:cSld>
+    <p:spTree>
+      <p:nvGrpSpPr>
+        <p:cNvPr id="1" name=""/>
+        <p:cNvGrpSpPr/>
+        <p:nvPr/>
+      </p:nvGrpSpPr>
+      <p:grpSpPr>
+        <a:xfrm>
+          <a:off x="0" y="0"/>
+          <a:ext cx="0" cy="0"/>
+          <a:chOff x="0" y="0"/>
+          <a:chExt cx="0" cy="0"/>
+        </a:xfrm>
+      </p:grpSpPr>
+      <p:pic>
+        <p:nvPicPr>
+          <p:cNvPr id="3" name="Imagen 2"/>
+          <p:cNvPicPr>
+            <a:picLocks noChangeAspect="1"/>
+          </p:cNvPicPr>
+          <p:nvPr/>
+        </p:nvPicPr>
+        <p:blipFill>
+          <a:blip r:embed="rId3">
+            <a:extLst>
+              <a:ext uri="{28A0092B-C50C-407E-A947-70E740481C1C}">
+                <a14:useLocalDpi xmlns:a14="http://schemas.microsoft.com/office/drawing/2010/main" val="0"/>
+              </a:ext>
+            </a:extLst>
+          </a:blip>
+          <a:stretch>
+            <a:fillRect/>
+          </a:stretch>
+        </p:blipFill>
+        <p:spPr>
+          <a:xfrm>
+            <a:off x="1796465" y="1150268"/>
+            <a:ext cx="8935704" cy="4507192"/>
+          </a:xfrm>
+          <a:prstGeom prst="rect">
+            <a:avLst/>
+          </a:prstGeom>
+        </p:spPr>
+      </p:pic>
+    </p:spTree>
+    <p:extLst>
+      <p:ext uri="{BB962C8B-B14F-4D97-AF65-F5344CB8AC3E}">
+        <p14:creationId xmlns:p14="http://schemas.microsoft.com/office/powerpoint/2010/main" val="3294839507"/>
+      </p:ext>
+    </p:extLst>
+  </p:cSld>
+  <p:clrMapOvr>
+    <a:masterClrMapping/>
+  </p:clrMapOvr>
+  <p:timing>
+    <p:tnLst>
+      <p:par>
+        <p:cTn id="1" dur="indefinite" restart="never" nodeType="tmRoot"/>
+      </p:par>
+    </p:tnLst>
+  </p:timing>
+</p:sld>
+</file>
+
+<file path=ppt/slides/slide17.xml><?xml version="1.0" encoding="utf-8"?>
+<p:sld xmlns:a="http://schemas.openxmlformats.org/drawingml/2006/main" xmlns:r="http://schemas.openxmlformats.org/officeDocument/2006/relationships" xmlns:p="http://schemas.openxmlformats.org/presentationml/2006/main">
+  <p:cSld>
+    <p:spTree>
+      <p:nvGrpSpPr>
+        <p:cNvPr id="1" name=""/>
+        <p:cNvGrpSpPr/>
+        <p:nvPr/>
+      </p:nvGrpSpPr>
+      <p:grpSpPr>
+        <a:xfrm>
+          <a:off x="0" y="0"/>
+          <a:ext cx="0" cy="0"/>
+          <a:chOff x="0" y="0"/>
+          <a:chExt cx="0" cy="0"/>
+        </a:xfrm>
+      </p:grpSpPr>
+      <p:pic>
+        <p:nvPicPr>
+          <p:cNvPr id="3" name="Imagen 2"/>
+          <p:cNvPicPr>
+            <a:picLocks noChangeAspect="1"/>
+          </p:cNvPicPr>
+          <p:nvPr/>
+        </p:nvPicPr>
+        <p:blipFill>
+          <a:blip r:embed="rId3">
+            <a:extLst>
+              <a:ext uri="{28A0092B-C50C-407E-A947-70E740481C1C}">
+                <a14:useLocalDpi xmlns:a14="http://schemas.microsoft.com/office/drawing/2010/main" val="0"/>
+              </a:ext>
+            </a:extLst>
+          </a:blip>
+          <a:stretch>
+            <a:fillRect/>
+          </a:stretch>
+        </p:blipFill>
+        <p:spPr>
+          <a:xfrm>
+            <a:off x="3545304" y="605588"/>
+            <a:ext cx="5197643" cy="5197643"/>
+          </a:xfrm>
+          <a:prstGeom prst="rect">
+            <a:avLst/>
+          </a:prstGeom>
+        </p:spPr>
+      </p:pic>
+    </p:spTree>
+    <p:extLst>
+      <p:ext uri="{BB962C8B-B14F-4D97-AF65-F5344CB8AC3E}">
+        <p14:creationId xmlns:p14="http://schemas.microsoft.com/office/powerpoint/2010/main" val="3911173567"/>
+      </p:ext>
+    </p:extLst>
+  </p:cSld>
+  <p:clrMapOvr>
+    <a:masterClrMapping/>
+  </p:clrMapOvr>
+  <p:timing>
+    <p:tnLst>
+      <p:par>
+        <p:cTn id="1" dur="indefinite" restart="never" nodeType="tmRoot"/>
+      </p:par>
+    </p:tnLst>
+  </p:timing>
+</p:sld>
+</file>
+
+<file path=ppt/slides/slide18.xml><?xml version="1.0" encoding="utf-8"?>
+<p:sld xmlns:a="http://schemas.openxmlformats.org/drawingml/2006/main" xmlns:r="http://schemas.openxmlformats.org/officeDocument/2006/relationships" xmlns:p="http://schemas.openxmlformats.org/presentationml/2006/main">
+  <p:cSld>
+    <p:spTree>
+      <p:nvGrpSpPr>
+        <p:cNvPr id="1" name=""/>
+        <p:cNvGrpSpPr/>
+        <p:nvPr/>
+      </p:nvGrpSpPr>
+      <p:grpSpPr>
+        <a:xfrm>
+          <a:off x="0" y="0"/>
+          <a:ext cx="0" cy="0"/>
+          <a:chOff x="0" y="0"/>
+          <a:chExt cx="0" cy="0"/>
+        </a:xfrm>
+      </p:grpSpPr>
+      <p:pic>
+        <p:nvPicPr>
+          <p:cNvPr id="3" name="Imagen 2"/>
+          <p:cNvPicPr/>
+          <p:nvPr/>
+        </p:nvPicPr>
+        <p:blipFill>
+          <a:blip r:embed="rId3"/>
+          <a:stretch>
+            <a:fillRect/>
+          </a:stretch>
+        </p:blipFill>
+        <p:spPr>
+          <a:xfrm>
+            <a:off x="6088604" y="1516238"/>
+            <a:ext cx="5400040" cy="3192145"/>
+          </a:xfrm>
+          <a:prstGeom prst="rect">
+            <a:avLst/>
+          </a:prstGeom>
+        </p:spPr>
+      </p:pic>
+      <p:sp>
+        <p:nvSpPr>
+          <p:cNvPr id="4" name="Rectángulo 3"/>
+          <p:cNvSpPr/>
+          <p:nvPr/>
+        </p:nvSpPr>
+        <p:spPr>
+          <a:xfrm>
+            <a:off x="7250001" y="648471"/>
+            <a:ext cx="2125454" cy="388696"/>
+          </a:xfrm>
+          <a:prstGeom prst="rect">
+            <a:avLst/>
+          </a:prstGeom>
+        </p:spPr>
+        <p:txBody>
+          <a:bodyPr wrap="none">
+            <a:spAutoFit/>
+          </a:bodyPr>
+          <a:lstStyle/>
+          <a:p>
+            <a:pPr>
+              <a:lnSpc>
+                <a:spcPct val="107000"/>
+              </a:lnSpc>
+              <a:spcAft>
+                <a:spcPts val="800"/>
+              </a:spcAft>
+            </a:pPr>
+            <a:r>
+              <a:rPr lang="es-ES_tradnl" b="1" dirty="0">
+                <a:latin typeface="Calibri" panose="020F0502020204030204" pitchFamily="34" charset="0"/>
+                <a:ea typeface="Calibri" panose="020F0502020204030204" pitchFamily="34" charset="0"/>
+                <a:cs typeface="Times New Roman" panose="02020603050405020304" pitchFamily="18" charset="0"/>
+              </a:rPr>
+              <a:t>USO DE BOOTSTRAP</a:t>
+            </a:r>
+            <a:endParaRPr lang="es-ES" sz="1400" dirty="0">
+              <a:effectLst/>
+              <a:latin typeface="Calibri" panose="020F0502020204030204" pitchFamily="34" charset="0"/>
+              <a:ea typeface="Calibri" panose="020F0502020204030204" pitchFamily="34" charset="0"/>
+              <a:cs typeface="Times New Roman" panose="02020603050405020304" pitchFamily="18" charset="0"/>
+            </a:endParaRPr>
+          </a:p>
+        </p:txBody>
+      </p:sp>
+      <p:pic>
+        <p:nvPicPr>
+          <p:cNvPr id="5" name="Imagen 4"/>
+          <p:cNvPicPr/>
+          <p:nvPr/>
+        </p:nvPicPr>
+        <p:blipFill>
+          <a:blip r:embed="rId4"/>
+          <a:stretch>
+            <a:fillRect/>
+          </a:stretch>
+        </p:blipFill>
+        <p:spPr>
+          <a:xfrm>
+            <a:off x="209435" y="2170923"/>
+            <a:ext cx="5400040" cy="2537460"/>
+          </a:xfrm>
+          <a:prstGeom prst="rect">
+            <a:avLst/>
+          </a:prstGeom>
+        </p:spPr>
+      </p:pic>
+      <p:sp>
+        <p:nvSpPr>
+          <p:cNvPr id="6" name="Rectángulo 5"/>
+          <p:cNvSpPr/>
+          <p:nvPr/>
+        </p:nvSpPr>
+        <p:spPr>
+          <a:xfrm>
+            <a:off x="1290489" y="648471"/>
+            <a:ext cx="744114" cy="388696"/>
+          </a:xfrm>
+          <a:prstGeom prst="rect">
+            <a:avLst/>
+          </a:prstGeom>
+        </p:spPr>
+        <p:txBody>
+          <a:bodyPr wrap="none">
+            <a:spAutoFit/>
+          </a:bodyPr>
+          <a:lstStyle/>
+          <a:p>
+            <a:pPr>
+              <a:lnSpc>
+                <a:spcPct val="107000"/>
+              </a:lnSpc>
+              <a:spcAft>
+                <a:spcPts val="800"/>
+              </a:spcAft>
+            </a:pPr>
+            <a:r>
+              <a:rPr lang="es-ES_tradnl" b="1" dirty="0">
+                <a:latin typeface="Calibri" panose="020F0502020204030204" pitchFamily="34" charset="0"/>
+                <a:ea typeface="Calibri" panose="020F0502020204030204" pitchFamily="34" charset="0"/>
+                <a:cs typeface="Times New Roman" panose="02020603050405020304" pitchFamily="18" charset="0"/>
+              </a:rPr>
+              <a:t>HTML</a:t>
+            </a:r>
+            <a:endParaRPr lang="es-ES" sz="1400" dirty="0">
+              <a:effectLst/>
+              <a:latin typeface="Calibri" panose="020F0502020204030204" pitchFamily="34" charset="0"/>
+              <a:ea typeface="Calibri" panose="020F0502020204030204" pitchFamily="34" charset="0"/>
+              <a:cs typeface="Times New Roman" panose="02020603050405020304" pitchFamily="18" charset="0"/>
+            </a:endParaRPr>
+          </a:p>
+        </p:txBody>
+      </p:sp>
+    </p:spTree>
+    <p:extLst>
+      <p:ext uri="{BB962C8B-B14F-4D97-AF65-F5344CB8AC3E}">
+        <p14:creationId xmlns:p14="http://schemas.microsoft.com/office/powerpoint/2010/main" val="3017904557"/>
+      </p:ext>
+    </p:extLst>
+  </p:cSld>
+  <p:clrMapOvr>
+    <a:masterClrMapping/>
+  </p:clrMapOvr>
+  <p:timing>
+    <p:tnLst>
+      <p:par>
+        <p:cTn id="1" dur="indefinite" restart="never" nodeType="tmRoot"/>
+      </p:par>
+    </p:tnLst>
+  </p:timing>
+</p:sld>
+</file>
+
+<file path=ppt/slides/slide19.xml><?xml version="1.0" encoding="utf-8"?>
+<p:sld xmlns:a="http://schemas.openxmlformats.org/drawingml/2006/main" xmlns:r="http://schemas.openxmlformats.org/officeDocument/2006/relationships" xmlns:p="http://schemas.openxmlformats.org/presentationml/2006/main">
+  <p:cSld>
+    <p:spTree>
+      <p:nvGrpSpPr>
+        <p:cNvPr id="1" name=""/>
+        <p:cNvGrpSpPr/>
+        <p:nvPr/>
+      </p:nvGrpSpPr>
+      <p:grpSpPr>
+        <a:xfrm>
+          <a:off x="0" y="0"/>
+          <a:ext cx="0" cy="0"/>
+          <a:chOff x="0" y="0"/>
+          <a:chExt cx="0" cy="0"/>
+        </a:xfrm>
+      </p:grpSpPr>
+      <p:pic>
+        <p:nvPicPr>
+          <p:cNvPr id="3" name="Imagen 2"/>
+          <p:cNvPicPr>
+            <a:picLocks noChangeAspect="1"/>
+          </p:cNvPicPr>
+          <p:nvPr/>
+        </p:nvPicPr>
+        <p:blipFill>
+          <a:blip r:embed="rId3">
+            <a:extLst>
+              <a:ext uri="{28A0092B-C50C-407E-A947-70E740481C1C}">
+                <a14:useLocalDpi xmlns:a14="http://schemas.microsoft.com/office/drawing/2010/main" val="0"/>
+              </a:ext>
+            </a:extLst>
+          </a:blip>
+          <a:stretch>
+            <a:fillRect/>
+          </a:stretch>
+        </p:blipFill>
+        <p:spPr>
+          <a:xfrm>
+            <a:off x="2032000" y="889000"/>
+            <a:ext cx="8128000" cy="5080000"/>
+          </a:xfrm>
+          <a:prstGeom prst="rect">
+            <a:avLst/>
+          </a:prstGeom>
+        </p:spPr>
+      </p:pic>
+    </p:spTree>
+    <p:extLst>
+      <p:ext uri="{BB962C8B-B14F-4D97-AF65-F5344CB8AC3E}">
+        <p14:creationId xmlns:p14="http://schemas.microsoft.com/office/powerpoint/2010/main" val="1449880844"/>
+      </p:ext>
+    </p:extLst>
+  </p:cSld>
+  <p:clrMapOvr>
+    <a:masterClrMapping/>
+  </p:clrMapOvr>
+  <p:timing>
+    <p:tnLst>
+      <p:par>
+        <p:cTn id="1" dur="indefinite" restart="never" nodeType="tmRoot"/>
+      </p:par>
+    </p:tnLst>
+  </p:timing>
+</p:sld>
+</file>
+
+<file path=ppt/slides/slide2.xml><?xml version="1.0" encoding="utf-8"?>
+<p:sld xmlns:a="http://schemas.openxmlformats.org/drawingml/2006/main" xmlns:r="http://schemas.openxmlformats.org/officeDocument/2006/relationships" xmlns:p="http://schemas.openxmlformats.org/presentationml/2006/main">
+  <p:cSld>
+    <p:spTree>
+      <p:nvGrpSpPr>
+        <p:cNvPr id="1" name=""/>
+        <p:cNvGrpSpPr/>
+        <p:nvPr/>
+      </p:nvGrpSpPr>
+      <p:grpSpPr>
+        <a:xfrm>
+          <a:off x="0" y="0"/>
+          <a:ext cx="0" cy="0"/>
+          <a:chOff x="0" y="0"/>
+          <a:chExt cx="0" cy="0"/>
+        </a:xfrm>
+      </p:grpSpPr>
+      <p:pic>
+        <p:nvPicPr>
+          <p:cNvPr id="2" name="Imagen 1"/>
+          <p:cNvPicPr/>
+          <p:nvPr/>
+        </p:nvPicPr>
+        <p:blipFill>
+          <a:blip r:embed="rId3"/>
+          <a:stretch>
+            <a:fillRect/>
+          </a:stretch>
+        </p:blipFill>
+        <p:spPr>
+          <a:xfrm>
+            <a:off x="171517" y="0"/>
+            <a:ext cx="12020483" cy="6858000"/>
+          </a:xfrm>
+          <a:prstGeom prst="rect">
+            <a:avLst/>
+          </a:prstGeom>
+        </p:spPr>
+      </p:pic>
+    </p:spTree>
+    <p:extLst>
+      <p:ext uri="{BB962C8B-B14F-4D97-AF65-F5344CB8AC3E}">
+        <p14:creationId xmlns:p14="http://schemas.microsoft.com/office/powerpoint/2010/main" val="2735066223"/>
+      </p:ext>
+    </p:extLst>
+  </p:cSld>
+  <p:clrMapOvr>
+    <a:masterClrMapping/>
+  </p:clrMapOvr>
+  <p:timing>
+    <p:tnLst>
+      <p:par>
+        <p:cTn id="1" dur="indefinite" restart="never" nodeType="tmRoot"/>
+      </p:par>
+    </p:tnLst>
+  </p:timing>
+</p:sld>
+</file>
+
+<file path=ppt/slides/slide20.xml><?xml version="1.0" encoding="utf-8"?>
+<p:sld xmlns:a="http://schemas.openxmlformats.org/drawingml/2006/main" xmlns:r="http://schemas.openxmlformats.org/officeDocument/2006/relationships" xmlns:p="http://schemas.openxmlformats.org/presentationml/2006/main">
+  <p:cSld>
+    <p:spTree>
+      <p:nvGrpSpPr>
+        <p:cNvPr id="1" name=""/>
+        <p:cNvGrpSpPr/>
+        <p:nvPr/>
+      </p:nvGrpSpPr>
+      <p:grpSpPr>
+        <a:xfrm>
+          <a:off x="0" y="0"/>
+          <a:ext cx="0" cy="0"/>
+          <a:chOff x="0" y="0"/>
+          <a:chExt cx="0" cy="0"/>
+        </a:xfrm>
+      </p:grpSpPr>
+      <p:sp>
+        <p:nvSpPr>
+          <p:cNvPr id="2" name="Rectángulo 1"/>
+          <p:cNvSpPr/>
+          <p:nvPr/>
+        </p:nvSpPr>
+        <p:spPr>
+          <a:xfrm>
+            <a:off x="3947418" y="292275"/>
+            <a:ext cx="3862596" cy="388696"/>
+          </a:xfrm>
+          <a:prstGeom prst="rect">
+            <a:avLst/>
+          </a:prstGeom>
+        </p:spPr>
+        <p:txBody>
+          <a:bodyPr wrap="none">
+            <a:spAutoFit/>
+          </a:bodyPr>
+          <a:lstStyle/>
+          <a:p>
+            <a:pPr>
+              <a:lnSpc>
+                <a:spcPct val="107000"/>
+              </a:lnSpc>
+              <a:spcAft>
+                <a:spcPts val="800"/>
+              </a:spcAft>
+            </a:pPr>
+            <a:r>
+              <a:rPr lang="es-ES_tradnl" b="1" dirty="0">
+                <a:latin typeface="Calibri" panose="020F0502020204030204" pitchFamily="34" charset="0"/>
+                <a:ea typeface="Calibri" panose="020F0502020204030204" pitchFamily="34" charset="0"/>
+                <a:cs typeface="Times New Roman" panose="02020603050405020304" pitchFamily="18" charset="0"/>
+              </a:rPr>
+              <a:t>Generación de HTML mediante </a:t>
+            </a:r>
+            <a:r>
+              <a:rPr lang="es-ES_tradnl" b="1" dirty="0" err="1">
+                <a:latin typeface="Calibri" panose="020F0502020204030204" pitchFamily="34" charset="0"/>
+                <a:ea typeface="Calibri" panose="020F0502020204030204" pitchFamily="34" charset="0"/>
+                <a:cs typeface="Times New Roman" panose="02020603050405020304" pitchFamily="18" charset="0"/>
+              </a:rPr>
+              <a:t>JQuery</a:t>
+            </a:r>
+            <a:endParaRPr lang="es-ES" sz="1400" dirty="0">
+              <a:effectLst/>
+              <a:latin typeface="Calibri" panose="020F0502020204030204" pitchFamily="34" charset="0"/>
+              <a:ea typeface="Calibri" panose="020F0502020204030204" pitchFamily="34" charset="0"/>
+              <a:cs typeface="Times New Roman" panose="02020603050405020304" pitchFamily="18" charset="0"/>
+            </a:endParaRPr>
+          </a:p>
+        </p:txBody>
+      </p:sp>
+      <p:pic>
+        <p:nvPicPr>
+          <p:cNvPr id="3" name="Imagen 2"/>
+          <p:cNvPicPr/>
+          <p:nvPr/>
+        </p:nvPicPr>
+        <p:blipFill>
+          <a:blip r:embed="rId3"/>
+          <a:stretch>
+            <a:fillRect/>
+          </a:stretch>
+        </p:blipFill>
+        <p:spPr>
+          <a:xfrm>
+            <a:off x="3395980" y="999807"/>
+            <a:ext cx="5400040" cy="4858385"/>
+          </a:xfrm>
+          <a:prstGeom prst="rect">
+            <a:avLst/>
+          </a:prstGeom>
+        </p:spPr>
+      </p:pic>
+    </p:spTree>
+    <p:extLst>
+      <p:ext uri="{BB962C8B-B14F-4D97-AF65-F5344CB8AC3E}">
+        <p14:creationId xmlns:p14="http://schemas.microsoft.com/office/powerpoint/2010/main" val="3273965298"/>
+      </p:ext>
+    </p:extLst>
+  </p:cSld>
+  <p:clrMapOvr>
+    <a:masterClrMapping/>
+  </p:clrMapOvr>
+  <p:timing>
+    <p:tnLst>
+      <p:par>
+        <p:cTn id="1" dur="indefinite" restart="never" nodeType="tmRoot"/>
+      </p:par>
+    </p:tnLst>
+  </p:timing>
+</p:sld>
+</file>
+
+<file path=ppt/slides/slide21.xml><?xml version="1.0" encoding="utf-8"?>
+<p:sld xmlns:a="http://schemas.openxmlformats.org/drawingml/2006/main" xmlns:r="http://schemas.openxmlformats.org/officeDocument/2006/relationships" xmlns:p="http://schemas.openxmlformats.org/presentationml/2006/main">
+  <p:cSld>
+    <p:spTree>
+      <p:nvGrpSpPr>
+        <p:cNvPr id="1" name=""/>
+        <p:cNvGrpSpPr/>
+        <p:nvPr/>
+      </p:nvGrpSpPr>
+      <p:grpSpPr>
+        <a:xfrm>
+          <a:off x="0" y="0"/>
+          <a:ext cx="0" cy="0"/>
+          <a:chOff x="0" y="0"/>
+          <a:chExt cx="0" cy="0"/>
+        </a:xfrm>
+      </p:grpSpPr>
+      <p:pic>
+        <p:nvPicPr>
+          <p:cNvPr id="3" name="Imagen 2"/>
+          <p:cNvPicPr>
+            <a:picLocks noChangeAspect="1"/>
+          </p:cNvPicPr>
+          <p:nvPr/>
+        </p:nvPicPr>
+        <p:blipFill>
+          <a:blip r:embed="rId3">
+            <a:extLst>
+              <a:ext uri="{28A0092B-C50C-407E-A947-70E740481C1C}">
+                <a14:useLocalDpi xmlns:a14="http://schemas.microsoft.com/office/drawing/2010/main" val="0"/>
+              </a:ext>
+            </a:extLst>
+          </a:blip>
+          <a:stretch>
+            <a:fillRect/>
+          </a:stretch>
+        </p:blipFill>
+        <p:spPr>
+          <a:xfrm>
+            <a:off x="3128211" y="966375"/>
+            <a:ext cx="6031832" cy="4312760"/>
+          </a:xfrm>
+          <a:prstGeom prst="rect">
+            <a:avLst/>
+          </a:prstGeom>
+        </p:spPr>
+      </p:pic>
+    </p:spTree>
+    <p:extLst>
+      <p:ext uri="{BB962C8B-B14F-4D97-AF65-F5344CB8AC3E}">
+        <p14:creationId xmlns:p14="http://schemas.microsoft.com/office/powerpoint/2010/main" val="2920891846"/>
+      </p:ext>
+    </p:extLst>
+  </p:cSld>
+  <p:clrMapOvr>
+    <a:masterClrMapping/>
+  </p:clrMapOvr>
+  <p:timing>
+    <p:tnLst>
+      <p:par>
+        <p:cTn id="1" dur="indefinite" restart="never" nodeType="tmRoot"/>
+      </p:par>
+    </p:tnLst>
+  </p:timing>
+</p:sld>
+</file>
+
+<file path=ppt/slides/slide22.xml><?xml version="1.0" encoding="utf-8"?>
+<p:sld xmlns:a="http://schemas.openxmlformats.org/drawingml/2006/main" xmlns:r="http://schemas.openxmlformats.org/officeDocument/2006/relationships" xmlns:p="http://schemas.openxmlformats.org/presentationml/2006/main">
+  <p:cSld>
+    <p:spTree>
+      <p:nvGrpSpPr>
+        <p:cNvPr id="1" name=""/>
+        <p:cNvGrpSpPr/>
+        <p:nvPr/>
+      </p:nvGrpSpPr>
+      <p:grpSpPr>
+        <a:xfrm>
+          <a:off x="0" y="0"/>
+          <a:ext cx="0" cy="0"/>
+          <a:chOff x="0" y="0"/>
+          <a:chExt cx="0" cy="0"/>
+        </a:xfrm>
+      </p:grpSpPr>
+      <p:pic>
+        <p:nvPicPr>
+          <p:cNvPr id="2" name="Imagen 1"/>
+          <p:cNvPicPr/>
+          <p:nvPr/>
+        </p:nvPicPr>
+        <p:blipFill>
+          <a:blip r:embed="rId3"/>
+          <a:stretch>
+            <a:fillRect/>
+          </a:stretch>
+        </p:blipFill>
+        <p:spPr>
+          <a:xfrm>
+            <a:off x="2898037" y="1537889"/>
+            <a:ext cx="5400040" cy="4858385"/>
+          </a:xfrm>
+          <a:prstGeom prst="rect">
+            <a:avLst/>
+          </a:prstGeom>
+        </p:spPr>
+      </p:pic>
+      <p:sp>
+        <p:nvSpPr>
+          <p:cNvPr id="3" name="Rectángulo 2"/>
+          <p:cNvSpPr/>
+          <p:nvPr/>
+        </p:nvSpPr>
+        <p:spPr>
+          <a:xfrm>
+            <a:off x="4822300" y="400918"/>
+            <a:ext cx="1551515" cy="388696"/>
+          </a:xfrm>
+          <a:prstGeom prst="rect">
+            <a:avLst/>
+          </a:prstGeom>
+        </p:spPr>
+        <p:txBody>
+          <a:bodyPr wrap="none">
+            <a:spAutoFit/>
+          </a:bodyPr>
+          <a:lstStyle/>
+          <a:p>
+            <a:pPr>
+              <a:lnSpc>
+                <a:spcPct val="107000"/>
+              </a:lnSpc>
+              <a:spcAft>
+                <a:spcPts val="800"/>
+              </a:spcAft>
+            </a:pPr>
+            <a:r>
+              <a:rPr lang="es-ES_tradnl" b="1" dirty="0">
+                <a:latin typeface="Calibri" panose="020F0502020204030204" pitchFamily="34" charset="0"/>
+                <a:ea typeface="Calibri" panose="020F0502020204030204" pitchFamily="34" charset="0"/>
+                <a:cs typeface="Times New Roman" panose="02020603050405020304" pitchFamily="18" charset="0"/>
+              </a:rPr>
+              <a:t>Llamadas Ajax</a:t>
+            </a:r>
+            <a:endParaRPr lang="es-ES" sz="1400" dirty="0">
+              <a:effectLst/>
+              <a:latin typeface="Calibri" panose="020F0502020204030204" pitchFamily="34" charset="0"/>
+              <a:ea typeface="Calibri" panose="020F0502020204030204" pitchFamily="34" charset="0"/>
+              <a:cs typeface="Times New Roman" panose="02020603050405020304" pitchFamily="18" charset="0"/>
+            </a:endParaRPr>
+          </a:p>
+        </p:txBody>
+      </p:sp>
+    </p:spTree>
+    <p:extLst>
+      <p:ext uri="{BB962C8B-B14F-4D97-AF65-F5344CB8AC3E}">
+        <p14:creationId xmlns:p14="http://schemas.microsoft.com/office/powerpoint/2010/main" val="27587678"/>
+      </p:ext>
+    </p:extLst>
+  </p:cSld>
+  <p:clrMapOvr>
+    <a:masterClrMapping/>
+  </p:clrMapOvr>
+  <p:timing>
+    <p:tnLst>
+      <p:par>
+        <p:cTn id="1" dur="indefinite" restart="never" nodeType="tmRoot"/>
+      </p:par>
+    </p:tnLst>
+  </p:timing>
+</p:sld>
+</file>
+
+<file path=ppt/slides/slide23.xml><?xml version="1.0" encoding="utf-8"?>
+<p:sld xmlns:a="http://schemas.openxmlformats.org/drawingml/2006/main" xmlns:r="http://schemas.openxmlformats.org/officeDocument/2006/relationships" xmlns:p="http://schemas.openxmlformats.org/presentationml/2006/main">
+  <p:cSld>
+    <p:spTree>
+      <p:nvGrpSpPr>
+        <p:cNvPr id="1" name=""/>
+        <p:cNvGrpSpPr/>
+        <p:nvPr/>
+      </p:nvGrpSpPr>
+      <p:grpSpPr>
+        <a:xfrm>
+          <a:off x="0" y="0"/>
+          <a:ext cx="0" cy="0"/>
+          <a:chOff x="0" y="0"/>
+          <a:chExt cx="0" cy="0"/>
+        </a:xfrm>
+      </p:grpSpPr>
+      <p:pic>
+        <p:nvPicPr>
+          <p:cNvPr id="3" name="Imagen 2"/>
+          <p:cNvPicPr>
+            <a:picLocks noChangeAspect="1"/>
+          </p:cNvPicPr>
+          <p:nvPr/>
+        </p:nvPicPr>
+        <p:blipFill>
+          <a:blip r:embed="rId3">
+            <a:extLst>
+              <a:ext uri="{28A0092B-C50C-407E-A947-70E740481C1C}">
+                <a14:useLocalDpi xmlns:a14="http://schemas.microsoft.com/office/drawing/2010/main" val="0"/>
+              </a:ext>
+            </a:extLst>
+          </a:blip>
+          <a:stretch>
+            <a:fillRect/>
+          </a:stretch>
+        </p:blipFill>
+        <p:spPr>
+          <a:xfrm>
+            <a:off x="0" y="1751454"/>
+            <a:ext cx="12192000" cy="3483429"/>
+          </a:xfrm>
+          <a:prstGeom prst="rect">
+            <a:avLst/>
+          </a:prstGeom>
+        </p:spPr>
+      </p:pic>
+    </p:spTree>
+    <p:extLst>
+      <p:ext uri="{BB962C8B-B14F-4D97-AF65-F5344CB8AC3E}">
+        <p14:creationId xmlns:p14="http://schemas.microsoft.com/office/powerpoint/2010/main" val="455066883"/>
+      </p:ext>
+    </p:extLst>
+  </p:cSld>
+  <p:clrMapOvr>
+    <a:masterClrMapping/>
+  </p:clrMapOvr>
+  <p:timing>
+    <p:tnLst>
+      <p:par>
+        <p:cTn id="1" dur="indefinite" restart="never" nodeType="tmRoot"/>
+      </p:par>
+    </p:tnLst>
+  </p:timing>
+</p:sld>
+</file>
+
+<file path=ppt/slides/slide24.xml><?xml version="1.0" encoding="utf-8"?>
+<p:sld xmlns:a="http://schemas.openxmlformats.org/drawingml/2006/main" xmlns:r="http://schemas.openxmlformats.org/officeDocument/2006/relationships" xmlns:p="http://schemas.openxmlformats.org/presentationml/2006/main">
+  <p:cSld>
+    <p:spTree>
+      <p:nvGrpSpPr>
+        <p:cNvPr id="1" name=""/>
+        <p:cNvGrpSpPr/>
+        <p:nvPr/>
+      </p:nvGrpSpPr>
+      <p:grpSpPr>
+        <a:xfrm>
+          <a:off x="0" y="0"/>
+          <a:ext cx="0" cy="0"/>
+          <a:chOff x="0" y="0"/>
+          <a:chExt cx="0" cy="0"/>
+        </a:xfrm>
+      </p:grpSpPr>
+      <p:pic>
+        <p:nvPicPr>
+          <p:cNvPr id="2" name="Imagen 1"/>
+          <p:cNvPicPr/>
+          <p:nvPr/>
+        </p:nvPicPr>
+        <p:blipFill>
+          <a:blip r:embed="rId3"/>
+          <a:stretch>
+            <a:fillRect/>
+          </a:stretch>
+        </p:blipFill>
+        <p:spPr>
+          <a:xfrm>
+            <a:off x="354016" y="1788094"/>
+            <a:ext cx="11506023" cy="2539463"/>
+          </a:xfrm>
+          <a:prstGeom prst="rect">
+            <a:avLst/>
+          </a:prstGeom>
+        </p:spPr>
+      </p:pic>
+    </p:spTree>
+    <p:extLst>
+      <p:ext uri="{BB962C8B-B14F-4D97-AF65-F5344CB8AC3E}">
+        <p14:creationId xmlns:p14="http://schemas.microsoft.com/office/powerpoint/2010/main" val="3981000325"/>
+      </p:ext>
+    </p:extLst>
+  </p:cSld>
+  <p:clrMapOvr>
+    <a:masterClrMapping/>
+  </p:clrMapOvr>
+  <p:timing>
+    <p:tnLst>
+      <p:par>
+        <p:cTn id="1" dur="indefinite" restart="never" nodeType="tmRoot"/>
+      </p:par>
+    </p:tnLst>
+  </p:timing>
+</p:sld>
+</file>
+
+<file path=ppt/slides/slide25.xml><?xml version="1.0" encoding="utf-8"?>
+<p:sld xmlns:a="http://schemas.openxmlformats.org/drawingml/2006/main" xmlns:r="http://schemas.openxmlformats.org/officeDocument/2006/relationships" xmlns:p="http://schemas.openxmlformats.org/presentationml/2006/main">
+  <p:cSld>
+    <p:spTree>
+      <p:nvGrpSpPr>
+        <p:cNvPr id="1" name=""/>
+        <p:cNvGrpSpPr/>
+        <p:nvPr/>
+      </p:nvGrpSpPr>
+      <p:grpSpPr>
+        <a:xfrm>
+          <a:off x="0" y="0"/>
+          <a:ext cx="0" cy="0"/>
+          <a:chOff x="0" y="0"/>
+          <a:chExt cx="0" cy="0"/>
+        </a:xfrm>
+      </p:grpSpPr>
+      <p:pic>
+        <p:nvPicPr>
+          <p:cNvPr id="2" name="Imagen 1"/>
+          <p:cNvPicPr/>
+          <p:nvPr/>
+        </p:nvPicPr>
+        <p:blipFill>
+          <a:blip r:embed="rId3"/>
+          <a:stretch>
+            <a:fillRect/>
+          </a:stretch>
+        </p:blipFill>
+        <p:spPr>
+          <a:xfrm>
+            <a:off x="3395980" y="402272"/>
+            <a:ext cx="5400040" cy="6053455"/>
+          </a:xfrm>
+          <a:prstGeom prst="rect">
+            <a:avLst/>
+          </a:prstGeom>
+        </p:spPr>
+      </p:pic>
+    </p:spTree>
+    <p:extLst>
+      <p:ext uri="{BB962C8B-B14F-4D97-AF65-F5344CB8AC3E}">
+        <p14:creationId xmlns:p14="http://schemas.microsoft.com/office/powerpoint/2010/main" val="1276587503"/>
+      </p:ext>
+    </p:extLst>
+  </p:cSld>
+  <p:clrMapOvr>
+    <a:masterClrMapping/>
+  </p:clrMapOvr>
+  <p:timing>
+    <p:tnLst>
+      <p:par>
+        <p:cTn id="1" dur="indefinite" restart="never" nodeType="tmRoot"/>
+      </p:par>
+    </p:tnLst>
+  </p:timing>
+</p:sld>
+</file>
+
+<file path=ppt/slides/slide26.xml><?xml version="1.0" encoding="utf-8"?>
+<p:sld xmlns:a="http://schemas.openxmlformats.org/drawingml/2006/main" xmlns:r="http://schemas.openxmlformats.org/officeDocument/2006/relationships" xmlns:p="http://schemas.openxmlformats.org/presentationml/2006/main">
+  <p:cSld>
+    <p:spTree>
+      <p:nvGrpSpPr>
+        <p:cNvPr id="1" name=""/>
+        <p:cNvGrpSpPr/>
+        <p:nvPr/>
+      </p:nvGrpSpPr>
+      <p:grpSpPr>
+        <a:xfrm>
+          <a:off x="0" y="0"/>
+          <a:ext cx="0" cy="0"/>
+          <a:chOff x="0" y="0"/>
+          <a:chExt cx="0" cy="0"/>
+        </a:xfrm>
+      </p:grpSpPr>
+      <p:pic>
+        <p:nvPicPr>
+          <p:cNvPr id="3" name="Imagen 2"/>
+          <p:cNvPicPr>
+            <a:picLocks noChangeAspect="1"/>
+          </p:cNvPicPr>
+          <p:nvPr/>
+        </p:nvPicPr>
+        <p:blipFill>
+          <a:blip r:embed="rId3">
             <a:extLst>
               <a:ext uri="{28A0092B-C50C-407E-A947-70E740481C1C}">
                 <a14:useLocalDpi xmlns:a14="http://schemas.microsoft.com/office/drawing/2010/main" val="0"/>
@@ -3229,7 +10689,7 @@
 </p:sld>
 </file>
 
-<file path=ppt/slides/slide2.xml><?xml version="1.0" encoding="utf-8"?>
+<file path=ppt/slides/slide27.xml><?xml version="1.0" encoding="utf-8"?>
 <p:sld xmlns:a="http://schemas.openxmlformats.org/drawingml/2006/main" xmlns:r="http://schemas.openxmlformats.org/officeDocument/2006/relationships" xmlns:p="http://schemas.openxmlformats.org/presentationml/2006/main">
   <p:cSld>
     <p:spTree>
@@ -3253,15 +10713,15 @@
           <p:nvPr/>
         </p:nvPicPr>
         <p:blipFill>
-          <a:blip r:embed="rId2"/>
+          <a:blip r:embed="rId3"/>
           <a:stretch>
             <a:fillRect/>
           </a:stretch>
         </p:blipFill>
         <p:spPr>
           <a:xfrm>
-            <a:off x="171517" y="0"/>
-            <a:ext cx="12020483" cy="6858000"/>
+            <a:off x="2047013" y="860424"/>
+            <a:ext cx="8636075" cy="5232557"/>
           </a:xfrm>
           <a:prstGeom prst="rect">
             <a:avLst/>
@@ -3271,7 +10731,157 @@
     </p:spTree>
     <p:extLst>
       <p:ext uri="{BB962C8B-B14F-4D97-AF65-F5344CB8AC3E}">
-        <p14:creationId xmlns:p14="http://schemas.microsoft.com/office/powerpoint/2010/main" val="2735066223"/>
+        <p14:creationId xmlns:p14="http://schemas.microsoft.com/office/powerpoint/2010/main" val="3932080320"/>
+      </p:ext>
+    </p:extLst>
+  </p:cSld>
+  <p:clrMapOvr>
+    <a:masterClrMapping/>
+  </p:clrMapOvr>
+  <p:timing>
+    <p:tnLst>
+      <p:par>
+        <p:cTn id="1" dur="indefinite" restart="never" nodeType="tmRoot"/>
+      </p:par>
+    </p:tnLst>
+  </p:timing>
+</p:sld>
+</file>
+
+<file path=ppt/slides/slide28.xml><?xml version="1.0" encoding="utf-8"?>
+<p:sld xmlns:a="http://schemas.openxmlformats.org/drawingml/2006/main" xmlns:r="http://schemas.openxmlformats.org/officeDocument/2006/relationships" xmlns:p="http://schemas.openxmlformats.org/presentationml/2006/main">
+  <p:cSld>
+    <p:spTree>
+      <p:nvGrpSpPr>
+        <p:cNvPr id="1" name=""/>
+        <p:cNvGrpSpPr/>
+        <p:nvPr/>
+      </p:nvGrpSpPr>
+      <p:grpSpPr>
+        <a:xfrm>
+          <a:off x="0" y="0"/>
+          <a:ext cx="0" cy="0"/>
+          <a:chOff x="0" y="0"/>
+          <a:chExt cx="0" cy="0"/>
+        </a:xfrm>
+      </p:grpSpPr>
+      <p:pic>
+        <p:nvPicPr>
+          <p:cNvPr id="2" name="Imagen 1"/>
+          <p:cNvPicPr>
+            <a:picLocks noChangeAspect="1"/>
+          </p:cNvPicPr>
+          <p:nvPr/>
+        </p:nvPicPr>
+        <p:blipFill>
+          <a:blip r:embed="rId3"/>
+          <a:stretch>
+            <a:fillRect/>
+          </a:stretch>
+        </p:blipFill>
+        <p:spPr>
+          <a:xfrm>
+            <a:off x="1576387" y="314325"/>
+            <a:ext cx="9039225" cy="6229350"/>
+          </a:xfrm>
+          <a:prstGeom prst="rect">
+            <a:avLst/>
+          </a:prstGeom>
+        </p:spPr>
+      </p:pic>
+    </p:spTree>
+    <p:extLst>
+      <p:ext uri="{BB962C8B-B14F-4D97-AF65-F5344CB8AC3E}">
+        <p14:creationId xmlns:p14="http://schemas.microsoft.com/office/powerpoint/2010/main" val="3698528230"/>
+      </p:ext>
+    </p:extLst>
+  </p:cSld>
+  <p:clrMapOvr>
+    <a:masterClrMapping/>
+  </p:clrMapOvr>
+  <p:timing>
+    <p:tnLst>
+      <p:par>
+        <p:cTn id="1" dur="indefinite" restart="never" nodeType="tmRoot"/>
+      </p:par>
+    </p:tnLst>
+  </p:timing>
+</p:sld>
+</file>
+
+<file path=ppt/slides/slide29.xml><?xml version="1.0" encoding="utf-8"?>
+<p:sld xmlns:a="http://schemas.openxmlformats.org/drawingml/2006/main" xmlns:r="http://schemas.openxmlformats.org/officeDocument/2006/relationships" xmlns:p="http://schemas.openxmlformats.org/presentationml/2006/main">
+  <p:cSld>
+    <p:spTree>
+      <p:nvGrpSpPr>
+        <p:cNvPr id="1" name=""/>
+        <p:cNvGrpSpPr/>
+        <p:nvPr/>
+      </p:nvGrpSpPr>
+      <p:grpSpPr>
+        <a:xfrm>
+          <a:off x="0" y="0"/>
+          <a:ext cx="0" cy="0"/>
+          <a:chOff x="0" y="0"/>
+          <a:chExt cx="0" cy="0"/>
+        </a:xfrm>
+      </p:grpSpPr>
+      <p:pic>
+        <p:nvPicPr>
+          <p:cNvPr id="2" name="Imagen 1"/>
+          <p:cNvPicPr/>
+          <p:nvPr/>
+        </p:nvPicPr>
+        <p:blipFill>
+          <a:blip r:embed="rId3"/>
+          <a:stretch>
+            <a:fillRect/>
+          </a:stretch>
+        </p:blipFill>
+        <p:spPr>
+          <a:xfrm>
+            <a:off x="2617382" y="1319402"/>
+            <a:ext cx="6979292" cy="4040250"/>
+          </a:xfrm>
+          <a:prstGeom prst="rect">
+            <a:avLst/>
+          </a:prstGeom>
+        </p:spPr>
+      </p:pic>
+      <p:sp>
+        <p:nvSpPr>
+          <p:cNvPr id="3" name="CuadroTexto 2"/>
+          <p:cNvSpPr txBox="1"/>
+          <p:nvPr/>
+        </p:nvSpPr>
+        <p:spPr>
+          <a:xfrm>
+            <a:off x="3436256" y="443619"/>
+            <a:ext cx="5341544" cy="369332"/>
+          </a:xfrm>
+          <a:prstGeom prst="rect">
+            <a:avLst/>
+          </a:prstGeom>
+          <a:noFill/>
+        </p:spPr>
+        <p:txBody>
+          <a:bodyPr wrap="square" rtlCol="0">
+            <a:spAutoFit/>
+          </a:bodyPr>
+          <a:lstStyle/>
+          <a:p>
+            <a:r>
+              <a:rPr lang="es-ES" dirty="0" smtClean="0"/>
+              <a:t>Como queríamos que fuera nuestra aplicación web</a:t>
+            </a:r>
+            <a:endParaRPr lang="es-ES" dirty="0"/>
+          </a:p>
+        </p:txBody>
+      </p:sp>
+    </p:spTree>
+    <p:extLst>
+      <p:ext uri="{BB962C8B-B14F-4D97-AF65-F5344CB8AC3E}">
+        <p14:creationId xmlns:p14="http://schemas.microsoft.com/office/powerpoint/2010/main" val="372964954"/>
       </p:ext>
     </p:extLst>
   </p:cSld>
@@ -3344,34 +10954,30 @@
           <a:lstStyle/>
           <a:p>
             <a:r>
-              <a:rPr lang="es-ES_tradnl" dirty="0" err="1"/>
-              <a:t>YoSoyTuCine</a:t>
+              <a:rPr lang="es-ES_tradnl" dirty="0" smtClean="0"/>
+              <a:t>Comparador de cines.</a:t>
+            </a:r>
+          </a:p>
+          <a:p>
+            <a:endParaRPr lang="es-ES" dirty="0"/>
+          </a:p>
+          <a:p>
+            <a:r>
+              <a:rPr lang="es-ES_tradnl" dirty="0" smtClean="0"/>
+              <a:t>Cine más cercano en todo momento.</a:t>
+            </a:r>
+          </a:p>
+          <a:p>
+            <a:endParaRPr lang="es-ES" dirty="0"/>
+          </a:p>
+          <a:p>
+            <a:r>
+              <a:rPr lang="es-ES_tradnl" dirty="0" smtClean="0"/>
+              <a:t>Elige además en base de las </a:t>
             </a:r>
             <a:r>
               <a:rPr lang="es-ES_tradnl" dirty="0"/>
-              <a:t> es un buscador/comparador de cines, no de películas.</a:t>
-            </a:r>
-            <a:endParaRPr lang="es-ES" dirty="0"/>
-          </a:p>
-          <a:p>
-            <a:r>
-              <a:rPr lang="es-ES_tradnl" dirty="0"/>
-              <a:t>La idea del proyecto nace de la idea de poder tener en simple vistazo, gracias a la geolocalización, tu cine más cercano.</a:t>
-            </a:r>
-            <a:endParaRPr lang="es-ES" dirty="0"/>
-          </a:p>
-          <a:p>
-            <a:r>
-              <a:rPr lang="es-ES_tradnl" dirty="0"/>
-              <a:t>La idea de </a:t>
-            </a:r>
-            <a:r>
-              <a:rPr lang="es-ES_tradnl" dirty="0" err="1"/>
-              <a:t>YoSoyTuCine</a:t>
-            </a:r>
-            <a:r>
-              <a:rPr lang="es-ES_tradnl" dirty="0"/>
-              <a:t> es además ordenar las películas primeramente por cercanía a tu ubicación en todo momento, y con posibilidad a hacerlo en base a las valoraciones dadas a los cines por la comunidad de usuarios de </a:t>
+              <a:t>valoraciones dadas a los cines por la comunidad de usuarios de </a:t>
             </a:r>
             <a:r>
               <a:rPr lang="es-ES_tradnl" dirty="0" err="1"/>
@@ -3392,6 +10998,172 @@
     <p:extLst>
       <p:ext uri="{BB962C8B-B14F-4D97-AF65-F5344CB8AC3E}">
         <p14:creationId xmlns:p14="http://schemas.microsoft.com/office/powerpoint/2010/main" val="3242723743"/>
+      </p:ext>
+    </p:extLst>
+  </p:cSld>
+  <p:clrMapOvr>
+    <a:masterClrMapping/>
+  </p:clrMapOvr>
+  <p:timing>
+    <p:tnLst>
+      <p:par>
+        <p:cTn id="1" dur="indefinite" restart="never" nodeType="tmRoot"/>
+      </p:par>
+    </p:tnLst>
+  </p:timing>
+</p:sld>
+</file>
+
+<file path=ppt/slides/slide30.xml><?xml version="1.0" encoding="utf-8"?>
+<p:sld xmlns:a="http://schemas.openxmlformats.org/drawingml/2006/main" xmlns:r="http://schemas.openxmlformats.org/officeDocument/2006/relationships" xmlns:p="http://schemas.openxmlformats.org/presentationml/2006/main">
+  <p:cSld>
+    <p:spTree>
+      <p:nvGrpSpPr>
+        <p:cNvPr id="1" name=""/>
+        <p:cNvGrpSpPr/>
+        <p:nvPr/>
+      </p:nvGrpSpPr>
+      <p:grpSpPr>
+        <a:xfrm>
+          <a:off x="0" y="0"/>
+          <a:ext cx="0" cy="0"/>
+          <a:chOff x="0" y="0"/>
+          <a:chExt cx="0" cy="0"/>
+        </a:xfrm>
+      </p:grpSpPr>
+      <p:pic>
+        <p:nvPicPr>
+          <p:cNvPr id="2" name="Imagen 1"/>
+          <p:cNvPicPr/>
+          <p:nvPr/>
+        </p:nvPicPr>
+        <p:blipFill>
+          <a:blip r:embed="rId3" cstate="print">
+            <a:extLst>
+              <a:ext uri="{28A0092B-C50C-407E-A947-70E740481C1C}">
+                <a14:useLocalDpi xmlns:a14="http://schemas.microsoft.com/office/drawing/2010/main" val="0"/>
+              </a:ext>
+            </a:extLst>
+          </a:blip>
+          <a:stretch>
+            <a:fillRect/>
+          </a:stretch>
+        </p:blipFill>
+        <p:spPr>
+          <a:xfrm>
+            <a:off x="1303322" y="1191297"/>
+            <a:ext cx="9868654" cy="4168354"/>
+          </a:xfrm>
+          <a:prstGeom prst="rect">
+            <a:avLst/>
+          </a:prstGeom>
+        </p:spPr>
+      </p:pic>
+      <p:sp>
+        <p:nvSpPr>
+          <p:cNvPr id="4" name="CuadroTexto 3"/>
+          <p:cNvSpPr txBox="1"/>
+          <p:nvPr/>
+        </p:nvSpPr>
+        <p:spPr>
+          <a:xfrm>
+            <a:off x="3436256" y="443619"/>
+            <a:ext cx="5341544" cy="369332"/>
+          </a:xfrm>
+          <a:prstGeom prst="rect">
+            <a:avLst/>
+          </a:prstGeom>
+          <a:noFill/>
+        </p:spPr>
+        <p:txBody>
+          <a:bodyPr wrap="square" rtlCol="0">
+            <a:spAutoFit/>
+          </a:bodyPr>
+          <a:lstStyle/>
+          <a:p>
+            <a:pPr algn="ctr"/>
+            <a:r>
+              <a:rPr lang="es-ES" dirty="0" smtClean="0"/>
+              <a:t>Como nos ha quedado</a:t>
+            </a:r>
+            <a:endParaRPr lang="es-ES" dirty="0"/>
+          </a:p>
+        </p:txBody>
+      </p:sp>
+    </p:spTree>
+    <p:extLst>
+      <p:ext uri="{BB962C8B-B14F-4D97-AF65-F5344CB8AC3E}">
+        <p14:creationId xmlns:p14="http://schemas.microsoft.com/office/powerpoint/2010/main" val="1718286671"/>
+      </p:ext>
+    </p:extLst>
+  </p:cSld>
+  <p:clrMapOvr>
+    <a:masterClrMapping/>
+  </p:clrMapOvr>
+  <p:timing>
+    <p:tnLst>
+      <p:par>
+        <p:cTn id="1" dur="indefinite" restart="never" nodeType="tmRoot"/>
+      </p:par>
+    </p:tnLst>
+  </p:timing>
+</p:sld>
+</file>
+
+<file path=ppt/slides/slide31.xml><?xml version="1.0" encoding="utf-8"?>
+<p:sld xmlns:a="http://schemas.openxmlformats.org/drawingml/2006/main" xmlns:r="http://schemas.openxmlformats.org/officeDocument/2006/relationships" xmlns:p="http://schemas.openxmlformats.org/presentationml/2006/main">
+  <p:cSld>
+    <p:spTree>
+      <p:nvGrpSpPr>
+        <p:cNvPr id="1" name=""/>
+        <p:cNvGrpSpPr/>
+        <p:nvPr/>
+      </p:nvGrpSpPr>
+      <p:grpSpPr>
+        <a:xfrm>
+          <a:off x="0" y="0"/>
+          <a:ext cx="0" cy="0"/>
+          <a:chOff x="0" y="0"/>
+          <a:chExt cx="0" cy="0"/>
+        </a:xfrm>
+      </p:grpSpPr>
+      <p:pic>
+        <p:nvPicPr>
+          <p:cNvPr id="2" name="Imagen 1" descr="H:\DIN\Proyecto\POSIBLE PROYECTO 2 BUSCADOR DE CINES\LOGO\logoYSTC.png"/>
+          <p:cNvPicPr/>
+          <p:nvPr/>
+        </p:nvPicPr>
+        <p:blipFill>
+          <a:blip r:embed="rId3" cstate="print">
+            <a:extLst>
+              <a:ext uri="{28A0092B-C50C-407E-A947-70E740481C1C}">
+                <a14:useLocalDpi xmlns:a14="http://schemas.microsoft.com/office/drawing/2010/main" val="0"/>
+              </a:ext>
+            </a:extLst>
+          </a:blip>
+          <a:srcRect/>
+          <a:stretch>
+            <a:fillRect/>
+          </a:stretch>
+        </p:blipFill>
+        <p:spPr bwMode="auto">
+          <a:xfrm>
+            <a:off x="1325161" y="951248"/>
+            <a:ext cx="9840144" cy="4823910"/>
+          </a:xfrm>
+          <a:prstGeom prst="rect">
+            <a:avLst/>
+          </a:prstGeom>
+          <a:noFill/>
+          <a:ln>
+            <a:noFill/>
+          </a:ln>
+        </p:spPr>
+      </p:pic>
+    </p:spTree>
+    <p:extLst>
+      <p:ext uri="{BB962C8B-B14F-4D97-AF65-F5344CB8AC3E}">
+        <p14:creationId xmlns:p14="http://schemas.microsoft.com/office/powerpoint/2010/main" val="3545629640"/>
       </p:ext>
     </p:extLst>
   </p:cSld>
@@ -3504,6 +11276,13 @@
   <p:clrMapOvr>
     <a:masterClrMapping/>
   </p:clrMapOvr>
+  <p:timing>
+    <p:tnLst>
+      <p:par>
+        <p:cTn id="1" dur="indefinite" restart="never" nodeType="tmRoot"/>
+      </p:par>
+    </p:tnLst>
+  </p:timing>
 </p:sld>
 </file>
 
@@ -3524,30 +11303,72 @@
           <a:chExt cx="0" cy="0"/>
         </a:xfrm>
       </p:grpSpPr>
+      <p:sp>
+        <p:nvSpPr>
+          <p:cNvPr id="2" name="Título 1"/>
+          <p:cNvSpPr>
+            <a:spLocks noGrp="1"/>
+          </p:cNvSpPr>
+          <p:nvPr>
+            <p:ph type="title"/>
+          </p:nvPr>
+        </p:nvSpPr>
+        <p:spPr/>
+        <p:txBody>
+          <a:bodyPr/>
+          <a:lstStyle/>
+          <a:p>
+            <a:r>
+              <a:rPr lang="es-ES" dirty="0"/>
+              <a:t>Geolocalización</a:t>
+            </a:r>
+          </a:p>
+        </p:txBody>
+      </p:sp>
       <p:pic>
         <p:nvPicPr>
-          <p:cNvPr id="3" name="Imagen 2"/>
+          <p:cNvPr id="4" name="Marcador de contenido 3"/>
+          <p:cNvPicPr>
+            <a:picLocks noGrp="1" noChangeAspect="1"/>
+          </p:cNvPicPr>
+          <p:nvPr>
+            <p:ph idx="1"/>
+          </p:nvPr>
+        </p:nvPicPr>
+        <p:blipFill>
+          <a:blip r:embed="rId3"/>
+          <a:stretch>
+            <a:fillRect/>
+          </a:stretch>
+        </p:blipFill>
+        <p:spPr>
+          <a:xfrm>
+            <a:off x="928734" y="1690688"/>
+            <a:ext cx="10515600" cy="1353180"/>
+          </a:xfrm>
+          <a:prstGeom prst="rect">
+            <a:avLst/>
+          </a:prstGeom>
+        </p:spPr>
+      </p:pic>
+      <p:pic>
+        <p:nvPicPr>
+          <p:cNvPr id="5" name="Imagen 4"/>
           <p:cNvPicPr>
             <a:picLocks noChangeAspect="1"/>
           </p:cNvPicPr>
           <p:nvPr/>
         </p:nvPicPr>
         <p:blipFill>
-          <a:blip r:embed="rId2">
-            <a:extLst>
-              <a:ext uri="{28A0092B-C50C-407E-A947-70E740481C1C}">
-                <a14:useLocalDpi xmlns:a14="http://schemas.microsoft.com/office/drawing/2010/main" val="0"/>
-              </a:ext>
-            </a:extLst>
-          </a:blip>
+          <a:blip r:embed="rId4"/>
           <a:stretch>
             <a:fillRect/>
           </a:stretch>
         </p:blipFill>
         <p:spPr>
           <a:xfrm>
-            <a:off x="3372851" y="497305"/>
-            <a:ext cx="5338011" cy="5338011"/>
+            <a:off x="928734" y="3342439"/>
+            <a:ext cx="10515600" cy="1304994"/>
           </a:xfrm>
           <a:prstGeom prst="rect">
             <a:avLst/>
@@ -3557,7 +11378,7 @@
     </p:spTree>
     <p:extLst>
       <p:ext uri="{BB962C8B-B14F-4D97-AF65-F5344CB8AC3E}">
-        <p14:creationId xmlns:p14="http://schemas.microsoft.com/office/powerpoint/2010/main" val="923794949"/>
+        <p14:creationId xmlns:p14="http://schemas.microsoft.com/office/powerpoint/2010/main" val="2186206646"/>
       </p:ext>
     </p:extLst>
   </p:cSld>
@@ -3591,16 +11412,63 @@
           <a:chExt cx="0" cy="0"/>
         </a:xfrm>
       </p:grpSpPr>
+      <p:sp>
+        <p:nvSpPr>
+          <p:cNvPr id="2" name="Título 1"/>
+          <p:cNvSpPr>
+            <a:spLocks noGrp="1"/>
+          </p:cNvSpPr>
+          <p:nvPr>
+            <p:ph type="title"/>
+          </p:nvPr>
+        </p:nvSpPr>
+        <p:spPr/>
+        <p:txBody>
+          <a:bodyPr/>
+          <a:lstStyle/>
+          <a:p>
+            <a:r>
+              <a:rPr lang="es-ES" dirty="0" smtClean="0"/>
+              <a:t>Geolocalización</a:t>
+            </a:r>
+            <a:endParaRPr lang="es-ES" dirty="0"/>
+          </a:p>
+        </p:txBody>
+      </p:sp>
       <p:pic>
         <p:nvPicPr>
-          <p:cNvPr id="3" name="Imagen 2"/>
+          <p:cNvPr id="4" name="Marcador de contenido 3"/>
           <p:cNvPicPr>
-            <a:picLocks noChangeAspect="1"/>
+            <a:picLocks noGrp="1"/>
           </p:cNvPicPr>
+          <p:nvPr>
+            <p:ph idx="1"/>
+          </p:nvPr>
+        </p:nvPicPr>
+        <p:blipFill>
+          <a:blip r:embed="rId3"/>
+          <a:stretch>
+            <a:fillRect/>
+          </a:stretch>
+        </p:blipFill>
+        <p:spPr>
+          <a:xfrm>
+            <a:off x="3200359" y="1436877"/>
+            <a:ext cx="5183149" cy="3261872"/>
+          </a:xfrm>
+          <a:prstGeom prst="rect">
+            <a:avLst/>
+          </a:prstGeom>
+        </p:spPr>
+      </p:pic>
+      <p:pic>
+        <p:nvPicPr>
+          <p:cNvPr id="5" name="Imagen 4"/>
+          <p:cNvPicPr/>
           <p:nvPr/>
         </p:nvPicPr>
         <p:blipFill>
-          <a:blip r:embed="rId2">
+          <a:blip r:embed="rId4">
             <a:extLst>
               <a:ext uri="{28A0092B-C50C-407E-A947-70E740481C1C}">
                 <a14:useLocalDpi xmlns:a14="http://schemas.microsoft.com/office/drawing/2010/main" val="0"/>
@@ -3613,8 +11481,8 @@
         </p:blipFill>
         <p:spPr>
           <a:xfrm>
-            <a:off x="0" y="274320"/>
-            <a:ext cx="12192000" cy="6309360"/>
+            <a:off x="3259981" y="4698749"/>
+            <a:ext cx="5672037" cy="1865013"/>
           </a:xfrm>
           <a:prstGeom prst="rect">
             <a:avLst/>
@@ -3624,7 +11492,7 @@
     </p:spTree>
     <p:extLst>
       <p:ext uri="{BB962C8B-B14F-4D97-AF65-F5344CB8AC3E}">
-        <p14:creationId xmlns:p14="http://schemas.microsoft.com/office/powerpoint/2010/main" val="2141260180"/>
+        <p14:creationId xmlns:p14="http://schemas.microsoft.com/office/powerpoint/2010/main" val="233249709"/>
       </p:ext>
     </p:extLst>
   </p:cSld>
@@ -3658,40 +11526,64 @@
           <a:chExt cx="0" cy="0"/>
         </a:xfrm>
       </p:grpSpPr>
+      <p:sp>
+        <p:nvSpPr>
+          <p:cNvPr id="2" name="Título 1"/>
+          <p:cNvSpPr>
+            <a:spLocks noGrp="1"/>
+          </p:cNvSpPr>
+          <p:nvPr>
+            <p:ph type="title"/>
+          </p:nvPr>
+        </p:nvSpPr>
+        <p:spPr/>
+        <p:txBody>
+          <a:bodyPr/>
+          <a:lstStyle/>
+          <a:p>
+            <a:r>
+              <a:rPr lang="es-ES" dirty="0" smtClean="0"/>
+              <a:t>Geolocalización</a:t>
+            </a:r>
+            <a:endParaRPr lang="es-ES" dirty="0"/>
+          </a:p>
+        </p:txBody>
+      </p:sp>
       <p:pic>
         <p:nvPicPr>
-          <p:cNvPr id="3" name="Imagen 2"/>
+          <p:cNvPr id="7" name="dfsdgsg">
+            <a:hlinkClick r:id="" action="ppaction://media"/>
+          </p:cNvPr>
           <p:cNvPicPr>
-            <a:picLocks noChangeAspect="1"/>
+            <a:picLocks noGrp="1" noChangeAspect="1"/>
           </p:cNvPicPr>
-          <p:nvPr/>
+          <p:nvPr>
+            <p:ph idx="1"/>
+            <a:videoFile r:link="rId2"/>
+            <p:extLst>
+              <p:ext uri="{DAA4B4D4-6D71-4841-9C94-3DE7FCFB9230}">
+                <p14:media xmlns:p14="http://schemas.microsoft.com/office/powerpoint/2010/main" r:embed="rId1"/>
+              </p:ext>
+            </p:extLst>
+          </p:nvPr>
         </p:nvPicPr>
         <p:blipFill>
-          <a:blip r:embed="rId2">
-            <a:extLst>
-              <a:ext uri="{28A0092B-C50C-407E-A947-70E740481C1C}">
-                <a14:useLocalDpi xmlns:a14="http://schemas.microsoft.com/office/drawing/2010/main" val="0"/>
-              </a:ext>
-            </a:extLst>
-          </a:blip>
+          <a:blip r:embed="rId5"/>
           <a:stretch>
             <a:fillRect/>
           </a:stretch>
         </p:blipFill>
         <p:spPr>
           <a:xfrm>
-            <a:off x="1796465" y="1150268"/>
-            <a:ext cx="8935704" cy="4507192"/>
+            <a:off x="838200" y="3394075"/>
+            <a:ext cx="10515600" cy="1212850"/>
           </a:xfrm>
-          <a:prstGeom prst="rect">
-            <a:avLst/>
-          </a:prstGeom>
         </p:spPr>
       </p:pic>
     </p:spTree>
     <p:extLst>
       <p:ext uri="{BB962C8B-B14F-4D97-AF65-F5344CB8AC3E}">
-        <p14:creationId xmlns:p14="http://schemas.microsoft.com/office/powerpoint/2010/main" val="3294839507"/>
+        <p14:creationId xmlns:p14="http://schemas.microsoft.com/office/powerpoint/2010/main" val="4065159200"/>
       </p:ext>
     </p:extLst>
   </p:cSld>
@@ -3701,7 +11593,80 @@
   <p:timing>
     <p:tnLst>
       <p:par>
-        <p:cTn id="1" dur="indefinite" restart="never" nodeType="tmRoot"/>
+        <p:cTn id="1" dur="indefinite" restart="never" nodeType="tmRoot">
+          <p:childTnLst>
+            <p:seq concurrent="1" nextAc="seek">
+              <p:cTn id="2" restart="whenNotActive" fill="hold" evtFilter="cancelBubble" nodeType="interactiveSeq">
+                <p:stCondLst>
+                  <p:cond evt="onClick" delay="0">
+                    <p:tgtEl>
+                      <p:spTgt spid="7"/>
+                    </p:tgtEl>
+                  </p:cond>
+                </p:stCondLst>
+                <p:endSync evt="end" delay="0">
+                  <p:rtn val="all"/>
+                </p:endSync>
+                <p:childTnLst>
+                  <p:par>
+                    <p:cTn id="3" fill="hold">
+                      <p:stCondLst>
+                        <p:cond delay="0"/>
+                      </p:stCondLst>
+                      <p:childTnLst>
+                        <p:par>
+                          <p:cTn id="4" fill="hold">
+                            <p:stCondLst>
+                              <p:cond delay="0"/>
+                            </p:stCondLst>
+                            <p:childTnLst>
+                              <p:par>
+                                <p:cTn id="5" presetID="2" presetClass="mediacall" presetSubtype="0" fill="hold" nodeType="clickEffect">
+                                  <p:stCondLst>
+                                    <p:cond delay="0"/>
+                                  </p:stCondLst>
+                                  <p:childTnLst>
+                                    <p:cmd type="call" cmd="togglePause">
+                                      <p:cBhvr>
+                                        <p:cTn id="6" dur="1" fill="hold"/>
+                                        <p:tgtEl>
+                                          <p:spTgt spid="7"/>
+                                        </p:tgtEl>
+                                      </p:cBhvr>
+                                    </p:cmd>
+                                  </p:childTnLst>
+                                </p:cTn>
+                              </p:par>
+                            </p:childTnLst>
+                          </p:cTn>
+                        </p:par>
+                      </p:childTnLst>
+                    </p:cTn>
+                  </p:par>
+                </p:childTnLst>
+              </p:cTn>
+              <p:nextCondLst>
+                <p:cond evt="onClick" delay="0">
+                  <p:tgtEl>
+                    <p:spTgt spid="7"/>
+                  </p:tgtEl>
+                </p:cond>
+              </p:nextCondLst>
+            </p:seq>
+            <p:video>
+              <p:cMediaNode vol="80000">
+                <p:cTn id="7" fill="hold" display="0">
+                  <p:stCondLst>
+                    <p:cond delay="indefinite"/>
+                  </p:stCondLst>
+                </p:cTn>
+                <p:tgtEl>
+                  <p:spTgt spid="7"/>
+                </p:tgtEl>
+              </p:cMediaNode>
+            </p:video>
+          </p:childTnLst>
+        </p:cTn>
       </p:par>
     </p:tnLst>
   </p:timing>
@@ -3725,40 +11690,52 @@
           <a:chExt cx="0" cy="0"/>
         </a:xfrm>
       </p:grpSpPr>
-      <p:pic>
-        <p:nvPicPr>
-          <p:cNvPr id="3" name="Imagen 2"/>
-          <p:cNvPicPr>
-            <a:picLocks noChangeAspect="1"/>
-          </p:cNvPicPr>
-          <p:nvPr/>
-        </p:nvPicPr>
-        <p:blipFill>
-          <a:blip r:embed="rId2">
-            <a:extLst>
-              <a:ext uri="{28A0092B-C50C-407E-A947-70E740481C1C}">
-                <a14:useLocalDpi xmlns:a14="http://schemas.microsoft.com/office/drawing/2010/main" val="0"/>
-              </a:ext>
-            </a:extLst>
-          </a:blip>
-          <a:stretch>
-            <a:fillRect/>
-          </a:stretch>
-        </p:blipFill>
-        <p:spPr>
-          <a:xfrm>
-            <a:off x="3545304" y="605588"/>
-            <a:ext cx="5197643" cy="5197643"/>
-          </a:xfrm>
-          <a:prstGeom prst="rect">
-            <a:avLst/>
-          </a:prstGeom>
-        </p:spPr>
-      </p:pic>
+      <p:sp>
+        <p:nvSpPr>
+          <p:cNvPr id="2" name="Título 1"/>
+          <p:cNvSpPr>
+            <a:spLocks noGrp="1"/>
+          </p:cNvSpPr>
+          <p:nvPr>
+            <p:ph type="title"/>
+          </p:nvPr>
+        </p:nvSpPr>
+        <p:spPr/>
+        <p:txBody>
+          <a:bodyPr/>
+          <a:lstStyle/>
+          <a:p>
+            <a:r>
+              <a:rPr lang="es-ES" dirty="0" err="1" smtClean="0"/>
+              <a:t>Scrapping</a:t>
+            </a:r>
+            <a:endParaRPr lang="es-ES" dirty="0"/>
+          </a:p>
+        </p:txBody>
+      </p:sp>
+      <p:sp>
+        <p:nvSpPr>
+          <p:cNvPr id="5" name="Marcador de contenido 4"/>
+          <p:cNvSpPr>
+            <a:spLocks noGrp="1"/>
+          </p:cNvSpPr>
+          <p:nvPr>
+            <p:ph idx="1"/>
+          </p:nvPr>
+        </p:nvSpPr>
+        <p:spPr/>
+        <p:txBody>
+          <a:bodyPr/>
+          <a:lstStyle/>
+          <a:p>
+            <a:endParaRPr lang="es-ES" dirty="0"/>
+          </a:p>
+        </p:txBody>
+      </p:sp>
     </p:spTree>
     <p:extLst>
       <p:ext uri="{BB962C8B-B14F-4D97-AF65-F5344CB8AC3E}">
-        <p14:creationId xmlns:p14="http://schemas.microsoft.com/office/powerpoint/2010/main" val="3911173567"/>
+        <p14:creationId xmlns:p14="http://schemas.microsoft.com/office/powerpoint/2010/main" val="2870981191"/>
       </p:ext>
     </p:extLst>
   </p:cSld>
@@ -3792,40 +11769,52 @@
           <a:chExt cx="0" cy="0"/>
         </a:xfrm>
       </p:grpSpPr>
-      <p:pic>
-        <p:nvPicPr>
-          <p:cNvPr id="3" name="Imagen 2"/>
-          <p:cNvPicPr>
-            <a:picLocks noChangeAspect="1"/>
-          </p:cNvPicPr>
-          <p:nvPr/>
-        </p:nvPicPr>
-        <p:blipFill>
-          <a:blip r:embed="rId2">
-            <a:extLst>
-              <a:ext uri="{28A0092B-C50C-407E-A947-70E740481C1C}">
-                <a14:useLocalDpi xmlns:a14="http://schemas.microsoft.com/office/drawing/2010/main" val="0"/>
-              </a:ext>
-            </a:extLst>
-          </a:blip>
-          <a:stretch>
-            <a:fillRect/>
-          </a:stretch>
-        </p:blipFill>
-        <p:spPr>
-          <a:xfrm>
-            <a:off x="2032000" y="889000"/>
-            <a:ext cx="8128000" cy="5080000"/>
-          </a:xfrm>
-          <a:prstGeom prst="rect">
-            <a:avLst/>
-          </a:prstGeom>
-        </p:spPr>
-      </p:pic>
+      <p:sp>
+        <p:nvSpPr>
+          <p:cNvPr id="2" name="Título 1"/>
+          <p:cNvSpPr>
+            <a:spLocks noGrp="1"/>
+          </p:cNvSpPr>
+          <p:nvPr>
+            <p:ph type="title"/>
+          </p:nvPr>
+        </p:nvSpPr>
+        <p:spPr/>
+        <p:txBody>
+          <a:bodyPr/>
+          <a:lstStyle/>
+          <a:p>
+            <a:r>
+              <a:rPr lang="es-ES" dirty="0" smtClean="0"/>
+              <a:t>API de TWITTER</a:t>
+            </a:r>
+            <a:endParaRPr lang="es-ES" dirty="0"/>
+          </a:p>
+        </p:txBody>
+      </p:sp>
+      <p:sp>
+        <p:nvSpPr>
+          <p:cNvPr id="5" name="Marcador de contenido 4"/>
+          <p:cNvSpPr>
+            <a:spLocks noGrp="1"/>
+          </p:cNvSpPr>
+          <p:nvPr>
+            <p:ph idx="1"/>
+          </p:nvPr>
+        </p:nvSpPr>
+        <p:spPr/>
+        <p:txBody>
+          <a:bodyPr/>
+          <a:lstStyle/>
+          <a:p>
+            <a:endParaRPr lang="es-ES" dirty="0"/>
+          </a:p>
+        </p:txBody>
+      </p:sp>
     </p:spTree>
     <p:extLst>
       <p:ext uri="{BB962C8B-B14F-4D97-AF65-F5344CB8AC3E}">
-        <p14:creationId xmlns:p14="http://schemas.microsoft.com/office/powerpoint/2010/main" val="1449880844"/>
+        <p14:creationId xmlns:p14="http://schemas.microsoft.com/office/powerpoint/2010/main" val="3022583968"/>
       </p:ext>
     </p:extLst>
   </p:cSld>
@@ -4101,4 +12090,265 @@
     </a:ext>
   </a:extLst>
 </a:theme>
+</file>
+
+<file path=ppt/theme/theme2.xml><?xml version="1.0" encoding="utf-8"?>
+<a:theme xmlns:a="http://schemas.openxmlformats.org/drawingml/2006/main" name="Tema de Office">
+  <a:themeElements>
+    <a:clrScheme name="Office">
+      <a:dk1>
+        <a:sysClr val="windowText" lastClr="000000"/>
+      </a:dk1>
+      <a:lt1>
+        <a:sysClr val="window" lastClr="FFFFFF"/>
+      </a:lt1>
+      <a:dk2>
+        <a:srgbClr val="44546A"/>
+      </a:dk2>
+      <a:lt2>
+        <a:srgbClr val="E7E6E6"/>
+      </a:lt2>
+      <a:accent1>
+        <a:srgbClr val="5B9BD5"/>
+      </a:accent1>
+      <a:accent2>
+        <a:srgbClr val="ED7D31"/>
+      </a:accent2>
+      <a:accent3>
+        <a:srgbClr val="A5A5A5"/>
+      </a:accent3>
+      <a:accent4>
+        <a:srgbClr val="FFC000"/>
+      </a:accent4>
+      <a:accent5>
+        <a:srgbClr val="4472C4"/>
+      </a:accent5>
+      <a:accent6>
+        <a:srgbClr val="70AD47"/>
+      </a:accent6>
+      <a:hlink>
+        <a:srgbClr val="0563C1"/>
+      </a:hlink>
+      <a:folHlink>
+        <a:srgbClr val="954F72"/>
+      </a:folHlink>
+    </a:clrScheme>
+    <a:fontScheme name="Office">
+      <a:majorFont>
+        <a:latin typeface="Calibri Light" panose="020F0302020204030204"/>
+        <a:ea typeface=""/>
+        <a:cs typeface=""/>
+        <a:font script="Jpan" typeface="ＭＳ Ｐゴシック"/>
+        <a:font script="Hang" typeface="맑은 고딕"/>
+        <a:font script="Hans" typeface="宋体"/>
+        <a:font script="Hant" typeface="新細明體"/>
+        <a:font script="Arab" typeface="Times New Roman"/>
+        <a:font script="Hebr" typeface="Times New Roman"/>
+        <a:font script="Thai" typeface="Angsana New"/>
+        <a:font script="Ethi" typeface="Nyala"/>
+        <a:font script="Beng" typeface="Vrinda"/>
+        <a:font script="Gujr" typeface="Shruti"/>
+        <a:font script="Khmr" typeface="MoolBoran"/>
+        <a:font script="Knda" typeface="Tunga"/>
+        <a:font script="Guru" typeface="Raavi"/>
+        <a:font script="Cans" typeface="Euphemia"/>
+        <a:font script="Cher" typeface="Plantagenet Cherokee"/>
+        <a:font script="Yiii" typeface="Microsoft Yi Baiti"/>
+        <a:font script="Tibt" typeface="Microsoft Himalaya"/>
+        <a:font script="Thaa" typeface="MV Boli"/>
+        <a:font script="Deva" typeface="Mangal"/>
+        <a:font script="Telu" typeface="Gautami"/>
+        <a:font script="Taml" typeface="Latha"/>
+        <a:font script="Syrc" typeface="Estrangelo Edessa"/>
+        <a:font script="Orya" typeface="Kalinga"/>
+        <a:font script="Mlym" typeface="Kartika"/>
+        <a:font script="Laoo" typeface="DokChampa"/>
+        <a:font script="Sinh" typeface="Iskoola Pota"/>
+        <a:font script="Mong" typeface="Mongolian Baiti"/>
+        <a:font script="Viet" typeface="Times New Roman"/>
+        <a:font script="Uigh" typeface="Microsoft Uighur"/>
+        <a:font script="Geor" typeface="Sylfaen"/>
+      </a:majorFont>
+      <a:minorFont>
+        <a:latin typeface="Calibri" panose="020F0502020204030204"/>
+        <a:ea typeface=""/>
+        <a:cs typeface=""/>
+        <a:font script="Jpan" typeface="ＭＳ Ｐゴシック"/>
+        <a:font script="Hang" typeface="맑은 고딕"/>
+        <a:font script="Hans" typeface="宋体"/>
+        <a:font script="Hant" typeface="新細明體"/>
+        <a:font script="Arab" typeface="Arial"/>
+        <a:font script="Hebr" typeface="Arial"/>
+        <a:font script="Thai" typeface="Cordia New"/>
+        <a:font script="Ethi" typeface="Nyala"/>
+        <a:font script="Beng" typeface="Vrinda"/>
+        <a:font script="Gujr" typeface="Shruti"/>
+        <a:font script="Khmr" typeface="DaunPenh"/>
+        <a:font script="Knda" typeface="Tunga"/>
+        <a:font script="Guru" typeface="Raavi"/>
+        <a:font script="Cans" typeface="Euphemia"/>
+        <a:font script="Cher" typeface="Plantagenet Cherokee"/>
+        <a:font script="Yiii" typeface="Microsoft Yi Baiti"/>
+        <a:font script="Tibt" typeface="Microsoft Himalaya"/>
+        <a:font script="Thaa" typeface="MV Boli"/>
+        <a:font script="Deva" typeface="Mangal"/>
+        <a:font script="Telu" typeface="Gautami"/>
+        <a:font script="Taml" typeface="Latha"/>
+        <a:font script="Syrc" typeface="Estrangelo Edessa"/>
+        <a:font script="Orya" typeface="Kalinga"/>
+        <a:font script="Mlym" typeface="Kartika"/>
+        <a:font script="Laoo" typeface="DokChampa"/>
+        <a:font script="Sinh" typeface="Iskoola Pota"/>
+        <a:font script="Mong" typeface="Mongolian Baiti"/>
+        <a:font script="Viet" typeface="Arial"/>
+        <a:font script="Uigh" typeface="Microsoft Uighur"/>
+        <a:font script="Geor" typeface="Sylfaen"/>
+      </a:minorFont>
+    </a:fontScheme>
+    <a:fmtScheme name="Office">
+      <a:fillStyleLst>
+        <a:solidFill>
+          <a:schemeClr val="phClr"/>
+        </a:solidFill>
+        <a:gradFill rotWithShape="1">
+          <a:gsLst>
+            <a:gs pos="0">
+              <a:schemeClr val="phClr">
+                <a:lumMod val="110000"/>
+                <a:satMod val="105000"/>
+                <a:tint val="67000"/>
+              </a:schemeClr>
+            </a:gs>
+            <a:gs pos="50000">
+              <a:schemeClr val="phClr">
+                <a:lumMod val="105000"/>
+                <a:satMod val="103000"/>
+                <a:tint val="73000"/>
+              </a:schemeClr>
+            </a:gs>
+            <a:gs pos="100000">
+              <a:schemeClr val="phClr">
+                <a:lumMod val="105000"/>
+                <a:satMod val="109000"/>
+                <a:tint val="81000"/>
+              </a:schemeClr>
+            </a:gs>
+          </a:gsLst>
+          <a:lin ang="5400000" scaled="0"/>
+        </a:gradFill>
+        <a:gradFill rotWithShape="1">
+          <a:gsLst>
+            <a:gs pos="0">
+              <a:schemeClr val="phClr">
+                <a:satMod val="103000"/>
+                <a:lumMod val="102000"/>
+                <a:tint val="94000"/>
+              </a:schemeClr>
+            </a:gs>
+            <a:gs pos="50000">
+              <a:schemeClr val="phClr">
+                <a:satMod val="110000"/>
+                <a:lumMod val="100000"/>
+                <a:shade val="100000"/>
+              </a:schemeClr>
+            </a:gs>
+            <a:gs pos="100000">
+              <a:schemeClr val="phClr">
+                <a:lumMod val="99000"/>
+                <a:satMod val="120000"/>
+                <a:shade val="78000"/>
+              </a:schemeClr>
+            </a:gs>
+          </a:gsLst>
+          <a:lin ang="5400000" scaled="0"/>
+        </a:gradFill>
+      </a:fillStyleLst>
+      <a:lnStyleLst>
+        <a:ln w="6350" cap="flat" cmpd="sng" algn="ctr">
+          <a:solidFill>
+            <a:schemeClr val="phClr"/>
+          </a:solidFill>
+          <a:prstDash val="solid"/>
+          <a:miter lim="800000"/>
+        </a:ln>
+        <a:ln w="12700" cap="flat" cmpd="sng" algn="ctr">
+          <a:solidFill>
+            <a:schemeClr val="phClr"/>
+          </a:solidFill>
+          <a:prstDash val="solid"/>
+          <a:miter lim="800000"/>
+        </a:ln>
+        <a:ln w="19050" cap="flat" cmpd="sng" algn="ctr">
+          <a:solidFill>
+            <a:schemeClr val="phClr"/>
+          </a:solidFill>
+          <a:prstDash val="solid"/>
+          <a:miter lim="800000"/>
+        </a:ln>
+      </a:lnStyleLst>
+      <a:effectStyleLst>
+        <a:effectStyle>
+          <a:effectLst/>
+        </a:effectStyle>
+        <a:effectStyle>
+          <a:effectLst/>
+        </a:effectStyle>
+        <a:effectStyle>
+          <a:effectLst>
+            <a:outerShdw blurRad="57150" dist="19050" dir="5400000" algn="ctr" rotWithShape="0">
+              <a:srgbClr val="000000">
+                <a:alpha val="63000"/>
+              </a:srgbClr>
+            </a:outerShdw>
+          </a:effectLst>
+        </a:effectStyle>
+      </a:effectStyleLst>
+      <a:bgFillStyleLst>
+        <a:solidFill>
+          <a:schemeClr val="phClr"/>
+        </a:solidFill>
+        <a:solidFill>
+          <a:schemeClr val="phClr">
+            <a:tint val="95000"/>
+            <a:satMod val="170000"/>
+          </a:schemeClr>
+        </a:solidFill>
+        <a:gradFill rotWithShape="1">
+          <a:gsLst>
+            <a:gs pos="0">
+              <a:schemeClr val="phClr">
+                <a:tint val="93000"/>
+                <a:satMod val="150000"/>
+                <a:shade val="98000"/>
+                <a:lumMod val="102000"/>
+              </a:schemeClr>
+            </a:gs>
+            <a:gs pos="50000">
+              <a:schemeClr val="phClr">
+                <a:tint val="98000"/>
+                <a:satMod val="130000"/>
+                <a:shade val="90000"/>
+                <a:lumMod val="103000"/>
+              </a:schemeClr>
+            </a:gs>
+            <a:gs pos="100000">
+              <a:schemeClr val="phClr">
+                <a:shade val="63000"/>
+                <a:satMod val="120000"/>
+              </a:schemeClr>
+            </a:gs>
+          </a:gsLst>
+          <a:lin ang="5400000" scaled="0"/>
+        </a:gradFill>
+      </a:bgFillStyleLst>
+    </a:fmtScheme>
+  </a:themeElements>
+  <a:objectDefaults/>
+  <a:extraClrSchemeLst/>
+  <a:extLst>
+    <a:ext uri="{05A4C25C-085E-4340-85A3-A5531E510DB2}">
+      <thm15:themeFamily xmlns:thm15="http://schemas.microsoft.com/office/thememl/2012/main" name="Office Theme" id="{62F939B6-93AF-4DB8-9C6B-D6C7DFDC589F}" vid="{4A3C46E8-61CC-4603-A589-7422A47A8E4A}"/>
+    </a:ext>
+  </a:extLst>
+</a:theme>
 </file>
--- a/DOCUMENTACION PROYECTO/presentacion YSTC.pptx
+++ b/DOCUMENTACION PROYECTO/presentacion YSTC.pptx
@@ -5,7 +5,7 @@
     <p:sldMasterId id="2147483648" r:id="rId1"/>
   </p:sldMasterIdLst>
   <p:notesMasterIdLst>
-    <p:notesMasterId r:id="rId33"/>
+    <p:notesMasterId r:id="rId35"/>
   </p:notesMasterIdLst>
   <p:sldIdLst>
     <p:sldId id="259" r:id="rId2"/>
@@ -21,24 +21,26 @@
     <p:sldId id="291" r:id="rId12"/>
     <p:sldId id="261" r:id="rId13"/>
     <p:sldId id="273" r:id="rId14"/>
-    <p:sldId id="262" r:id="rId15"/>
-    <p:sldId id="272" r:id="rId16"/>
-    <p:sldId id="263" r:id="rId17"/>
-    <p:sldId id="264" r:id="rId18"/>
-    <p:sldId id="277" r:id="rId19"/>
-    <p:sldId id="265" r:id="rId20"/>
-    <p:sldId id="276" r:id="rId21"/>
-    <p:sldId id="266" r:id="rId22"/>
-    <p:sldId id="275" r:id="rId23"/>
-    <p:sldId id="267" r:id="rId24"/>
-    <p:sldId id="282" r:id="rId25"/>
-    <p:sldId id="280" r:id="rId26"/>
-    <p:sldId id="268" r:id="rId27"/>
-    <p:sldId id="279" r:id="rId28"/>
-    <p:sldId id="292" r:id="rId29"/>
-    <p:sldId id="278" r:id="rId30"/>
-    <p:sldId id="274" r:id="rId31"/>
-    <p:sldId id="284" r:id="rId32"/>
+    <p:sldId id="294" r:id="rId15"/>
+    <p:sldId id="293" r:id="rId16"/>
+    <p:sldId id="262" r:id="rId17"/>
+    <p:sldId id="272" r:id="rId18"/>
+    <p:sldId id="263" r:id="rId19"/>
+    <p:sldId id="264" r:id="rId20"/>
+    <p:sldId id="277" r:id="rId21"/>
+    <p:sldId id="265" r:id="rId22"/>
+    <p:sldId id="276" r:id="rId23"/>
+    <p:sldId id="266" r:id="rId24"/>
+    <p:sldId id="275" r:id="rId25"/>
+    <p:sldId id="267" r:id="rId26"/>
+    <p:sldId id="282" r:id="rId27"/>
+    <p:sldId id="280" r:id="rId28"/>
+    <p:sldId id="268" r:id="rId29"/>
+    <p:sldId id="279" r:id="rId30"/>
+    <p:sldId id="292" r:id="rId31"/>
+    <p:sldId id="278" r:id="rId32"/>
+    <p:sldId id="274" r:id="rId33"/>
+    <p:sldId id="284" r:id="rId34"/>
   </p:sldIdLst>
   <p:sldSz cx="12192000" cy="6858000"/>
   <p:notesSz cx="6858000" cy="9144000"/>
@@ -227,7 +229,7 @@
           <a:p>
             <a:fld id="{1D98E58F-FA58-450E-86A0-9AB5F540E9A0}" type="datetimeFigureOut">
               <a:rPr lang="es-ES" smtClean="0"/>
-              <a:t>26/05/2018</a:t>
+              <a:t>03/06/2018</a:t>
             </a:fld>
             <a:endParaRPr lang="es-ES"/>
           </a:p>
@@ -1274,35 +1276,6 @@
           <a:bodyPr/>
           <a:lstStyle/>
           <a:p>
-            <a:pPr marL="0" marR="0" lvl="0" indent="0" algn="l" defTabSz="914400" rtl="0" eaLnBrk="1" fontAlgn="auto" latinLnBrk="0" hangingPunct="1">
-              <a:lnSpc>
-                <a:spcPct val="100000"/>
-              </a:lnSpc>
-              <a:spcBef>
-                <a:spcPts val="0"/>
-              </a:spcBef>
-              <a:spcAft>
-                <a:spcPts val="0"/>
-              </a:spcAft>
-              <a:buClrTx/>
-              <a:buSzTx/>
-              <a:buFontTx/>
-              <a:buNone/>
-              <a:tabLst/>
-              <a:defRPr/>
-            </a:pPr>
-            <a:r>
-              <a:rPr lang="es-ES_tradnl" sz="1200" kern="1200" dirty="0" err="1" smtClean="0">
-                <a:solidFill>
-                  <a:schemeClr val="tx1"/>
-                </a:solidFill>
-                <a:effectLst/>
-                <a:latin typeface="+mn-lt"/>
-                <a:ea typeface="+mn-ea"/>
-                <a:cs typeface="+mn-cs"/>
-              </a:rPr>
-              <a:t>MySQL</a:t>
-            </a:r>
             <a:r>
               <a:rPr lang="es-ES_tradnl" sz="1200" kern="1200" dirty="0" smtClean="0">
                 <a:solidFill>
@@ -1313,8 +1286,10 @@
                 <a:ea typeface="+mn-ea"/>
                 <a:cs typeface="+mn-cs"/>
               </a:rPr>
-              <a:t> ha sido el gestor de base de datos elegido debido a su facilidad de uso y a su ligereza que hacen de él la opción más utilizada para este tipo de proyectos Web.</a:t>
-            </a:r>
+              <a:t>Para llevar a cabo el patrón MVC creamos los DAO y los BO.</a:t>
+            </a:r>
+          </a:p>
+          <a:p>
             <a:endParaRPr lang="es-ES" sz="1200" kern="1200" dirty="0" smtClean="0">
               <a:solidFill>
                 <a:schemeClr val="tx1"/>
@@ -1326,6 +1301,18 @@
             </a:endParaRPr>
           </a:p>
           <a:p>
+            <a:r>
+              <a:rPr lang="es-ES_tradnl" sz="1200" kern="1200" dirty="0" smtClean="0">
+                <a:solidFill>
+                  <a:schemeClr val="tx1"/>
+                </a:solidFill>
+                <a:effectLst/>
+                <a:latin typeface="+mn-lt"/>
+                <a:ea typeface="+mn-ea"/>
+                <a:cs typeface="+mn-cs"/>
+              </a:rPr>
+              <a:t>A groso modo podemos decir que: el DAO es el que va a base de datos y se conecta con ella, </a:t>
+            </a:r>
             <a:endParaRPr lang="es-ES" dirty="0"/>
           </a:p>
         </p:txBody>
@@ -1356,7 +1343,7 @@
     </p:spTree>
     <p:extLst>
       <p:ext uri="{BB962C8B-B14F-4D97-AF65-F5344CB8AC3E}">
-        <p14:creationId xmlns:p14="http://schemas.microsoft.com/office/powerpoint/2010/main" val="3497186008"/>
+        <p14:creationId xmlns:p14="http://schemas.microsoft.com/office/powerpoint/2010/main" val="2449155211"/>
       </p:ext>
     </p:extLst>
   </p:cSld>
@@ -1420,32 +1407,22 @@
                 <a:ea typeface="+mn-ea"/>
                 <a:cs typeface="+mn-cs"/>
               </a:rPr>
-              <a:t>Una vez teníamos</a:t>
-            </a:r>
-            <a:r>
-              <a:rPr lang="es-ES_tradnl" sz="1200" kern="1200" baseline="0" dirty="0" smtClean="0">
-                <a:solidFill>
-                  <a:schemeClr val="tx1"/>
-                </a:solidFill>
-                <a:effectLst/>
-                <a:latin typeface="+mn-lt"/>
-                <a:ea typeface="+mn-ea"/>
-                <a:cs typeface="+mn-cs"/>
-              </a:rPr>
-              <a:t> claro que entidades serian necesarias para nuestro propósito, </a:t>
-            </a:r>
-            <a:r>
-              <a:rPr lang="es-ES_tradnl" sz="1200" kern="1200" dirty="0" smtClean="0">
-                <a:solidFill>
-                  <a:schemeClr val="tx1"/>
-                </a:solidFill>
-                <a:effectLst/>
-                <a:latin typeface="+mn-lt"/>
-                <a:ea typeface="+mn-ea"/>
-                <a:cs typeface="+mn-cs"/>
-              </a:rPr>
-              <a:t>realizamos un primer modelo entidad relación que posteriormente una vez acordado pasamos a modelo relacional y que finalmente se crea físicamente con el resultado que podemos ver en este esquema.</a:t>
-            </a:r>
+              <a:t>y el BO es el encargado de insertar, borrar, actualizar etc…contiene el esquema/propiedades de la Base de datos.</a:t>
+            </a:r>
+            <a:endParaRPr lang="es-ES" sz="1200" kern="1200" dirty="0" smtClean="0">
+              <a:solidFill>
+                <a:schemeClr val="tx1"/>
+              </a:solidFill>
+              <a:effectLst/>
+              <a:latin typeface="+mn-lt"/>
+              <a:ea typeface="+mn-ea"/>
+              <a:cs typeface="+mn-cs"/>
+            </a:endParaRPr>
+          </a:p>
+          <a:p>
+            <a:endParaRPr lang="es-ES" dirty="0" smtClean="0"/>
+          </a:p>
+          <a:p>
             <a:endParaRPr lang="es-ES" dirty="0"/>
           </a:p>
         </p:txBody>
@@ -1476,7 +1453,7 @@
     </p:spTree>
     <p:extLst>
       <p:ext uri="{BB962C8B-B14F-4D97-AF65-F5344CB8AC3E}">
-        <p14:creationId xmlns:p14="http://schemas.microsoft.com/office/powerpoint/2010/main" val="957838385"/>
+        <p14:creationId xmlns:p14="http://schemas.microsoft.com/office/powerpoint/2010/main" val="3964825300"/>
       </p:ext>
     </p:extLst>
   </p:cSld>
@@ -1548,6 +1525,262 @@
               <a:defRPr/>
             </a:pPr>
             <a:r>
+              <a:rPr lang="es-ES_tradnl" sz="1200" kern="1200" dirty="0" err="1" smtClean="0">
+                <a:solidFill>
+                  <a:schemeClr val="tx1"/>
+                </a:solidFill>
+                <a:effectLst/>
+                <a:latin typeface="+mn-lt"/>
+                <a:ea typeface="+mn-ea"/>
+                <a:cs typeface="+mn-cs"/>
+              </a:rPr>
+              <a:t>MySQL</a:t>
+            </a:r>
+            <a:r>
+              <a:rPr lang="es-ES_tradnl" sz="1200" kern="1200" dirty="0" smtClean="0">
+                <a:solidFill>
+                  <a:schemeClr val="tx1"/>
+                </a:solidFill>
+                <a:effectLst/>
+                <a:latin typeface="+mn-lt"/>
+                <a:ea typeface="+mn-ea"/>
+                <a:cs typeface="+mn-cs"/>
+              </a:rPr>
+              <a:t> ha sido el gestor de base de datos elegido debido a su facilidad de uso y a su ligereza que hacen de él la opción más utilizada para este tipo de proyectos Web.</a:t>
+            </a:r>
+            <a:endParaRPr lang="es-ES" sz="1200" kern="1200" dirty="0" smtClean="0">
+              <a:solidFill>
+                <a:schemeClr val="tx1"/>
+              </a:solidFill>
+              <a:effectLst/>
+              <a:latin typeface="+mn-lt"/>
+              <a:ea typeface="+mn-ea"/>
+              <a:cs typeface="+mn-cs"/>
+            </a:endParaRPr>
+          </a:p>
+          <a:p>
+            <a:endParaRPr lang="es-ES" dirty="0"/>
+          </a:p>
+        </p:txBody>
+      </p:sp>
+      <p:sp>
+        <p:nvSpPr>
+          <p:cNvPr id="4" name="Marcador de número de diapositiva 3"/>
+          <p:cNvSpPr>
+            <a:spLocks noGrp="1"/>
+          </p:cNvSpPr>
+          <p:nvPr>
+            <p:ph type="sldNum" sz="quarter" idx="10"/>
+          </p:nvPr>
+        </p:nvSpPr>
+        <p:spPr/>
+        <p:txBody>
+          <a:bodyPr/>
+          <a:lstStyle/>
+          <a:p>
+            <a:fld id="{DB7D0A05-FF74-4049-BC13-A9ACD9D2AB82}" type="slidenum">
+              <a:rPr lang="es-ES" smtClean="0"/>
+              <a:t>16</a:t>
+            </a:fld>
+            <a:endParaRPr lang="es-ES"/>
+          </a:p>
+        </p:txBody>
+      </p:sp>
+    </p:spTree>
+    <p:extLst>
+      <p:ext uri="{BB962C8B-B14F-4D97-AF65-F5344CB8AC3E}">
+        <p14:creationId xmlns:p14="http://schemas.microsoft.com/office/powerpoint/2010/main" val="3497186008"/>
+      </p:ext>
+    </p:extLst>
+  </p:cSld>
+  <p:clrMapOvr>
+    <a:masterClrMapping/>
+  </p:clrMapOvr>
+</p:notes>
+</file>
+
+<file path=ppt/notesSlides/notesSlide17.xml><?xml version="1.0" encoding="utf-8"?>
+<p:notes xmlns:a="http://schemas.openxmlformats.org/drawingml/2006/main" xmlns:r="http://schemas.openxmlformats.org/officeDocument/2006/relationships" xmlns:p="http://schemas.openxmlformats.org/presentationml/2006/main">
+  <p:cSld>
+    <p:spTree>
+      <p:nvGrpSpPr>
+        <p:cNvPr id="1" name=""/>
+        <p:cNvGrpSpPr/>
+        <p:nvPr/>
+      </p:nvGrpSpPr>
+      <p:grpSpPr>
+        <a:xfrm>
+          <a:off x="0" y="0"/>
+          <a:ext cx="0" cy="0"/>
+          <a:chOff x="0" y="0"/>
+          <a:chExt cx="0" cy="0"/>
+        </a:xfrm>
+      </p:grpSpPr>
+      <p:sp>
+        <p:nvSpPr>
+          <p:cNvPr id="2" name="Marcador de imagen de diapositiva 1"/>
+          <p:cNvSpPr>
+            <a:spLocks noGrp="1" noRot="1" noChangeAspect="1"/>
+          </p:cNvSpPr>
+          <p:nvPr>
+            <p:ph type="sldImg"/>
+          </p:nvPr>
+        </p:nvSpPr>
+        <p:spPr/>
+      </p:sp>
+      <p:sp>
+        <p:nvSpPr>
+          <p:cNvPr id="3" name="Marcador de notas 2"/>
+          <p:cNvSpPr>
+            <a:spLocks noGrp="1"/>
+          </p:cNvSpPr>
+          <p:nvPr>
+            <p:ph type="body" idx="1"/>
+          </p:nvPr>
+        </p:nvSpPr>
+        <p:spPr/>
+        <p:txBody>
+          <a:bodyPr/>
+          <a:lstStyle/>
+          <a:p>
+            <a:r>
+              <a:rPr lang="es-ES_tradnl" sz="1200" kern="1200" dirty="0" smtClean="0">
+                <a:solidFill>
+                  <a:schemeClr val="tx1"/>
+                </a:solidFill>
+                <a:effectLst/>
+                <a:latin typeface="+mn-lt"/>
+                <a:ea typeface="+mn-ea"/>
+                <a:cs typeface="+mn-cs"/>
+              </a:rPr>
+              <a:t>Una vez teníamos</a:t>
+            </a:r>
+            <a:r>
+              <a:rPr lang="es-ES_tradnl" sz="1200" kern="1200" baseline="0" dirty="0" smtClean="0">
+                <a:solidFill>
+                  <a:schemeClr val="tx1"/>
+                </a:solidFill>
+                <a:effectLst/>
+                <a:latin typeface="+mn-lt"/>
+                <a:ea typeface="+mn-ea"/>
+                <a:cs typeface="+mn-cs"/>
+              </a:rPr>
+              <a:t> claro que entidades serian necesarias para nuestro propósito, </a:t>
+            </a:r>
+            <a:r>
+              <a:rPr lang="es-ES_tradnl" sz="1200" kern="1200" dirty="0" smtClean="0">
+                <a:solidFill>
+                  <a:schemeClr val="tx1"/>
+                </a:solidFill>
+                <a:effectLst/>
+                <a:latin typeface="+mn-lt"/>
+                <a:ea typeface="+mn-ea"/>
+                <a:cs typeface="+mn-cs"/>
+              </a:rPr>
+              <a:t>realizamos un primer modelo entidad relación que posteriormente una vez acordado pasamos a modelo relacional y que finalmente se crea físicamente con el resultado que podemos ver en este esquema.</a:t>
+            </a:r>
+            <a:endParaRPr lang="es-ES" dirty="0"/>
+          </a:p>
+        </p:txBody>
+      </p:sp>
+      <p:sp>
+        <p:nvSpPr>
+          <p:cNvPr id="4" name="Marcador de número de diapositiva 3"/>
+          <p:cNvSpPr>
+            <a:spLocks noGrp="1"/>
+          </p:cNvSpPr>
+          <p:nvPr>
+            <p:ph type="sldNum" sz="quarter" idx="10"/>
+          </p:nvPr>
+        </p:nvSpPr>
+        <p:spPr/>
+        <p:txBody>
+          <a:bodyPr/>
+          <a:lstStyle/>
+          <a:p>
+            <a:fld id="{DB7D0A05-FF74-4049-BC13-A9ACD9D2AB82}" type="slidenum">
+              <a:rPr lang="es-ES" smtClean="0"/>
+              <a:t>17</a:t>
+            </a:fld>
+            <a:endParaRPr lang="es-ES"/>
+          </a:p>
+        </p:txBody>
+      </p:sp>
+    </p:spTree>
+    <p:extLst>
+      <p:ext uri="{BB962C8B-B14F-4D97-AF65-F5344CB8AC3E}">
+        <p14:creationId xmlns:p14="http://schemas.microsoft.com/office/powerpoint/2010/main" val="957838385"/>
+      </p:ext>
+    </p:extLst>
+  </p:cSld>
+  <p:clrMapOvr>
+    <a:masterClrMapping/>
+  </p:clrMapOvr>
+</p:notes>
+</file>
+
+<file path=ppt/notesSlides/notesSlide18.xml><?xml version="1.0" encoding="utf-8"?>
+<p:notes xmlns:a="http://schemas.openxmlformats.org/drawingml/2006/main" xmlns:r="http://schemas.openxmlformats.org/officeDocument/2006/relationships" xmlns:p="http://schemas.openxmlformats.org/presentationml/2006/main">
+  <p:cSld>
+    <p:spTree>
+      <p:nvGrpSpPr>
+        <p:cNvPr id="1" name=""/>
+        <p:cNvGrpSpPr/>
+        <p:nvPr/>
+      </p:nvGrpSpPr>
+      <p:grpSpPr>
+        <a:xfrm>
+          <a:off x="0" y="0"/>
+          <a:ext cx="0" cy="0"/>
+          <a:chOff x="0" y="0"/>
+          <a:chExt cx="0" cy="0"/>
+        </a:xfrm>
+      </p:grpSpPr>
+      <p:sp>
+        <p:nvSpPr>
+          <p:cNvPr id="2" name="Marcador de imagen de diapositiva 1"/>
+          <p:cNvSpPr>
+            <a:spLocks noGrp="1" noRot="1" noChangeAspect="1"/>
+          </p:cNvSpPr>
+          <p:nvPr>
+            <p:ph type="sldImg"/>
+          </p:nvPr>
+        </p:nvSpPr>
+        <p:spPr/>
+      </p:sp>
+      <p:sp>
+        <p:nvSpPr>
+          <p:cNvPr id="3" name="Marcador de notas 2"/>
+          <p:cNvSpPr>
+            <a:spLocks noGrp="1"/>
+          </p:cNvSpPr>
+          <p:nvPr>
+            <p:ph type="body" idx="1"/>
+          </p:nvPr>
+        </p:nvSpPr>
+        <p:spPr/>
+        <p:txBody>
+          <a:bodyPr/>
+          <a:lstStyle/>
+          <a:p>
+            <a:pPr marL="0" marR="0" lvl="0" indent="0" algn="l" defTabSz="914400" rtl="0" eaLnBrk="1" fontAlgn="auto" latinLnBrk="0" hangingPunct="1">
+              <a:lnSpc>
+                <a:spcPct val="100000"/>
+              </a:lnSpc>
+              <a:spcBef>
+                <a:spcPts val="0"/>
+              </a:spcBef>
+              <a:spcAft>
+                <a:spcPts val="0"/>
+              </a:spcAft>
+              <a:buClrTx/>
+              <a:buSzTx/>
+              <a:buFontTx/>
+              <a:buNone/>
+              <a:tabLst/>
+              <a:defRPr/>
+            </a:pPr>
+            <a:r>
               <a:rPr lang="es-ES_tradnl" sz="1200" kern="1200" dirty="0" smtClean="0">
                 <a:solidFill>
                   <a:schemeClr val="tx1"/>
@@ -1733,7 +1966,7 @@
           <a:p>
             <a:fld id="{DB7D0A05-FF74-4049-BC13-A9ACD9D2AB82}" type="slidenum">
               <a:rPr lang="es-ES" smtClean="0"/>
-              <a:t>16</a:t>
+              <a:t>18</a:t>
             </a:fld>
             <a:endParaRPr lang="es-ES"/>
           </a:p>
@@ -1743,226 +1976,6 @@
     <p:extLst>
       <p:ext uri="{BB962C8B-B14F-4D97-AF65-F5344CB8AC3E}">
         <p14:creationId xmlns:p14="http://schemas.microsoft.com/office/powerpoint/2010/main" val="2828250095"/>
-      </p:ext>
-    </p:extLst>
-  </p:cSld>
-  <p:clrMapOvr>
-    <a:masterClrMapping/>
-  </p:clrMapOvr>
-</p:notes>
-</file>
-
-<file path=ppt/notesSlides/notesSlide17.xml><?xml version="1.0" encoding="utf-8"?>
-<p:notes xmlns:a="http://schemas.openxmlformats.org/drawingml/2006/main" xmlns:r="http://schemas.openxmlformats.org/officeDocument/2006/relationships" xmlns:p="http://schemas.openxmlformats.org/presentationml/2006/main">
-  <p:cSld>
-    <p:spTree>
-      <p:nvGrpSpPr>
-        <p:cNvPr id="1" name=""/>
-        <p:cNvGrpSpPr/>
-        <p:nvPr/>
-      </p:nvGrpSpPr>
-      <p:grpSpPr>
-        <a:xfrm>
-          <a:off x="0" y="0"/>
-          <a:ext cx="0" cy="0"/>
-          <a:chOff x="0" y="0"/>
-          <a:chExt cx="0" cy="0"/>
-        </a:xfrm>
-      </p:grpSpPr>
-      <p:sp>
-        <p:nvSpPr>
-          <p:cNvPr id="2" name="Marcador de imagen de diapositiva 1"/>
-          <p:cNvSpPr>
-            <a:spLocks noGrp="1" noRot="1" noChangeAspect="1"/>
-          </p:cNvSpPr>
-          <p:nvPr>
-            <p:ph type="sldImg"/>
-          </p:nvPr>
-        </p:nvSpPr>
-        <p:spPr/>
-      </p:sp>
-      <p:sp>
-        <p:nvSpPr>
-          <p:cNvPr id="3" name="Marcador de notas 2"/>
-          <p:cNvSpPr>
-            <a:spLocks noGrp="1"/>
-          </p:cNvSpPr>
-          <p:nvPr>
-            <p:ph type="body" idx="1"/>
-          </p:nvPr>
-        </p:nvSpPr>
-        <p:spPr/>
-        <p:txBody>
-          <a:bodyPr/>
-          <a:lstStyle/>
-          <a:p>
-            <a:pPr marL="0" marR="0" lvl="0" indent="0" algn="l" defTabSz="914400" rtl="0" eaLnBrk="1" fontAlgn="auto" latinLnBrk="0" hangingPunct="1">
-              <a:lnSpc>
-                <a:spcPct val="100000"/>
-              </a:lnSpc>
-              <a:spcBef>
-                <a:spcPts val="0"/>
-              </a:spcBef>
-              <a:spcAft>
-                <a:spcPts val="0"/>
-              </a:spcAft>
-              <a:buClrTx/>
-              <a:buSzTx/>
-              <a:buFontTx/>
-              <a:buNone/>
-              <a:tabLst/>
-              <a:defRPr/>
-            </a:pPr>
-            <a:r>
-              <a:rPr lang="es-ES_tradnl" sz="1200" kern="1200" dirty="0" smtClean="0">
-                <a:solidFill>
-                  <a:schemeClr val="tx1"/>
-                </a:solidFill>
-                <a:effectLst/>
-                <a:latin typeface="+mn-lt"/>
-                <a:ea typeface="+mn-ea"/>
-                <a:cs typeface="+mn-cs"/>
-              </a:rPr>
-              <a:t>Librería de estilos creada y liberada por Twitter con una gran popularidad y aceptación en el mundo del diseño web gracias a las facilidades que aporta y que usamos en el proyecto como es su sistema de rejilla.</a:t>
-            </a:r>
-            <a:endParaRPr lang="es-ES" sz="1200" kern="1200" dirty="0" smtClean="0">
-              <a:solidFill>
-                <a:schemeClr val="tx1"/>
-              </a:solidFill>
-              <a:effectLst/>
-              <a:latin typeface="+mn-lt"/>
-              <a:ea typeface="+mn-ea"/>
-              <a:cs typeface="+mn-cs"/>
-            </a:endParaRPr>
-          </a:p>
-          <a:p>
-            <a:endParaRPr lang="es-ES" dirty="0"/>
-          </a:p>
-        </p:txBody>
-      </p:sp>
-      <p:sp>
-        <p:nvSpPr>
-          <p:cNvPr id="4" name="Marcador de número de diapositiva 3"/>
-          <p:cNvSpPr>
-            <a:spLocks noGrp="1"/>
-          </p:cNvSpPr>
-          <p:nvPr>
-            <p:ph type="sldNum" sz="quarter" idx="10"/>
-          </p:nvPr>
-        </p:nvSpPr>
-        <p:spPr/>
-        <p:txBody>
-          <a:bodyPr/>
-          <a:lstStyle/>
-          <a:p>
-            <a:fld id="{DB7D0A05-FF74-4049-BC13-A9ACD9D2AB82}" type="slidenum">
-              <a:rPr lang="es-ES" smtClean="0"/>
-              <a:t>17</a:t>
-            </a:fld>
-            <a:endParaRPr lang="es-ES"/>
-          </a:p>
-        </p:txBody>
-      </p:sp>
-    </p:spTree>
-    <p:extLst>
-      <p:ext uri="{BB962C8B-B14F-4D97-AF65-F5344CB8AC3E}">
-        <p14:creationId xmlns:p14="http://schemas.microsoft.com/office/powerpoint/2010/main" val="429507329"/>
-      </p:ext>
-    </p:extLst>
-  </p:cSld>
-  <p:clrMapOvr>
-    <a:masterClrMapping/>
-  </p:clrMapOvr>
-</p:notes>
-</file>
-
-<file path=ppt/notesSlides/notesSlide18.xml><?xml version="1.0" encoding="utf-8"?>
-<p:notes xmlns:a="http://schemas.openxmlformats.org/drawingml/2006/main" xmlns:r="http://schemas.openxmlformats.org/officeDocument/2006/relationships" xmlns:p="http://schemas.openxmlformats.org/presentationml/2006/main">
-  <p:cSld>
-    <p:spTree>
-      <p:nvGrpSpPr>
-        <p:cNvPr id="1" name=""/>
-        <p:cNvGrpSpPr/>
-        <p:nvPr/>
-      </p:nvGrpSpPr>
-      <p:grpSpPr>
-        <a:xfrm>
-          <a:off x="0" y="0"/>
-          <a:ext cx="0" cy="0"/>
-          <a:chOff x="0" y="0"/>
-          <a:chExt cx="0" cy="0"/>
-        </a:xfrm>
-      </p:grpSpPr>
-      <p:sp>
-        <p:nvSpPr>
-          <p:cNvPr id="2" name="Marcador de imagen de diapositiva 1"/>
-          <p:cNvSpPr>
-            <a:spLocks noGrp="1" noRot="1" noChangeAspect="1"/>
-          </p:cNvSpPr>
-          <p:nvPr>
-            <p:ph type="sldImg"/>
-          </p:nvPr>
-        </p:nvSpPr>
-        <p:spPr/>
-      </p:sp>
-      <p:sp>
-        <p:nvSpPr>
-          <p:cNvPr id="3" name="Marcador de notas 2"/>
-          <p:cNvSpPr>
-            <a:spLocks noGrp="1"/>
-          </p:cNvSpPr>
-          <p:nvPr>
-            <p:ph type="body" idx="1"/>
-          </p:nvPr>
-        </p:nvSpPr>
-        <p:spPr/>
-        <p:txBody>
-          <a:bodyPr/>
-          <a:lstStyle/>
-          <a:p>
-            <a:r>
-              <a:rPr lang="es-ES" dirty="0" smtClean="0"/>
-              <a:t>Aquí vemos como hemos hecho uso del sistema de rejilla de </a:t>
-            </a:r>
-            <a:r>
-              <a:rPr lang="es-ES" dirty="0" err="1" smtClean="0"/>
-              <a:t>bootstrap</a:t>
-            </a:r>
-            <a:r>
-              <a:rPr lang="es-ES" dirty="0" smtClean="0"/>
-              <a:t>.</a:t>
-            </a:r>
-            <a:endParaRPr lang="es-ES" dirty="0"/>
-          </a:p>
-        </p:txBody>
-      </p:sp>
-      <p:sp>
-        <p:nvSpPr>
-          <p:cNvPr id="4" name="Marcador de número de diapositiva 3"/>
-          <p:cNvSpPr>
-            <a:spLocks noGrp="1"/>
-          </p:cNvSpPr>
-          <p:nvPr>
-            <p:ph type="sldNum" sz="quarter" idx="10"/>
-          </p:nvPr>
-        </p:nvSpPr>
-        <p:spPr/>
-        <p:txBody>
-          <a:bodyPr/>
-          <a:lstStyle/>
-          <a:p>
-            <a:fld id="{DB7D0A05-FF74-4049-BC13-A9ACD9D2AB82}" type="slidenum">
-              <a:rPr lang="es-ES" smtClean="0"/>
-              <a:t>18</a:t>
-            </a:fld>
-            <a:endParaRPr lang="es-ES"/>
-          </a:p>
-        </p:txBody>
-      </p:sp>
-    </p:spTree>
-    <p:extLst>
-      <p:ext uri="{BB962C8B-B14F-4D97-AF65-F5344CB8AC3E}">
-        <p14:creationId xmlns:p14="http://schemas.microsoft.com/office/powerpoint/2010/main" val="1732749248"/>
       </p:ext>
     </p:extLst>
   </p:cSld>
@@ -2043,7 +2056,7 @@
                 <a:ea typeface="+mn-ea"/>
                 <a:cs typeface="+mn-cs"/>
               </a:rPr>
-              <a:t>Encargado de generar HTML dinámicamente y elegido por su rapidez y sencillez en cuanto a código para realizar dicha tarea.</a:t>
+              <a:t>Librería de estilos creada y liberada por Twitter con una gran popularidad y aceptación en el mundo del diseño web gracias a las facilidades que aporta y que usamos en el proyecto como es su sistema de rejilla.</a:t>
             </a:r>
             <a:endParaRPr lang="es-ES" sz="1200" kern="1200" dirty="0" smtClean="0">
               <a:solidFill>
@@ -2086,7 +2099,7 @@
     </p:spTree>
     <p:extLst>
       <p:ext uri="{BB962C8B-B14F-4D97-AF65-F5344CB8AC3E}">
-        <p14:creationId xmlns:p14="http://schemas.microsoft.com/office/powerpoint/2010/main" val="1775177090"/>
+        <p14:creationId xmlns:p14="http://schemas.microsoft.com/office/powerpoint/2010/main" val="429507329"/>
       </p:ext>
     </p:extLst>
   </p:cSld>
@@ -2386,11 +2399,15 @@
           <a:p>
             <a:r>
               <a:rPr lang="es-ES" dirty="0" smtClean="0"/>
-              <a:t>Aquí</a:t>
-            </a:r>
-            <a:r>
-              <a:rPr lang="es-ES" baseline="0" dirty="0" smtClean="0"/>
-              <a:t> tenemos un ejemplo de como generamos HTML dinámicamente mediante JQUERY</a:t>
+              <a:t>Aquí vemos como hemos hecho uso del sistema de rejilla de </a:t>
+            </a:r>
+            <a:r>
+              <a:rPr lang="es-ES" dirty="0" err="1" smtClean="0"/>
+              <a:t>bootstrap</a:t>
+            </a:r>
+            <a:r>
+              <a:rPr lang="es-ES" dirty="0" smtClean="0"/>
+              <a:t>.</a:t>
             </a:r>
             <a:endParaRPr lang="es-ES" dirty="0"/>
           </a:p>
@@ -2422,7 +2439,7 @@
     </p:spTree>
     <p:extLst>
       <p:ext uri="{BB962C8B-B14F-4D97-AF65-F5344CB8AC3E}">
-        <p14:creationId xmlns:p14="http://schemas.microsoft.com/office/powerpoint/2010/main" val="1512199226"/>
+        <p14:creationId xmlns:p14="http://schemas.microsoft.com/office/powerpoint/2010/main" val="1732749248"/>
       </p:ext>
     </p:extLst>
   </p:cSld>
@@ -2503,7 +2520,7 @@
                 <a:ea typeface="+mn-ea"/>
                 <a:cs typeface="+mn-cs"/>
               </a:rPr>
-              <a:t>Utilizado para evitar las recargas de la web a la hora de filtrar en las búsquedas.</a:t>
+              <a:t>Encargado de generar HTML dinámicamente y elegido por su rapidez y sencillez en cuanto a código para realizar dicha tarea.</a:t>
             </a:r>
             <a:endParaRPr lang="es-ES" sz="1200" kern="1200" dirty="0" smtClean="0">
               <a:solidFill>
@@ -2546,7 +2563,7 @@
     </p:spTree>
     <p:extLst>
       <p:ext uri="{BB962C8B-B14F-4D97-AF65-F5344CB8AC3E}">
-        <p14:creationId xmlns:p14="http://schemas.microsoft.com/office/powerpoint/2010/main" val="1234860430"/>
+        <p14:creationId xmlns:p14="http://schemas.microsoft.com/office/powerpoint/2010/main" val="1775177090"/>
       </p:ext>
     </p:extLst>
   </p:cSld>
@@ -2602,11 +2619,11 @@
           <a:p>
             <a:r>
               <a:rPr lang="es-ES" dirty="0" smtClean="0"/>
-              <a:t>Este es un ejemplo de llamadas AJAX durante la selección</a:t>
+              <a:t>Aquí</a:t>
             </a:r>
             <a:r>
               <a:rPr lang="es-ES" baseline="0" dirty="0" smtClean="0"/>
-              <a:t> de los distintos filtros de las paginas web de los cines.</a:t>
+              <a:t> tenemos un ejemplo de como generamos HTML dinámicamente mediante JQUERY</a:t>
             </a:r>
             <a:endParaRPr lang="es-ES" dirty="0"/>
           </a:p>
@@ -2638,7 +2655,7 @@
     </p:spTree>
     <p:extLst>
       <p:ext uri="{BB962C8B-B14F-4D97-AF65-F5344CB8AC3E}">
-        <p14:creationId xmlns:p14="http://schemas.microsoft.com/office/powerpoint/2010/main" val="708013584"/>
+        <p14:creationId xmlns:p14="http://schemas.microsoft.com/office/powerpoint/2010/main" val="1512199226"/>
       </p:ext>
     </p:extLst>
   </p:cSld>
@@ -2710,18 +2727,6 @@
               <a:defRPr/>
             </a:pPr>
             <a:r>
-              <a:rPr lang="es-ES_tradnl" sz="1200" kern="1200" dirty="0" err="1" smtClean="0">
-                <a:solidFill>
-                  <a:schemeClr val="tx1"/>
-                </a:solidFill>
-                <a:effectLst/>
-                <a:latin typeface="+mn-lt"/>
-                <a:ea typeface="+mn-ea"/>
-                <a:cs typeface="+mn-cs"/>
-              </a:rPr>
-              <a:t>Trello</a:t>
-            </a:r>
-            <a:r>
               <a:rPr lang="es-ES_tradnl" sz="1200" kern="1200" dirty="0" smtClean="0">
                 <a:solidFill>
                   <a:schemeClr val="tx1"/>
@@ -2731,7 +2736,7 @@
                 <a:ea typeface="+mn-ea"/>
                 <a:cs typeface="+mn-cs"/>
               </a:rPr>
-              <a:t> es una aplicación Web la cual te proporciona un sistema de trabajo basado en metodologías agiles.</a:t>
+              <a:t>Utilizado para evitar las recargas de la web a la hora de filtrar en las búsquedas.</a:t>
             </a:r>
             <a:endParaRPr lang="es-ES" sz="1200" kern="1200" dirty="0" smtClean="0">
               <a:solidFill>
@@ -2774,7 +2779,7 @@
     </p:spTree>
     <p:extLst>
       <p:ext uri="{BB962C8B-B14F-4D97-AF65-F5344CB8AC3E}">
-        <p14:creationId xmlns:p14="http://schemas.microsoft.com/office/powerpoint/2010/main" val="1050634970"/>
+        <p14:creationId xmlns:p14="http://schemas.microsoft.com/office/powerpoint/2010/main" val="1234860430"/>
       </p:ext>
     </p:extLst>
   </p:cSld>
@@ -2828,6 +2833,234 @@
           <a:bodyPr/>
           <a:lstStyle/>
           <a:p>
+            <a:r>
+              <a:rPr lang="es-ES" dirty="0" smtClean="0"/>
+              <a:t>Este es un ejemplo de llamadas AJAX durante la selección</a:t>
+            </a:r>
+            <a:r>
+              <a:rPr lang="es-ES" baseline="0" dirty="0" smtClean="0"/>
+              <a:t> de los distintos filtros de las paginas web de los cines.</a:t>
+            </a:r>
+            <a:endParaRPr lang="es-ES" dirty="0"/>
+          </a:p>
+        </p:txBody>
+      </p:sp>
+      <p:sp>
+        <p:nvSpPr>
+          <p:cNvPr id="4" name="Marcador de número de diapositiva 3"/>
+          <p:cNvSpPr>
+            <a:spLocks noGrp="1"/>
+          </p:cNvSpPr>
+          <p:nvPr>
+            <p:ph type="sldNum" sz="quarter" idx="10"/>
+          </p:nvPr>
+        </p:nvSpPr>
+        <p:spPr/>
+        <p:txBody>
+          <a:bodyPr/>
+          <a:lstStyle/>
+          <a:p>
+            <a:fld id="{DB7D0A05-FF74-4049-BC13-A9ACD9D2AB82}" type="slidenum">
+              <a:rPr lang="es-ES" smtClean="0"/>
+              <a:t>24</a:t>
+            </a:fld>
+            <a:endParaRPr lang="es-ES"/>
+          </a:p>
+        </p:txBody>
+      </p:sp>
+    </p:spTree>
+    <p:extLst>
+      <p:ext uri="{BB962C8B-B14F-4D97-AF65-F5344CB8AC3E}">
+        <p14:creationId xmlns:p14="http://schemas.microsoft.com/office/powerpoint/2010/main" val="708013584"/>
+      </p:ext>
+    </p:extLst>
+  </p:cSld>
+  <p:clrMapOvr>
+    <a:masterClrMapping/>
+  </p:clrMapOvr>
+</p:notes>
+</file>
+
+<file path=ppt/notesSlides/notesSlide25.xml><?xml version="1.0" encoding="utf-8"?>
+<p:notes xmlns:a="http://schemas.openxmlformats.org/drawingml/2006/main" xmlns:r="http://schemas.openxmlformats.org/officeDocument/2006/relationships" xmlns:p="http://schemas.openxmlformats.org/presentationml/2006/main">
+  <p:cSld>
+    <p:spTree>
+      <p:nvGrpSpPr>
+        <p:cNvPr id="1" name=""/>
+        <p:cNvGrpSpPr/>
+        <p:nvPr/>
+      </p:nvGrpSpPr>
+      <p:grpSpPr>
+        <a:xfrm>
+          <a:off x="0" y="0"/>
+          <a:ext cx="0" cy="0"/>
+          <a:chOff x="0" y="0"/>
+          <a:chExt cx="0" cy="0"/>
+        </a:xfrm>
+      </p:grpSpPr>
+      <p:sp>
+        <p:nvSpPr>
+          <p:cNvPr id="2" name="Marcador de imagen de diapositiva 1"/>
+          <p:cNvSpPr>
+            <a:spLocks noGrp="1" noRot="1" noChangeAspect="1"/>
+          </p:cNvSpPr>
+          <p:nvPr>
+            <p:ph type="sldImg"/>
+          </p:nvPr>
+        </p:nvSpPr>
+        <p:spPr/>
+      </p:sp>
+      <p:sp>
+        <p:nvSpPr>
+          <p:cNvPr id="3" name="Marcador de notas 2"/>
+          <p:cNvSpPr>
+            <a:spLocks noGrp="1"/>
+          </p:cNvSpPr>
+          <p:nvPr>
+            <p:ph type="body" idx="1"/>
+          </p:nvPr>
+        </p:nvSpPr>
+        <p:spPr/>
+        <p:txBody>
+          <a:bodyPr/>
+          <a:lstStyle/>
+          <a:p>
+            <a:pPr marL="0" marR="0" lvl="0" indent="0" algn="l" defTabSz="914400" rtl="0" eaLnBrk="1" fontAlgn="auto" latinLnBrk="0" hangingPunct="1">
+              <a:lnSpc>
+                <a:spcPct val="100000"/>
+              </a:lnSpc>
+              <a:spcBef>
+                <a:spcPts val="0"/>
+              </a:spcBef>
+              <a:spcAft>
+                <a:spcPts val="0"/>
+              </a:spcAft>
+              <a:buClrTx/>
+              <a:buSzTx/>
+              <a:buFontTx/>
+              <a:buNone/>
+              <a:tabLst/>
+              <a:defRPr/>
+            </a:pPr>
+            <a:r>
+              <a:rPr lang="es-ES_tradnl" sz="1200" kern="1200" dirty="0" err="1" smtClean="0">
+                <a:solidFill>
+                  <a:schemeClr val="tx1"/>
+                </a:solidFill>
+                <a:effectLst/>
+                <a:latin typeface="+mn-lt"/>
+                <a:ea typeface="+mn-ea"/>
+                <a:cs typeface="+mn-cs"/>
+              </a:rPr>
+              <a:t>Trello</a:t>
+            </a:r>
+            <a:r>
+              <a:rPr lang="es-ES_tradnl" sz="1200" kern="1200" dirty="0" smtClean="0">
+                <a:solidFill>
+                  <a:schemeClr val="tx1"/>
+                </a:solidFill>
+                <a:effectLst/>
+                <a:latin typeface="+mn-lt"/>
+                <a:ea typeface="+mn-ea"/>
+                <a:cs typeface="+mn-cs"/>
+              </a:rPr>
+              <a:t> es una aplicación Web la cual te proporciona un sistema de trabajo basado en metodologías agiles.</a:t>
+            </a:r>
+            <a:endParaRPr lang="es-ES" sz="1200" kern="1200" dirty="0" smtClean="0">
+              <a:solidFill>
+                <a:schemeClr val="tx1"/>
+              </a:solidFill>
+              <a:effectLst/>
+              <a:latin typeface="+mn-lt"/>
+              <a:ea typeface="+mn-ea"/>
+              <a:cs typeface="+mn-cs"/>
+            </a:endParaRPr>
+          </a:p>
+          <a:p>
+            <a:endParaRPr lang="es-ES" dirty="0"/>
+          </a:p>
+        </p:txBody>
+      </p:sp>
+      <p:sp>
+        <p:nvSpPr>
+          <p:cNvPr id="4" name="Marcador de número de diapositiva 3"/>
+          <p:cNvSpPr>
+            <a:spLocks noGrp="1"/>
+          </p:cNvSpPr>
+          <p:nvPr>
+            <p:ph type="sldNum" sz="quarter" idx="10"/>
+          </p:nvPr>
+        </p:nvSpPr>
+        <p:spPr/>
+        <p:txBody>
+          <a:bodyPr/>
+          <a:lstStyle/>
+          <a:p>
+            <a:fld id="{DB7D0A05-FF74-4049-BC13-A9ACD9D2AB82}" type="slidenum">
+              <a:rPr lang="es-ES" smtClean="0"/>
+              <a:t>25</a:t>
+            </a:fld>
+            <a:endParaRPr lang="es-ES"/>
+          </a:p>
+        </p:txBody>
+      </p:sp>
+    </p:spTree>
+    <p:extLst>
+      <p:ext uri="{BB962C8B-B14F-4D97-AF65-F5344CB8AC3E}">
+        <p14:creationId xmlns:p14="http://schemas.microsoft.com/office/powerpoint/2010/main" val="1050634970"/>
+      </p:ext>
+    </p:extLst>
+  </p:cSld>
+  <p:clrMapOvr>
+    <a:masterClrMapping/>
+  </p:clrMapOvr>
+</p:notes>
+</file>
+
+<file path=ppt/notesSlides/notesSlide26.xml><?xml version="1.0" encoding="utf-8"?>
+<p:notes xmlns:a="http://schemas.openxmlformats.org/drawingml/2006/main" xmlns:r="http://schemas.openxmlformats.org/officeDocument/2006/relationships" xmlns:p="http://schemas.openxmlformats.org/presentationml/2006/main">
+  <p:cSld>
+    <p:spTree>
+      <p:nvGrpSpPr>
+        <p:cNvPr id="1" name=""/>
+        <p:cNvGrpSpPr/>
+        <p:nvPr/>
+      </p:nvGrpSpPr>
+      <p:grpSpPr>
+        <a:xfrm>
+          <a:off x="0" y="0"/>
+          <a:ext cx="0" cy="0"/>
+          <a:chOff x="0" y="0"/>
+          <a:chExt cx="0" cy="0"/>
+        </a:xfrm>
+      </p:grpSpPr>
+      <p:sp>
+        <p:nvSpPr>
+          <p:cNvPr id="2" name="Marcador de imagen de diapositiva 1"/>
+          <p:cNvSpPr>
+            <a:spLocks noGrp="1" noRot="1" noChangeAspect="1"/>
+          </p:cNvSpPr>
+          <p:nvPr>
+            <p:ph type="sldImg"/>
+          </p:nvPr>
+        </p:nvSpPr>
+        <p:spPr/>
+      </p:sp>
+      <p:sp>
+        <p:nvSpPr>
+          <p:cNvPr id="3" name="Marcador de notas 2"/>
+          <p:cNvSpPr>
+            <a:spLocks noGrp="1"/>
+          </p:cNvSpPr>
+          <p:nvPr>
+            <p:ph type="body" idx="1"/>
+          </p:nvPr>
+        </p:nvSpPr>
+        <p:spPr/>
+        <p:txBody>
+          <a:bodyPr/>
+          <a:lstStyle/>
+          <a:p>
             <a:pPr marL="0" marR="0" lvl="0" indent="0" algn="l" defTabSz="914400" rtl="0" eaLnBrk="1" fontAlgn="auto" latinLnBrk="0" hangingPunct="1">
               <a:lnSpc>
                 <a:spcPct val="100000"/>
@@ -3190,7 +3423,7 @@
           <a:p>
             <a:fld id="{DB7D0A05-FF74-4049-BC13-A9ACD9D2AB82}" type="slidenum">
               <a:rPr lang="es-ES" smtClean="0"/>
-              <a:t>24</a:t>
+              <a:t>26</a:t>
             </a:fld>
             <a:endParaRPr lang="es-ES"/>
           </a:p>
@@ -3209,7 +3442,7 @@
 </p:notes>
 </file>
 
-<file path=ppt/notesSlides/notesSlide25.xml><?xml version="1.0" encoding="utf-8"?>
+<file path=ppt/notesSlides/notesSlide27.xml><?xml version="1.0" encoding="utf-8"?>
 <p:notes xmlns:a="http://schemas.openxmlformats.org/drawingml/2006/main" xmlns:r="http://schemas.openxmlformats.org/officeDocument/2006/relationships" xmlns:p="http://schemas.openxmlformats.org/presentationml/2006/main">
   <p:cSld>
     <p:spTree>
@@ -3445,7 +3678,7 @@
           <a:p>
             <a:fld id="{DB7D0A05-FF74-4049-BC13-A9ACD9D2AB82}" type="slidenum">
               <a:rPr lang="es-ES" smtClean="0"/>
-              <a:t>25</a:t>
+              <a:t>27</a:t>
             </a:fld>
             <a:endParaRPr lang="es-ES"/>
           </a:p>
@@ -3464,7 +3697,7 @@
 </p:notes>
 </file>
 
-<file path=ppt/notesSlides/notesSlide26.xml><?xml version="1.0" encoding="utf-8"?>
+<file path=ppt/notesSlides/notesSlide28.xml><?xml version="1.0" encoding="utf-8"?>
 <p:notes xmlns:a="http://schemas.openxmlformats.org/drawingml/2006/main" xmlns:r="http://schemas.openxmlformats.org/officeDocument/2006/relationships" xmlns:p="http://schemas.openxmlformats.org/presentationml/2006/main">
   <p:cSld>
     <p:spTree>
@@ -3637,7 +3870,7 @@
           <a:p>
             <a:fld id="{DB7D0A05-FF74-4049-BC13-A9ACD9D2AB82}" type="slidenum">
               <a:rPr lang="es-ES" smtClean="0"/>
-              <a:t>26</a:t>
+              <a:t>28</a:t>
             </a:fld>
             <a:endParaRPr lang="es-ES"/>
           </a:p>
@@ -3656,7 +3889,7 @@
 </p:notes>
 </file>
 
-<file path=ppt/notesSlides/notesSlide27.xml><?xml version="1.0" encoding="utf-8"?>
+<file path=ppt/notesSlides/notesSlide29.xml><?xml version="1.0" encoding="utf-8"?>
 <p:notes xmlns:a="http://schemas.openxmlformats.org/drawingml/2006/main" xmlns:r="http://schemas.openxmlformats.org/officeDocument/2006/relationships" xmlns:p="http://schemas.openxmlformats.org/presentationml/2006/main">
   <p:cSld>
     <p:spTree>
@@ -4081,7 +4314,7 @@
           <a:p>
             <a:fld id="{DB7D0A05-FF74-4049-BC13-A9ACD9D2AB82}" type="slidenum">
               <a:rPr lang="es-ES" smtClean="0"/>
-              <a:t>27</a:t>
+              <a:t>29</a:t>
             </a:fld>
             <a:endParaRPr lang="es-ES"/>
           </a:p>
@@ -4091,357 +4324,6 @@
     <p:extLst>
       <p:ext uri="{BB962C8B-B14F-4D97-AF65-F5344CB8AC3E}">
         <p14:creationId xmlns:p14="http://schemas.microsoft.com/office/powerpoint/2010/main" val="4061869060"/>
-      </p:ext>
-    </p:extLst>
-  </p:cSld>
-  <p:clrMapOvr>
-    <a:masterClrMapping/>
-  </p:clrMapOvr>
-</p:notes>
-</file>
-
-<file path=ppt/notesSlides/notesSlide28.xml><?xml version="1.0" encoding="utf-8"?>
-<p:notes xmlns:a="http://schemas.openxmlformats.org/drawingml/2006/main" xmlns:r="http://schemas.openxmlformats.org/officeDocument/2006/relationships" xmlns:p="http://schemas.openxmlformats.org/presentationml/2006/main">
-  <p:cSld>
-    <p:spTree>
-      <p:nvGrpSpPr>
-        <p:cNvPr id="1" name=""/>
-        <p:cNvGrpSpPr/>
-        <p:nvPr/>
-      </p:nvGrpSpPr>
-      <p:grpSpPr>
-        <a:xfrm>
-          <a:off x="0" y="0"/>
-          <a:ext cx="0" cy="0"/>
-          <a:chOff x="0" y="0"/>
-          <a:chExt cx="0" cy="0"/>
-        </a:xfrm>
-      </p:grpSpPr>
-      <p:sp>
-        <p:nvSpPr>
-          <p:cNvPr id="2" name="Marcador de imagen de diapositiva 1"/>
-          <p:cNvSpPr>
-            <a:spLocks noGrp="1" noRot="1" noChangeAspect="1"/>
-          </p:cNvSpPr>
-          <p:nvPr>
-            <p:ph type="sldImg"/>
-          </p:nvPr>
-        </p:nvSpPr>
-        <p:spPr/>
-      </p:sp>
-      <p:sp>
-        <p:nvSpPr>
-          <p:cNvPr id="3" name="Marcador de notas 2"/>
-          <p:cNvSpPr>
-            <a:spLocks noGrp="1"/>
-          </p:cNvSpPr>
-          <p:nvPr>
-            <p:ph type="body" idx="1"/>
-          </p:nvPr>
-        </p:nvSpPr>
-        <p:spPr/>
-        <p:txBody>
-          <a:bodyPr/>
-          <a:lstStyle/>
-          <a:p>
-            <a:pPr marL="0" marR="0" lvl="0" indent="0" algn="l" defTabSz="914400" rtl="0" eaLnBrk="1" fontAlgn="auto" latinLnBrk="0" hangingPunct="1">
-              <a:lnSpc>
-                <a:spcPct val="100000"/>
-              </a:lnSpc>
-              <a:spcBef>
-                <a:spcPts val="0"/>
-              </a:spcBef>
-              <a:spcAft>
-                <a:spcPts val="0"/>
-              </a:spcAft>
-              <a:buClrTx/>
-              <a:buSzTx/>
-              <a:buFontTx/>
-              <a:buNone/>
-              <a:tabLst/>
-              <a:defRPr/>
-            </a:pPr>
-            <a:r>
-              <a:rPr lang="es-ES_tradnl" sz="1200" kern="1200" dirty="0" smtClean="0">
-                <a:solidFill>
-                  <a:schemeClr val="tx1"/>
-                </a:solidFill>
-                <a:effectLst/>
-                <a:latin typeface="+mn-lt"/>
-                <a:ea typeface="+mn-ea"/>
-                <a:cs typeface="+mn-cs"/>
-              </a:rPr>
-              <a:t>Puedes trabajar con GITHUB mediante la consola de GIT y tener acceso a todas los comandos o para familiarizarte y aprender las funciones más básicas (como es nuestro caso ya que no tenemos que hacer uso de comandos avanzados) usar el cliente de escritorio, que es tremendamente sencillo y fácil de usar.</a:t>
-            </a:r>
-          </a:p>
-          <a:p>
-            <a:pPr marL="0" marR="0" lvl="0" indent="0" algn="l" defTabSz="914400" rtl="0" eaLnBrk="1" fontAlgn="auto" latinLnBrk="0" hangingPunct="1">
-              <a:lnSpc>
-                <a:spcPct val="100000"/>
-              </a:lnSpc>
-              <a:spcBef>
-                <a:spcPts val="0"/>
-              </a:spcBef>
-              <a:spcAft>
-                <a:spcPts val="0"/>
-              </a:spcAft>
-              <a:buClrTx/>
-              <a:buSzTx/>
-              <a:buFontTx/>
-              <a:buNone/>
-              <a:tabLst/>
-              <a:defRPr/>
-            </a:pPr>
-            <a:endParaRPr lang="es-ES_tradnl" sz="1200" kern="1200" dirty="0" smtClean="0">
-              <a:solidFill>
-                <a:schemeClr val="tx1"/>
-              </a:solidFill>
-              <a:effectLst/>
-              <a:latin typeface="+mn-lt"/>
-              <a:ea typeface="+mn-ea"/>
-              <a:cs typeface="+mn-cs"/>
-            </a:endParaRPr>
-          </a:p>
-          <a:p>
-            <a:pPr marL="0" marR="0" lvl="0" indent="0" algn="l" defTabSz="914400" rtl="0" eaLnBrk="1" fontAlgn="auto" latinLnBrk="0" hangingPunct="1">
-              <a:lnSpc>
-                <a:spcPct val="100000"/>
-              </a:lnSpc>
-              <a:spcBef>
-                <a:spcPts val="0"/>
-              </a:spcBef>
-              <a:spcAft>
-                <a:spcPts val="0"/>
-              </a:spcAft>
-              <a:buClrTx/>
-              <a:buSzTx/>
-              <a:buFontTx/>
-              <a:buNone/>
-              <a:tabLst/>
-              <a:defRPr/>
-            </a:pPr>
-            <a:r>
-              <a:rPr lang="es-ES_tradnl" sz="1200" kern="1200" dirty="0" smtClean="0">
-                <a:solidFill>
-                  <a:schemeClr val="tx1"/>
-                </a:solidFill>
-                <a:effectLst/>
-                <a:latin typeface="+mn-lt"/>
-                <a:ea typeface="+mn-ea"/>
-                <a:cs typeface="+mn-cs"/>
-              </a:rPr>
-              <a:t>A simple vista podemos ver cómo podemos elegir las ramas, descargarnos la última versión del código, hacer </a:t>
-            </a:r>
-            <a:r>
-              <a:rPr lang="es-ES_tradnl" sz="1200" kern="1200" dirty="0" err="1" smtClean="0">
-                <a:solidFill>
-                  <a:schemeClr val="tx1"/>
-                </a:solidFill>
-                <a:effectLst/>
-                <a:latin typeface="+mn-lt"/>
-                <a:ea typeface="+mn-ea"/>
-                <a:cs typeface="+mn-cs"/>
-              </a:rPr>
-              <a:t>commit</a:t>
-            </a:r>
-            <a:r>
-              <a:rPr lang="es-ES_tradnl" sz="1200" kern="1200" dirty="0" smtClean="0">
-                <a:solidFill>
-                  <a:schemeClr val="tx1"/>
-                </a:solidFill>
-                <a:effectLst/>
-                <a:latin typeface="+mn-lt"/>
-                <a:ea typeface="+mn-ea"/>
-                <a:cs typeface="+mn-cs"/>
-              </a:rPr>
-              <a:t> de los cambios, hacer </a:t>
-            </a:r>
-            <a:r>
-              <a:rPr lang="es-ES_tradnl" sz="1200" kern="1200" dirty="0" err="1" smtClean="0">
-                <a:solidFill>
-                  <a:schemeClr val="tx1"/>
-                </a:solidFill>
-                <a:effectLst/>
-                <a:latin typeface="+mn-lt"/>
-                <a:ea typeface="+mn-ea"/>
-                <a:cs typeface="+mn-cs"/>
-              </a:rPr>
-              <a:t>merge</a:t>
-            </a:r>
-            <a:r>
-              <a:rPr lang="es-ES_tradnl" sz="1200" kern="1200" dirty="0" smtClean="0">
-                <a:solidFill>
-                  <a:schemeClr val="tx1"/>
-                </a:solidFill>
-                <a:effectLst/>
-                <a:latin typeface="+mn-lt"/>
-                <a:ea typeface="+mn-ea"/>
-                <a:cs typeface="+mn-cs"/>
-              </a:rPr>
-              <a:t> de ramas, subir los cambios al repositorio remoto…etc.</a:t>
-            </a:r>
-            <a:endParaRPr lang="es-ES" sz="1200" kern="1200" dirty="0" smtClean="0">
-              <a:solidFill>
-                <a:schemeClr val="tx1"/>
-              </a:solidFill>
-              <a:effectLst/>
-              <a:latin typeface="+mn-lt"/>
-              <a:ea typeface="+mn-ea"/>
-              <a:cs typeface="+mn-cs"/>
-            </a:endParaRPr>
-          </a:p>
-          <a:p>
-            <a:pPr marL="0" marR="0" lvl="0" indent="0" algn="l" defTabSz="914400" rtl="0" eaLnBrk="1" fontAlgn="auto" latinLnBrk="0" hangingPunct="1">
-              <a:lnSpc>
-                <a:spcPct val="100000"/>
-              </a:lnSpc>
-              <a:spcBef>
-                <a:spcPts val="0"/>
-              </a:spcBef>
-              <a:spcAft>
-                <a:spcPts val="0"/>
-              </a:spcAft>
-              <a:buClrTx/>
-              <a:buSzTx/>
-              <a:buFontTx/>
-              <a:buNone/>
-              <a:tabLst/>
-              <a:defRPr/>
-            </a:pPr>
-            <a:endParaRPr lang="es-ES" sz="1200" kern="1200" dirty="0" smtClean="0">
-              <a:solidFill>
-                <a:schemeClr val="tx1"/>
-              </a:solidFill>
-              <a:effectLst/>
-              <a:latin typeface="+mn-lt"/>
-              <a:ea typeface="+mn-ea"/>
-              <a:cs typeface="+mn-cs"/>
-            </a:endParaRPr>
-          </a:p>
-          <a:p>
-            <a:endParaRPr lang="es-ES" dirty="0"/>
-          </a:p>
-        </p:txBody>
-      </p:sp>
-      <p:sp>
-        <p:nvSpPr>
-          <p:cNvPr id="4" name="Marcador de número de diapositiva 3"/>
-          <p:cNvSpPr>
-            <a:spLocks noGrp="1"/>
-          </p:cNvSpPr>
-          <p:nvPr>
-            <p:ph type="sldNum" sz="quarter" idx="10"/>
-          </p:nvPr>
-        </p:nvSpPr>
-        <p:spPr/>
-        <p:txBody>
-          <a:bodyPr/>
-          <a:lstStyle/>
-          <a:p>
-            <a:fld id="{DB7D0A05-FF74-4049-BC13-A9ACD9D2AB82}" type="slidenum">
-              <a:rPr lang="es-ES" smtClean="0"/>
-              <a:t>28</a:t>
-            </a:fld>
-            <a:endParaRPr lang="es-ES"/>
-          </a:p>
-        </p:txBody>
-      </p:sp>
-    </p:spTree>
-    <p:extLst>
-      <p:ext uri="{BB962C8B-B14F-4D97-AF65-F5344CB8AC3E}">
-        <p14:creationId xmlns:p14="http://schemas.microsoft.com/office/powerpoint/2010/main" val="3972647194"/>
-      </p:ext>
-    </p:extLst>
-  </p:cSld>
-  <p:clrMapOvr>
-    <a:masterClrMapping/>
-  </p:clrMapOvr>
-</p:notes>
-</file>
-
-<file path=ppt/notesSlides/notesSlide29.xml><?xml version="1.0" encoding="utf-8"?>
-<p:notes xmlns:a="http://schemas.openxmlformats.org/drawingml/2006/main" xmlns:r="http://schemas.openxmlformats.org/officeDocument/2006/relationships" xmlns:p="http://schemas.openxmlformats.org/presentationml/2006/main">
-  <p:cSld>
-    <p:spTree>
-      <p:nvGrpSpPr>
-        <p:cNvPr id="1" name=""/>
-        <p:cNvGrpSpPr/>
-        <p:nvPr/>
-      </p:nvGrpSpPr>
-      <p:grpSpPr>
-        <a:xfrm>
-          <a:off x="0" y="0"/>
-          <a:ext cx="0" cy="0"/>
-          <a:chOff x="0" y="0"/>
-          <a:chExt cx="0" cy="0"/>
-        </a:xfrm>
-      </p:grpSpPr>
-      <p:sp>
-        <p:nvSpPr>
-          <p:cNvPr id="2" name="Marcador de imagen de diapositiva 1"/>
-          <p:cNvSpPr>
-            <a:spLocks noGrp="1" noRot="1" noChangeAspect="1"/>
-          </p:cNvSpPr>
-          <p:nvPr>
-            <p:ph type="sldImg"/>
-          </p:nvPr>
-        </p:nvSpPr>
-        <p:spPr/>
-      </p:sp>
-      <p:sp>
-        <p:nvSpPr>
-          <p:cNvPr id="3" name="Marcador de notas 2"/>
-          <p:cNvSpPr>
-            <a:spLocks noGrp="1"/>
-          </p:cNvSpPr>
-          <p:nvPr>
-            <p:ph type="body" idx="1"/>
-          </p:nvPr>
-        </p:nvSpPr>
-        <p:spPr/>
-        <p:txBody>
-          <a:bodyPr/>
-          <a:lstStyle/>
-          <a:p>
-            <a:r>
-              <a:rPr lang="es-ES" dirty="0" smtClean="0"/>
-              <a:t>Y bueno, ya para finalizar pues así es como nos imaginábamos nuestra aplicación</a:t>
-            </a:r>
-            <a:r>
-              <a:rPr lang="es-ES" baseline="0" dirty="0" smtClean="0"/>
-              <a:t> web.</a:t>
-            </a:r>
-            <a:endParaRPr lang="es-ES" dirty="0"/>
-          </a:p>
-        </p:txBody>
-      </p:sp>
-      <p:sp>
-        <p:nvSpPr>
-          <p:cNvPr id="4" name="Marcador de número de diapositiva 3"/>
-          <p:cNvSpPr>
-            <a:spLocks noGrp="1"/>
-          </p:cNvSpPr>
-          <p:nvPr>
-            <p:ph type="sldNum" sz="quarter" idx="10"/>
-          </p:nvPr>
-        </p:nvSpPr>
-        <p:spPr/>
-        <p:txBody>
-          <a:bodyPr/>
-          <a:lstStyle/>
-          <a:p>
-            <a:fld id="{DB7D0A05-FF74-4049-BC13-A9ACD9D2AB82}" type="slidenum">
-              <a:rPr lang="es-ES" smtClean="0"/>
-              <a:t>29</a:t>
-            </a:fld>
-            <a:endParaRPr lang="es-ES"/>
-          </a:p>
-        </p:txBody>
-      </p:sp>
-    </p:spTree>
-    <p:extLst>
-      <p:ext uri="{BB962C8B-B14F-4D97-AF65-F5344CB8AC3E}">
-        <p14:creationId xmlns:p14="http://schemas.microsoft.com/office/powerpoint/2010/main" val="3540851105"/>
       </p:ext>
     </p:extLst>
   </p:cSld>
@@ -4659,18 +4541,181 @@
           <a:bodyPr/>
           <a:lstStyle/>
           <a:p>
-            <a:r>
-              <a:rPr lang="es-ES" dirty="0" smtClean="0"/>
-              <a:t>Y </a:t>
-            </a:r>
-            <a:r>
-              <a:rPr lang="es-ES" dirty="0" err="1" smtClean="0"/>
-              <a:t>asi</a:t>
-            </a:r>
-            <a:r>
-              <a:rPr lang="es-ES" dirty="0" smtClean="0"/>
-              <a:t> es como la hemos conseguido.</a:t>
-            </a:r>
+            <a:pPr marL="0" marR="0" lvl="0" indent="0" algn="l" defTabSz="914400" rtl="0" eaLnBrk="1" fontAlgn="auto" latinLnBrk="0" hangingPunct="1">
+              <a:lnSpc>
+                <a:spcPct val="100000"/>
+              </a:lnSpc>
+              <a:spcBef>
+                <a:spcPts val="0"/>
+              </a:spcBef>
+              <a:spcAft>
+                <a:spcPts val="0"/>
+              </a:spcAft>
+              <a:buClrTx/>
+              <a:buSzTx/>
+              <a:buFontTx/>
+              <a:buNone/>
+              <a:tabLst/>
+              <a:defRPr/>
+            </a:pPr>
+            <a:r>
+              <a:rPr lang="es-ES_tradnl" sz="1200" kern="1200" dirty="0" smtClean="0">
+                <a:solidFill>
+                  <a:schemeClr val="tx1"/>
+                </a:solidFill>
+                <a:effectLst/>
+                <a:latin typeface="+mn-lt"/>
+                <a:ea typeface="+mn-ea"/>
+                <a:cs typeface="+mn-cs"/>
+              </a:rPr>
+              <a:t>Puedes trabajar con GITHUB mediante la consola de GIT y tener acceso a todas los comandos o para familiarizarte y aprender las funciones más básicas (como es nuestro caso ya que no tenemos que hacer uso de comandos avanzados) usar el cliente de escritorio, que es tremendamente sencillo y fácil de usar.</a:t>
+            </a:r>
+          </a:p>
+          <a:p>
+            <a:pPr marL="0" marR="0" lvl="0" indent="0" algn="l" defTabSz="914400" rtl="0" eaLnBrk="1" fontAlgn="auto" latinLnBrk="0" hangingPunct="1">
+              <a:lnSpc>
+                <a:spcPct val="100000"/>
+              </a:lnSpc>
+              <a:spcBef>
+                <a:spcPts val="0"/>
+              </a:spcBef>
+              <a:spcAft>
+                <a:spcPts val="0"/>
+              </a:spcAft>
+              <a:buClrTx/>
+              <a:buSzTx/>
+              <a:buFontTx/>
+              <a:buNone/>
+              <a:tabLst/>
+              <a:defRPr/>
+            </a:pPr>
+            <a:endParaRPr lang="es-ES_tradnl" sz="1200" kern="1200" dirty="0" smtClean="0">
+              <a:solidFill>
+                <a:schemeClr val="tx1"/>
+              </a:solidFill>
+              <a:effectLst/>
+              <a:latin typeface="+mn-lt"/>
+              <a:ea typeface="+mn-ea"/>
+              <a:cs typeface="+mn-cs"/>
+            </a:endParaRPr>
+          </a:p>
+          <a:p>
+            <a:pPr marL="0" marR="0" lvl="0" indent="0" algn="l" defTabSz="914400" rtl="0" eaLnBrk="1" fontAlgn="auto" latinLnBrk="0" hangingPunct="1">
+              <a:lnSpc>
+                <a:spcPct val="100000"/>
+              </a:lnSpc>
+              <a:spcBef>
+                <a:spcPts val="0"/>
+              </a:spcBef>
+              <a:spcAft>
+                <a:spcPts val="0"/>
+              </a:spcAft>
+              <a:buClrTx/>
+              <a:buSzTx/>
+              <a:buFontTx/>
+              <a:buNone/>
+              <a:tabLst/>
+              <a:defRPr/>
+            </a:pPr>
+            <a:r>
+              <a:rPr lang="es-ES_tradnl" sz="1200" kern="1200" dirty="0" smtClean="0">
+                <a:solidFill>
+                  <a:schemeClr val="tx1"/>
+                </a:solidFill>
+                <a:effectLst/>
+                <a:latin typeface="+mn-lt"/>
+                <a:ea typeface="+mn-ea"/>
+                <a:cs typeface="+mn-cs"/>
+              </a:rPr>
+              <a:t>A simple vista podemos ver cómo podemos elegir las ramas, descargarnos la última versión del código, hacer </a:t>
+            </a:r>
+            <a:r>
+              <a:rPr lang="es-ES_tradnl" sz="1200" kern="1200" dirty="0" err="1" smtClean="0">
+                <a:solidFill>
+                  <a:schemeClr val="tx1"/>
+                </a:solidFill>
+                <a:effectLst/>
+                <a:latin typeface="+mn-lt"/>
+                <a:ea typeface="+mn-ea"/>
+                <a:cs typeface="+mn-cs"/>
+              </a:rPr>
+              <a:t>commit</a:t>
+            </a:r>
+            <a:r>
+              <a:rPr lang="es-ES_tradnl" sz="1200" kern="1200" dirty="0" smtClean="0">
+                <a:solidFill>
+                  <a:schemeClr val="tx1"/>
+                </a:solidFill>
+                <a:effectLst/>
+                <a:latin typeface="+mn-lt"/>
+                <a:ea typeface="+mn-ea"/>
+                <a:cs typeface="+mn-cs"/>
+              </a:rPr>
+              <a:t> de los cambios, hacer </a:t>
+            </a:r>
+            <a:r>
+              <a:rPr lang="es-ES_tradnl" sz="1200" kern="1200" dirty="0" err="1" smtClean="0">
+                <a:solidFill>
+                  <a:schemeClr val="tx1"/>
+                </a:solidFill>
+                <a:effectLst/>
+                <a:latin typeface="+mn-lt"/>
+                <a:ea typeface="+mn-ea"/>
+                <a:cs typeface="+mn-cs"/>
+              </a:rPr>
+              <a:t>merge</a:t>
+            </a:r>
+            <a:r>
+              <a:rPr lang="es-ES_tradnl" sz="1200" kern="1200" dirty="0" smtClean="0">
+                <a:solidFill>
+                  <a:schemeClr val="tx1"/>
+                </a:solidFill>
+                <a:effectLst/>
+                <a:latin typeface="+mn-lt"/>
+                <a:ea typeface="+mn-ea"/>
+                <a:cs typeface="+mn-cs"/>
+              </a:rPr>
+              <a:t> de ramas, subir los cambios al repositorio remoto…etc.</a:t>
+            </a:r>
+            <a:endParaRPr lang="es-ES" sz="1200" kern="1200" dirty="0" smtClean="0">
+              <a:solidFill>
+                <a:schemeClr val="tx1"/>
+              </a:solidFill>
+              <a:effectLst/>
+              <a:latin typeface="+mn-lt"/>
+              <a:ea typeface="+mn-ea"/>
+              <a:cs typeface="+mn-cs"/>
+            </a:endParaRPr>
+          </a:p>
+          <a:p>
+            <a:pPr marL="0" marR="0" lvl="0" indent="0" algn="l" defTabSz="914400" rtl="0" eaLnBrk="1" fontAlgn="auto" latinLnBrk="0" hangingPunct="1">
+              <a:lnSpc>
+                <a:spcPct val="100000"/>
+              </a:lnSpc>
+              <a:spcBef>
+                <a:spcPts val="0"/>
+              </a:spcBef>
+              <a:spcAft>
+                <a:spcPts val="0"/>
+              </a:spcAft>
+              <a:buClrTx/>
+              <a:buSzTx/>
+              <a:buFontTx/>
+              <a:buNone/>
+              <a:tabLst/>
+              <a:defRPr/>
+            </a:pPr>
+            <a:endParaRPr lang="es-ES" sz="1200" kern="1200" dirty="0" smtClean="0">
+              <a:solidFill>
+                <a:schemeClr val="tx1"/>
+              </a:solidFill>
+              <a:effectLst/>
+              <a:latin typeface="+mn-lt"/>
+              <a:ea typeface="+mn-ea"/>
+              <a:cs typeface="+mn-cs"/>
+            </a:endParaRPr>
+          </a:p>
+          <a:p>
             <a:endParaRPr lang="es-ES" dirty="0"/>
           </a:p>
         </p:txBody>
@@ -4701,7 +4746,7 @@
     </p:spTree>
     <p:extLst>
       <p:ext uri="{BB962C8B-B14F-4D97-AF65-F5344CB8AC3E}">
-        <p14:creationId xmlns:p14="http://schemas.microsoft.com/office/powerpoint/2010/main" val="124897716"/>
+        <p14:creationId xmlns:p14="http://schemas.microsoft.com/office/powerpoint/2010/main" val="3972647194"/>
       </p:ext>
     </p:extLst>
   </p:cSld>
@@ -4757,11 +4802,11 @@
           <a:p>
             <a:r>
               <a:rPr lang="es-ES" dirty="0" smtClean="0"/>
-              <a:t>Muchas gracias a todos y a continuación</a:t>
+              <a:t>Y bueno, ya para finalizar pues así es como nos imaginábamos nuestra aplicación</a:t>
             </a:r>
             <a:r>
               <a:rPr lang="es-ES" baseline="0" dirty="0" smtClean="0"/>
-              <a:t> vamos a ver la web en funcionamiento con una pequeña demo.</a:t>
+              <a:t> web.</a:t>
             </a:r>
             <a:endParaRPr lang="es-ES" dirty="0"/>
           </a:p>
@@ -4785,6 +4830,194 @@
             <a:fld id="{DB7D0A05-FF74-4049-BC13-A9ACD9D2AB82}" type="slidenum">
               <a:rPr lang="es-ES" smtClean="0"/>
               <a:t>31</a:t>
+            </a:fld>
+            <a:endParaRPr lang="es-ES"/>
+          </a:p>
+        </p:txBody>
+      </p:sp>
+    </p:spTree>
+    <p:extLst>
+      <p:ext uri="{BB962C8B-B14F-4D97-AF65-F5344CB8AC3E}">
+        <p14:creationId xmlns:p14="http://schemas.microsoft.com/office/powerpoint/2010/main" val="3540851105"/>
+      </p:ext>
+    </p:extLst>
+  </p:cSld>
+  <p:clrMapOvr>
+    <a:masterClrMapping/>
+  </p:clrMapOvr>
+</p:notes>
+</file>
+
+<file path=ppt/notesSlides/notesSlide32.xml><?xml version="1.0" encoding="utf-8"?>
+<p:notes xmlns:a="http://schemas.openxmlformats.org/drawingml/2006/main" xmlns:r="http://schemas.openxmlformats.org/officeDocument/2006/relationships" xmlns:p="http://schemas.openxmlformats.org/presentationml/2006/main">
+  <p:cSld>
+    <p:spTree>
+      <p:nvGrpSpPr>
+        <p:cNvPr id="1" name=""/>
+        <p:cNvGrpSpPr/>
+        <p:nvPr/>
+      </p:nvGrpSpPr>
+      <p:grpSpPr>
+        <a:xfrm>
+          <a:off x="0" y="0"/>
+          <a:ext cx="0" cy="0"/>
+          <a:chOff x="0" y="0"/>
+          <a:chExt cx="0" cy="0"/>
+        </a:xfrm>
+      </p:grpSpPr>
+      <p:sp>
+        <p:nvSpPr>
+          <p:cNvPr id="2" name="Marcador de imagen de diapositiva 1"/>
+          <p:cNvSpPr>
+            <a:spLocks noGrp="1" noRot="1" noChangeAspect="1"/>
+          </p:cNvSpPr>
+          <p:nvPr>
+            <p:ph type="sldImg"/>
+          </p:nvPr>
+        </p:nvSpPr>
+        <p:spPr/>
+      </p:sp>
+      <p:sp>
+        <p:nvSpPr>
+          <p:cNvPr id="3" name="Marcador de notas 2"/>
+          <p:cNvSpPr>
+            <a:spLocks noGrp="1"/>
+          </p:cNvSpPr>
+          <p:nvPr>
+            <p:ph type="body" idx="1"/>
+          </p:nvPr>
+        </p:nvSpPr>
+        <p:spPr/>
+        <p:txBody>
+          <a:bodyPr/>
+          <a:lstStyle/>
+          <a:p>
+            <a:r>
+              <a:rPr lang="es-ES" dirty="0" smtClean="0"/>
+              <a:t>Y </a:t>
+            </a:r>
+            <a:r>
+              <a:rPr lang="es-ES" dirty="0" err="1" smtClean="0"/>
+              <a:t>asi</a:t>
+            </a:r>
+            <a:r>
+              <a:rPr lang="es-ES" dirty="0" smtClean="0"/>
+              <a:t> es como la hemos conseguido.</a:t>
+            </a:r>
+            <a:endParaRPr lang="es-ES" dirty="0"/>
+          </a:p>
+        </p:txBody>
+      </p:sp>
+      <p:sp>
+        <p:nvSpPr>
+          <p:cNvPr id="4" name="Marcador de número de diapositiva 3"/>
+          <p:cNvSpPr>
+            <a:spLocks noGrp="1"/>
+          </p:cNvSpPr>
+          <p:nvPr>
+            <p:ph type="sldNum" sz="quarter" idx="10"/>
+          </p:nvPr>
+        </p:nvSpPr>
+        <p:spPr/>
+        <p:txBody>
+          <a:bodyPr/>
+          <a:lstStyle/>
+          <a:p>
+            <a:fld id="{DB7D0A05-FF74-4049-BC13-A9ACD9D2AB82}" type="slidenum">
+              <a:rPr lang="es-ES" smtClean="0"/>
+              <a:t>32</a:t>
+            </a:fld>
+            <a:endParaRPr lang="es-ES"/>
+          </a:p>
+        </p:txBody>
+      </p:sp>
+    </p:spTree>
+    <p:extLst>
+      <p:ext uri="{BB962C8B-B14F-4D97-AF65-F5344CB8AC3E}">
+        <p14:creationId xmlns:p14="http://schemas.microsoft.com/office/powerpoint/2010/main" val="124897716"/>
+      </p:ext>
+    </p:extLst>
+  </p:cSld>
+  <p:clrMapOvr>
+    <a:masterClrMapping/>
+  </p:clrMapOvr>
+</p:notes>
+</file>
+
+<file path=ppt/notesSlides/notesSlide33.xml><?xml version="1.0" encoding="utf-8"?>
+<p:notes xmlns:a="http://schemas.openxmlformats.org/drawingml/2006/main" xmlns:r="http://schemas.openxmlformats.org/officeDocument/2006/relationships" xmlns:p="http://schemas.openxmlformats.org/presentationml/2006/main">
+  <p:cSld>
+    <p:spTree>
+      <p:nvGrpSpPr>
+        <p:cNvPr id="1" name=""/>
+        <p:cNvGrpSpPr/>
+        <p:nvPr/>
+      </p:nvGrpSpPr>
+      <p:grpSpPr>
+        <a:xfrm>
+          <a:off x="0" y="0"/>
+          <a:ext cx="0" cy="0"/>
+          <a:chOff x="0" y="0"/>
+          <a:chExt cx="0" cy="0"/>
+        </a:xfrm>
+      </p:grpSpPr>
+      <p:sp>
+        <p:nvSpPr>
+          <p:cNvPr id="2" name="Marcador de imagen de diapositiva 1"/>
+          <p:cNvSpPr>
+            <a:spLocks noGrp="1" noRot="1" noChangeAspect="1"/>
+          </p:cNvSpPr>
+          <p:nvPr>
+            <p:ph type="sldImg"/>
+          </p:nvPr>
+        </p:nvSpPr>
+        <p:spPr/>
+      </p:sp>
+      <p:sp>
+        <p:nvSpPr>
+          <p:cNvPr id="3" name="Marcador de notas 2"/>
+          <p:cNvSpPr>
+            <a:spLocks noGrp="1"/>
+          </p:cNvSpPr>
+          <p:nvPr>
+            <p:ph type="body" idx="1"/>
+          </p:nvPr>
+        </p:nvSpPr>
+        <p:spPr/>
+        <p:txBody>
+          <a:bodyPr/>
+          <a:lstStyle/>
+          <a:p>
+            <a:r>
+              <a:rPr lang="es-ES" dirty="0" smtClean="0"/>
+              <a:t>Muchas gracias a todos y a continuación</a:t>
+            </a:r>
+            <a:r>
+              <a:rPr lang="es-ES" baseline="0" dirty="0" smtClean="0"/>
+              <a:t> vamos a ver la web en funcionamiento con una pequeña demo.</a:t>
+            </a:r>
+            <a:endParaRPr lang="es-ES" dirty="0"/>
+          </a:p>
+        </p:txBody>
+      </p:sp>
+      <p:sp>
+        <p:nvSpPr>
+          <p:cNvPr id="4" name="Marcador de número de diapositiva 3"/>
+          <p:cNvSpPr>
+            <a:spLocks noGrp="1"/>
+          </p:cNvSpPr>
+          <p:nvPr>
+            <p:ph type="sldNum" sz="quarter" idx="10"/>
+          </p:nvPr>
+        </p:nvSpPr>
+        <p:spPr/>
+        <p:txBody>
+          <a:bodyPr/>
+          <a:lstStyle/>
+          <a:p>
+            <a:fld id="{DB7D0A05-FF74-4049-BC13-A9ACD9D2AB82}" type="slidenum">
+              <a:rPr lang="es-ES" smtClean="0"/>
+              <a:t>33</a:t>
             </a:fld>
             <a:endParaRPr lang="es-ES"/>
           </a:p>
@@ -6255,7 +6488,7 @@
           <a:p>
             <a:fld id="{A3A6FC1A-A205-4A12-B450-C96D11F5D5F8}" type="datetimeFigureOut">
               <a:rPr lang="es-ES" smtClean="0"/>
-              <a:t>26/05/2018</a:t>
+              <a:t>03/06/2018</a:t>
             </a:fld>
             <a:endParaRPr lang="es-ES"/>
           </a:p>
@@ -6425,7 +6658,7 @@
           <a:p>
             <a:fld id="{A3A6FC1A-A205-4A12-B450-C96D11F5D5F8}" type="datetimeFigureOut">
               <a:rPr lang="es-ES" smtClean="0"/>
-              <a:t>26/05/2018</a:t>
+              <a:t>03/06/2018</a:t>
             </a:fld>
             <a:endParaRPr lang="es-ES"/>
           </a:p>
@@ -6605,7 +6838,7 @@
           <a:p>
             <a:fld id="{A3A6FC1A-A205-4A12-B450-C96D11F5D5F8}" type="datetimeFigureOut">
               <a:rPr lang="es-ES" smtClean="0"/>
-              <a:t>26/05/2018</a:t>
+              <a:t>03/06/2018</a:t>
             </a:fld>
             <a:endParaRPr lang="es-ES"/>
           </a:p>
@@ -6775,7 +7008,7 @@
           <a:p>
             <a:fld id="{A3A6FC1A-A205-4A12-B450-C96D11F5D5F8}" type="datetimeFigureOut">
               <a:rPr lang="es-ES" smtClean="0"/>
-              <a:t>26/05/2018</a:t>
+              <a:t>03/06/2018</a:t>
             </a:fld>
             <a:endParaRPr lang="es-ES"/>
           </a:p>
@@ -7021,7 +7254,7 @@
           <a:p>
             <a:fld id="{A3A6FC1A-A205-4A12-B450-C96D11F5D5F8}" type="datetimeFigureOut">
               <a:rPr lang="es-ES" smtClean="0"/>
-              <a:t>26/05/2018</a:t>
+              <a:t>03/06/2018</a:t>
             </a:fld>
             <a:endParaRPr lang="es-ES"/>
           </a:p>
@@ -7253,7 +7486,7 @@
           <a:p>
             <a:fld id="{A3A6FC1A-A205-4A12-B450-C96D11F5D5F8}" type="datetimeFigureOut">
               <a:rPr lang="es-ES" smtClean="0"/>
-              <a:t>26/05/2018</a:t>
+              <a:t>03/06/2018</a:t>
             </a:fld>
             <a:endParaRPr lang="es-ES"/>
           </a:p>
@@ -7620,7 +7853,7 @@
           <a:p>
             <a:fld id="{A3A6FC1A-A205-4A12-B450-C96D11F5D5F8}" type="datetimeFigureOut">
               <a:rPr lang="es-ES" smtClean="0"/>
-              <a:t>26/05/2018</a:t>
+              <a:t>03/06/2018</a:t>
             </a:fld>
             <a:endParaRPr lang="es-ES"/>
           </a:p>
@@ -7738,7 +7971,7 @@
           <a:p>
             <a:fld id="{A3A6FC1A-A205-4A12-B450-C96D11F5D5F8}" type="datetimeFigureOut">
               <a:rPr lang="es-ES" smtClean="0"/>
-              <a:t>26/05/2018</a:t>
+              <a:t>03/06/2018</a:t>
             </a:fld>
             <a:endParaRPr lang="es-ES"/>
           </a:p>
@@ -7833,7 +8066,7 @@
           <a:p>
             <a:fld id="{A3A6FC1A-A205-4A12-B450-C96D11F5D5F8}" type="datetimeFigureOut">
               <a:rPr lang="es-ES" smtClean="0"/>
-              <a:t>26/05/2018</a:t>
+              <a:t>03/06/2018</a:t>
             </a:fld>
             <a:endParaRPr lang="es-ES"/>
           </a:p>
@@ -8110,7 +8343,7 @@
           <a:p>
             <a:fld id="{A3A6FC1A-A205-4A12-B450-C96D11F5D5F8}" type="datetimeFigureOut">
               <a:rPr lang="es-ES" smtClean="0"/>
-              <a:t>26/05/2018</a:t>
+              <a:t>03/06/2018</a:t>
             </a:fld>
             <a:endParaRPr lang="es-ES"/>
           </a:p>
@@ -8363,7 +8596,7 @@
           <a:p>
             <a:fld id="{A3A6FC1A-A205-4A12-B450-C96D11F5D5F8}" type="datetimeFigureOut">
               <a:rPr lang="es-ES" smtClean="0"/>
-              <a:t>26/05/2018</a:t>
+              <a:t>03/06/2018</a:t>
             </a:fld>
             <a:endParaRPr lang="es-ES"/>
           </a:p>
@@ -8576,7 +8809,7 @@
           <a:p>
             <a:fld id="{A3A6FC1A-A205-4A12-B450-C96D11F5D5F8}" type="datetimeFigureOut">
               <a:rPr lang="es-ES" smtClean="0"/>
-              <a:t>26/05/2018</a:t>
+              <a:t>03/06/2018</a:t>
             </a:fld>
             <a:endParaRPr lang="es-ES"/>
           </a:p>
@@ -9559,7 +9792,7 @@
         </p:blipFill>
         <p:spPr>
           <a:xfrm>
-            <a:off x="3574610" y="1116971"/>
+            <a:off x="3531067" y="1073428"/>
             <a:ext cx="4572000" cy="5257800"/>
           </a:xfrm>
           <a:prstGeom prst="rect">
@@ -9588,6 +9821,114 @@
 </file>
 
 <file path=ppt/slides/slide14.xml><?xml version="1.0" encoding="utf-8"?>
+<p:sld xmlns:a="http://schemas.openxmlformats.org/drawingml/2006/main" xmlns:r="http://schemas.openxmlformats.org/officeDocument/2006/relationships" xmlns:p="http://schemas.openxmlformats.org/presentationml/2006/main">
+  <p:cSld>
+    <p:spTree>
+      <p:nvGrpSpPr>
+        <p:cNvPr id="1" name=""/>
+        <p:cNvGrpSpPr/>
+        <p:nvPr/>
+      </p:nvGrpSpPr>
+      <p:grpSpPr>
+        <a:xfrm>
+          <a:off x="0" y="0"/>
+          <a:ext cx="0" cy="0"/>
+          <a:chOff x="0" y="0"/>
+          <a:chExt cx="0" cy="0"/>
+        </a:xfrm>
+      </p:grpSpPr>
+      <p:pic>
+        <p:nvPicPr>
+          <p:cNvPr id="2" name="Imagen 1"/>
+          <p:cNvPicPr>
+            <a:picLocks noChangeAspect="1"/>
+          </p:cNvPicPr>
+          <p:nvPr/>
+        </p:nvPicPr>
+        <p:blipFill>
+          <a:blip r:embed="rId3"/>
+          <a:stretch>
+            <a:fillRect/>
+          </a:stretch>
+        </p:blipFill>
+        <p:spPr>
+          <a:xfrm>
+            <a:off x="3115182" y="370041"/>
+            <a:ext cx="5812509" cy="5889906"/>
+          </a:xfrm>
+          <a:prstGeom prst="rect">
+            <a:avLst/>
+          </a:prstGeom>
+        </p:spPr>
+      </p:pic>
+    </p:spTree>
+    <p:extLst>
+      <p:ext uri="{BB962C8B-B14F-4D97-AF65-F5344CB8AC3E}">
+        <p14:creationId xmlns:p14="http://schemas.microsoft.com/office/powerpoint/2010/main" val="2614894823"/>
+      </p:ext>
+    </p:extLst>
+  </p:cSld>
+  <p:clrMapOvr>
+    <a:masterClrMapping/>
+  </p:clrMapOvr>
+</p:sld>
+</file>
+
+<file path=ppt/slides/slide15.xml><?xml version="1.0" encoding="utf-8"?>
+<p:sld xmlns:a="http://schemas.openxmlformats.org/drawingml/2006/main" xmlns:r="http://schemas.openxmlformats.org/officeDocument/2006/relationships" xmlns:p="http://schemas.openxmlformats.org/presentationml/2006/main">
+  <p:cSld>
+    <p:spTree>
+      <p:nvGrpSpPr>
+        <p:cNvPr id="1" name=""/>
+        <p:cNvGrpSpPr/>
+        <p:nvPr/>
+      </p:nvGrpSpPr>
+      <p:grpSpPr>
+        <a:xfrm>
+          <a:off x="0" y="0"/>
+          <a:ext cx="0" cy="0"/>
+          <a:chOff x="0" y="0"/>
+          <a:chExt cx="0" cy="0"/>
+        </a:xfrm>
+      </p:grpSpPr>
+      <p:pic>
+        <p:nvPicPr>
+          <p:cNvPr id="3" name="Imagen 2"/>
+          <p:cNvPicPr>
+            <a:picLocks noChangeAspect="1"/>
+          </p:cNvPicPr>
+          <p:nvPr/>
+        </p:nvPicPr>
+        <p:blipFill>
+          <a:blip r:embed="rId3"/>
+          <a:stretch>
+            <a:fillRect/>
+          </a:stretch>
+        </p:blipFill>
+        <p:spPr>
+          <a:xfrm>
+            <a:off x="3973894" y="171638"/>
+            <a:ext cx="4196712" cy="6538877"/>
+          </a:xfrm>
+          <a:prstGeom prst="rect">
+            <a:avLst/>
+          </a:prstGeom>
+        </p:spPr>
+      </p:pic>
+    </p:spTree>
+    <p:extLst>
+      <p:ext uri="{BB962C8B-B14F-4D97-AF65-F5344CB8AC3E}">
+        <p14:creationId xmlns:p14="http://schemas.microsoft.com/office/powerpoint/2010/main" val="3355828527"/>
+      </p:ext>
+    </p:extLst>
+  </p:cSld>
+  <p:clrMapOvr>
+    <a:masterClrMapping/>
+  </p:clrMapOvr>
+</p:sld>
+</file>
+
+<file path=ppt/slides/slide16.xml><?xml version="1.0" encoding="utf-8"?>
 <p:sld xmlns:a="http://schemas.openxmlformats.org/drawingml/2006/main" xmlns:r="http://schemas.openxmlformats.org/officeDocument/2006/relationships" xmlns:p="http://schemas.openxmlformats.org/presentationml/2006/main">
   <p:cSld>
     <p:spTree>
@@ -9654,7 +9995,7 @@
 </p:sld>
 </file>
 
-<file path=ppt/slides/slide15.xml><?xml version="1.0" encoding="utf-8"?>
+<file path=ppt/slides/slide17.xml><?xml version="1.0" encoding="utf-8"?>
 <p:sld xmlns:a="http://schemas.openxmlformats.org/drawingml/2006/main" xmlns:r="http://schemas.openxmlformats.org/officeDocument/2006/relationships" xmlns:p="http://schemas.openxmlformats.org/presentationml/2006/main">
   <p:cSld>
     <p:spTree>
@@ -9719,7 +10060,7 @@
 </p:sld>
 </file>
 
-<file path=ppt/slides/slide16.xml><?xml version="1.0" encoding="utf-8"?>
+<file path=ppt/slides/slide18.xml><?xml version="1.0" encoding="utf-8"?>
 <p:sld xmlns:a="http://schemas.openxmlformats.org/drawingml/2006/main" xmlns:r="http://schemas.openxmlformats.org/officeDocument/2006/relationships" xmlns:p="http://schemas.openxmlformats.org/presentationml/2006/main">
   <p:cSld>
     <p:spTree>
@@ -9786,7 +10127,7 @@
 </p:sld>
 </file>
 
-<file path=ppt/slides/slide17.xml><?xml version="1.0" encoding="utf-8"?>
+<file path=ppt/slides/slide19.xml><?xml version="1.0" encoding="utf-8"?>
 <p:sld xmlns:a="http://schemas.openxmlformats.org/drawingml/2006/main" xmlns:r="http://schemas.openxmlformats.org/officeDocument/2006/relationships" xmlns:p="http://schemas.openxmlformats.org/presentationml/2006/main">
   <p:cSld>
     <p:spTree>
@@ -9837,246 +10178,6 @@
     <p:extLst>
       <p:ext uri="{BB962C8B-B14F-4D97-AF65-F5344CB8AC3E}">
         <p14:creationId xmlns:p14="http://schemas.microsoft.com/office/powerpoint/2010/main" val="3911173567"/>
-      </p:ext>
-    </p:extLst>
-  </p:cSld>
-  <p:clrMapOvr>
-    <a:masterClrMapping/>
-  </p:clrMapOvr>
-  <p:timing>
-    <p:tnLst>
-      <p:par>
-        <p:cTn id="1" dur="indefinite" restart="never" nodeType="tmRoot"/>
-      </p:par>
-    </p:tnLst>
-  </p:timing>
-</p:sld>
-</file>
-
-<file path=ppt/slides/slide18.xml><?xml version="1.0" encoding="utf-8"?>
-<p:sld xmlns:a="http://schemas.openxmlformats.org/drawingml/2006/main" xmlns:r="http://schemas.openxmlformats.org/officeDocument/2006/relationships" xmlns:p="http://schemas.openxmlformats.org/presentationml/2006/main">
-  <p:cSld>
-    <p:spTree>
-      <p:nvGrpSpPr>
-        <p:cNvPr id="1" name=""/>
-        <p:cNvGrpSpPr/>
-        <p:nvPr/>
-      </p:nvGrpSpPr>
-      <p:grpSpPr>
-        <a:xfrm>
-          <a:off x="0" y="0"/>
-          <a:ext cx="0" cy="0"/>
-          <a:chOff x="0" y="0"/>
-          <a:chExt cx="0" cy="0"/>
-        </a:xfrm>
-      </p:grpSpPr>
-      <p:pic>
-        <p:nvPicPr>
-          <p:cNvPr id="3" name="Imagen 2"/>
-          <p:cNvPicPr/>
-          <p:nvPr/>
-        </p:nvPicPr>
-        <p:blipFill>
-          <a:blip r:embed="rId3"/>
-          <a:stretch>
-            <a:fillRect/>
-          </a:stretch>
-        </p:blipFill>
-        <p:spPr>
-          <a:xfrm>
-            <a:off x="6088604" y="1516238"/>
-            <a:ext cx="5400040" cy="3192145"/>
-          </a:xfrm>
-          <a:prstGeom prst="rect">
-            <a:avLst/>
-          </a:prstGeom>
-        </p:spPr>
-      </p:pic>
-      <p:sp>
-        <p:nvSpPr>
-          <p:cNvPr id="4" name="Rectángulo 3"/>
-          <p:cNvSpPr/>
-          <p:nvPr/>
-        </p:nvSpPr>
-        <p:spPr>
-          <a:xfrm>
-            <a:off x="7250001" y="648471"/>
-            <a:ext cx="2125454" cy="388696"/>
-          </a:xfrm>
-          <a:prstGeom prst="rect">
-            <a:avLst/>
-          </a:prstGeom>
-        </p:spPr>
-        <p:txBody>
-          <a:bodyPr wrap="none">
-            <a:spAutoFit/>
-          </a:bodyPr>
-          <a:lstStyle/>
-          <a:p>
-            <a:pPr>
-              <a:lnSpc>
-                <a:spcPct val="107000"/>
-              </a:lnSpc>
-              <a:spcAft>
-                <a:spcPts val="800"/>
-              </a:spcAft>
-            </a:pPr>
-            <a:r>
-              <a:rPr lang="es-ES_tradnl" b="1" dirty="0">
-                <a:latin typeface="Calibri" panose="020F0502020204030204" pitchFamily="34" charset="0"/>
-                <a:ea typeface="Calibri" panose="020F0502020204030204" pitchFamily="34" charset="0"/>
-                <a:cs typeface="Times New Roman" panose="02020603050405020304" pitchFamily="18" charset="0"/>
-              </a:rPr>
-              <a:t>USO DE BOOTSTRAP</a:t>
-            </a:r>
-            <a:endParaRPr lang="es-ES" sz="1400" dirty="0">
-              <a:effectLst/>
-              <a:latin typeface="Calibri" panose="020F0502020204030204" pitchFamily="34" charset="0"/>
-              <a:ea typeface="Calibri" panose="020F0502020204030204" pitchFamily="34" charset="0"/>
-              <a:cs typeface="Times New Roman" panose="02020603050405020304" pitchFamily="18" charset="0"/>
-            </a:endParaRPr>
-          </a:p>
-        </p:txBody>
-      </p:sp>
-      <p:pic>
-        <p:nvPicPr>
-          <p:cNvPr id="5" name="Imagen 4"/>
-          <p:cNvPicPr/>
-          <p:nvPr/>
-        </p:nvPicPr>
-        <p:blipFill>
-          <a:blip r:embed="rId4"/>
-          <a:stretch>
-            <a:fillRect/>
-          </a:stretch>
-        </p:blipFill>
-        <p:spPr>
-          <a:xfrm>
-            <a:off x="209435" y="2170923"/>
-            <a:ext cx="5400040" cy="2537460"/>
-          </a:xfrm>
-          <a:prstGeom prst="rect">
-            <a:avLst/>
-          </a:prstGeom>
-        </p:spPr>
-      </p:pic>
-      <p:sp>
-        <p:nvSpPr>
-          <p:cNvPr id="6" name="Rectángulo 5"/>
-          <p:cNvSpPr/>
-          <p:nvPr/>
-        </p:nvSpPr>
-        <p:spPr>
-          <a:xfrm>
-            <a:off x="1290489" y="648471"/>
-            <a:ext cx="744114" cy="388696"/>
-          </a:xfrm>
-          <a:prstGeom prst="rect">
-            <a:avLst/>
-          </a:prstGeom>
-        </p:spPr>
-        <p:txBody>
-          <a:bodyPr wrap="none">
-            <a:spAutoFit/>
-          </a:bodyPr>
-          <a:lstStyle/>
-          <a:p>
-            <a:pPr>
-              <a:lnSpc>
-                <a:spcPct val="107000"/>
-              </a:lnSpc>
-              <a:spcAft>
-                <a:spcPts val="800"/>
-              </a:spcAft>
-            </a:pPr>
-            <a:r>
-              <a:rPr lang="es-ES_tradnl" b="1" dirty="0">
-                <a:latin typeface="Calibri" panose="020F0502020204030204" pitchFamily="34" charset="0"/>
-                <a:ea typeface="Calibri" panose="020F0502020204030204" pitchFamily="34" charset="0"/>
-                <a:cs typeface="Times New Roman" panose="02020603050405020304" pitchFamily="18" charset="0"/>
-              </a:rPr>
-              <a:t>HTML</a:t>
-            </a:r>
-            <a:endParaRPr lang="es-ES" sz="1400" dirty="0">
-              <a:effectLst/>
-              <a:latin typeface="Calibri" panose="020F0502020204030204" pitchFamily="34" charset="0"/>
-              <a:ea typeface="Calibri" panose="020F0502020204030204" pitchFamily="34" charset="0"/>
-              <a:cs typeface="Times New Roman" panose="02020603050405020304" pitchFamily="18" charset="0"/>
-            </a:endParaRPr>
-          </a:p>
-        </p:txBody>
-      </p:sp>
-    </p:spTree>
-    <p:extLst>
-      <p:ext uri="{BB962C8B-B14F-4D97-AF65-F5344CB8AC3E}">
-        <p14:creationId xmlns:p14="http://schemas.microsoft.com/office/powerpoint/2010/main" val="3017904557"/>
-      </p:ext>
-    </p:extLst>
-  </p:cSld>
-  <p:clrMapOvr>
-    <a:masterClrMapping/>
-  </p:clrMapOvr>
-  <p:timing>
-    <p:tnLst>
-      <p:par>
-        <p:cTn id="1" dur="indefinite" restart="never" nodeType="tmRoot"/>
-      </p:par>
-    </p:tnLst>
-  </p:timing>
-</p:sld>
-</file>
-
-<file path=ppt/slides/slide19.xml><?xml version="1.0" encoding="utf-8"?>
-<p:sld xmlns:a="http://schemas.openxmlformats.org/drawingml/2006/main" xmlns:r="http://schemas.openxmlformats.org/officeDocument/2006/relationships" xmlns:p="http://schemas.openxmlformats.org/presentationml/2006/main">
-  <p:cSld>
-    <p:spTree>
-      <p:nvGrpSpPr>
-        <p:cNvPr id="1" name=""/>
-        <p:cNvGrpSpPr/>
-        <p:nvPr/>
-      </p:nvGrpSpPr>
-      <p:grpSpPr>
-        <a:xfrm>
-          <a:off x="0" y="0"/>
-          <a:ext cx="0" cy="0"/>
-          <a:chOff x="0" y="0"/>
-          <a:chExt cx="0" cy="0"/>
-        </a:xfrm>
-      </p:grpSpPr>
-      <p:pic>
-        <p:nvPicPr>
-          <p:cNvPr id="3" name="Imagen 2"/>
-          <p:cNvPicPr>
-            <a:picLocks noChangeAspect="1"/>
-          </p:cNvPicPr>
-          <p:nvPr/>
-        </p:nvPicPr>
-        <p:blipFill>
-          <a:blip r:embed="rId3">
-            <a:extLst>
-              <a:ext uri="{28A0092B-C50C-407E-A947-70E740481C1C}">
-                <a14:useLocalDpi xmlns:a14="http://schemas.microsoft.com/office/drawing/2010/main" val="0"/>
-              </a:ext>
-            </a:extLst>
-          </a:blip>
-          <a:stretch>
-            <a:fillRect/>
-          </a:stretch>
-        </p:blipFill>
-        <p:spPr>
-          <a:xfrm>
-            <a:off x="2032000" y="889000"/>
-            <a:ext cx="8128000" cy="5080000"/>
-          </a:xfrm>
-          <a:prstGeom prst="rect">
-            <a:avLst/>
-          </a:prstGeom>
-        </p:spPr>
-      </p:pic>
-    </p:spTree>
-    <p:extLst>
-      <p:ext uri="{BB962C8B-B14F-4D97-AF65-F5344CB8AC3E}">
-        <p14:creationId xmlns:p14="http://schemas.microsoft.com/office/powerpoint/2010/main" val="1449880844"/>
       </p:ext>
     </p:extLst>
   </p:cSld>
@@ -10169,6 +10270,246 @@
           <a:chExt cx="0" cy="0"/>
         </a:xfrm>
       </p:grpSpPr>
+      <p:pic>
+        <p:nvPicPr>
+          <p:cNvPr id="3" name="Imagen 2"/>
+          <p:cNvPicPr/>
+          <p:nvPr/>
+        </p:nvPicPr>
+        <p:blipFill>
+          <a:blip r:embed="rId3"/>
+          <a:stretch>
+            <a:fillRect/>
+          </a:stretch>
+        </p:blipFill>
+        <p:spPr>
+          <a:xfrm>
+            <a:off x="6088604" y="1516238"/>
+            <a:ext cx="5400040" cy="3192145"/>
+          </a:xfrm>
+          <a:prstGeom prst="rect">
+            <a:avLst/>
+          </a:prstGeom>
+        </p:spPr>
+      </p:pic>
+      <p:sp>
+        <p:nvSpPr>
+          <p:cNvPr id="4" name="Rectángulo 3"/>
+          <p:cNvSpPr/>
+          <p:nvPr/>
+        </p:nvSpPr>
+        <p:spPr>
+          <a:xfrm>
+            <a:off x="7250001" y="648471"/>
+            <a:ext cx="2125454" cy="388696"/>
+          </a:xfrm>
+          <a:prstGeom prst="rect">
+            <a:avLst/>
+          </a:prstGeom>
+        </p:spPr>
+        <p:txBody>
+          <a:bodyPr wrap="none">
+            <a:spAutoFit/>
+          </a:bodyPr>
+          <a:lstStyle/>
+          <a:p>
+            <a:pPr>
+              <a:lnSpc>
+                <a:spcPct val="107000"/>
+              </a:lnSpc>
+              <a:spcAft>
+                <a:spcPts val="800"/>
+              </a:spcAft>
+            </a:pPr>
+            <a:r>
+              <a:rPr lang="es-ES_tradnl" b="1" dirty="0">
+                <a:latin typeface="Calibri" panose="020F0502020204030204" pitchFamily="34" charset="0"/>
+                <a:ea typeface="Calibri" panose="020F0502020204030204" pitchFamily="34" charset="0"/>
+                <a:cs typeface="Times New Roman" panose="02020603050405020304" pitchFamily="18" charset="0"/>
+              </a:rPr>
+              <a:t>USO DE BOOTSTRAP</a:t>
+            </a:r>
+            <a:endParaRPr lang="es-ES" sz="1400" dirty="0">
+              <a:effectLst/>
+              <a:latin typeface="Calibri" panose="020F0502020204030204" pitchFamily="34" charset="0"/>
+              <a:ea typeface="Calibri" panose="020F0502020204030204" pitchFamily="34" charset="0"/>
+              <a:cs typeface="Times New Roman" panose="02020603050405020304" pitchFamily="18" charset="0"/>
+            </a:endParaRPr>
+          </a:p>
+        </p:txBody>
+      </p:sp>
+      <p:pic>
+        <p:nvPicPr>
+          <p:cNvPr id="5" name="Imagen 4"/>
+          <p:cNvPicPr/>
+          <p:nvPr/>
+        </p:nvPicPr>
+        <p:blipFill>
+          <a:blip r:embed="rId4"/>
+          <a:stretch>
+            <a:fillRect/>
+          </a:stretch>
+        </p:blipFill>
+        <p:spPr>
+          <a:xfrm>
+            <a:off x="209435" y="2170923"/>
+            <a:ext cx="5400040" cy="2537460"/>
+          </a:xfrm>
+          <a:prstGeom prst="rect">
+            <a:avLst/>
+          </a:prstGeom>
+        </p:spPr>
+      </p:pic>
+      <p:sp>
+        <p:nvSpPr>
+          <p:cNvPr id="6" name="Rectángulo 5"/>
+          <p:cNvSpPr/>
+          <p:nvPr/>
+        </p:nvSpPr>
+        <p:spPr>
+          <a:xfrm>
+            <a:off x="1290489" y="648471"/>
+            <a:ext cx="744114" cy="388696"/>
+          </a:xfrm>
+          <a:prstGeom prst="rect">
+            <a:avLst/>
+          </a:prstGeom>
+        </p:spPr>
+        <p:txBody>
+          <a:bodyPr wrap="none">
+            <a:spAutoFit/>
+          </a:bodyPr>
+          <a:lstStyle/>
+          <a:p>
+            <a:pPr>
+              <a:lnSpc>
+                <a:spcPct val="107000"/>
+              </a:lnSpc>
+              <a:spcAft>
+                <a:spcPts val="800"/>
+              </a:spcAft>
+            </a:pPr>
+            <a:r>
+              <a:rPr lang="es-ES_tradnl" b="1" dirty="0">
+                <a:latin typeface="Calibri" panose="020F0502020204030204" pitchFamily="34" charset="0"/>
+                <a:ea typeface="Calibri" panose="020F0502020204030204" pitchFamily="34" charset="0"/>
+                <a:cs typeface="Times New Roman" panose="02020603050405020304" pitchFamily="18" charset="0"/>
+              </a:rPr>
+              <a:t>HTML</a:t>
+            </a:r>
+            <a:endParaRPr lang="es-ES" sz="1400" dirty="0">
+              <a:effectLst/>
+              <a:latin typeface="Calibri" panose="020F0502020204030204" pitchFamily="34" charset="0"/>
+              <a:ea typeface="Calibri" panose="020F0502020204030204" pitchFamily="34" charset="0"/>
+              <a:cs typeface="Times New Roman" panose="02020603050405020304" pitchFamily="18" charset="0"/>
+            </a:endParaRPr>
+          </a:p>
+        </p:txBody>
+      </p:sp>
+    </p:spTree>
+    <p:extLst>
+      <p:ext uri="{BB962C8B-B14F-4D97-AF65-F5344CB8AC3E}">
+        <p14:creationId xmlns:p14="http://schemas.microsoft.com/office/powerpoint/2010/main" val="3017904557"/>
+      </p:ext>
+    </p:extLst>
+  </p:cSld>
+  <p:clrMapOvr>
+    <a:masterClrMapping/>
+  </p:clrMapOvr>
+  <p:timing>
+    <p:tnLst>
+      <p:par>
+        <p:cTn id="1" dur="indefinite" restart="never" nodeType="tmRoot"/>
+      </p:par>
+    </p:tnLst>
+  </p:timing>
+</p:sld>
+</file>
+
+<file path=ppt/slides/slide21.xml><?xml version="1.0" encoding="utf-8"?>
+<p:sld xmlns:a="http://schemas.openxmlformats.org/drawingml/2006/main" xmlns:r="http://schemas.openxmlformats.org/officeDocument/2006/relationships" xmlns:p="http://schemas.openxmlformats.org/presentationml/2006/main">
+  <p:cSld>
+    <p:spTree>
+      <p:nvGrpSpPr>
+        <p:cNvPr id="1" name=""/>
+        <p:cNvGrpSpPr/>
+        <p:nvPr/>
+      </p:nvGrpSpPr>
+      <p:grpSpPr>
+        <a:xfrm>
+          <a:off x="0" y="0"/>
+          <a:ext cx="0" cy="0"/>
+          <a:chOff x="0" y="0"/>
+          <a:chExt cx="0" cy="0"/>
+        </a:xfrm>
+      </p:grpSpPr>
+      <p:pic>
+        <p:nvPicPr>
+          <p:cNvPr id="3" name="Imagen 2"/>
+          <p:cNvPicPr>
+            <a:picLocks noChangeAspect="1"/>
+          </p:cNvPicPr>
+          <p:nvPr/>
+        </p:nvPicPr>
+        <p:blipFill>
+          <a:blip r:embed="rId3">
+            <a:extLst>
+              <a:ext uri="{28A0092B-C50C-407E-A947-70E740481C1C}">
+                <a14:useLocalDpi xmlns:a14="http://schemas.microsoft.com/office/drawing/2010/main" val="0"/>
+              </a:ext>
+            </a:extLst>
+          </a:blip>
+          <a:stretch>
+            <a:fillRect/>
+          </a:stretch>
+        </p:blipFill>
+        <p:spPr>
+          <a:xfrm>
+            <a:off x="2032000" y="889000"/>
+            <a:ext cx="8128000" cy="5080000"/>
+          </a:xfrm>
+          <a:prstGeom prst="rect">
+            <a:avLst/>
+          </a:prstGeom>
+        </p:spPr>
+      </p:pic>
+    </p:spTree>
+    <p:extLst>
+      <p:ext uri="{BB962C8B-B14F-4D97-AF65-F5344CB8AC3E}">
+        <p14:creationId xmlns:p14="http://schemas.microsoft.com/office/powerpoint/2010/main" val="1449880844"/>
+      </p:ext>
+    </p:extLst>
+  </p:cSld>
+  <p:clrMapOvr>
+    <a:masterClrMapping/>
+  </p:clrMapOvr>
+  <p:timing>
+    <p:tnLst>
+      <p:par>
+        <p:cTn id="1" dur="indefinite" restart="never" nodeType="tmRoot"/>
+      </p:par>
+    </p:tnLst>
+  </p:timing>
+</p:sld>
+</file>
+
+<file path=ppt/slides/slide22.xml><?xml version="1.0" encoding="utf-8"?>
+<p:sld xmlns:a="http://schemas.openxmlformats.org/drawingml/2006/main" xmlns:r="http://schemas.openxmlformats.org/officeDocument/2006/relationships" xmlns:p="http://schemas.openxmlformats.org/presentationml/2006/main">
+  <p:cSld>
+    <p:spTree>
+      <p:nvGrpSpPr>
+        <p:cNvPr id="1" name=""/>
+        <p:cNvGrpSpPr/>
+        <p:nvPr/>
+      </p:nvGrpSpPr>
+      <p:grpSpPr>
+        <a:xfrm>
+          <a:off x="0" y="0"/>
+          <a:ext cx="0" cy="0"/>
+          <a:chOff x="0" y="0"/>
+          <a:chExt cx="0" cy="0"/>
+        </a:xfrm>
+      </p:grpSpPr>
       <p:sp>
         <p:nvSpPr>
           <p:cNvPr id="2" name="Rectángulo 1"/>
@@ -10265,7 +10606,7 @@
 </p:sld>
 </file>
 
-<file path=ppt/slides/slide21.xml><?xml version="1.0" encoding="utf-8"?>
+<file path=ppt/slides/slide23.xml><?xml version="1.0" encoding="utf-8"?>
 <p:sld xmlns:a="http://schemas.openxmlformats.org/drawingml/2006/main" xmlns:r="http://schemas.openxmlformats.org/officeDocument/2006/relationships" xmlns:p="http://schemas.openxmlformats.org/presentationml/2006/main">
   <p:cSld>
     <p:spTree>
@@ -10332,7 +10673,7 @@
 </p:sld>
 </file>
 
-<file path=ppt/slides/slide22.xml><?xml version="1.0" encoding="utf-8"?>
+<file path=ppt/slides/slide24.xml><?xml version="1.0" encoding="utf-8"?>
 <p:sld xmlns:a="http://schemas.openxmlformats.org/drawingml/2006/main" xmlns:r="http://schemas.openxmlformats.org/officeDocument/2006/relationships" xmlns:p="http://schemas.openxmlformats.org/presentationml/2006/main">
   <p:cSld>
     <p:spTree>
@@ -10437,7 +10778,7 @@
 </p:sld>
 </file>
 
-<file path=ppt/slides/slide23.xml><?xml version="1.0" encoding="utf-8"?>
+<file path=ppt/slides/slide25.xml><?xml version="1.0" encoding="utf-8"?>
 <p:sld xmlns:a="http://schemas.openxmlformats.org/drawingml/2006/main" xmlns:r="http://schemas.openxmlformats.org/officeDocument/2006/relationships" xmlns:p="http://schemas.openxmlformats.org/presentationml/2006/main">
   <p:cSld>
     <p:spTree>
@@ -10504,7 +10845,7 @@
 </p:sld>
 </file>
 
-<file path=ppt/slides/slide24.xml><?xml version="1.0" encoding="utf-8"?>
+<file path=ppt/slides/slide26.xml><?xml version="1.0" encoding="utf-8"?>
 <p:sld xmlns:a="http://schemas.openxmlformats.org/drawingml/2006/main" xmlns:r="http://schemas.openxmlformats.org/officeDocument/2006/relationships" xmlns:p="http://schemas.openxmlformats.org/presentationml/2006/main">
   <p:cSld>
     <p:spTree>
@@ -10563,7 +10904,7 @@
 </p:sld>
 </file>
 
-<file path=ppt/slides/slide25.xml><?xml version="1.0" encoding="utf-8"?>
+<file path=ppt/slides/slide27.xml><?xml version="1.0" encoding="utf-8"?>
 <p:sld xmlns:a="http://schemas.openxmlformats.org/drawingml/2006/main" xmlns:r="http://schemas.openxmlformats.org/officeDocument/2006/relationships" xmlns:p="http://schemas.openxmlformats.org/presentationml/2006/main">
   <p:cSld>
     <p:spTree>
@@ -10622,7 +10963,7 @@
 </p:sld>
 </file>
 
-<file path=ppt/slides/slide26.xml><?xml version="1.0" encoding="utf-8"?>
+<file path=ppt/slides/slide28.xml><?xml version="1.0" encoding="utf-8"?>
 <p:sld xmlns:a="http://schemas.openxmlformats.org/drawingml/2006/main" xmlns:r="http://schemas.openxmlformats.org/officeDocument/2006/relationships" xmlns:p="http://schemas.openxmlformats.org/presentationml/2006/main">
   <p:cSld>
     <p:spTree>
@@ -10689,7 +11030,7 @@
 </p:sld>
 </file>
 
-<file path=ppt/slides/slide27.xml><?xml version="1.0" encoding="utf-8"?>
+<file path=ppt/slides/slide29.xml><?xml version="1.0" encoding="utf-8"?>
 <p:sld xmlns:a="http://schemas.openxmlformats.org/drawingml/2006/main" xmlns:r="http://schemas.openxmlformats.org/officeDocument/2006/relationships" xmlns:p="http://schemas.openxmlformats.org/presentationml/2006/main">
   <p:cSld>
     <p:spTree>
@@ -10748,7 +11089,123 @@
 </p:sld>
 </file>
 
-<file path=ppt/slides/slide28.xml><?xml version="1.0" encoding="utf-8"?>
+<file path=ppt/slides/slide3.xml><?xml version="1.0" encoding="utf-8"?>
+<p:sld xmlns:a="http://schemas.openxmlformats.org/drawingml/2006/main" xmlns:r="http://schemas.openxmlformats.org/officeDocument/2006/relationships" xmlns:p="http://schemas.openxmlformats.org/presentationml/2006/main">
+  <p:cSld>
+    <p:spTree>
+      <p:nvGrpSpPr>
+        <p:cNvPr id="1" name=""/>
+        <p:cNvGrpSpPr/>
+        <p:nvPr/>
+      </p:nvGrpSpPr>
+      <p:grpSpPr>
+        <a:xfrm>
+          <a:off x="0" y="0"/>
+          <a:ext cx="0" cy="0"/>
+          <a:chOff x="0" y="0"/>
+          <a:chExt cx="0" cy="0"/>
+        </a:xfrm>
+      </p:grpSpPr>
+      <p:sp>
+        <p:nvSpPr>
+          <p:cNvPr id="2" name="Título 1"/>
+          <p:cNvSpPr>
+            <a:spLocks noGrp="1"/>
+          </p:cNvSpPr>
+          <p:nvPr>
+            <p:ph type="title"/>
+          </p:nvPr>
+        </p:nvSpPr>
+        <p:spPr/>
+        <p:txBody>
+          <a:bodyPr/>
+          <a:lstStyle/>
+          <a:p>
+            <a:r>
+              <a:rPr lang="es-ES" dirty="0" err="1" smtClean="0"/>
+              <a:t>YoSoyTuCine</a:t>
+            </a:r>
+            <a:endParaRPr lang="es-ES" dirty="0"/>
+          </a:p>
+        </p:txBody>
+      </p:sp>
+      <p:sp>
+        <p:nvSpPr>
+          <p:cNvPr id="3" name="Marcador de contenido 2"/>
+          <p:cNvSpPr>
+            <a:spLocks noGrp="1"/>
+          </p:cNvSpPr>
+          <p:nvPr>
+            <p:ph idx="1"/>
+          </p:nvPr>
+        </p:nvSpPr>
+        <p:spPr/>
+        <p:txBody>
+          <a:bodyPr/>
+          <a:lstStyle/>
+          <a:p>
+            <a:r>
+              <a:rPr lang="es-ES_tradnl" dirty="0" smtClean="0"/>
+              <a:t>Comparador de cines.</a:t>
+            </a:r>
+          </a:p>
+          <a:p>
+            <a:endParaRPr lang="es-ES" dirty="0"/>
+          </a:p>
+          <a:p>
+            <a:r>
+              <a:rPr lang="es-ES_tradnl" dirty="0" smtClean="0"/>
+              <a:t>Cine más cercano en todo momento.</a:t>
+            </a:r>
+          </a:p>
+          <a:p>
+            <a:endParaRPr lang="es-ES" dirty="0"/>
+          </a:p>
+          <a:p>
+            <a:r>
+              <a:rPr lang="es-ES_tradnl" dirty="0" smtClean="0"/>
+              <a:t>Elige además en base de las </a:t>
+            </a:r>
+            <a:r>
+              <a:rPr lang="es-ES_tradnl" dirty="0"/>
+              <a:t>valoraciones dadas a los cines por la comunidad de usuarios de </a:t>
+            </a:r>
+            <a:r>
+              <a:rPr lang="es-ES_tradnl" dirty="0" err="1"/>
+              <a:t>YoSoyTuCine</a:t>
+            </a:r>
+            <a:r>
+              <a:rPr lang="es-ES_tradnl" dirty="0"/>
+              <a:t>.</a:t>
+            </a:r>
+            <a:endParaRPr lang="es-ES" dirty="0"/>
+          </a:p>
+          <a:p>
+            <a:endParaRPr lang="es-ES" dirty="0"/>
+          </a:p>
+        </p:txBody>
+      </p:sp>
+    </p:spTree>
+    <p:extLst>
+      <p:ext uri="{BB962C8B-B14F-4D97-AF65-F5344CB8AC3E}">
+        <p14:creationId xmlns:p14="http://schemas.microsoft.com/office/powerpoint/2010/main" val="3242723743"/>
+      </p:ext>
+    </p:extLst>
+  </p:cSld>
+  <p:clrMapOvr>
+    <a:masterClrMapping/>
+  </p:clrMapOvr>
+  <p:timing>
+    <p:tnLst>
+      <p:par>
+        <p:cTn id="1" dur="indefinite" restart="never" nodeType="tmRoot"/>
+      </p:par>
+    </p:tnLst>
+  </p:timing>
+</p:sld>
+</file>
+
+<file path=ppt/slides/slide30.xml><?xml version="1.0" encoding="utf-8"?>
 <p:sld xmlns:a="http://schemas.openxmlformats.org/drawingml/2006/main" xmlns:r="http://schemas.openxmlformats.org/officeDocument/2006/relationships" xmlns:p="http://schemas.openxmlformats.org/presentationml/2006/main">
   <p:cSld>
     <p:spTree>
@@ -10809,7 +11266,7 @@
 </p:sld>
 </file>
 
-<file path=ppt/slides/slide29.xml><?xml version="1.0" encoding="utf-8"?>
+<file path=ppt/slides/slide31.xml><?xml version="1.0" encoding="utf-8"?>
 <p:sld xmlns:a="http://schemas.openxmlformats.org/drawingml/2006/main" xmlns:r="http://schemas.openxmlformats.org/officeDocument/2006/relationships" xmlns:p="http://schemas.openxmlformats.org/presentationml/2006/main">
   <p:cSld>
     <p:spTree>
@@ -10898,123 +11355,7 @@
 </p:sld>
 </file>
 
-<file path=ppt/slides/slide3.xml><?xml version="1.0" encoding="utf-8"?>
-<p:sld xmlns:a="http://schemas.openxmlformats.org/drawingml/2006/main" xmlns:r="http://schemas.openxmlformats.org/officeDocument/2006/relationships" xmlns:p="http://schemas.openxmlformats.org/presentationml/2006/main">
-  <p:cSld>
-    <p:spTree>
-      <p:nvGrpSpPr>
-        <p:cNvPr id="1" name=""/>
-        <p:cNvGrpSpPr/>
-        <p:nvPr/>
-      </p:nvGrpSpPr>
-      <p:grpSpPr>
-        <a:xfrm>
-          <a:off x="0" y="0"/>
-          <a:ext cx="0" cy="0"/>
-          <a:chOff x="0" y="0"/>
-          <a:chExt cx="0" cy="0"/>
-        </a:xfrm>
-      </p:grpSpPr>
-      <p:sp>
-        <p:nvSpPr>
-          <p:cNvPr id="2" name="Título 1"/>
-          <p:cNvSpPr>
-            <a:spLocks noGrp="1"/>
-          </p:cNvSpPr>
-          <p:nvPr>
-            <p:ph type="title"/>
-          </p:nvPr>
-        </p:nvSpPr>
-        <p:spPr/>
-        <p:txBody>
-          <a:bodyPr/>
-          <a:lstStyle/>
-          <a:p>
-            <a:r>
-              <a:rPr lang="es-ES" dirty="0" err="1" smtClean="0"/>
-              <a:t>YoSoyTuCine</a:t>
-            </a:r>
-            <a:endParaRPr lang="es-ES" dirty="0"/>
-          </a:p>
-        </p:txBody>
-      </p:sp>
-      <p:sp>
-        <p:nvSpPr>
-          <p:cNvPr id="3" name="Marcador de contenido 2"/>
-          <p:cNvSpPr>
-            <a:spLocks noGrp="1"/>
-          </p:cNvSpPr>
-          <p:nvPr>
-            <p:ph idx="1"/>
-          </p:nvPr>
-        </p:nvSpPr>
-        <p:spPr/>
-        <p:txBody>
-          <a:bodyPr/>
-          <a:lstStyle/>
-          <a:p>
-            <a:r>
-              <a:rPr lang="es-ES_tradnl" dirty="0" smtClean="0"/>
-              <a:t>Comparador de cines.</a:t>
-            </a:r>
-          </a:p>
-          <a:p>
-            <a:endParaRPr lang="es-ES" dirty="0"/>
-          </a:p>
-          <a:p>
-            <a:r>
-              <a:rPr lang="es-ES_tradnl" dirty="0" smtClean="0"/>
-              <a:t>Cine más cercano en todo momento.</a:t>
-            </a:r>
-          </a:p>
-          <a:p>
-            <a:endParaRPr lang="es-ES" dirty="0"/>
-          </a:p>
-          <a:p>
-            <a:r>
-              <a:rPr lang="es-ES_tradnl" dirty="0" smtClean="0"/>
-              <a:t>Elige además en base de las </a:t>
-            </a:r>
-            <a:r>
-              <a:rPr lang="es-ES_tradnl" dirty="0"/>
-              <a:t>valoraciones dadas a los cines por la comunidad de usuarios de </a:t>
-            </a:r>
-            <a:r>
-              <a:rPr lang="es-ES_tradnl" dirty="0" err="1"/>
-              <a:t>YoSoyTuCine</a:t>
-            </a:r>
-            <a:r>
-              <a:rPr lang="es-ES_tradnl" dirty="0"/>
-              <a:t>.</a:t>
-            </a:r>
-            <a:endParaRPr lang="es-ES" dirty="0"/>
-          </a:p>
-          <a:p>
-            <a:endParaRPr lang="es-ES" dirty="0"/>
-          </a:p>
-        </p:txBody>
-      </p:sp>
-    </p:spTree>
-    <p:extLst>
-      <p:ext uri="{BB962C8B-B14F-4D97-AF65-F5344CB8AC3E}">
-        <p14:creationId xmlns:p14="http://schemas.microsoft.com/office/powerpoint/2010/main" val="3242723743"/>
-      </p:ext>
-    </p:extLst>
-  </p:cSld>
-  <p:clrMapOvr>
-    <a:masterClrMapping/>
-  </p:clrMapOvr>
-  <p:timing>
-    <p:tnLst>
-      <p:par>
-        <p:cTn id="1" dur="indefinite" restart="never" nodeType="tmRoot"/>
-      </p:par>
-    </p:tnLst>
-  </p:timing>
-</p:sld>
-</file>
-
-<file path=ppt/slides/slide30.xml><?xml version="1.0" encoding="utf-8"?>
+<file path=ppt/slides/slide32.xml><?xml version="1.0" encoding="utf-8"?>
 <p:sld xmlns:a="http://schemas.openxmlformats.org/drawingml/2006/main" xmlns:r="http://schemas.openxmlformats.org/officeDocument/2006/relationships" xmlns:p="http://schemas.openxmlformats.org/presentationml/2006/main">
   <p:cSld>
     <p:spTree>
@@ -11110,7 +11451,7 @@
 </p:sld>
 </file>
 
-<file path=ppt/slides/slide31.xml><?xml version="1.0" encoding="utf-8"?>
+<file path=ppt/slides/slide33.xml><?xml version="1.0" encoding="utf-8"?>
 <p:sld xmlns:a="http://schemas.openxmlformats.org/drawingml/2006/main" xmlns:r="http://schemas.openxmlformats.org/officeDocument/2006/relationships" xmlns:p="http://schemas.openxmlformats.org/presentationml/2006/main">
   <p:cSld>
     <p:spTree>
